--- a/Programming 4/06.2 Tile Map/06.2 Tile Map.pptx
+++ b/Programming 4/06.2 Tile Map/06.2 Tile Map.pptx
@@ -4,8 +4,20 @@
   <p:sldMasterIdLst>
     <p:sldMasterId id="2147483648" r:id="rId1"/>
   </p:sldMasterIdLst>
+  <p:notesMasterIdLst>
+    <p:notesMasterId r:id="rId12"/>
+  </p:notesMasterIdLst>
   <p:sldIdLst>
-    <p:sldId id="256" r:id="rId2"/>
+    <p:sldId id="257" r:id="rId2"/>
+    <p:sldId id="263" r:id="rId3"/>
+    <p:sldId id="258" r:id="rId4"/>
+    <p:sldId id="264" r:id="rId5"/>
+    <p:sldId id="265" r:id="rId6"/>
+    <p:sldId id="266" r:id="rId7"/>
+    <p:sldId id="262" r:id="rId8"/>
+    <p:sldId id="259" r:id="rId9"/>
+    <p:sldId id="260" r:id="rId10"/>
+    <p:sldId id="261" r:id="rId11"/>
   </p:sldIdLst>
   <p:sldSz cx="9144000" cy="6858000" type="screen4x3"/>
   <p:notesSz cx="6858000" cy="9144000"/>
@@ -106,10 +118,1216 @@
   </p:defaultTextStyle>
   <p:extLst>
     <p:ext uri="{EFAFB233-063F-42B5-8137-9DF3F51BA10A}">
-      <p15:sldGuideLst xmlns:p15="http://schemas.microsoft.com/office/powerpoint/2012/main"/>
+      <p15:sldGuideLst xmlns:p15="http://schemas.microsoft.com/office/powerpoint/2012/main">
+        <p15:guide id="1" orient="horz" pos="2160">
+          <p15:clr>
+            <a:srgbClr val="A4A3A4"/>
+          </p15:clr>
+        </p15:guide>
+        <p15:guide id="2" pos="2880">
+          <p15:clr>
+            <a:srgbClr val="A4A3A4"/>
+          </p15:clr>
+        </p15:guide>
+      </p15:sldGuideLst>
     </p:ext>
   </p:extLst>
 </p:presentation>
+</file>
+
+<file path=ppt/notesMasters/notesMaster1.xml><?xml version="1.0" encoding="utf-8"?>
+<p:notesMaster xmlns:a="http://schemas.openxmlformats.org/drawingml/2006/main" xmlns:r="http://schemas.openxmlformats.org/officeDocument/2006/relationships" xmlns:p="http://schemas.openxmlformats.org/presentationml/2006/main">
+  <p:cSld>
+    <p:bg>
+      <p:bgRef idx="1001">
+        <a:schemeClr val="bg1"/>
+      </p:bgRef>
+    </p:bg>
+    <p:spTree>
+      <p:nvGrpSpPr>
+        <p:cNvPr id="1" name=""/>
+        <p:cNvGrpSpPr/>
+        <p:nvPr/>
+      </p:nvGrpSpPr>
+      <p:grpSpPr>
+        <a:xfrm>
+          <a:off x="0" y="0"/>
+          <a:ext cx="0" cy="0"/>
+          <a:chOff x="0" y="0"/>
+          <a:chExt cx="0" cy="0"/>
+        </a:xfrm>
+      </p:grpSpPr>
+      <p:sp>
+        <p:nvSpPr>
+          <p:cNvPr id="2" name="Header Placeholder 1"/>
+          <p:cNvSpPr>
+            <a:spLocks noGrp="1"/>
+          </p:cNvSpPr>
+          <p:nvPr>
+            <p:ph type="hdr" sz="quarter"/>
+          </p:nvPr>
+        </p:nvSpPr>
+        <p:spPr>
+          <a:xfrm>
+            <a:off x="0" y="0"/>
+            <a:ext cx="2971800" cy="458788"/>
+          </a:xfrm>
+          <a:prstGeom prst="rect">
+            <a:avLst/>
+          </a:prstGeom>
+        </p:spPr>
+        <p:txBody>
+          <a:bodyPr vert="horz" lIns="91440" tIns="45720" rIns="91440" bIns="45720" rtlCol="0"/>
+          <a:lstStyle>
+            <a:lvl1pPr algn="l">
+              <a:defRPr sz="1200"/>
+            </a:lvl1pPr>
+          </a:lstStyle>
+          <a:p>
+            <a:endParaRPr lang="en-NZ"/>
+          </a:p>
+        </p:txBody>
+      </p:sp>
+      <p:sp>
+        <p:nvSpPr>
+          <p:cNvPr id="3" name="Date Placeholder 2"/>
+          <p:cNvSpPr>
+            <a:spLocks noGrp="1"/>
+          </p:cNvSpPr>
+          <p:nvPr>
+            <p:ph type="dt" idx="1"/>
+          </p:nvPr>
+        </p:nvSpPr>
+        <p:spPr>
+          <a:xfrm>
+            <a:off x="3884613" y="0"/>
+            <a:ext cx="2971800" cy="458788"/>
+          </a:xfrm>
+          <a:prstGeom prst="rect">
+            <a:avLst/>
+          </a:prstGeom>
+        </p:spPr>
+        <p:txBody>
+          <a:bodyPr vert="horz" lIns="91440" tIns="45720" rIns="91440" bIns="45720" rtlCol="0"/>
+          <a:lstStyle>
+            <a:lvl1pPr algn="r">
+              <a:defRPr sz="1200"/>
+            </a:lvl1pPr>
+          </a:lstStyle>
+          <a:p>
+            <a:fld id="{793461D3-0CB6-4C77-8432-160A8AA0DF3D}" type="datetimeFigureOut">
+              <a:rPr lang="en-NZ" smtClean="0"/>
+              <a:t>21/08/2019</a:t>
+            </a:fld>
+            <a:endParaRPr lang="en-NZ"/>
+          </a:p>
+        </p:txBody>
+      </p:sp>
+      <p:sp>
+        <p:nvSpPr>
+          <p:cNvPr id="4" name="Slide Image Placeholder 3"/>
+          <p:cNvSpPr>
+            <a:spLocks noGrp="1" noRot="1" noChangeAspect="1"/>
+          </p:cNvSpPr>
+          <p:nvPr>
+            <p:ph type="sldImg" idx="2"/>
+          </p:nvPr>
+        </p:nvSpPr>
+        <p:spPr>
+          <a:xfrm>
+            <a:off x="1371600" y="1143000"/>
+            <a:ext cx="4114800" cy="3086100"/>
+          </a:xfrm>
+          <a:prstGeom prst="rect">
+            <a:avLst/>
+          </a:prstGeom>
+          <a:noFill/>
+          <a:ln w="12700">
+            <a:solidFill>
+              <a:prstClr val="black"/>
+            </a:solidFill>
+          </a:ln>
+        </p:spPr>
+        <p:txBody>
+          <a:bodyPr vert="horz" lIns="91440" tIns="45720" rIns="91440" bIns="45720" rtlCol="0" anchor="ctr"/>
+          <a:lstStyle/>
+          <a:p>
+            <a:endParaRPr lang="en-NZ"/>
+          </a:p>
+        </p:txBody>
+      </p:sp>
+      <p:sp>
+        <p:nvSpPr>
+          <p:cNvPr id="5" name="Notes Placeholder 4"/>
+          <p:cNvSpPr>
+            <a:spLocks noGrp="1"/>
+          </p:cNvSpPr>
+          <p:nvPr>
+            <p:ph type="body" sz="quarter" idx="3"/>
+          </p:nvPr>
+        </p:nvSpPr>
+        <p:spPr>
+          <a:xfrm>
+            <a:off x="685800" y="4400550"/>
+            <a:ext cx="5486400" cy="3600450"/>
+          </a:xfrm>
+          <a:prstGeom prst="rect">
+            <a:avLst/>
+          </a:prstGeom>
+        </p:spPr>
+        <p:txBody>
+          <a:bodyPr vert="horz" lIns="91440" tIns="45720" rIns="91440" bIns="45720" rtlCol="0"/>
+          <a:lstStyle/>
+          <a:p>
+            <a:pPr lvl="0"/>
+            <a:r>
+              <a:rPr lang="en-US" smtClean="0"/>
+              <a:t>Edit Master text styles</a:t>
+            </a:r>
+          </a:p>
+          <a:p>
+            <a:pPr lvl="1"/>
+            <a:r>
+              <a:rPr lang="en-US" smtClean="0"/>
+              <a:t>Second level</a:t>
+            </a:r>
+          </a:p>
+          <a:p>
+            <a:pPr lvl="2"/>
+            <a:r>
+              <a:rPr lang="en-US" smtClean="0"/>
+              <a:t>Third level</a:t>
+            </a:r>
+          </a:p>
+          <a:p>
+            <a:pPr lvl="3"/>
+            <a:r>
+              <a:rPr lang="en-US" smtClean="0"/>
+              <a:t>Fourth level</a:t>
+            </a:r>
+          </a:p>
+          <a:p>
+            <a:pPr lvl="4"/>
+            <a:r>
+              <a:rPr lang="en-US" smtClean="0"/>
+              <a:t>Fifth level</a:t>
+            </a:r>
+            <a:endParaRPr lang="en-NZ"/>
+          </a:p>
+        </p:txBody>
+      </p:sp>
+      <p:sp>
+        <p:nvSpPr>
+          <p:cNvPr id="6" name="Footer Placeholder 5"/>
+          <p:cNvSpPr>
+            <a:spLocks noGrp="1"/>
+          </p:cNvSpPr>
+          <p:nvPr>
+            <p:ph type="ftr" sz="quarter" idx="4"/>
+          </p:nvPr>
+        </p:nvSpPr>
+        <p:spPr>
+          <a:xfrm>
+            <a:off x="0" y="8685213"/>
+            <a:ext cx="2971800" cy="458787"/>
+          </a:xfrm>
+          <a:prstGeom prst="rect">
+            <a:avLst/>
+          </a:prstGeom>
+        </p:spPr>
+        <p:txBody>
+          <a:bodyPr vert="horz" lIns="91440" tIns="45720" rIns="91440" bIns="45720" rtlCol="0" anchor="b"/>
+          <a:lstStyle>
+            <a:lvl1pPr algn="l">
+              <a:defRPr sz="1200"/>
+            </a:lvl1pPr>
+          </a:lstStyle>
+          <a:p>
+            <a:endParaRPr lang="en-NZ"/>
+          </a:p>
+        </p:txBody>
+      </p:sp>
+      <p:sp>
+        <p:nvSpPr>
+          <p:cNvPr id="7" name="Slide Number Placeholder 6"/>
+          <p:cNvSpPr>
+            <a:spLocks noGrp="1"/>
+          </p:cNvSpPr>
+          <p:nvPr>
+            <p:ph type="sldNum" sz="quarter" idx="5"/>
+          </p:nvPr>
+        </p:nvSpPr>
+        <p:spPr>
+          <a:xfrm>
+            <a:off x="3884613" y="8685213"/>
+            <a:ext cx="2971800" cy="458787"/>
+          </a:xfrm>
+          <a:prstGeom prst="rect">
+            <a:avLst/>
+          </a:prstGeom>
+        </p:spPr>
+        <p:txBody>
+          <a:bodyPr vert="horz" lIns="91440" tIns="45720" rIns="91440" bIns="45720" rtlCol="0" anchor="b"/>
+          <a:lstStyle>
+            <a:lvl1pPr algn="r">
+              <a:defRPr sz="1200"/>
+            </a:lvl1pPr>
+          </a:lstStyle>
+          <a:p>
+            <a:fld id="{660C0572-D58E-4AE5-9B51-0C3472D9131C}" type="slidenum">
+              <a:rPr lang="en-NZ" smtClean="0"/>
+              <a:t>‹#›</a:t>
+            </a:fld>
+            <a:endParaRPr lang="en-NZ"/>
+          </a:p>
+        </p:txBody>
+      </p:sp>
+    </p:spTree>
+    <p:extLst>
+      <p:ext uri="{BB962C8B-B14F-4D97-AF65-F5344CB8AC3E}">
+        <p14:creationId xmlns:p14="http://schemas.microsoft.com/office/powerpoint/2010/main" val="3300275538"/>
+      </p:ext>
+    </p:extLst>
+  </p:cSld>
+  <p:clrMap bg1="lt1" tx1="dk1" bg2="lt2" tx2="dk2" accent1="accent1" accent2="accent2" accent3="accent3" accent4="accent4" accent5="accent5" accent6="accent6" hlink="hlink" folHlink="folHlink"/>
+  <p:notesStyle>
+    <a:lvl1pPr marL="0" algn="l" defTabSz="914400" rtl="0" eaLnBrk="1" latinLnBrk="0" hangingPunct="1">
+      <a:defRPr sz="1200" kern="1200">
+        <a:solidFill>
+          <a:schemeClr val="tx1"/>
+        </a:solidFill>
+        <a:latin typeface="+mn-lt"/>
+        <a:ea typeface="+mn-ea"/>
+        <a:cs typeface="+mn-cs"/>
+      </a:defRPr>
+    </a:lvl1pPr>
+    <a:lvl2pPr marL="457200" algn="l" defTabSz="914400" rtl="0" eaLnBrk="1" latinLnBrk="0" hangingPunct="1">
+      <a:defRPr sz="1200" kern="1200">
+        <a:solidFill>
+          <a:schemeClr val="tx1"/>
+        </a:solidFill>
+        <a:latin typeface="+mn-lt"/>
+        <a:ea typeface="+mn-ea"/>
+        <a:cs typeface="+mn-cs"/>
+      </a:defRPr>
+    </a:lvl2pPr>
+    <a:lvl3pPr marL="914400" algn="l" defTabSz="914400" rtl="0" eaLnBrk="1" latinLnBrk="0" hangingPunct="1">
+      <a:defRPr sz="1200" kern="1200">
+        <a:solidFill>
+          <a:schemeClr val="tx1"/>
+        </a:solidFill>
+        <a:latin typeface="+mn-lt"/>
+        <a:ea typeface="+mn-ea"/>
+        <a:cs typeface="+mn-cs"/>
+      </a:defRPr>
+    </a:lvl3pPr>
+    <a:lvl4pPr marL="1371600" algn="l" defTabSz="914400" rtl="0" eaLnBrk="1" latinLnBrk="0" hangingPunct="1">
+      <a:defRPr sz="1200" kern="1200">
+        <a:solidFill>
+          <a:schemeClr val="tx1"/>
+        </a:solidFill>
+        <a:latin typeface="+mn-lt"/>
+        <a:ea typeface="+mn-ea"/>
+        <a:cs typeface="+mn-cs"/>
+      </a:defRPr>
+    </a:lvl4pPr>
+    <a:lvl5pPr marL="1828800" algn="l" defTabSz="914400" rtl="0" eaLnBrk="1" latinLnBrk="0" hangingPunct="1">
+      <a:defRPr sz="1200" kern="1200">
+        <a:solidFill>
+          <a:schemeClr val="tx1"/>
+        </a:solidFill>
+        <a:latin typeface="+mn-lt"/>
+        <a:ea typeface="+mn-ea"/>
+        <a:cs typeface="+mn-cs"/>
+      </a:defRPr>
+    </a:lvl5pPr>
+    <a:lvl6pPr marL="2286000" algn="l" defTabSz="914400" rtl="0" eaLnBrk="1" latinLnBrk="0" hangingPunct="1">
+      <a:defRPr sz="1200" kern="1200">
+        <a:solidFill>
+          <a:schemeClr val="tx1"/>
+        </a:solidFill>
+        <a:latin typeface="+mn-lt"/>
+        <a:ea typeface="+mn-ea"/>
+        <a:cs typeface="+mn-cs"/>
+      </a:defRPr>
+    </a:lvl6pPr>
+    <a:lvl7pPr marL="2743200" algn="l" defTabSz="914400" rtl="0" eaLnBrk="1" latinLnBrk="0" hangingPunct="1">
+      <a:defRPr sz="1200" kern="1200">
+        <a:solidFill>
+          <a:schemeClr val="tx1"/>
+        </a:solidFill>
+        <a:latin typeface="+mn-lt"/>
+        <a:ea typeface="+mn-ea"/>
+        <a:cs typeface="+mn-cs"/>
+      </a:defRPr>
+    </a:lvl7pPr>
+    <a:lvl8pPr marL="3200400" algn="l" defTabSz="914400" rtl="0" eaLnBrk="1" latinLnBrk="0" hangingPunct="1">
+      <a:defRPr sz="1200" kern="1200">
+        <a:solidFill>
+          <a:schemeClr val="tx1"/>
+        </a:solidFill>
+        <a:latin typeface="+mn-lt"/>
+        <a:ea typeface="+mn-ea"/>
+        <a:cs typeface="+mn-cs"/>
+      </a:defRPr>
+    </a:lvl8pPr>
+    <a:lvl9pPr marL="3657600" algn="l" defTabSz="914400" rtl="0" eaLnBrk="1" latinLnBrk="0" hangingPunct="1">
+      <a:defRPr sz="1200" kern="1200">
+        <a:solidFill>
+          <a:schemeClr val="tx1"/>
+        </a:solidFill>
+        <a:latin typeface="+mn-lt"/>
+        <a:ea typeface="+mn-ea"/>
+        <a:cs typeface="+mn-cs"/>
+      </a:defRPr>
+    </a:lvl9pPr>
+  </p:notesStyle>
+</p:notesMaster>
+</file>
+
+<file path=ppt/notesSlides/notesSlide1.xml><?xml version="1.0" encoding="utf-8"?>
+<p:notes xmlns:a="http://schemas.openxmlformats.org/drawingml/2006/main" xmlns:r="http://schemas.openxmlformats.org/officeDocument/2006/relationships" xmlns:p="http://schemas.openxmlformats.org/presentationml/2006/main">
+  <p:cSld>
+    <p:spTree>
+      <p:nvGrpSpPr>
+        <p:cNvPr id="1" name=""/>
+        <p:cNvGrpSpPr/>
+        <p:nvPr/>
+      </p:nvGrpSpPr>
+      <p:grpSpPr>
+        <a:xfrm>
+          <a:off x="0" y="0"/>
+          <a:ext cx="0" cy="0"/>
+          <a:chOff x="0" y="0"/>
+          <a:chExt cx="0" cy="0"/>
+        </a:xfrm>
+      </p:grpSpPr>
+      <p:sp>
+        <p:nvSpPr>
+          <p:cNvPr id="2" name="Slide Image Placeholder 1"/>
+          <p:cNvSpPr>
+            <a:spLocks noGrp="1" noRot="1" noChangeAspect="1"/>
+          </p:cNvSpPr>
+          <p:nvPr>
+            <p:ph type="sldImg"/>
+          </p:nvPr>
+        </p:nvSpPr>
+        <p:spPr/>
+      </p:sp>
+      <p:sp>
+        <p:nvSpPr>
+          <p:cNvPr id="3" name="Notes Placeholder 2"/>
+          <p:cNvSpPr>
+            <a:spLocks noGrp="1"/>
+          </p:cNvSpPr>
+          <p:nvPr>
+            <p:ph type="body" idx="1"/>
+          </p:nvPr>
+        </p:nvSpPr>
+        <p:spPr/>
+        <p:txBody>
+          <a:bodyPr/>
+          <a:lstStyle/>
+          <a:p>
+            <a:pPr marL="171450" indent="-171450">
+              <a:buFont typeface="Arial" panose="020B0604020202020204" pitchFamily="34" charset="0"/>
+              <a:buChar char="•"/>
+            </a:pPr>
+            <a:endParaRPr lang="en-NZ" dirty="0"/>
+          </a:p>
+        </p:txBody>
+      </p:sp>
+      <p:sp>
+        <p:nvSpPr>
+          <p:cNvPr id="4" name="Slide Number Placeholder 3"/>
+          <p:cNvSpPr>
+            <a:spLocks noGrp="1"/>
+          </p:cNvSpPr>
+          <p:nvPr>
+            <p:ph type="sldNum" sz="quarter" idx="10"/>
+          </p:nvPr>
+        </p:nvSpPr>
+        <p:spPr/>
+        <p:txBody>
+          <a:bodyPr/>
+          <a:lstStyle/>
+          <a:p>
+            <a:fld id="{BBC1DE02-C006-4F38-873D-E62701AB1734}" type="slidenum">
+              <a:rPr lang="en-NZ" smtClean="0"/>
+              <a:t>2</a:t>
+            </a:fld>
+            <a:endParaRPr lang="en-NZ"/>
+          </a:p>
+        </p:txBody>
+      </p:sp>
+    </p:spTree>
+    <p:extLst>
+      <p:ext uri="{BB962C8B-B14F-4D97-AF65-F5344CB8AC3E}">
+        <p14:creationId xmlns:p14="http://schemas.microsoft.com/office/powerpoint/2010/main" val="3072242023"/>
+      </p:ext>
+    </p:extLst>
+  </p:cSld>
+  <p:clrMapOvr>
+    <a:masterClrMapping/>
+  </p:clrMapOvr>
+</p:notes>
+</file>
+
+<file path=ppt/notesSlides/notesSlide2.xml><?xml version="1.0" encoding="utf-8"?>
+<p:notes xmlns:a="http://schemas.openxmlformats.org/drawingml/2006/main" xmlns:r="http://schemas.openxmlformats.org/officeDocument/2006/relationships" xmlns:p="http://schemas.openxmlformats.org/presentationml/2006/main">
+  <p:cSld>
+    <p:spTree>
+      <p:nvGrpSpPr>
+        <p:cNvPr id="1" name=""/>
+        <p:cNvGrpSpPr/>
+        <p:nvPr/>
+      </p:nvGrpSpPr>
+      <p:grpSpPr>
+        <a:xfrm>
+          <a:off x="0" y="0"/>
+          <a:ext cx="0" cy="0"/>
+          <a:chOff x="0" y="0"/>
+          <a:chExt cx="0" cy="0"/>
+        </a:xfrm>
+      </p:grpSpPr>
+      <p:sp>
+        <p:nvSpPr>
+          <p:cNvPr id="2" name="Slide Image Placeholder 1"/>
+          <p:cNvSpPr>
+            <a:spLocks noGrp="1" noRot="1" noChangeAspect="1"/>
+          </p:cNvSpPr>
+          <p:nvPr>
+            <p:ph type="sldImg"/>
+          </p:nvPr>
+        </p:nvSpPr>
+        <p:spPr/>
+      </p:sp>
+      <p:sp>
+        <p:nvSpPr>
+          <p:cNvPr id="3" name="Notes Placeholder 2"/>
+          <p:cNvSpPr>
+            <a:spLocks noGrp="1"/>
+          </p:cNvSpPr>
+          <p:nvPr>
+            <p:ph type="body" idx="1"/>
+          </p:nvPr>
+        </p:nvSpPr>
+        <p:spPr/>
+        <p:txBody>
+          <a:bodyPr/>
+          <a:lstStyle/>
+          <a:p>
+            <a:pPr marL="171450" indent="-171450">
+              <a:buFont typeface="Arial" panose="020B0604020202020204" pitchFamily="34" charset="0"/>
+              <a:buChar char="•"/>
+            </a:pPr>
+            <a:endParaRPr lang="en-NZ" dirty="0"/>
+          </a:p>
+        </p:txBody>
+      </p:sp>
+      <p:sp>
+        <p:nvSpPr>
+          <p:cNvPr id="4" name="Slide Number Placeholder 3"/>
+          <p:cNvSpPr>
+            <a:spLocks noGrp="1"/>
+          </p:cNvSpPr>
+          <p:nvPr>
+            <p:ph type="sldNum" sz="quarter" idx="10"/>
+          </p:nvPr>
+        </p:nvSpPr>
+        <p:spPr/>
+        <p:txBody>
+          <a:bodyPr/>
+          <a:lstStyle/>
+          <a:p>
+            <a:fld id="{BBC1DE02-C006-4F38-873D-E62701AB1734}" type="slidenum">
+              <a:rPr lang="en-NZ" smtClean="0"/>
+              <a:t>3</a:t>
+            </a:fld>
+            <a:endParaRPr lang="en-NZ"/>
+          </a:p>
+        </p:txBody>
+      </p:sp>
+    </p:spTree>
+    <p:extLst>
+      <p:ext uri="{BB962C8B-B14F-4D97-AF65-F5344CB8AC3E}">
+        <p14:creationId xmlns:p14="http://schemas.microsoft.com/office/powerpoint/2010/main" val="1362392687"/>
+      </p:ext>
+    </p:extLst>
+  </p:cSld>
+  <p:clrMapOvr>
+    <a:masterClrMapping/>
+  </p:clrMapOvr>
+</p:notes>
+</file>
+
+<file path=ppt/notesSlides/notesSlide3.xml><?xml version="1.0" encoding="utf-8"?>
+<p:notes xmlns:a="http://schemas.openxmlformats.org/drawingml/2006/main" xmlns:r="http://schemas.openxmlformats.org/officeDocument/2006/relationships" xmlns:p="http://schemas.openxmlformats.org/presentationml/2006/main">
+  <p:cSld>
+    <p:spTree>
+      <p:nvGrpSpPr>
+        <p:cNvPr id="1" name=""/>
+        <p:cNvGrpSpPr/>
+        <p:nvPr/>
+      </p:nvGrpSpPr>
+      <p:grpSpPr>
+        <a:xfrm>
+          <a:off x="0" y="0"/>
+          <a:ext cx="0" cy="0"/>
+          <a:chOff x="0" y="0"/>
+          <a:chExt cx="0" cy="0"/>
+        </a:xfrm>
+      </p:grpSpPr>
+      <p:sp>
+        <p:nvSpPr>
+          <p:cNvPr id="2" name="Slide Image Placeholder 1"/>
+          <p:cNvSpPr>
+            <a:spLocks noGrp="1" noRot="1" noChangeAspect="1"/>
+          </p:cNvSpPr>
+          <p:nvPr>
+            <p:ph type="sldImg"/>
+          </p:nvPr>
+        </p:nvSpPr>
+        <p:spPr/>
+      </p:sp>
+      <p:sp>
+        <p:nvSpPr>
+          <p:cNvPr id="3" name="Notes Placeholder 2"/>
+          <p:cNvSpPr>
+            <a:spLocks noGrp="1"/>
+          </p:cNvSpPr>
+          <p:nvPr>
+            <p:ph type="body" idx="1"/>
+          </p:nvPr>
+        </p:nvSpPr>
+        <p:spPr/>
+        <p:txBody>
+          <a:bodyPr/>
+          <a:lstStyle/>
+          <a:p>
+            <a:pPr marL="171450" indent="-171450">
+              <a:buFont typeface="Arial" panose="020B0604020202020204" pitchFamily="34" charset="0"/>
+              <a:buChar char="•"/>
+            </a:pPr>
+            <a:r>
+              <a:rPr lang="en-NZ" dirty="0" smtClean="0"/>
+              <a:t>Preparing for the future</a:t>
+            </a:r>
+            <a:endParaRPr lang="en-NZ" dirty="0"/>
+          </a:p>
+        </p:txBody>
+      </p:sp>
+      <p:sp>
+        <p:nvSpPr>
+          <p:cNvPr id="4" name="Slide Number Placeholder 3"/>
+          <p:cNvSpPr>
+            <a:spLocks noGrp="1"/>
+          </p:cNvSpPr>
+          <p:nvPr>
+            <p:ph type="sldNum" sz="quarter" idx="10"/>
+          </p:nvPr>
+        </p:nvSpPr>
+        <p:spPr/>
+        <p:txBody>
+          <a:bodyPr/>
+          <a:lstStyle/>
+          <a:p>
+            <a:fld id="{BBC1DE02-C006-4F38-873D-E62701AB1734}" type="slidenum">
+              <a:rPr lang="en-NZ" smtClean="0"/>
+              <a:t>4</a:t>
+            </a:fld>
+            <a:endParaRPr lang="en-NZ"/>
+          </a:p>
+        </p:txBody>
+      </p:sp>
+    </p:spTree>
+    <p:extLst>
+      <p:ext uri="{BB962C8B-B14F-4D97-AF65-F5344CB8AC3E}">
+        <p14:creationId xmlns:p14="http://schemas.microsoft.com/office/powerpoint/2010/main" val="750860364"/>
+      </p:ext>
+    </p:extLst>
+  </p:cSld>
+  <p:clrMapOvr>
+    <a:masterClrMapping/>
+  </p:clrMapOvr>
+</p:notes>
+</file>
+
+<file path=ppt/notesSlides/notesSlide4.xml><?xml version="1.0" encoding="utf-8"?>
+<p:notes xmlns:a="http://schemas.openxmlformats.org/drawingml/2006/main" xmlns:r="http://schemas.openxmlformats.org/officeDocument/2006/relationships" xmlns:p="http://schemas.openxmlformats.org/presentationml/2006/main">
+  <p:cSld>
+    <p:spTree>
+      <p:nvGrpSpPr>
+        <p:cNvPr id="1" name=""/>
+        <p:cNvGrpSpPr/>
+        <p:nvPr/>
+      </p:nvGrpSpPr>
+      <p:grpSpPr>
+        <a:xfrm>
+          <a:off x="0" y="0"/>
+          <a:ext cx="0" cy="0"/>
+          <a:chOff x="0" y="0"/>
+          <a:chExt cx="0" cy="0"/>
+        </a:xfrm>
+      </p:grpSpPr>
+      <p:sp>
+        <p:nvSpPr>
+          <p:cNvPr id="2" name="Slide Image Placeholder 1"/>
+          <p:cNvSpPr>
+            <a:spLocks noGrp="1" noRot="1" noChangeAspect="1"/>
+          </p:cNvSpPr>
+          <p:nvPr>
+            <p:ph type="sldImg"/>
+          </p:nvPr>
+        </p:nvSpPr>
+        <p:spPr/>
+      </p:sp>
+      <p:sp>
+        <p:nvSpPr>
+          <p:cNvPr id="3" name="Notes Placeholder 2"/>
+          <p:cNvSpPr>
+            <a:spLocks noGrp="1"/>
+          </p:cNvSpPr>
+          <p:nvPr>
+            <p:ph type="body" idx="1"/>
+          </p:nvPr>
+        </p:nvSpPr>
+        <p:spPr/>
+        <p:txBody>
+          <a:bodyPr/>
+          <a:lstStyle/>
+          <a:p>
+            <a:pPr marL="171450" indent="-171450">
+              <a:buFont typeface="Arial" panose="020B0604020202020204" pitchFamily="34" charset="0"/>
+              <a:buChar char="•"/>
+            </a:pPr>
+            <a:endParaRPr lang="en-NZ" dirty="0"/>
+          </a:p>
+        </p:txBody>
+      </p:sp>
+      <p:sp>
+        <p:nvSpPr>
+          <p:cNvPr id="4" name="Slide Number Placeholder 3"/>
+          <p:cNvSpPr>
+            <a:spLocks noGrp="1"/>
+          </p:cNvSpPr>
+          <p:nvPr>
+            <p:ph type="sldNum" sz="quarter" idx="10"/>
+          </p:nvPr>
+        </p:nvSpPr>
+        <p:spPr/>
+        <p:txBody>
+          <a:bodyPr/>
+          <a:lstStyle/>
+          <a:p>
+            <a:fld id="{BBC1DE02-C006-4F38-873D-E62701AB1734}" type="slidenum">
+              <a:rPr lang="en-NZ" smtClean="0"/>
+              <a:t>5</a:t>
+            </a:fld>
+            <a:endParaRPr lang="en-NZ"/>
+          </a:p>
+        </p:txBody>
+      </p:sp>
+    </p:spTree>
+    <p:extLst>
+      <p:ext uri="{BB962C8B-B14F-4D97-AF65-F5344CB8AC3E}">
+        <p14:creationId xmlns:p14="http://schemas.microsoft.com/office/powerpoint/2010/main" val="917480821"/>
+      </p:ext>
+    </p:extLst>
+  </p:cSld>
+  <p:clrMapOvr>
+    <a:masterClrMapping/>
+  </p:clrMapOvr>
+</p:notes>
+</file>
+
+<file path=ppt/notesSlides/notesSlide5.xml><?xml version="1.0" encoding="utf-8"?>
+<p:notes xmlns:a="http://schemas.openxmlformats.org/drawingml/2006/main" xmlns:r="http://schemas.openxmlformats.org/officeDocument/2006/relationships" xmlns:p="http://schemas.openxmlformats.org/presentationml/2006/main">
+  <p:cSld>
+    <p:spTree>
+      <p:nvGrpSpPr>
+        <p:cNvPr id="1" name=""/>
+        <p:cNvGrpSpPr/>
+        <p:nvPr/>
+      </p:nvGrpSpPr>
+      <p:grpSpPr>
+        <a:xfrm>
+          <a:off x="0" y="0"/>
+          <a:ext cx="0" cy="0"/>
+          <a:chOff x="0" y="0"/>
+          <a:chExt cx="0" cy="0"/>
+        </a:xfrm>
+      </p:grpSpPr>
+      <p:sp>
+        <p:nvSpPr>
+          <p:cNvPr id="2" name="Slide Image Placeholder 1"/>
+          <p:cNvSpPr>
+            <a:spLocks noGrp="1" noRot="1" noChangeAspect="1"/>
+          </p:cNvSpPr>
+          <p:nvPr>
+            <p:ph type="sldImg"/>
+          </p:nvPr>
+        </p:nvSpPr>
+        <p:spPr/>
+      </p:sp>
+      <p:sp>
+        <p:nvSpPr>
+          <p:cNvPr id="3" name="Notes Placeholder 2"/>
+          <p:cNvSpPr>
+            <a:spLocks noGrp="1"/>
+          </p:cNvSpPr>
+          <p:nvPr>
+            <p:ph type="body" idx="1"/>
+          </p:nvPr>
+        </p:nvSpPr>
+        <p:spPr/>
+        <p:txBody>
+          <a:bodyPr/>
+          <a:lstStyle/>
+          <a:p>
+            <a:pPr marL="171450" indent="-171450">
+              <a:buFont typeface="Arial" panose="020B0604020202020204" pitchFamily="34" charset="0"/>
+              <a:buChar char="•"/>
+            </a:pPr>
+            <a:endParaRPr lang="en-NZ" dirty="0"/>
+          </a:p>
+        </p:txBody>
+      </p:sp>
+      <p:sp>
+        <p:nvSpPr>
+          <p:cNvPr id="4" name="Slide Number Placeholder 3"/>
+          <p:cNvSpPr>
+            <a:spLocks noGrp="1"/>
+          </p:cNvSpPr>
+          <p:nvPr>
+            <p:ph type="sldNum" sz="quarter" idx="10"/>
+          </p:nvPr>
+        </p:nvSpPr>
+        <p:spPr/>
+        <p:txBody>
+          <a:bodyPr/>
+          <a:lstStyle/>
+          <a:p>
+            <a:fld id="{BBC1DE02-C006-4F38-873D-E62701AB1734}" type="slidenum">
+              <a:rPr lang="en-NZ" smtClean="0"/>
+              <a:t>6</a:t>
+            </a:fld>
+            <a:endParaRPr lang="en-NZ"/>
+          </a:p>
+        </p:txBody>
+      </p:sp>
+    </p:spTree>
+    <p:extLst>
+      <p:ext uri="{BB962C8B-B14F-4D97-AF65-F5344CB8AC3E}">
+        <p14:creationId xmlns:p14="http://schemas.microsoft.com/office/powerpoint/2010/main" val="4212124869"/>
+      </p:ext>
+    </p:extLst>
+  </p:cSld>
+  <p:clrMapOvr>
+    <a:masterClrMapping/>
+  </p:clrMapOvr>
+</p:notes>
+</file>
+
+<file path=ppt/notesSlides/notesSlide6.xml><?xml version="1.0" encoding="utf-8"?>
+<p:notes xmlns:a="http://schemas.openxmlformats.org/drawingml/2006/main" xmlns:r="http://schemas.openxmlformats.org/officeDocument/2006/relationships" xmlns:p="http://schemas.openxmlformats.org/presentationml/2006/main">
+  <p:cSld>
+    <p:spTree>
+      <p:nvGrpSpPr>
+        <p:cNvPr id="1" name=""/>
+        <p:cNvGrpSpPr/>
+        <p:nvPr/>
+      </p:nvGrpSpPr>
+      <p:grpSpPr>
+        <a:xfrm>
+          <a:off x="0" y="0"/>
+          <a:ext cx="0" cy="0"/>
+          <a:chOff x="0" y="0"/>
+          <a:chExt cx="0" cy="0"/>
+        </a:xfrm>
+      </p:grpSpPr>
+      <p:sp>
+        <p:nvSpPr>
+          <p:cNvPr id="2" name="Slide Image Placeholder 1"/>
+          <p:cNvSpPr>
+            <a:spLocks noGrp="1" noRot="1" noChangeAspect="1"/>
+          </p:cNvSpPr>
+          <p:nvPr>
+            <p:ph type="sldImg"/>
+          </p:nvPr>
+        </p:nvSpPr>
+        <p:spPr/>
+      </p:sp>
+      <p:sp>
+        <p:nvSpPr>
+          <p:cNvPr id="3" name="Notes Placeholder 2"/>
+          <p:cNvSpPr>
+            <a:spLocks noGrp="1"/>
+          </p:cNvSpPr>
+          <p:nvPr>
+            <p:ph type="body" idx="1"/>
+          </p:nvPr>
+        </p:nvSpPr>
+        <p:spPr/>
+        <p:txBody>
+          <a:bodyPr/>
+          <a:lstStyle/>
+          <a:p>
+            <a:pPr marL="171450" indent="-171450">
+              <a:buFont typeface="Arial" panose="020B0604020202020204" pitchFamily="34" charset="0"/>
+              <a:buChar char="•"/>
+            </a:pPr>
+            <a:endParaRPr lang="en-NZ" dirty="0"/>
+          </a:p>
+        </p:txBody>
+      </p:sp>
+      <p:sp>
+        <p:nvSpPr>
+          <p:cNvPr id="4" name="Slide Number Placeholder 3"/>
+          <p:cNvSpPr>
+            <a:spLocks noGrp="1"/>
+          </p:cNvSpPr>
+          <p:nvPr>
+            <p:ph type="sldNum" sz="quarter" idx="10"/>
+          </p:nvPr>
+        </p:nvSpPr>
+        <p:spPr/>
+        <p:txBody>
+          <a:bodyPr/>
+          <a:lstStyle/>
+          <a:p>
+            <a:fld id="{BBC1DE02-C006-4F38-873D-E62701AB1734}" type="slidenum">
+              <a:rPr lang="en-NZ" smtClean="0"/>
+              <a:t>7</a:t>
+            </a:fld>
+            <a:endParaRPr lang="en-NZ"/>
+          </a:p>
+        </p:txBody>
+      </p:sp>
+    </p:spTree>
+    <p:extLst>
+      <p:ext uri="{BB962C8B-B14F-4D97-AF65-F5344CB8AC3E}">
+        <p14:creationId xmlns:p14="http://schemas.microsoft.com/office/powerpoint/2010/main" val="2695275732"/>
+      </p:ext>
+    </p:extLst>
+  </p:cSld>
+  <p:clrMapOvr>
+    <a:masterClrMapping/>
+  </p:clrMapOvr>
+</p:notes>
+</file>
+
+<file path=ppt/notesSlides/notesSlide7.xml><?xml version="1.0" encoding="utf-8"?>
+<p:notes xmlns:a="http://schemas.openxmlformats.org/drawingml/2006/main" xmlns:r="http://schemas.openxmlformats.org/officeDocument/2006/relationships" xmlns:p="http://schemas.openxmlformats.org/presentationml/2006/main">
+  <p:cSld>
+    <p:spTree>
+      <p:nvGrpSpPr>
+        <p:cNvPr id="1" name=""/>
+        <p:cNvGrpSpPr/>
+        <p:nvPr/>
+      </p:nvGrpSpPr>
+      <p:grpSpPr>
+        <a:xfrm>
+          <a:off x="0" y="0"/>
+          <a:ext cx="0" cy="0"/>
+          <a:chOff x="0" y="0"/>
+          <a:chExt cx="0" cy="0"/>
+        </a:xfrm>
+      </p:grpSpPr>
+      <p:sp>
+        <p:nvSpPr>
+          <p:cNvPr id="2" name="Slide Image Placeholder 1"/>
+          <p:cNvSpPr>
+            <a:spLocks noGrp="1" noRot="1" noChangeAspect="1"/>
+          </p:cNvSpPr>
+          <p:nvPr>
+            <p:ph type="sldImg"/>
+          </p:nvPr>
+        </p:nvSpPr>
+        <p:spPr/>
+      </p:sp>
+      <p:sp>
+        <p:nvSpPr>
+          <p:cNvPr id="3" name="Notes Placeholder 2"/>
+          <p:cNvSpPr>
+            <a:spLocks noGrp="1"/>
+          </p:cNvSpPr>
+          <p:nvPr>
+            <p:ph type="body" idx="1"/>
+          </p:nvPr>
+        </p:nvSpPr>
+        <p:spPr/>
+        <p:txBody>
+          <a:bodyPr/>
+          <a:lstStyle/>
+          <a:p>
+            <a:pPr marL="171450" indent="-171450">
+              <a:buFont typeface="Arial" panose="020B0604020202020204" pitchFamily="34" charset="0"/>
+              <a:buChar char="•"/>
+            </a:pPr>
+            <a:r>
+              <a:rPr lang="en-NZ" dirty="0" smtClean="0"/>
+              <a:t>Here is a CSV file you can use in development.</a:t>
+            </a:r>
+            <a:r>
+              <a:rPr lang="en-NZ" baseline="0" dirty="0" smtClean="0"/>
+              <a:t> 20 rows by 30 columns</a:t>
+            </a:r>
+          </a:p>
+          <a:p>
+            <a:pPr marL="171450" indent="-171450">
+              <a:buFont typeface="Arial" panose="020B0604020202020204" pitchFamily="34" charset="0"/>
+              <a:buChar char="•"/>
+            </a:pPr>
+            <a:endParaRPr lang="en-NZ" baseline="0" dirty="0" smtClean="0"/>
+          </a:p>
+          <a:p>
+            <a:pPr marL="171450" indent="-171450">
+              <a:buFont typeface="Arial" panose="020B0604020202020204" pitchFamily="34" charset="0"/>
+              <a:buChar char="•"/>
+            </a:pPr>
+            <a:r>
+              <a:rPr lang="en-NZ" baseline="0" dirty="0" smtClean="0"/>
+              <a:t>Given the tile assignments in my code, (0 = </a:t>
+            </a:r>
+            <a:r>
+              <a:rPr lang="en-NZ" baseline="0" dirty="0" err="1" smtClean="0"/>
+              <a:t>tileOne</a:t>
+            </a:r>
+            <a:r>
+              <a:rPr lang="en-NZ" baseline="0" dirty="0" smtClean="0"/>
+              <a:t>, 1 = </a:t>
+            </a:r>
+            <a:r>
+              <a:rPr lang="en-NZ" baseline="0" dirty="0" err="1" smtClean="0"/>
+              <a:t>tileTwo</a:t>
+            </a:r>
+            <a:r>
+              <a:rPr lang="en-NZ" baseline="0" dirty="0" smtClean="0"/>
+              <a:t> and 2 = </a:t>
+            </a:r>
+            <a:r>
+              <a:rPr lang="en-NZ" baseline="0" dirty="0" err="1" smtClean="0"/>
+              <a:t>tileThree</a:t>
+            </a:r>
+            <a:r>
+              <a:rPr lang="en-NZ" baseline="0" dirty="0" smtClean="0"/>
+              <a:t>)</a:t>
+            </a:r>
+            <a:endParaRPr lang="en-NZ" dirty="0"/>
+          </a:p>
+        </p:txBody>
+      </p:sp>
+      <p:sp>
+        <p:nvSpPr>
+          <p:cNvPr id="4" name="Slide Number Placeholder 3"/>
+          <p:cNvSpPr>
+            <a:spLocks noGrp="1"/>
+          </p:cNvSpPr>
+          <p:nvPr>
+            <p:ph type="sldNum" sz="quarter" idx="10"/>
+          </p:nvPr>
+        </p:nvSpPr>
+        <p:spPr/>
+        <p:txBody>
+          <a:bodyPr/>
+          <a:lstStyle/>
+          <a:p>
+            <a:fld id="{BBC1DE02-C006-4F38-873D-E62701AB1734}" type="slidenum">
+              <a:rPr lang="en-NZ" smtClean="0"/>
+              <a:t>8</a:t>
+            </a:fld>
+            <a:endParaRPr lang="en-NZ"/>
+          </a:p>
+        </p:txBody>
+      </p:sp>
+    </p:spTree>
+    <p:extLst>
+      <p:ext uri="{BB962C8B-B14F-4D97-AF65-F5344CB8AC3E}">
+        <p14:creationId xmlns:p14="http://schemas.microsoft.com/office/powerpoint/2010/main" val="153191202"/>
+      </p:ext>
+    </p:extLst>
+  </p:cSld>
+  <p:clrMapOvr>
+    <a:masterClrMapping/>
+  </p:clrMapOvr>
+</p:notes>
+</file>
+
+<file path=ppt/notesSlides/notesSlide8.xml><?xml version="1.0" encoding="utf-8"?>
+<p:notes xmlns:a="http://schemas.openxmlformats.org/drawingml/2006/main" xmlns:r="http://schemas.openxmlformats.org/officeDocument/2006/relationships" xmlns:p="http://schemas.openxmlformats.org/presentationml/2006/main">
+  <p:cSld>
+    <p:spTree>
+      <p:nvGrpSpPr>
+        <p:cNvPr id="1" name=""/>
+        <p:cNvGrpSpPr/>
+        <p:nvPr/>
+      </p:nvGrpSpPr>
+      <p:grpSpPr>
+        <a:xfrm>
+          <a:off x="0" y="0"/>
+          <a:ext cx="0" cy="0"/>
+          <a:chOff x="0" y="0"/>
+          <a:chExt cx="0" cy="0"/>
+        </a:xfrm>
+      </p:grpSpPr>
+      <p:sp>
+        <p:nvSpPr>
+          <p:cNvPr id="2" name="Slide Image Placeholder 1"/>
+          <p:cNvSpPr>
+            <a:spLocks noGrp="1" noRot="1" noChangeAspect="1"/>
+          </p:cNvSpPr>
+          <p:nvPr>
+            <p:ph type="sldImg"/>
+          </p:nvPr>
+        </p:nvSpPr>
+        <p:spPr/>
+      </p:sp>
+      <p:sp>
+        <p:nvSpPr>
+          <p:cNvPr id="3" name="Notes Placeholder 2"/>
+          <p:cNvSpPr>
+            <a:spLocks noGrp="1"/>
+          </p:cNvSpPr>
+          <p:nvPr>
+            <p:ph type="body" idx="1"/>
+          </p:nvPr>
+        </p:nvSpPr>
+        <p:spPr/>
+        <p:txBody>
+          <a:bodyPr/>
+          <a:lstStyle/>
+          <a:p>
+            <a:pPr marL="171450" indent="-171450">
+              <a:buFont typeface="Arial" panose="020B0604020202020204" pitchFamily="34" charset="0"/>
+              <a:buChar char="•"/>
+            </a:pPr>
+            <a:endParaRPr lang="en-NZ" dirty="0"/>
+          </a:p>
+        </p:txBody>
+      </p:sp>
+      <p:sp>
+        <p:nvSpPr>
+          <p:cNvPr id="4" name="Slide Number Placeholder 3"/>
+          <p:cNvSpPr>
+            <a:spLocks noGrp="1"/>
+          </p:cNvSpPr>
+          <p:nvPr>
+            <p:ph type="sldNum" sz="quarter" idx="10"/>
+          </p:nvPr>
+        </p:nvSpPr>
+        <p:spPr/>
+        <p:txBody>
+          <a:bodyPr/>
+          <a:lstStyle/>
+          <a:p>
+            <a:fld id="{BBC1DE02-C006-4F38-873D-E62701AB1734}" type="slidenum">
+              <a:rPr lang="en-NZ" smtClean="0"/>
+              <a:t>9</a:t>
+            </a:fld>
+            <a:endParaRPr lang="en-NZ"/>
+          </a:p>
+        </p:txBody>
+      </p:sp>
+    </p:spTree>
+    <p:extLst>
+      <p:ext uri="{BB962C8B-B14F-4D97-AF65-F5344CB8AC3E}">
+        <p14:creationId xmlns:p14="http://schemas.microsoft.com/office/powerpoint/2010/main" val="1671580097"/>
+      </p:ext>
+    </p:extLst>
+  </p:cSld>
+  <p:clrMapOvr>
+    <a:masterClrMapping/>
+  </p:clrMapOvr>
+</p:notes>
+</file>
+
+<file path=ppt/notesSlides/notesSlide9.xml><?xml version="1.0" encoding="utf-8"?>
+<p:notes xmlns:a="http://schemas.openxmlformats.org/drawingml/2006/main" xmlns:r="http://schemas.openxmlformats.org/officeDocument/2006/relationships" xmlns:p="http://schemas.openxmlformats.org/presentationml/2006/main">
+  <p:cSld>
+    <p:spTree>
+      <p:nvGrpSpPr>
+        <p:cNvPr id="1" name=""/>
+        <p:cNvGrpSpPr/>
+        <p:nvPr/>
+      </p:nvGrpSpPr>
+      <p:grpSpPr>
+        <a:xfrm>
+          <a:off x="0" y="0"/>
+          <a:ext cx="0" cy="0"/>
+          <a:chOff x="0" y="0"/>
+          <a:chExt cx="0" cy="0"/>
+        </a:xfrm>
+      </p:grpSpPr>
+      <p:sp>
+        <p:nvSpPr>
+          <p:cNvPr id="2" name="Slide Image Placeholder 1"/>
+          <p:cNvSpPr>
+            <a:spLocks noGrp="1" noRot="1" noChangeAspect="1"/>
+          </p:cNvSpPr>
+          <p:nvPr>
+            <p:ph type="sldImg"/>
+          </p:nvPr>
+        </p:nvSpPr>
+        <p:spPr/>
+      </p:sp>
+      <p:sp>
+        <p:nvSpPr>
+          <p:cNvPr id="3" name="Notes Placeholder 2"/>
+          <p:cNvSpPr>
+            <a:spLocks noGrp="1"/>
+          </p:cNvSpPr>
+          <p:nvPr>
+            <p:ph type="body" idx="1"/>
+          </p:nvPr>
+        </p:nvSpPr>
+        <p:spPr/>
+        <p:txBody>
+          <a:bodyPr/>
+          <a:lstStyle/>
+          <a:p>
+            <a:pPr marL="171450" indent="-171450">
+              <a:buFont typeface="Arial" panose="020B0604020202020204" pitchFamily="34" charset="0"/>
+              <a:buChar char="•"/>
+            </a:pPr>
+            <a:endParaRPr lang="en-NZ" dirty="0"/>
+          </a:p>
+        </p:txBody>
+      </p:sp>
+      <p:sp>
+        <p:nvSpPr>
+          <p:cNvPr id="4" name="Slide Number Placeholder 3"/>
+          <p:cNvSpPr>
+            <a:spLocks noGrp="1"/>
+          </p:cNvSpPr>
+          <p:nvPr>
+            <p:ph type="sldNum" sz="quarter" idx="10"/>
+          </p:nvPr>
+        </p:nvSpPr>
+        <p:spPr/>
+        <p:txBody>
+          <a:bodyPr/>
+          <a:lstStyle/>
+          <a:p>
+            <a:fld id="{BBC1DE02-C006-4F38-873D-E62701AB1734}" type="slidenum">
+              <a:rPr lang="en-NZ" smtClean="0"/>
+              <a:t>10</a:t>
+            </a:fld>
+            <a:endParaRPr lang="en-NZ"/>
+          </a:p>
+        </p:txBody>
+      </p:sp>
+    </p:spTree>
+    <p:extLst>
+      <p:ext uri="{BB962C8B-B14F-4D97-AF65-F5344CB8AC3E}">
+        <p14:creationId xmlns:p14="http://schemas.microsoft.com/office/powerpoint/2010/main" val="17594320"/>
+      </p:ext>
+    </p:extLst>
+  </p:cSld>
+  <p:clrMapOvr>
+    <a:masterClrMapping/>
+  </p:clrMapOvr>
+</p:notes>
 </file>
 
 <file path=ppt/slideLayouts/slideLayout1.xml><?xml version="1.0" encoding="utf-8"?>
@@ -293,7 +1511,7 @@
           <a:p>
             <a:fld id="{F8166F1F-CE9B-4651-A6AA-CD717754106B}" type="datetimeFigureOut">
               <a:rPr lang="en-US" smtClean="0"/>
-              <a:t>7/1/2019</a:t>
+              <a:t>8/21/2019</a:t>
             </a:fld>
             <a:endParaRPr lang="en-US"/>
           </a:p>
@@ -458,7 +1676,7 @@
           <a:p>
             <a:fld id="{A76116CE-C4A3-4A05-B2D7-7C2E9A889C0F}" type="datetimeFigureOut">
               <a:rPr lang="en-US" smtClean="0"/>
-              <a:t>1/30/2017</a:t>
+              <a:t>8/21/2019</a:t>
             </a:fld>
             <a:endParaRPr lang="en-US"/>
           </a:p>
@@ -633,7 +1851,7 @@
           <a:p>
             <a:fld id="{A76116CE-C4A3-4A05-B2D7-7C2E9A889C0F}" type="datetimeFigureOut">
               <a:rPr lang="en-US" smtClean="0"/>
-              <a:t>1/30/2017</a:t>
+              <a:t>8/21/2019</a:t>
             </a:fld>
             <a:endParaRPr lang="en-US"/>
           </a:p>
@@ -800,7 +2018,7 @@
           <a:p>
             <a:fld id="{A76116CE-C4A3-4A05-B2D7-7C2E9A889C0F}" type="datetimeFigureOut">
               <a:rPr lang="en-US" smtClean="0"/>
-              <a:t>7/1/2019</a:t>
+              <a:t>8/21/2019</a:t>
             </a:fld>
             <a:endParaRPr lang="en-US"/>
           </a:p>
@@ -1041,7 +2259,7 @@
           <a:p>
             <a:fld id="{A76116CE-C4A3-4A05-B2D7-7C2E9A889C0F}" type="datetimeFigureOut">
               <a:rPr lang="en-US" smtClean="0"/>
-              <a:t>7/1/2019</a:t>
+              <a:t>8/21/2019</a:t>
             </a:fld>
             <a:endParaRPr lang="en-US"/>
           </a:p>
@@ -1324,7 +2542,7 @@
           <a:p>
             <a:fld id="{A76116CE-C4A3-4A05-B2D7-7C2E9A889C0F}" type="datetimeFigureOut">
               <a:rPr lang="en-US" smtClean="0"/>
-              <a:t>1/30/2017</a:t>
+              <a:t>8/21/2019</a:t>
             </a:fld>
             <a:endParaRPr lang="en-US"/>
           </a:p>
@@ -1741,7 +2959,7 @@
           <a:p>
             <a:fld id="{A76116CE-C4A3-4A05-B2D7-7C2E9A889C0F}" type="datetimeFigureOut">
               <a:rPr lang="en-US" smtClean="0"/>
-              <a:t>1/30/2017</a:t>
+              <a:t>8/21/2019</a:t>
             </a:fld>
             <a:endParaRPr lang="en-US"/>
           </a:p>
@@ -1854,7 +3072,7 @@
           <a:p>
             <a:fld id="{A76116CE-C4A3-4A05-B2D7-7C2E9A889C0F}" type="datetimeFigureOut">
               <a:rPr lang="en-US" smtClean="0"/>
-              <a:t>1/30/2017</a:t>
+              <a:t>8/21/2019</a:t>
             </a:fld>
             <a:endParaRPr lang="en-US"/>
           </a:p>
@@ -1944,7 +3162,7 @@
           <a:p>
             <a:fld id="{A76116CE-C4A3-4A05-B2D7-7C2E9A889C0F}" type="datetimeFigureOut">
               <a:rPr lang="en-US" smtClean="0"/>
-              <a:t>1/30/2017</a:t>
+              <a:t>8/21/2019</a:t>
             </a:fld>
             <a:endParaRPr lang="en-US"/>
           </a:p>
@@ -2216,7 +3434,7 @@
           <a:p>
             <a:fld id="{A76116CE-C4A3-4A05-B2D7-7C2E9A889C0F}" type="datetimeFigureOut">
               <a:rPr lang="en-US" smtClean="0"/>
-              <a:t>1/30/2017</a:t>
+              <a:t>8/21/2019</a:t>
             </a:fld>
             <a:endParaRPr lang="en-US"/>
           </a:p>
@@ -2464,7 +3682,7 @@
           <a:p>
             <a:fld id="{A76116CE-C4A3-4A05-B2D7-7C2E9A889C0F}" type="datetimeFigureOut">
               <a:rPr lang="en-US" smtClean="0"/>
-              <a:t>1/30/2017</a:t>
+              <a:t>8/21/2019</a:t>
             </a:fld>
             <a:endParaRPr lang="en-US"/>
           </a:p>
@@ -2672,7 +3890,7 @@
           <a:p>
             <a:fld id="{F8166F1F-CE9B-4651-A6AA-CD717754106B}" type="datetimeFigureOut">
               <a:rPr lang="en-US" smtClean="0"/>
-              <a:t>6/13/2013</a:t>
+              <a:t>8/21/2019</a:t>
             </a:fld>
             <a:endParaRPr lang="en-US"/>
           </a:p>
@@ -2750,7 +3968,7 @@
           <a:p>
             <a:fld id="{F7021451-1387-4CA6-816F-3879F97B5CBC}" type="slidenum">
               <a:rPr lang="en-US" smtClean="0"/>
-              <a:t>�#�</a:t>
+              <a:t>‹#›</a:t>
             </a:fld>
             <a:endParaRPr lang="en-US"/>
           </a:p>
@@ -2761,16 +3979,16 @@
   <p:clrMap bg1="lt1" tx1="dk1" bg2="lt2" tx2="dk2" accent1="accent1" accent2="accent2" accent3="accent3" accent4="accent4" accent5="accent5" accent6="accent6" hlink="hlink" folHlink="folHlink"/>
   <p:sldLayoutIdLst>
     <p:sldLayoutId id="2147483649" r:id="rId1"/>
-    <p:sldLayoutId id="2147483650" r:id="rId3"/>
-    <p:sldLayoutId id="2147483651" r:id="rId4"/>
-    <p:sldLayoutId id="2147483652" r:id="rId5"/>
-    <p:sldLayoutId id="2147483653" r:id="rId6"/>
-    <p:sldLayoutId id="2147483654" r:id="rId7"/>
-    <p:sldLayoutId id="2147483655" r:id="rId8"/>
-    <p:sldLayoutId id="2147483656" r:id="rId9"/>
-    <p:sldLayoutId id="2147483657" r:id="rId10"/>
-    <p:sldLayoutId id="2147483658" r:id="rId11"/>
-    <p:sldLayoutId id="2147483659" r:id="rId12"/>
+    <p:sldLayoutId id="2147483650" r:id="rId2"/>
+    <p:sldLayoutId id="2147483651" r:id="rId3"/>
+    <p:sldLayoutId id="2147483652" r:id="rId4"/>
+    <p:sldLayoutId id="2147483653" r:id="rId5"/>
+    <p:sldLayoutId id="2147483654" r:id="rId6"/>
+    <p:sldLayoutId id="2147483655" r:id="rId7"/>
+    <p:sldLayoutId id="2147483656" r:id="rId8"/>
+    <p:sldLayoutId id="2147483657" r:id="rId9"/>
+    <p:sldLayoutId id="2147483658" r:id="rId10"/>
+    <p:sldLayoutId id="2147483659" r:id="rId11"/>
   </p:sldLayoutIdLst>
   <p:txStyles>
     <p:titleStyle>
@@ -3027,7 +4245,18 @@
 
 <file path=ppt/slides/slide1.xml><?xml version="1.0" encoding="utf-8"?>
 <p:sld xmlns:a="http://schemas.openxmlformats.org/drawingml/2006/main" xmlns:r="http://schemas.openxmlformats.org/officeDocument/2006/relationships" xmlns:p="http://schemas.openxmlformats.org/presentationml/2006/main">
-  <p:cSld name="Title Slide">
+  <p:cSld>
+    <p:bg>
+      <p:bgPr>
+        <a:solidFill>
+          <a:schemeClr val="accent5">
+            <a:lumMod val="60000"/>
+            <a:lumOff val="40000"/>
+          </a:schemeClr>
+        </a:solidFill>
+        <a:effectLst/>
+      </p:bgPr>
+    </p:bg>
     <p:spTree>
       <p:nvGrpSpPr>
         <p:cNvPr id="1" name=""/>
@@ -3044,202 +4273,5597 @@
       </p:grpSpPr>
       <p:sp>
         <p:nvSpPr>
-          <p:cNvPr id="2" name="Title 1"/>
-          <p:cNvSpPr>
-            <a:spLocks noGrp="1"/>
-          </p:cNvSpPr>
-          <p:nvPr>
-            <p:ph type="ctrTitle"/>
-          </p:nvPr>
+          <p:cNvPr id="2" name="Rectangle 1"/>
+          <p:cNvSpPr/>
+          <p:nvPr/>
         </p:nvSpPr>
         <p:spPr>
           <a:xfrm>
-            <a:off x="685800" y="2130425"/>
-            <a:ext cx="7772400" cy="1470025"/>
+            <a:off x="0" y="2133600"/>
+            <a:ext cx="9144000" cy="2300630"/>
           </a:xfrm>
+          <a:prstGeom prst="rect">
+            <a:avLst/>
+          </a:prstGeom>
+          <a:noFill/>
         </p:spPr>
         <p:txBody>
-          <a:bodyPr/>
+          <a:bodyPr wrap="square" lIns="68580" tIns="34290" rIns="68580" bIns="34290">
+            <a:spAutoFit/>
+          </a:bodyPr>
           <a:lstStyle/>
           <a:p>
-            <a:r>
-              <a:rPr lang="en-US" smtClean="0"/>
-              <a:t>Click to edit Master title style</a:t>
-            </a:r>
-            <a:endParaRPr lang="en-US"/>
+            <a:pPr algn="ctr"/>
+            <a:r>
+              <a:rPr lang="en-US" sz="4000" b="1" dirty="0"/>
+              <a:t>Programming </a:t>
+            </a:r>
+            <a:r>
+              <a:rPr lang="en-US" sz="4000" b="1" dirty="0" smtClean="0"/>
+              <a:t>4</a:t>
+            </a:r>
+            <a:endParaRPr lang="en-US" sz="2500" b="1" dirty="0"/>
+          </a:p>
+          <a:p>
+            <a:pPr algn="ctr"/>
+            <a:r>
+              <a:rPr lang="en-US" sz="4000" b="1" dirty="0" smtClean="0"/>
+              <a:t>06.2 Tile Map</a:t>
+            </a:r>
+            <a:endParaRPr lang="en-US" sz="4000" b="1" dirty="0" smtClean="0"/>
+          </a:p>
+          <a:p>
+            <a:pPr algn="ctr"/>
+            <a:endParaRPr lang="en-US" sz="2500" b="1" dirty="0"/>
+          </a:p>
+          <a:p>
+            <a:pPr algn="ctr"/>
+            <a:r>
+              <a:rPr lang="en-US" sz="4000" b="1" dirty="0"/>
+              <a:t>Semester 2</a:t>
+            </a:r>
+            <a:r>
+              <a:rPr lang="en-US" sz="4000" b="1" dirty="0" smtClean="0"/>
+              <a:t>, </a:t>
+            </a:r>
+            <a:r>
+              <a:rPr lang="en-US" sz="4000" b="1" dirty="0"/>
+              <a:t>2019</a:t>
+            </a:r>
           </a:p>
         </p:txBody>
       </p:sp>
-      <p:sp>
-        <p:nvSpPr>
-          <p:cNvPr id="3" name="Subtitle 2"/>
-          <p:cNvSpPr>
-            <a:spLocks noGrp="1"/>
-          </p:cNvSpPr>
-          <p:nvPr>
-            <p:ph type="subTitle" idx="1"/>
-          </p:nvPr>
-        </p:nvSpPr>
-        <p:spPr>
-          <a:xfrm>
-            <a:off x="1371600" y="3886200"/>
-            <a:ext cx="6400800" cy="1752600"/>
-          </a:xfrm>
-        </p:spPr>
-        <p:txBody>
-          <a:bodyPr/>
-          <a:lstStyle>
-            <a:lvl1pPr marL="0" indent="0" algn="ctr">
-              <a:buNone/>
-              <a:defRPr>
-                <a:solidFill>
-                  <a:schemeClr val="tx1">
-                    <a:tint val="75000"/>
-                  </a:schemeClr>
-                </a:solidFill>
-              </a:defRPr>
-            </a:lvl1pPr>
-            <a:lvl2pPr marL="457200" indent="0" algn="ctr">
-              <a:buNone/>
-              <a:defRPr>
-                <a:solidFill>
-                  <a:schemeClr val="tx1">
-                    <a:tint val="75000"/>
-                  </a:schemeClr>
-                </a:solidFill>
-              </a:defRPr>
-            </a:lvl2pPr>
-            <a:lvl3pPr marL="914400" indent="0" algn="ctr">
-              <a:buNone/>
-              <a:defRPr>
-                <a:solidFill>
-                  <a:schemeClr val="tx1">
-                    <a:tint val="75000"/>
-                  </a:schemeClr>
-                </a:solidFill>
-              </a:defRPr>
-            </a:lvl3pPr>
-            <a:lvl4pPr marL="1371600" indent="0" algn="ctr">
-              <a:buNone/>
-              <a:defRPr>
-                <a:solidFill>
-                  <a:schemeClr val="tx1">
-                    <a:tint val="75000"/>
-                  </a:schemeClr>
-                </a:solidFill>
-              </a:defRPr>
-            </a:lvl4pPr>
-            <a:lvl5pPr marL="1828800" indent="0" algn="ctr">
-              <a:buNone/>
-              <a:defRPr>
-                <a:solidFill>
-                  <a:schemeClr val="tx1">
-                    <a:tint val="75000"/>
-                  </a:schemeClr>
-                </a:solidFill>
-              </a:defRPr>
-            </a:lvl5pPr>
-            <a:lvl6pPr marL="2286000" indent="0" algn="ctr">
-              <a:buNone/>
-              <a:defRPr>
-                <a:solidFill>
-                  <a:schemeClr val="tx1">
-                    <a:tint val="75000"/>
-                  </a:schemeClr>
-                </a:solidFill>
-              </a:defRPr>
-            </a:lvl6pPr>
-            <a:lvl7pPr marL="2743200" indent="0" algn="ctr">
-              <a:buNone/>
-              <a:defRPr>
-                <a:solidFill>
-                  <a:schemeClr val="tx1">
-                    <a:tint val="75000"/>
-                  </a:schemeClr>
-                </a:solidFill>
-              </a:defRPr>
-            </a:lvl7pPr>
-            <a:lvl8pPr marL="3200400" indent="0" algn="ctr">
-              <a:buNone/>
-              <a:defRPr>
-                <a:solidFill>
-                  <a:schemeClr val="tx1">
-                    <a:tint val="75000"/>
-                  </a:schemeClr>
-                </a:solidFill>
-              </a:defRPr>
-            </a:lvl8pPr>
-            <a:lvl9pPr marL="3657600" indent="0" algn="ctr">
-              <a:buNone/>
-              <a:defRPr>
-                <a:solidFill>
-                  <a:schemeClr val="tx1">
-                    <a:tint val="75000"/>
-                  </a:schemeClr>
-                </a:solidFill>
-              </a:defRPr>
-            </a:lvl9pPr>
-          </a:lstStyle>
-          <a:p>
-            <a:r>
-              <a:rPr lang="en-US" smtClean="0"/>
-              <a:t>Click to edit Master subtitle style</a:t>
-            </a:r>
-            <a:endParaRPr lang="en-US"/>
-          </a:p>
-        </p:txBody>
-      </p:sp>
-      <p:sp>
-        <p:nvSpPr>
-          <p:cNvPr id="4" name="Date Placeholder 3"/>
-          <p:cNvSpPr>
-            <a:spLocks noGrp="1"/>
-          </p:cNvSpPr>
-          <p:nvPr>
-            <p:ph type="dt" sz="half" idx="10"/>
-          </p:nvPr>
-        </p:nvSpPr>
-        <p:spPr/>
-        <p:txBody>
-          <a:bodyPr/>
-          <a:lstStyle/>
-          <a:p>
-            <a:fld id="{F8166F1F-CE9B-4651-A6AA-CD717754106B}" type="datetimeFigureOut">
-              <a:rPr lang="en-US" smtClean="0"/>
-              <a:t>7/1/2019</a:t>
-            </a:fld>
-            <a:endParaRPr lang="en-US"/>
-          </a:p>
-        </p:txBody>
-      </p:sp>
-      <p:sp>
-        <p:nvSpPr>
-          <p:cNvPr id="5" name="Slide Number Placeholder 5"/>
-          <p:cNvSpPr>
-            <a:spLocks noGrp="1"/>
-          </p:cNvSpPr>
-          <p:nvPr>
-            <p:ph type="sldNum" sz="quarter" idx="12"/>
-          </p:nvPr>
-        </p:nvSpPr>
-        <p:spPr/>
-        <p:txBody>
-          <a:bodyPr/>
-          <a:lstStyle/>
-          <a:p>
-            <a:fld id="{B1393E5F-521B-4CAD-9D3A-AE923D912DCE}" type="slidenum">
-              <a:rPr lang="en-US" smtClean="0"/>
-              <a:t>‹#›</a:t>
-            </a:fld>
-            <a:endParaRPr lang="en-US"/>
-          </a:p>
-        </p:txBody>
-      </p:sp>
     </p:spTree>
+    <p:extLst>
+      <p:ext uri="{BB962C8B-B14F-4D97-AF65-F5344CB8AC3E}">
+        <p14:creationId xmlns:p14="http://schemas.microsoft.com/office/powerpoint/2010/main" val="3320084206"/>
+      </p:ext>
+    </p:extLst>
   </p:cSld>
   <p:clrMapOvr>
     <a:masterClrMapping/>
   </p:clrMapOvr>
+  <p:timing>
+    <p:tnLst>
+      <p:par>
+        <p:cTn id="1" dur="indefinite" restart="never" nodeType="tmRoot"/>
+      </p:par>
+    </p:tnLst>
+  </p:timing>
+</p:sld>
+</file>
+
+<file path=ppt/slides/slide10.xml><?xml version="1.0" encoding="utf-8"?>
+<p:sld xmlns:a="http://schemas.openxmlformats.org/drawingml/2006/main" xmlns:r="http://schemas.openxmlformats.org/officeDocument/2006/relationships" xmlns:p="http://schemas.openxmlformats.org/presentationml/2006/main">
+  <p:cSld>
+    <p:bg>
+      <p:bgPr>
+        <a:solidFill>
+          <a:schemeClr val="accent5">
+            <a:lumMod val="60000"/>
+            <a:lumOff val="40000"/>
+          </a:schemeClr>
+        </a:solidFill>
+        <a:effectLst/>
+      </p:bgPr>
+    </p:bg>
+    <p:spTree>
+      <p:nvGrpSpPr>
+        <p:cNvPr id="1" name=""/>
+        <p:cNvGrpSpPr/>
+        <p:nvPr/>
+      </p:nvGrpSpPr>
+      <p:grpSpPr>
+        <a:xfrm>
+          <a:off x="0" y="0"/>
+          <a:ext cx="0" cy="0"/>
+          <a:chOff x="0" y="0"/>
+          <a:chExt cx="0" cy="0"/>
+        </a:xfrm>
+      </p:grpSpPr>
+      <p:sp>
+        <p:nvSpPr>
+          <p:cNvPr id="3" name="Rectangle 2"/>
+          <p:cNvSpPr/>
+          <p:nvPr/>
+        </p:nvSpPr>
+        <p:spPr>
+          <a:xfrm>
+            <a:off x="0" y="0"/>
+            <a:ext cx="9144000" cy="1246495"/>
+          </a:xfrm>
+          <a:prstGeom prst="rect">
+            <a:avLst/>
+          </a:prstGeom>
+        </p:spPr>
+        <p:txBody>
+          <a:bodyPr wrap="square">
+            <a:spAutoFit/>
+          </a:bodyPr>
+          <a:lstStyle/>
+          <a:p>
+            <a:pPr algn="ctr"/>
+            <a:endParaRPr lang="en-US" sz="4000" b="1" dirty="0"/>
+          </a:p>
+          <a:p>
+            <a:pPr lvl="1"/>
+            <a:r>
+              <a:rPr lang="en-US" sz="3500" b="1" dirty="0" smtClean="0"/>
+              <a:t>Task 2 – map from file</a:t>
+            </a:r>
+            <a:endParaRPr lang="en-US" sz="3500" b="1" dirty="0"/>
+          </a:p>
+        </p:txBody>
+      </p:sp>
+    </p:spTree>
+    <p:extLst>
+      <p:ext uri="{BB962C8B-B14F-4D97-AF65-F5344CB8AC3E}">
+        <p14:creationId xmlns:p14="http://schemas.microsoft.com/office/powerpoint/2010/main" val="3533415051"/>
+      </p:ext>
+    </p:extLst>
+  </p:cSld>
+  <p:clrMapOvr>
+    <a:masterClrMapping/>
+  </p:clrMapOvr>
+  <p:timing>
+    <p:tnLst>
+      <p:par>
+        <p:cTn id="1" dur="indefinite" restart="never" nodeType="tmRoot"/>
+      </p:par>
+    </p:tnLst>
+  </p:timing>
+</p:sld>
+</file>
+
+<file path=ppt/slides/slide2.xml><?xml version="1.0" encoding="utf-8"?>
+<p:sld xmlns:a="http://schemas.openxmlformats.org/drawingml/2006/main" xmlns:r="http://schemas.openxmlformats.org/officeDocument/2006/relationships" xmlns:p="http://schemas.openxmlformats.org/presentationml/2006/main">
+  <p:cSld>
+    <p:bg>
+      <p:bgPr>
+        <a:solidFill>
+          <a:schemeClr val="accent5">
+            <a:lumMod val="60000"/>
+            <a:lumOff val="40000"/>
+          </a:schemeClr>
+        </a:solidFill>
+        <a:effectLst/>
+      </p:bgPr>
+    </p:bg>
+    <p:spTree>
+      <p:nvGrpSpPr>
+        <p:cNvPr id="1" name=""/>
+        <p:cNvGrpSpPr/>
+        <p:nvPr/>
+      </p:nvGrpSpPr>
+      <p:grpSpPr>
+        <a:xfrm>
+          <a:off x="0" y="0"/>
+          <a:ext cx="0" cy="0"/>
+          <a:chOff x="0" y="0"/>
+          <a:chExt cx="0" cy="0"/>
+        </a:xfrm>
+      </p:grpSpPr>
+      <p:sp>
+        <p:nvSpPr>
+          <p:cNvPr id="3" name="Rectangle 2"/>
+          <p:cNvSpPr/>
+          <p:nvPr/>
+        </p:nvSpPr>
+        <p:spPr>
+          <a:xfrm>
+            <a:off x="0" y="0"/>
+            <a:ext cx="9144000" cy="2015936"/>
+          </a:xfrm>
+          <a:prstGeom prst="rect">
+            <a:avLst/>
+          </a:prstGeom>
+        </p:spPr>
+        <p:txBody>
+          <a:bodyPr wrap="square">
+            <a:spAutoFit/>
+          </a:bodyPr>
+          <a:lstStyle/>
+          <a:p>
+            <a:pPr algn="ctr"/>
+            <a:endParaRPr lang="en-US" sz="4000" b="1" dirty="0"/>
+          </a:p>
+          <a:p>
+            <a:pPr lvl="1"/>
+            <a:r>
+              <a:rPr lang="en-US" sz="3500" b="1" dirty="0" smtClean="0"/>
+              <a:t>Tiles specifically for Roguelike games</a:t>
+            </a:r>
+            <a:endParaRPr lang="en-US" sz="3500" b="1" dirty="0"/>
+          </a:p>
+          <a:p>
+            <a:pPr lvl="1"/>
+            <a:endParaRPr lang="en-US" sz="2500" dirty="0"/>
+          </a:p>
+          <a:p>
+            <a:pPr marL="1657350" lvl="2" indent="-742950">
+              <a:buFont typeface="Arial" panose="020B0604020202020204" pitchFamily="34" charset="0"/>
+              <a:buChar char="•"/>
+            </a:pPr>
+            <a:endParaRPr lang="en-US" sz="2500" dirty="0"/>
+          </a:p>
+        </p:txBody>
+      </p:sp>
+    </p:spTree>
+    <p:extLst>
+      <p:ext uri="{BB962C8B-B14F-4D97-AF65-F5344CB8AC3E}">
+        <p14:creationId xmlns:p14="http://schemas.microsoft.com/office/powerpoint/2010/main" val="3171779267"/>
+      </p:ext>
+    </p:extLst>
+  </p:cSld>
+  <p:clrMapOvr>
+    <a:masterClrMapping/>
+  </p:clrMapOvr>
+  <p:timing>
+    <p:tnLst>
+      <p:par>
+        <p:cTn id="1" dur="indefinite" restart="never" nodeType="tmRoot"/>
+      </p:par>
+    </p:tnLst>
+  </p:timing>
+</p:sld>
+</file>
+
+<file path=ppt/slides/slide3.xml><?xml version="1.0" encoding="utf-8"?>
+<p:sld xmlns:a="http://schemas.openxmlformats.org/drawingml/2006/main" xmlns:r="http://schemas.openxmlformats.org/officeDocument/2006/relationships" xmlns:p="http://schemas.openxmlformats.org/presentationml/2006/main">
+  <p:cSld>
+    <p:bg>
+      <p:bgPr>
+        <a:solidFill>
+          <a:schemeClr val="accent5">
+            <a:lumMod val="60000"/>
+            <a:lumOff val="40000"/>
+          </a:schemeClr>
+        </a:solidFill>
+        <a:effectLst/>
+      </p:bgPr>
+    </p:bg>
+    <p:spTree>
+      <p:nvGrpSpPr>
+        <p:cNvPr id="1" name=""/>
+        <p:cNvGrpSpPr/>
+        <p:nvPr/>
+      </p:nvGrpSpPr>
+      <p:grpSpPr>
+        <a:xfrm>
+          <a:off x="0" y="0"/>
+          <a:ext cx="0" cy="0"/>
+          <a:chOff x="0" y="0"/>
+          <a:chExt cx="0" cy="0"/>
+        </a:xfrm>
+      </p:grpSpPr>
+      <p:sp>
+        <p:nvSpPr>
+          <p:cNvPr id="3" name="Rectangle 2"/>
+          <p:cNvSpPr/>
+          <p:nvPr/>
+        </p:nvSpPr>
+        <p:spPr>
+          <a:xfrm>
+            <a:off x="0" y="0"/>
+            <a:ext cx="9144000" cy="2785378"/>
+          </a:xfrm>
+          <a:prstGeom prst="rect">
+            <a:avLst/>
+          </a:prstGeom>
+        </p:spPr>
+        <p:txBody>
+          <a:bodyPr wrap="square">
+            <a:spAutoFit/>
+          </a:bodyPr>
+          <a:lstStyle/>
+          <a:p>
+            <a:pPr algn="ctr"/>
+            <a:endParaRPr lang="en-US" sz="4000" b="1" dirty="0"/>
+          </a:p>
+          <a:p>
+            <a:pPr lvl="1"/>
+            <a:r>
+              <a:rPr lang="en-US" sz="3500" b="1" dirty="0" smtClean="0"/>
+              <a:t>Implementing a tile background</a:t>
+            </a:r>
+          </a:p>
+          <a:p>
+            <a:pPr marL="1657350" lvl="2" indent="-742950">
+              <a:buFont typeface="Arial" panose="020B0604020202020204" pitchFamily="34" charset="0"/>
+              <a:buChar char="•"/>
+            </a:pPr>
+            <a:endParaRPr lang="en-US" sz="2500" dirty="0" smtClean="0"/>
+          </a:p>
+          <a:p>
+            <a:pPr marL="1657350" lvl="2" indent="-742950">
+              <a:buFont typeface="Arial" panose="020B0604020202020204" pitchFamily="34" charset="0"/>
+              <a:buChar char="•"/>
+            </a:pPr>
+            <a:r>
+              <a:rPr lang="en-US" sz="2500" dirty="0" smtClean="0"/>
+              <a:t>Number your tiles from 0 to n</a:t>
+            </a:r>
+          </a:p>
+          <a:p>
+            <a:pPr marL="1657350" lvl="2" indent="-742950">
+              <a:buFont typeface="Arial" panose="020B0604020202020204" pitchFamily="34" charset="0"/>
+              <a:buChar char="•"/>
+            </a:pPr>
+            <a:r>
+              <a:rPr lang="en-US" sz="2500" dirty="0" smtClean="0"/>
+              <a:t>Make a layout of numbers</a:t>
+            </a:r>
+          </a:p>
+          <a:p>
+            <a:pPr marL="1657350" lvl="2" indent="-742950">
+              <a:buFont typeface="Arial" panose="020B0604020202020204" pitchFamily="34" charset="0"/>
+              <a:buChar char="•"/>
+            </a:pPr>
+            <a:r>
+              <a:rPr lang="en-US" sz="2500" dirty="0" smtClean="0"/>
+              <a:t>Translate the layout into a tile background</a:t>
+            </a:r>
+            <a:endParaRPr lang="en-US" sz="2500" dirty="0"/>
+          </a:p>
+        </p:txBody>
+      </p:sp>
+      <p:graphicFrame>
+        <p:nvGraphicFramePr>
+          <p:cNvPr id="4" name="Group 44"/>
+          <p:cNvGraphicFramePr>
+            <a:graphicFrameLocks noGrp="1"/>
+          </p:cNvGraphicFramePr>
+          <p:nvPr>
+            <p:extLst>
+              <p:ext uri="{D42A27DB-BD31-4B8C-83A1-F6EECF244321}">
+                <p14:modId xmlns:p14="http://schemas.microsoft.com/office/powerpoint/2010/main" val="3482147567"/>
+              </p:ext>
+            </p:extLst>
+          </p:nvPr>
+        </p:nvGraphicFramePr>
+        <p:xfrm>
+          <a:off x="3352800" y="3200400"/>
+          <a:ext cx="1463675" cy="2072640"/>
+        </p:xfrm>
+        <a:graphic>
+          <a:graphicData uri="http://schemas.openxmlformats.org/drawingml/2006/table">
+            <a:tbl>
+              <a:tblPr/>
+              <a:tblGrid>
+                <a:gridCol w="366712">
+                  <a:extLst>
+                    <a:ext uri="{9D8B030D-6E8A-4147-A177-3AD203B41FA5}">
+                      <a16:colId xmlns:a16="http://schemas.microsoft.com/office/drawing/2014/main" val="20000"/>
+                    </a:ext>
+                  </a:extLst>
+                </a:gridCol>
+                <a:gridCol w="365125">
+                  <a:extLst>
+                    <a:ext uri="{9D8B030D-6E8A-4147-A177-3AD203B41FA5}">
+                      <a16:colId xmlns:a16="http://schemas.microsoft.com/office/drawing/2014/main" val="20001"/>
+                    </a:ext>
+                  </a:extLst>
+                </a:gridCol>
+                <a:gridCol w="366713">
+                  <a:extLst>
+                    <a:ext uri="{9D8B030D-6E8A-4147-A177-3AD203B41FA5}">
+                      <a16:colId xmlns:a16="http://schemas.microsoft.com/office/drawing/2014/main" val="20002"/>
+                    </a:ext>
+                  </a:extLst>
+                </a:gridCol>
+                <a:gridCol w="365125">
+                  <a:extLst>
+                    <a:ext uri="{9D8B030D-6E8A-4147-A177-3AD203B41FA5}">
+                      <a16:colId xmlns:a16="http://schemas.microsoft.com/office/drawing/2014/main" val="20003"/>
+                    </a:ext>
+                  </a:extLst>
+                </a:gridCol>
+              </a:tblGrid>
+              <a:tr h="309563">
+                <a:tc>
+                  <a:txBody>
+                    <a:bodyPr/>
+                    <a:lstStyle/>
+                    <a:p>
+                      <a:pPr marL="0" marR="0" lvl="0" indent="0" algn="l" defTabSz="914400" rtl="0" eaLnBrk="1" fontAlgn="base" latinLnBrk="0" hangingPunct="1">
+                        <a:lnSpc>
+                          <a:spcPct val="100000"/>
+                        </a:lnSpc>
+                        <a:spcBef>
+                          <a:spcPct val="20000"/>
+                        </a:spcBef>
+                        <a:spcAft>
+                          <a:spcPct val="0"/>
+                        </a:spcAft>
+                        <a:buClr>
+                          <a:schemeClr val="bg2"/>
+                        </a:buClr>
+                        <a:buSzPct val="75000"/>
+                        <a:buFont typeface="Wingdings" pitchFamily="2" charset="2"/>
+                        <a:buNone/>
+                        <a:tabLst/>
+                      </a:pPr>
+                      <a:r>
+                        <a:rPr kumimoji="0" lang="en-US" sz="2800" b="0" i="0" u="none" strike="noStrike" cap="none" normalizeH="0" baseline="0" dirty="0" smtClean="0">
+                          <a:ln>
+                            <a:noFill/>
+                          </a:ln>
+                          <a:solidFill>
+                            <a:schemeClr val="tx1"/>
+                          </a:solidFill>
+                          <a:effectLst/>
+                          <a:latin typeface="Arial" charset="0"/>
+                        </a:rPr>
+                        <a:t>0</a:t>
+                      </a:r>
+                      <a:endParaRPr kumimoji="0" lang="en-NZ" sz="2800" b="0" i="0" u="none" strike="noStrike" cap="none" normalizeH="0" baseline="0" dirty="0" smtClean="0">
+                        <a:ln>
+                          <a:noFill/>
+                        </a:ln>
+                        <a:solidFill>
+                          <a:schemeClr val="tx1"/>
+                        </a:solidFill>
+                        <a:effectLst/>
+                        <a:latin typeface="Arial" charset="0"/>
+                      </a:endParaRPr>
+                    </a:p>
+                  </a:txBody>
+                  <a:tcPr horzOverflow="overflow">
+                    <a:lnL w="28575" cap="flat" cmpd="sng" algn="ctr">
+                      <a:solidFill>
+                        <a:schemeClr val="tx1"/>
+                      </a:solidFill>
+                      <a:prstDash val="solid"/>
+                      <a:round/>
+                      <a:headEnd type="none" w="med" len="med"/>
+                      <a:tailEnd type="none" w="med" len="med"/>
+                    </a:lnL>
+                    <a:lnR w="12700" cap="flat" cmpd="sng" algn="ctr">
+                      <a:solidFill>
+                        <a:schemeClr val="tx1"/>
+                      </a:solidFill>
+                      <a:prstDash val="solid"/>
+                      <a:round/>
+                      <a:headEnd type="none" w="med" len="med"/>
+                      <a:tailEnd type="none" w="med" len="med"/>
+                    </a:lnR>
+                    <a:lnT w="28575" cap="flat" cmpd="sng" algn="ctr">
+                      <a:solidFill>
+                        <a:schemeClr val="tx1"/>
+                      </a:solidFill>
+                      <a:prstDash val="solid"/>
+                      <a:round/>
+                      <a:headEnd type="none" w="med" len="med"/>
+                      <a:tailEnd type="none" w="med" len="med"/>
+                    </a:lnT>
+                    <a:lnB w="12700" cap="flat" cmpd="sng" algn="ctr">
+                      <a:solidFill>
+                        <a:schemeClr val="tx1"/>
+                      </a:solidFill>
+                      <a:prstDash val="solid"/>
+                      <a:round/>
+                      <a:headEnd type="none" w="med" len="med"/>
+                      <a:tailEnd type="none" w="med" len="med"/>
+                    </a:lnB>
+                    <a:lnTlToBr>
+                      <a:noFill/>
+                    </a:lnTlToBr>
+                    <a:lnBlToTr>
+                      <a:noFill/>
+                    </a:lnBlToTr>
+                    <a:noFill/>
+                  </a:tcPr>
+                </a:tc>
+                <a:tc>
+                  <a:txBody>
+                    <a:bodyPr/>
+                    <a:lstStyle/>
+                    <a:p>
+                      <a:pPr marL="0" marR="0" lvl="0" indent="0" algn="l" defTabSz="914400" rtl="0" eaLnBrk="1" fontAlgn="base" latinLnBrk="0" hangingPunct="1">
+                        <a:lnSpc>
+                          <a:spcPct val="100000"/>
+                        </a:lnSpc>
+                        <a:spcBef>
+                          <a:spcPct val="20000"/>
+                        </a:spcBef>
+                        <a:spcAft>
+                          <a:spcPct val="0"/>
+                        </a:spcAft>
+                        <a:buClr>
+                          <a:schemeClr val="bg2"/>
+                        </a:buClr>
+                        <a:buSzPct val="75000"/>
+                        <a:buFont typeface="Wingdings" pitchFamily="2" charset="2"/>
+                        <a:buNone/>
+                        <a:tabLst/>
+                      </a:pPr>
+                      <a:r>
+                        <a:rPr kumimoji="0" lang="en-US" sz="2800" b="0" i="0" u="none" strike="noStrike" cap="none" normalizeH="0" baseline="0" dirty="0" smtClean="0">
+                          <a:ln>
+                            <a:noFill/>
+                          </a:ln>
+                          <a:solidFill>
+                            <a:schemeClr val="tx1"/>
+                          </a:solidFill>
+                          <a:effectLst/>
+                          <a:latin typeface="Arial" charset="0"/>
+                        </a:rPr>
+                        <a:t>0</a:t>
+                      </a:r>
+                      <a:endParaRPr kumimoji="0" lang="en-NZ" sz="2800" b="0" i="0" u="none" strike="noStrike" cap="none" normalizeH="0" baseline="0" dirty="0" smtClean="0">
+                        <a:ln>
+                          <a:noFill/>
+                        </a:ln>
+                        <a:solidFill>
+                          <a:schemeClr val="tx1"/>
+                        </a:solidFill>
+                        <a:effectLst/>
+                        <a:latin typeface="Arial" charset="0"/>
+                      </a:endParaRPr>
+                    </a:p>
+                  </a:txBody>
+                  <a:tcPr horzOverflow="overflow">
+                    <a:lnL w="12700" cap="flat" cmpd="sng" algn="ctr">
+                      <a:solidFill>
+                        <a:schemeClr val="tx1"/>
+                      </a:solidFill>
+                      <a:prstDash val="solid"/>
+                      <a:round/>
+                      <a:headEnd type="none" w="med" len="med"/>
+                      <a:tailEnd type="none" w="med" len="med"/>
+                    </a:lnL>
+                    <a:lnR w="12700" cap="flat" cmpd="sng" algn="ctr">
+                      <a:solidFill>
+                        <a:schemeClr val="tx1"/>
+                      </a:solidFill>
+                      <a:prstDash val="solid"/>
+                      <a:round/>
+                      <a:headEnd type="none" w="med" len="med"/>
+                      <a:tailEnd type="none" w="med" len="med"/>
+                    </a:lnR>
+                    <a:lnT w="28575" cap="flat" cmpd="sng" algn="ctr">
+                      <a:solidFill>
+                        <a:schemeClr val="tx1"/>
+                      </a:solidFill>
+                      <a:prstDash val="solid"/>
+                      <a:round/>
+                      <a:headEnd type="none" w="med" len="med"/>
+                      <a:tailEnd type="none" w="med" len="med"/>
+                    </a:lnT>
+                    <a:lnB w="12700" cap="flat" cmpd="sng" algn="ctr">
+                      <a:solidFill>
+                        <a:schemeClr val="tx1"/>
+                      </a:solidFill>
+                      <a:prstDash val="solid"/>
+                      <a:round/>
+                      <a:headEnd type="none" w="med" len="med"/>
+                      <a:tailEnd type="none" w="med" len="med"/>
+                    </a:lnB>
+                    <a:lnTlToBr>
+                      <a:noFill/>
+                    </a:lnTlToBr>
+                    <a:lnBlToTr>
+                      <a:noFill/>
+                    </a:lnBlToTr>
+                    <a:noFill/>
+                  </a:tcPr>
+                </a:tc>
+                <a:tc>
+                  <a:txBody>
+                    <a:bodyPr/>
+                    <a:lstStyle/>
+                    <a:p>
+                      <a:pPr marL="0" marR="0" lvl="0" indent="0" algn="l" defTabSz="914400" rtl="0" eaLnBrk="1" fontAlgn="base" latinLnBrk="0" hangingPunct="1">
+                        <a:lnSpc>
+                          <a:spcPct val="100000"/>
+                        </a:lnSpc>
+                        <a:spcBef>
+                          <a:spcPct val="20000"/>
+                        </a:spcBef>
+                        <a:spcAft>
+                          <a:spcPct val="0"/>
+                        </a:spcAft>
+                        <a:buClr>
+                          <a:schemeClr val="bg2"/>
+                        </a:buClr>
+                        <a:buSzPct val="75000"/>
+                        <a:buFont typeface="Wingdings" pitchFamily="2" charset="2"/>
+                        <a:buNone/>
+                        <a:tabLst/>
+                      </a:pPr>
+                      <a:r>
+                        <a:rPr kumimoji="0" lang="en-US" sz="2800" b="0" i="0" u="none" strike="noStrike" cap="none" normalizeH="0" baseline="0" dirty="0" smtClean="0">
+                          <a:ln>
+                            <a:noFill/>
+                          </a:ln>
+                          <a:solidFill>
+                            <a:schemeClr val="tx1"/>
+                          </a:solidFill>
+                          <a:effectLst/>
+                          <a:latin typeface="Arial" charset="0"/>
+                        </a:rPr>
+                        <a:t>1</a:t>
+                      </a:r>
+                      <a:endParaRPr kumimoji="0" lang="en-NZ" sz="2800" b="0" i="0" u="none" strike="noStrike" cap="none" normalizeH="0" baseline="0" dirty="0" smtClean="0">
+                        <a:ln>
+                          <a:noFill/>
+                        </a:ln>
+                        <a:solidFill>
+                          <a:schemeClr val="tx1"/>
+                        </a:solidFill>
+                        <a:effectLst/>
+                        <a:latin typeface="Arial" charset="0"/>
+                      </a:endParaRPr>
+                    </a:p>
+                  </a:txBody>
+                  <a:tcPr horzOverflow="overflow">
+                    <a:lnL w="12700" cap="flat" cmpd="sng" algn="ctr">
+                      <a:solidFill>
+                        <a:schemeClr val="tx1"/>
+                      </a:solidFill>
+                      <a:prstDash val="solid"/>
+                      <a:round/>
+                      <a:headEnd type="none" w="med" len="med"/>
+                      <a:tailEnd type="none" w="med" len="med"/>
+                    </a:lnL>
+                    <a:lnR w="12700" cap="flat" cmpd="sng" algn="ctr">
+                      <a:solidFill>
+                        <a:schemeClr val="tx1"/>
+                      </a:solidFill>
+                      <a:prstDash val="solid"/>
+                      <a:round/>
+                      <a:headEnd type="none" w="med" len="med"/>
+                      <a:tailEnd type="none" w="med" len="med"/>
+                    </a:lnR>
+                    <a:lnT w="28575" cap="flat" cmpd="sng" algn="ctr">
+                      <a:solidFill>
+                        <a:schemeClr val="tx1"/>
+                      </a:solidFill>
+                      <a:prstDash val="solid"/>
+                      <a:round/>
+                      <a:headEnd type="none" w="med" len="med"/>
+                      <a:tailEnd type="none" w="med" len="med"/>
+                    </a:lnT>
+                    <a:lnB w="12700" cap="flat" cmpd="sng" algn="ctr">
+                      <a:solidFill>
+                        <a:schemeClr val="tx1"/>
+                      </a:solidFill>
+                      <a:prstDash val="solid"/>
+                      <a:round/>
+                      <a:headEnd type="none" w="med" len="med"/>
+                      <a:tailEnd type="none" w="med" len="med"/>
+                    </a:lnB>
+                    <a:lnTlToBr>
+                      <a:noFill/>
+                    </a:lnTlToBr>
+                    <a:lnBlToTr>
+                      <a:noFill/>
+                    </a:lnBlToTr>
+                    <a:noFill/>
+                  </a:tcPr>
+                </a:tc>
+                <a:tc>
+                  <a:txBody>
+                    <a:bodyPr/>
+                    <a:lstStyle/>
+                    <a:p>
+                      <a:pPr marL="0" marR="0" lvl="0" indent="0" algn="l" defTabSz="914400" rtl="0" eaLnBrk="1" fontAlgn="base" latinLnBrk="0" hangingPunct="1">
+                        <a:lnSpc>
+                          <a:spcPct val="100000"/>
+                        </a:lnSpc>
+                        <a:spcBef>
+                          <a:spcPct val="20000"/>
+                        </a:spcBef>
+                        <a:spcAft>
+                          <a:spcPct val="0"/>
+                        </a:spcAft>
+                        <a:buClr>
+                          <a:schemeClr val="bg2"/>
+                        </a:buClr>
+                        <a:buSzPct val="75000"/>
+                        <a:buFont typeface="Wingdings" pitchFamily="2" charset="2"/>
+                        <a:buNone/>
+                        <a:tabLst/>
+                      </a:pPr>
+                      <a:r>
+                        <a:rPr kumimoji="0" lang="en-US" sz="2800" b="0" i="0" u="none" strike="noStrike" cap="none" normalizeH="0" baseline="0" dirty="0" smtClean="0">
+                          <a:ln>
+                            <a:noFill/>
+                          </a:ln>
+                          <a:solidFill>
+                            <a:schemeClr val="tx1"/>
+                          </a:solidFill>
+                          <a:effectLst/>
+                          <a:latin typeface="Arial" charset="0"/>
+                        </a:rPr>
+                        <a:t>0</a:t>
+                      </a:r>
+                      <a:endParaRPr kumimoji="0" lang="en-NZ" sz="2800" b="0" i="0" u="none" strike="noStrike" cap="none" normalizeH="0" baseline="0" dirty="0" smtClean="0">
+                        <a:ln>
+                          <a:noFill/>
+                        </a:ln>
+                        <a:solidFill>
+                          <a:schemeClr val="tx1"/>
+                        </a:solidFill>
+                        <a:effectLst/>
+                        <a:latin typeface="Arial" charset="0"/>
+                      </a:endParaRPr>
+                    </a:p>
+                  </a:txBody>
+                  <a:tcPr horzOverflow="overflow">
+                    <a:lnL w="12700" cap="flat" cmpd="sng" algn="ctr">
+                      <a:solidFill>
+                        <a:schemeClr val="tx1"/>
+                      </a:solidFill>
+                      <a:prstDash val="solid"/>
+                      <a:round/>
+                      <a:headEnd type="none" w="med" len="med"/>
+                      <a:tailEnd type="none" w="med" len="med"/>
+                    </a:lnL>
+                    <a:lnR w="28575" cap="flat" cmpd="sng" algn="ctr">
+                      <a:solidFill>
+                        <a:schemeClr val="tx1"/>
+                      </a:solidFill>
+                      <a:prstDash val="solid"/>
+                      <a:round/>
+                      <a:headEnd type="none" w="med" len="med"/>
+                      <a:tailEnd type="none" w="med" len="med"/>
+                    </a:lnR>
+                    <a:lnT w="28575" cap="flat" cmpd="sng" algn="ctr">
+                      <a:solidFill>
+                        <a:schemeClr val="tx1"/>
+                      </a:solidFill>
+                      <a:prstDash val="solid"/>
+                      <a:round/>
+                      <a:headEnd type="none" w="med" len="med"/>
+                      <a:tailEnd type="none" w="med" len="med"/>
+                    </a:lnT>
+                    <a:lnB w="12700" cap="flat" cmpd="sng" algn="ctr">
+                      <a:solidFill>
+                        <a:schemeClr val="tx1"/>
+                      </a:solidFill>
+                      <a:prstDash val="solid"/>
+                      <a:round/>
+                      <a:headEnd type="none" w="med" len="med"/>
+                      <a:tailEnd type="none" w="med" len="med"/>
+                    </a:lnB>
+                    <a:lnTlToBr>
+                      <a:noFill/>
+                    </a:lnTlToBr>
+                    <a:lnBlToTr>
+                      <a:noFill/>
+                    </a:lnBlToTr>
+                    <a:noFill/>
+                  </a:tcPr>
+                </a:tc>
+                <a:extLst>
+                  <a:ext uri="{0D108BD9-81ED-4DB2-BD59-A6C34878D82A}">
+                    <a16:rowId xmlns:a16="http://schemas.microsoft.com/office/drawing/2014/main" val="10000"/>
+                  </a:ext>
+                </a:extLst>
+              </a:tr>
+              <a:tr h="311150">
+                <a:tc>
+                  <a:txBody>
+                    <a:bodyPr/>
+                    <a:lstStyle/>
+                    <a:p>
+                      <a:pPr marL="0" marR="0" lvl="0" indent="0" algn="l" defTabSz="914400" rtl="0" eaLnBrk="1" fontAlgn="base" latinLnBrk="0" hangingPunct="1">
+                        <a:lnSpc>
+                          <a:spcPct val="100000"/>
+                        </a:lnSpc>
+                        <a:spcBef>
+                          <a:spcPct val="20000"/>
+                        </a:spcBef>
+                        <a:spcAft>
+                          <a:spcPct val="0"/>
+                        </a:spcAft>
+                        <a:buClr>
+                          <a:schemeClr val="bg2"/>
+                        </a:buClr>
+                        <a:buSzPct val="75000"/>
+                        <a:buFont typeface="Wingdings" pitchFamily="2" charset="2"/>
+                        <a:buNone/>
+                        <a:tabLst/>
+                      </a:pPr>
+                      <a:r>
+                        <a:rPr kumimoji="0" lang="en-US" sz="2800" b="0" i="0" u="none" strike="noStrike" cap="none" normalizeH="0" baseline="0" dirty="0" smtClean="0">
+                          <a:ln>
+                            <a:noFill/>
+                          </a:ln>
+                          <a:solidFill>
+                            <a:schemeClr val="tx1"/>
+                          </a:solidFill>
+                          <a:effectLst/>
+                          <a:latin typeface="Arial" charset="0"/>
+                        </a:rPr>
+                        <a:t>0</a:t>
+                      </a:r>
+                      <a:endParaRPr kumimoji="0" lang="en-NZ" sz="2800" b="0" i="0" u="none" strike="noStrike" cap="none" normalizeH="0" baseline="0" dirty="0" smtClean="0">
+                        <a:ln>
+                          <a:noFill/>
+                        </a:ln>
+                        <a:solidFill>
+                          <a:schemeClr val="tx1"/>
+                        </a:solidFill>
+                        <a:effectLst/>
+                        <a:latin typeface="Arial" charset="0"/>
+                      </a:endParaRPr>
+                    </a:p>
+                  </a:txBody>
+                  <a:tcPr horzOverflow="overflow">
+                    <a:lnL w="28575" cap="flat" cmpd="sng" algn="ctr">
+                      <a:solidFill>
+                        <a:schemeClr val="tx1"/>
+                      </a:solidFill>
+                      <a:prstDash val="solid"/>
+                      <a:round/>
+                      <a:headEnd type="none" w="med" len="med"/>
+                      <a:tailEnd type="none" w="med" len="med"/>
+                    </a:lnL>
+                    <a:lnR w="12700" cap="flat" cmpd="sng" algn="ctr">
+                      <a:solidFill>
+                        <a:schemeClr val="tx1"/>
+                      </a:solidFill>
+                      <a:prstDash val="solid"/>
+                      <a:round/>
+                      <a:headEnd type="none" w="med" len="med"/>
+                      <a:tailEnd type="none" w="med" len="med"/>
+                    </a:lnR>
+                    <a:lnT w="12700" cap="flat" cmpd="sng" algn="ctr">
+                      <a:solidFill>
+                        <a:schemeClr val="tx1"/>
+                      </a:solidFill>
+                      <a:prstDash val="solid"/>
+                      <a:round/>
+                      <a:headEnd type="none" w="med" len="med"/>
+                      <a:tailEnd type="none" w="med" len="med"/>
+                    </a:lnT>
+                    <a:lnB w="12700" cap="flat" cmpd="sng" algn="ctr">
+                      <a:solidFill>
+                        <a:schemeClr val="tx1"/>
+                      </a:solidFill>
+                      <a:prstDash val="solid"/>
+                      <a:round/>
+                      <a:headEnd type="none" w="med" len="med"/>
+                      <a:tailEnd type="none" w="med" len="med"/>
+                    </a:lnB>
+                    <a:lnTlToBr>
+                      <a:noFill/>
+                    </a:lnTlToBr>
+                    <a:lnBlToTr>
+                      <a:noFill/>
+                    </a:lnBlToTr>
+                    <a:noFill/>
+                  </a:tcPr>
+                </a:tc>
+                <a:tc>
+                  <a:txBody>
+                    <a:bodyPr/>
+                    <a:lstStyle/>
+                    <a:p>
+                      <a:pPr marL="0" marR="0" lvl="0" indent="0" algn="l" defTabSz="914400" rtl="0" eaLnBrk="1" fontAlgn="base" latinLnBrk="0" hangingPunct="1">
+                        <a:lnSpc>
+                          <a:spcPct val="100000"/>
+                        </a:lnSpc>
+                        <a:spcBef>
+                          <a:spcPct val="20000"/>
+                        </a:spcBef>
+                        <a:spcAft>
+                          <a:spcPct val="0"/>
+                        </a:spcAft>
+                        <a:buClr>
+                          <a:schemeClr val="bg2"/>
+                        </a:buClr>
+                        <a:buSzPct val="75000"/>
+                        <a:buFont typeface="Wingdings" pitchFamily="2" charset="2"/>
+                        <a:buNone/>
+                        <a:tabLst/>
+                      </a:pPr>
+                      <a:r>
+                        <a:rPr kumimoji="0" lang="en-US" sz="2800" b="0" i="0" u="none" strike="noStrike" cap="none" normalizeH="0" baseline="0" dirty="0" smtClean="0">
+                          <a:ln>
+                            <a:noFill/>
+                          </a:ln>
+                          <a:solidFill>
+                            <a:schemeClr val="tx1"/>
+                          </a:solidFill>
+                          <a:effectLst/>
+                          <a:latin typeface="Arial" charset="0"/>
+                        </a:rPr>
+                        <a:t>0</a:t>
+                      </a:r>
+                      <a:endParaRPr kumimoji="0" lang="en-NZ" sz="2800" b="0" i="0" u="none" strike="noStrike" cap="none" normalizeH="0" baseline="0" dirty="0" smtClean="0">
+                        <a:ln>
+                          <a:noFill/>
+                        </a:ln>
+                        <a:solidFill>
+                          <a:schemeClr val="tx1"/>
+                        </a:solidFill>
+                        <a:effectLst/>
+                        <a:latin typeface="Arial" charset="0"/>
+                      </a:endParaRPr>
+                    </a:p>
+                  </a:txBody>
+                  <a:tcPr horzOverflow="overflow">
+                    <a:lnL w="12700" cap="flat" cmpd="sng" algn="ctr">
+                      <a:solidFill>
+                        <a:schemeClr val="tx1"/>
+                      </a:solidFill>
+                      <a:prstDash val="solid"/>
+                      <a:round/>
+                      <a:headEnd type="none" w="med" len="med"/>
+                      <a:tailEnd type="none" w="med" len="med"/>
+                    </a:lnL>
+                    <a:lnR w="12700" cap="flat" cmpd="sng" algn="ctr">
+                      <a:solidFill>
+                        <a:schemeClr val="tx1"/>
+                      </a:solidFill>
+                      <a:prstDash val="solid"/>
+                      <a:round/>
+                      <a:headEnd type="none" w="med" len="med"/>
+                      <a:tailEnd type="none" w="med" len="med"/>
+                    </a:lnR>
+                    <a:lnT w="12700" cap="flat" cmpd="sng" algn="ctr">
+                      <a:solidFill>
+                        <a:schemeClr val="tx1"/>
+                      </a:solidFill>
+                      <a:prstDash val="solid"/>
+                      <a:round/>
+                      <a:headEnd type="none" w="med" len="med"/>
+                      <a:tailEnd type="none" w="med" len="med"/>
+                    </a:lnT>
+                    <a:lnB w="12700" cap="flat" cmpd="sng" algn="ctr">
+                      <a:solidFill>
+                        <a:schemeClr val="tx1"/>
+                      </a:solidFill>
+                      <a:prstDash val="solid"/>
+                      <a:round/>
+                      <a:headEnd type="none" w="med" len="med"/>
+                      <a:tailEnd type="none" w="med" len="med"/>
+                    </a:lnB>
+                    <a:lnTlToBr>
+                      <a:noFill/>
+                    </a:lnTlToBr>
+                    <a:lnBlToTr>
+                      <a:noFill/>
+                    </a:lnBlToTr>
+                    <a:noFill/>
+                  </a:tcPr>
+                </a:tc>
+                <a:tc>
+                  <a:txBody>
+                    <a:bodyPr/>
+                    <a:lstStyle/>
+                    <a:p>
+                      <a:pPr marL="0" marR="0" lvl="0" indent="0" algn="l" defTabSz="914400" rtl="0" eaLnBrk="1" fontAlgn="base" latinLnBrk="0" hangingPunct="1">
+                        <a:lnSpc>
+                          <a:spcPct val="100000"/>
+                        </a:lnSpc>
+                        <a:spcBef>
+                          <a:spcPct val="20000"/>
+                        </a:spcBef>
+                        <a:spcAft>
+                          <a:spcPct val="0"/>
+                        </a:spcAft>
+                        <a:buClr>
+                          <a:schemeClr val="bg2"/>
+                        </a:buClr>
+                        <a:buSzPct val="75000"/>
+                        <a:buFont typeface="Wingdings" pitchFamily="2" charset="2"/>
+                        <a:buNone/>
+                        <a:tabLst/>
+                      </a:pPr>
+                      <a:r>
+                        <a:rPr kumimoji="0" lang="en-US" sz="2800" b="0" i="0" u="none" strike="noStrike" cap="none" normalizeH="0" baseline="0" dirty="0" smtClean="0">
+                          <a:ln>
+                            <a:noFill/>
+                          </a:ln>
+                          <a:solidFill>
+                            <a:schemeClr val="tx1"/>
+                          </a:solidFill>
+                          <a:effectLst/>
+                          <a:latin typeface="Arial" charset="0"/>
+                        </a:rPr>
+                        <a:t>1</a:t>
+                      </a:r>
+                      <a:endParaRPr kumimoji="0" lang="en-NZ" sz="2800" b="0" i="0" u="none" strike="noStrike" cap="none" normalizeH="0" baseline="0" dirty="0" smtClean="0">
+                        <a:ln>
+                          <a:noFill/>
+                        </a:ln>
+                        <a:solidFill>
+                          <a:schemeClr val="tx1"/>
+                        </a:solidFill>
+                        <a:effectLst/>
+                        <a:latin typeface="Arial" charset="0"/>
+                      </a:endParaRPr>
+                    </a:p>
+                  </a:txBody>
+                  <a:tcPr horzOverflow="overflow">
+                    <a:lnL w="12700" cap="flat" cmpd="sng" algn="ctr">
+                      <a:solidFill>
+                        <a:schemeClr val="tx1"/>
+                      </a:solidFill>
+                      <a:prstDash val="solid"/>
+                      <a:round/>
+                      <a:headEnd type="none" w="med" len="med"/>
+                      <a:tailEnd type="none" w="med" len="med"/>
+                    </a:lnL>
+                    <a:lnR w="12700" cap="flat" cmpd="sng" algn="ctr">
+                      <a:solidFill>
+                        <a:schemeClr val="tx1"/>
+                      </a:solidFill>
+                      <a:prstDash val="solid"/>
+                      <a:round/>
+                      <a:headEnd type="none" w="med" len="med"/>
+                      <a:tailEnd type="none" w="med" len="med"/>
+                    </a:lnR>
+                    <a:lnT w="12700" cap="flat" cmpd="sng" algn="ctr">
+                      <a:solidFill>
+                        <a:schemeClr val="tx1"/>
+                      </a:solidFill>
+                      <a:prstDash val="solid"/>
+                      <a:round/>
+                      <a:headEnd type="none" w="med" len="med"/>
+                      <a:tailEnd type="none" w="med" len="med"/>
+                    </a:lnT>
+                    <a:lnB w="12700" cap="flat" cmpd="sng" algn="ctr">
+                      <a:solidFill>
+                        <a:schemeClr val="tx1"/>
+                      </a:solidFill>
+                      <a:prstDash val="solid"/>
+                      <a:round/>
+                      <a:headEnd type="none" w="med" len="med"/>
+                      <a:tailEnd type="none" w="med" len="med"/>
+                    </a:lnB>
+                    <a:lnTlToBr>
+                      <a:noFill/>
+                    </a:lnTlToBr>
+                    <a:lnBlToTr>
+                      <a:noFill/>
+                    </a:lnBlToTr>
+                    <a:noFill/>
+                  </a:tcPr>
+                </a:tc>
+                <a:tc>
+                  <a:txBody>
+                    <a:bodyPr/>
+                    <a:lstStyle/>
+                    <a:p>
+                      <a:pPr marL="0" marR="0" lvl="0" indent="0" algn="l" defTabSz="914400" rtl="0" eaLnBrk="1" fontAlgn="base" latinLnBrk="0" hangingPunct="1">
+                        <a:lnSpc>
+                          <a:spcPct val="100000"/>
+                        </a:lnSpc>
+                        <a:spcBef>
+                          <a:spcPct val="20000"/>
+                        </a:spcBef>
+                        <a:spcAft>
+                          <a:spcPct val="0"/>
+                        </a:spcAft>
+                        <a:buClr>
+                          <a:schemeClr val="bg2"/>
+                        </a:buClr>
+                        <a:buSzPct val="75000"/>
+                        <a:buFont typeface="Wingdings" pitchFamily="2" charset="2"/>
+                        <a:buNone/>
+                        <a:tabLst/>
+                      </a:pPr>
+                      <a:r>
+                        <a:rPr kumimoji="0" lang="en-US" sz="2800" b="0" i="0" u="none" strike="noStrike" cap="none" normalizeH="0" baseline="0" dirty="0" smtClean="0">
+                          <a:ln>
+                            <a:noFill/>
+                          </a:ln>
+                          <a:solidFill>
+                            <a:schemeClr val="tx1"/>
+                          </a:solidFill>
+                          <a:effectLst/>
+                          <a:latin typeface="Arial" charset="0"/>
+                        </a:rPr>
+                        <a:t>1</a:t>
+                      </a:r>
+                      <a:endParaRPr kumimoji="0" lang="en-NZ" sz="2800" b="0" i="0" u="none" strike="noStrike" cap="none" normalizeH="0" baseline="0" dirty="0" smtClean="0">
+                        <a:ln>
+                          <a:noFill/>
+                        </a:ln>
+                        <a:solidFill>
+                          <a:schemeClr val="tx1"/>
+                        </a:solidFill>
+                        <a:effectLst/>
+                        <a:latin typeface="Arial" charset="0"/>
+                      </a:endParaRPr>
+                    </a:p>
+                  </a:txBody>
+                  <a:tcPr horzOverflow="overflow">
+                    <a:lnL w="12700" cap="flat" cmpd="sng" algn="ctr">
+                      <a:solidFill>
+                        <a:schemeClr val="tx1"/>
+                      </a:solidFill>
+                      <a:prstDash val="solid"/>
+                      <a:round/>
+                      <a:headEnd type="none" w="med" len="med"/>
+                      <a:tailEnd type="none" w="med" len="med"/>
+                    </a:lnL>
+                    <a:lnR w="28575" cap="flat" cmpd="sng" algn="ctr">
+                      <a:solidFill>
+                        <a:schemeClr val="tx1"/>
+                      </a:solidFill>
+                      <a:prstDash val="solid"/>
+                      <a:round/>
+                      <a:headEnd type="none" w="med" len="med"/>
+                      <a:tailEnd type="none" w="med" len="med"/>
+                    </a:lnR>
+                    <a:lnT w="12700" cap="flat" cmpd="sng" algn="ctr">
+                      <a:solidFill>
+                        <a:schemeClr val="tx1"/>
+                      </a:solidFill>
+                      <a:prstDash val="solid"/>
+                      <a:round/>
+                      <a:headEnd type="none" w="med" len="med"/>
+                      <a:tailEnd type="none" w="med" len="med"/>
+                    </a:lnT>
+                    <a:lnB w="12700" cap="flat" cmpd="sng" algn="ctr">
+                      <a:solidFill>
+                        <a:schemeClr val="tx1"/>
+                      </a:solidFill>
+                      <a:prstDash val="solid"/>
+                      <a:round/>
+                      <a:headEnd type="none" w="med" len="med"/>
+                      <a:tailEnd type="none" w="med" len="med"/>
+                    </a:lnB>
+                    <a:lnTlToBr>
+                      <a:noFill/>
+                    </a:lnTlToBr>
+                    <a:lnBlToTr>
+                      <a:noFill/>
+                    </a:lnBlToTr>
+                    <a:noFill/>
+                  </a:tcPr>
+                </a:tc>
+                <a:extLst>
+                  <a:ext uri="{0D108BD9-81ED-4DB2-BD59-A6C34878D82A}">
+                    <a16:rowId xmlns:a16="http://schemas.microsoft.com/office/drawing/2014/main" val="10001"/>
+                  </a:ext>
+                </a:extLst>
+              </a:tr>
+              <a:tr h="309563">
+                <a:tc>
+                  <a:txBody>
+                    <a:bodyPr/>
+                    <a:lstStyle/>
+                    <a:p>
+                      <a:pPr marL="0" marR="0" lvl="0" indent="0" algn="l" defTabSz="914400" rtl="0" eaLnBrk="1" fontAlgn="base" latinLnBrk="0" hangingPunct="1">
+                        <a:lnSpc>
+                          <a:spcPct val="100000"/>
+                        </a:lnSpc>
+                        <a:spcBef>
+                          <a:spcPct val="20000"/>
+                        </a:spcBef>
+                        <a:spcAft>
+                          <a:spcPct val="0"/>
+                        </a:spcAft>
+                        <a:buClr>
+                          <a:schemeClr val="bg2"/>
+                        </a:buClr>
+                        <a:buSzPct val="75000"/>
+                        <a:buFont typeface="Wingdings" pitchFamily="2" charset="2"/>
+                        <a:buNone/>
+                        <a:tabLst/>
+                      </a:pPr>
+                      <a:r>
+                        <a:rPr kumimoji="0" lang="en-US" sz="2800" b="0" i="0" u="none" strike="noStrike" cap="none" normalizeH="0" baseline="0" dirty="0" smtClean="0">
+                          <a:ln>
+                            <a:noFill/>
+                          </a:ln>
+                          <a:solidFill>
+                            <a:schemeClr val="tx1"/>
+                          </a:solidFill>
+                          <a:effectLst/>
+                          <a:latin typeface="Arial" charset="0"/>
+                        </a:rPr>
+                        <a:t>0</a:t>
+                      </a:r>
+                      <a:endParaRPr kumimoji="0" lang="en-NZ" sz="2800" b="0" i="0" u="none" strike="noStrike" cap="none" normalizeH="0" baseline="0" dirty="0" smtClean="0">
+                        <a:ln>
+                          <a:noFill/>
+                        </a:ln>
+                        <a:solidFill>
+                          <a:schemeClr val="tx1"/>
+                        </a:solidFill>
+                        <a:effectLst/>
+                        <a:latin typeface="Arial" charset="0"/>
+                      </a:endParaRPr>
+                    </a:p>
+                  </a:txBody>
+                  <a:tcPr horzOverflow="overflow">
+                    <a:lnL w="28575" cap="flat" cmpd="sng" algn="ctr">
+                      <a:solidFill>
+                        <a:schemeClr val="tx1"/>
+                      </a:solidFill>
+                      <a:prstDash val="solid"/>
+                      <a:round/>
+                      <a:headEnd type="none" w="med" len="med"/>
+                      <a:tailEnd type="none" w="med" len="med"/>
+                    </a:lnL>
+                    <a:lnR w="12700" cap="flat" cmpd="sng" algn="ctr">
+                      <a:solidFill>
+                        <a:schemeClr val="tx1"/>
+                      </a:solidFill>
+                      <a:prstDash val="solid"/>
+                      <a:round/>
+                      <a:headEnd type="none" w="med" len="med"/>
+                      <a:tailEnd type="none" w="med" len="med"/>
+                    </a:lnR>
+                    <a:lnT w="12700" cap="flat" cmpd="sng" algn="ctr">
+                      <a:solidFill>
+                        <a:schemeClr val="tx1"/>
+                      </a:solidFill>
+                      <a:prstDash val="solid"/>
+                      <a:round/>
+                      <a:headEnd type="none" w="med" len="med"/>
+                      <a:tailEnd type="none" w="med" len="med"/>
+                    </a:lnT>
+                    <a:lnB w="12700" cap="flat" cmpd="sng" algn="ctr">
+                      <a:solidFill>
+                        <a:schemeClr val="tx1"/>
+                      </a:solidFill>
+                      <a:prstDash val="solid"/>
+                      <a:round/>
+                      <a:headEnd type="none" w="med" len="med"/>
+                      <a:tailEnd type="none" w="med" len="med"/>
+                    </a:lnB>
+                    <a:lnTlToBr>
+                      <a:noFill/>
+                    </a:lnTlToBr>
+                    <a:lnBlToTr>
+                      <a:noFill/>
+                    </a:lnBlToTr>
+                    <a:noFill/>
+                  </a:tcPr>
+                </a:tc>
+                <a:tc>
+                  <a:txBody>
+                    <a:bodyPr/>
+                    <a:lstStyle/>
+                    <a:p>
+                      <a:pPr marL="0" marR="0" lvl="0" indent="0" algn="l" defTabSz="914400" rtl="0" eaLnBrk="1" fontAlgn="base" latinLnBrk="0" hangingPunct="1">
+                        <a:lnSpc>
+                          <a:spcPct val="100000"/>
+                        </a:lnSpc>
+                        <a:spcBef>
+                          <a:spcPct val="20000"/>
+                        </a:spcBef>
+                        <a:spcAft>
+                          <a:spcPct val="0"/>
+                        </a:spcAft>
+                        <a:buClr>
+                          <a:schemeClr val="bg2"/>
+                        </a:buClr>
+                        <a:buSzPct val="75000"/>
+                        <a:buFont typeface="Wingdings" pitchFamily="2" charset="2"/>
+                        <a:buNone/>
+                        <a:tabLst/>
+                      </a:pPr>
+                      <a:r>
+                        <a:rPr kumimoji="0" lang="en-US" sz="2800" b="0" i="0" u="none" strike="noStrike" cap="none" normalizeH="0" baseline="0" dirty="0" smtClean="0">
+                          <a:ln>
+                            <a:noFill/>
+                          </a:ln>
+                          <a:solidFill>
+                            <a:schemeClr val="tx1"/>
+                          </a:solidFill>
+                          <a:effectLst/>
+                          <a:latin typeface="Arial" charset="0"/>
+                        </a:rPr>
+                        <a:t>0</a:t>
+                      </a:r>
+                      <a:endParaRPr kumimoji="0" lang="en-NZ" sz="2800" b="0" i="0" u="none" strike="noStrike" cap="none" normalizeH="0" baseline="0" dirty="0" smtClean="0">
+                        <a:ln>
+                          <a:noFill/>
+                        </a:ln>
+                        <a:solidFill>
+                          <a:schemeClr val="tx1"/>
+                        </a:solidFill>
+                        <a:effectLst/>
+                        <a:latin typeface="Arial" charset="0"/>
+                      </a:endParaRPr>
+                    </a:p>
+                  </a:txBody>
+                  <a:tcPr horzOverflow="overflow">
+                    <a:lnL w="12700" cap="flat" cmpd="sng" algn="ctr">
+                      <a:solidFill>
+                        <a:schemeClr val="tx1"/>
+                      </a:solidFill>
+                      <a:prstDash val="solid"/>
+                      <a:round/>
+                      <a:headEnd type="none" w="med" len="med"/>
+                      <a:tailEnd type="none" w="med" len="med"/>
+                    </a:lnL>
+                    <a:lnR w="12700" cap="flat" cmpd="sng" algn="ctr">
+                      <a:solidFill>
+                        <a:schemeClr val="tx1"/>
+                      </a:solidFill>
+                      <a:prstDash val="solid"/>
+                      <a:round/>
+                      <a:headEnd type="none" w="med" len="med"/>
+                      <a:tailEnd type="none" w="med" len="med"/>
+                    </a:lnR>
+                    <a:lnT w="12700" cap="flat" cmpd="sng" algn="ctr">
+                      <a:solidFill>
+                        <a:schemeClr val="tx1"/>
+                      </a:solidFill>
+                      <a:prstDash val="solid"/>
+                      <a:round/>
+                      <a:headEnd type="none" w="med" len="med"/>
+                      <a:tailEnd type="none" w="med" len="med"/>
+                    </a:lnT>
+                    <a:lnB w="12700" cap="flat" cmpd="sng" algn="ctr">
+                      <a:solidFill>
+                        <a:schemeClr val="tx1"/>
+                      </a:solidFill>
+                      <a:prstDash val="solid"/>
+                      <a:round/>
+                      <a:headEnd type="none" w="med" len="med"/>
+                      <a:tailEnd type="none" w="med" len="med"/>
+                    </a:lnB>
+                    <a:lnTlToBr>
+                      <a:noFill/>
+                    </a:lnTlToBr>
+                    <a:lnBlToTr>
+                      <a:noFill/>
+                    </a:lnBlToTr>
+                    <a:noFill/>
+                  </a:tcPr>
+                </a:tc>
+                <a:tc>
+                  <a:txBody>
+                    <a:bodyPr/>
+                    <a:lstStyle/>
+                    <a:p>
+                      <a:pPr marL="0" marR="0" lvl="0" indent="0" algn="l" defTabSz="914400" rtl="0" eaLnBrk="1" fontAlgn="base" latinLnBrk="0" hangingPunct="1">
+                        <a:lnSpc>
+                          <a:spcPct val="100000"/>
+                        </a:lnSpc>
+                        <a:spcBef>
+                          <a:spcPct val="20000"/>
+                        </a:spcBef>
+                        <a:spcAft>
+                          <a:spcPct val="0"/>
+                        </a:spcAft>
+                        <a:buClr>
+                          <a:schemeClr val="bg2"/>
+                        </a:buClr>
+                        <a:buSzPct val="75000"/>
+                        <a:buFont typeface="Wingdings" pitchFamily="2" charset="2"/>
+                        <a:buNone/>
+                        <a:tabLst/>
+                      </a:pPr>
+                      <a:r>
+                        <a:rPr kumimoji="0" lang="en-US" sz="2800" b="0" i="0" u="none" strike="noStrike" cap="none" normalizeH="0" baseline="0" dirty="0" smtClean="0">
+                          <a:ln>
+                            <a:noFill/>
+                          </a:ln>
+                          <a:solidFill>
+                            <a:schemeClr val="tx1"/>
+                          </a:solidFill>
+                          <a:effectLst/>
+                          <a:latin typeface="Arial" charset="0"/>
+                        </a:rPr>
+                        <a:t>0</a:t>
+                      </a:r>
+                      <a:endParaRPr kumimoji="0" lang="en-NZ" sz="2800" b="0" i="0" u="none" strike="noStrike" cap="none" normalizeH="0" baseline="0" dirty="0" smtClean="0">
+                        <a:ln>
+                          <a:noFill/>
+                        </a:ln>
+                        <a:solidFill>
+                          <a:schemeClr val="tx1"/>
+                        </a:solidFill>
+                        <a:effectLst/>
+                        <a:latin typeface="Arial" charset="0"/>
+                      </a:endParaRPr>
+                    </a:p>
+                  </a:txBody>
+                  <a:tcPr horzOverflow="overflow">
+                    <a:lnL w="12700" cap="flat" cmpd="sng" algn="ctr">
+                      <a:solidFill>
+                        <a:schemeClr val="tx1"/>
+                      </a:solidFill>
+                      <a:prstDash val="solid"/>
+                      <a:round/>
+                      <a:headEnd type="none" w="med" len="med"/>
+                      <a:tailEnd type="none" w="med" len="med"/>
+                    </a:lnL>
+                    <a:lnR w="12700" cap="flat" cmpd="sng" algn="ctr">
+                      <a:solidFill>
+                        <a:schemeClr val="tx1"/>
+                      </a:solidFill>
+                      <a:prstDash val="solid"/>
+                      <a:round/>
+                      <a:headEnd type="none" w="med" len="med"/>
+                      <a:tailEnd type="none" w="med" len="med"/>
+                    </a:lnR>
+                    <a:lnT w="12700" cap="flat" cmpd="sng" algn="ctr">
+                      <a:solidFill>
+                        <a:schemeClr val="tx1"/>
+                      </a:solidFill>
+                      <a:prstDash val="solid"/>
+                      <a:round/>
+                      <a:headEnd type="none" w="med" len="med"/>
+                      <a:tailEnd type="none" w="med" len="med"/>
+                    </a:lnT>
+                    <a:lnB w="12700" cap="flat" cmpd="sng" algn="ctr">
+                      <a:solidFill>
+                        <a:schemeClr val="tx1"/>
+                      </a:solidFill>
+                      <a:prstDash val="solid"/>
+                      <a:round/>
+                      <a:headEnd type="none" w="med" len="med"/>
+                      <a:tailEnd type="none" w="med" len="med"/>
+                    </a:lnB>
+                    <a:lnTlToBr>
+                      <a:noFill/>
+                    </a:lnTlToBr>
+                    <a:lnBlToTr>
+                      <a:noFill/>
+                    </a:lnBlToTr>
+                    <a:noFill/>
+                  </a:tcPr>
+                </a:tc>
+                <a:tc>
+                  <a:txBody>
+                    <a:bodyPr/>
+                    <a:lstStyle/>
+                    <a:p>
+                      <a:pPr marL="0" marR="0" lvl="0" indent="0" algn="l" defTabSz="914400" rtl="0" eaLnBrk="1" fontAlgn="base" latinLnBrk="0" hangingPunct="1">
+                        <a:lnSpc>
+                          <a:spcPct val="100000"/>
+                        </a:lnSpc>
+                        <a:spcBef>
+                          <a:spcPct val="20000"/>
+                        </a:spcBef>
+                        <a:spcAft>
+                          <a:spcPct val="0"/>
+                        </a:spcAft>
+                        <a:buClr>
+                          <a:schemeClr val="bg2"/>
+                        </a:buClr>
+                        <a:buSzPct val="75000"/>
+                        <a:buFont typeface="Wingdings" pitchFamily="2" charset="2"/>
+                        <a:buNone/>
+                        <a:tabLst/>
+                      </a:pPr>
+                      <a:r>
+                        <a:rPr kumimoji="0" lang="en-US" sz="2800" b="0" i="0" u="none" strike="noStrike" cap="none" normalizeH="0" baseline="0" dirty="0" smtClean="0">
+                          <a:ln>
+                            <a:noFill/>
+                          </a:ln>
+                          <a:solidFill>
+                            <a:schemeClr val="tx1"/>
+                          </a:solidFill>
+                          <a:effectLst/>
+                          <a:latin typeface="Arial" charset="0"/>
+                        </a:rPr>
+                        <a:t>0</a:t>
+                      </a:r>
+                      <a:endParaRPr kumimoji="0" lang="en-NZ" sz="2800" b="0" i="0" u="none" strike="noStrike" cap="none" normalizeH="0" baseline="0" dirty="0" smtClean="0">
+                        <a:ln>
+                          <a:noFill/>
+                        </a:ln>
+                        <a:solidFill>
+                          <a:schemeClr val="tx1"/>
+                        </a:solidFill>
+                        <a:effectLst/>
+                        <a:latin typeface="Arial" charset="0"/>
+                      </a:endParaRPr>
+                    </a:p>
+                  </a:txBody>
+                  <a:tcPr horzOverflow="overflow">
+                    <a:lnL w="12700" cap="flat" cmpd="sng" algn="ctr">
+                      <a:solidFill>
+                        <a:schemeClr val="tx1"/>
+                      </a:solidFill>
+                      <a:prstDash val="solid"/>
+                      <a:round/>
+                      <a:headEnd type="none" w="med" len="med"/>
+                      <a:tailEnd type="none" w="med" len="med"/>
+                    </a:lnL>
+                    <a:lnR w="28575" cap="flat" cmpd="sng" algn="ctr">
+                      <a:solidFill>
+                        <a:schemeClr val="tx1"/>
+                      </a:solidFill>
+                      <a:prstDash val="solid"/>
+                      <a:round/>
+                      <a:headEnd type="none" w="med" len="med"/>
+                      <a:tailEnd type="none" w="med" len="med"/>
+                    </a:lnR>
+                    <a:lnT w="12700" cap="flat" cmpd="sng" algn="ctr">
+                      <a:solidFill>
+                        <a:schemeClr val="tx1"/>
+                      </a:solidFill>
+                      <a:prstDash val="solid"/>
+                      <a:round/>
+                      <a:headEnd type="none" w="med" len="med"/>
+                      <a:tailEnd type="none" w="med" len="med"/>
+                    </a:lnT>
+                    <a:lnB w="12700" cap="flat" cmpd="sng" algn="ctr">
+                      <a:solidFill>
+                        <a:schemeClr val="tx1"/>
+                      </a:solidFill>
+                      <a:prstDash val="solid"/>
+                      <a:round/>
+                      <a:headEnd type="none" w="med" len="med"/>
+                      <a:tailEnd type="none" w="med" len="med"/>
+                    </a:lnB>
+                    <a:lnTlToBr>
+                      <a:noFill/>
+                    </a:lnTlToBr>
+                    <a:lnBlToTr>
+                      <a:noFill/>
+                    </a:lnBlToTr>
+                    <a:noFill/>
+                  </a:tcPr>
+                </a:tc>
+                <a:extLst>
+                  <a:ext uri="{0D108BD9-81ED-4DB2-BD59-A6C34878D82A}">
+                    <a16:rowId xmlns:a16="http://schemas.microsoft.com/office/drawing/2014/main" val="10002"/>
+                  </a:ext>
+                </a:extLst>
+              </a:tr>
+              <a:tr h="309563">
+                <a:tc>
+                  <a:txBody>
+                    <a:bodyPr/>
+                    <a:lstStyle/>
+                    <a:p>
+                      <a:pPr marL="0" marR="0" lvl="0" indent="0" algn="l" defTabSz="914400" rtl="0" eaLnBrk="1" fontAlgn="base" latinLnBrk="0" hangingPunct="1">
+                        <a:lnSpc>
+                          <a:spcPct val="100000"/>
+                        </a:lnSpc>
+                        <a:spcBef>
+                          <a:spcPct val="20000"/>
+                        </a:spcBef>
+                        <a:spcAft>
+                          <a:spcPct val="0"/>
+                        </a:spcAft>
+                        <a:buClr>
+                          <a:schemeClr val="bg2"/>
+                        </a:buClr>
+                        <a:buSzPct val="75000"/>
+                        <a:buFont typeface="Wingdings" pitchFamily="2" charset="2"/>
+                        <a:buNone/>
+                        <a:tabLst/>
+                      </a:pPr>
+                      <a:r>
+                        <a:rPr kumimoji="0" lang="en-US" sz="2800" b="0" i="0" u="none" strike="noStrike" cap="none" normalizeH="0" baseline="0" dirty="0" smtClean="0">
+                          <a:ln>
+                            <a:noFill/>
+                          </a:ln>
+                          <a:solidFill>
+                            <a:schemeClr val="tx1"/>
+                          </a:solidFill>
+                          <a:effectLst/>
+                          <a:latin typeface="Arial" charset="0"/>
+                        </a:rPr>
+                        <a:t>2</a:t>
+                      </a:r>
+                      <a:endParaRPr kumimoji="0" lang="en-NZ" sz="2800" b="0" i="0" u="none" strike="noStrike" cap="none" normalizeH="0" baseline="0" dirty="0" smtClean="0">
+                        <a:ln>
+                          <a:noFill/>
+                        </a:ln>
+                        <a:solidFill>
+                          <a:schemeClr val="tx1"/>
+                        </a:solidFill>
+                        <a:effectLst/>
+                        <a:latin typeface="Arial" charset="0"/>
+                      </a:endParaRPr>
+                    </a:p>
+                  </a:txBody>
+                  <a:tcPr horzOverflow="overflow">
+                    <a:lnL w="28575" cap="flat" cmpd="sng" algn="ctr">
+                      <a:solidFill>
+                        <a:schemeClr val="tx1"/>
+                      </a:solidFill>
+                      <a:prstDash val="solid"/>
+                      <a:round/>
+                      <a:headEnd type="none" w="med" len="med"/>
+                      <a:tailEnd type="none" w="med" len="med"/>
+                    </a:lnL>
+                    <a:lnR w="12700" cap="flat" cmpd="sng" algn="ctr">
+                      <a:solidFill>
+                        <a:schemeClr val="tx1"/>
+                      </a:solidFill>
+                      <a:prstDash val="solid"/>
+                      <a:round/>
+                      <a:headEnd type="none" w="med" len="med"/>
+                      <a:tailEnd type="none" w="med" len="med"/>
+                    </a:lnR>
+                    <a:lnT w="12700" cap="flat" cmpd="sng" algn="ctr">
+                      <a:solidFill>
+                        <a:schemeClr val="tx1"/>
+                      </a:solidFill>
+                      <a:prstDash val="solid"/>
+                      <a:round/>
+                      <a:headEnd type="none" w="med" len="med"/>
+                      <a:tailEnd type="none" w="med" len="med"/>
+                    </a:lnT>
+                    <a:lnB w="28575" cap="flat" cmpd="sng" algn="ctr">
+                      <a:solidFill>
+                        <a:schemeClr val="tx1"/>
+                      </a:solidFill>
+                      <a:prstDash val="solid"/>
+                      <a:round/>
+                      <a:headEnd type="none" w="med" len="med"/>
+                      <a:tailEnd type="none" w="med" len="med"/>
+                    </a:lnB>
+                    <a:lnTlToBr>
+                      <a:noFill/>
+                    </a:lnTlToBr>
+                    <a:lnBlToTr>
+                      <a:noFill/>
+                    </a:lnBlToTr>
+                    <a:noFill/>
+                  </a:tcPr>
+                </a:tc>
+                <a:tc>
+                  <a:txBody>
+                    <a:bodyPr/>
+                    <a:lstStyle/>
+                    <a:p>
+                      <a:pPr marL="0" marR="0" lvl="0" indent="0" algn="l" defTabSz="914400" rtl="0" eaLnBrk="1" fontAlgn="base" latinLnBrk="0" hangingPunct="1">
+                        <a:lnSpc>
+                          <a:spcPct val="100000"/>
+                        </a:lnSpc>
+                        <a:spcBef>
+                          <a:spcPct val="20000"/>
+                        </a:spcBef>
+                        <a:spcAft>
+                          <a:spcPct val="0"/>
+                        </a:spcAft>
+                        <a:buClr>
+                          <a:schemeClr val="bg2"/>
+                        </a:buClr>
+                        <a:buSzPct val="75000"/>
+                        <a:buFont typeface="Wingdings" pitchFamily="2" charset="2"/>
+                        <a:buNone/>
+                        <a:tabLst/>
+                      </a:pPr>
+                      <a:r>
+                        <a:rPr kumimoji="0" lang="en-US" sz="2800" b="0" i="0" u="none" strike="noStrike" cap="none" normalizeH="0" baseline="0" dirty="0" smtClean="0">
+                          <a:ln>
+                            <a:noFill/>
+                          </a:ln>
+                          <a:solidFill>
+                            <a:schemeClr val="tx1"/>
+                          </a:solidFill>
+                          <a:effectLst/>
+                          <a:latin typeface="Arial" charset="0"/>
+                        </a:rPr>
+                        <a:t>2</a:t>
+                      </a:r>
+                      <a:endParaRPr kumimoji="0" lang="en-NZ" sz="2800" b="0" i="0" u="none" strike="noStrike" cap="none" normalizeH="0" baseline="0" dirty="0" smtClean="0">
+                        <a:ln>
+                          <a:noFill/>
+                        </a:ln>
+                        <a:solidFill>
+                          <a:schemeClr val="tx1"/>
+                        </a:solidFill>
+                        <a:effectLst/>
+                        <a:latin typeface="Arial" charset="0"/>
+                      </a:endParaRPr>
+                    </a:p>
+                  </a:txBody>
+                  <a:tcPr horzOverflow="overflow">
+                    <a:lnL w="12700" cap="flat" cmpd="sng" algn="ctr">
+                      <a:solidFill>
+                        <a:schemeClr val="tx1"/>
+                      </a:solidFill>
+                      <a:prstDash val="solid"/>
+                      <a:round/>
+                      <a:headEnd type="none" w="med" len="med"/>
+                      <a:tailEnd type="none" w="med" len="med"/>
+                    </a:lnL>
+                    <a:lnR w="12700" cap="flat" cmpd="sng" algn="ctr">
+                      <a:solidFill>
+                        <a:schemeClr val="tx1"/>
+                      </a:solidFill>
+                      <a:prstDash val="solid"/>
+                      <a:round/>
+                      <a:headEnd type="none" w="med" len="med"/>
+                      <a:tailEnd type="none" w="med" len="med"/>
+                    </a:lnR>
+                    <a:lnT w="12700" cap="flat" cmpd="sng" algn="ctr">
+                      <a:solidFill>
+                        <a:schemeClr val="tx1"/>
+                      </a:solidFill>
+                      <a:prstDash val="solid"/>
+                      <a:round/>
+                      <a:headEnd type="none" w="med" len="med"/>
+                      <a:tailEnd type="none" w="med" len="med"/>
+                    </a:lnT>
+                    <a:lnB w="28575" cap="flat" cmpd="sng" algn="ctr">
+                      <a:solidFill>
+                        <a:schemeClr val="tx1"/>
+                      </a:solidFill>
+                      <a:prstDash val="solid"/>
+                      <a:round/>
+                      <a:headEnd type="none" w="med" len="med"/>
+                      <a:tailEnd type="none" w="med" len="med"/>
+                    </a:lnB>
+                    <a:lnTlToBr>
+                      <a:noFill/>
+                    </a:lnTlToBr>
+                    <a:lnBlToTr>
+                      <a:noFill/>
+                    </a:lnBlToTr>
+                    <a:noFill/>
+                  </a:tcPr>
+                </a:tc>
+                <a:tc>
+                  <a:txBody>
+                    <a:bodyPr/>
+                    <a:lstStyle/>
+                    <a:p>
+                      <a:pPr marL="0" marR="0" lvl="0" indent="0" algn="l" defTabSz="914400" rtl="0" eaLnBrk="1" fontAlgn="base" latinLnBrk="0" hangingPunct="1">
+                        <a:lnSpc>
+                          <a:spcPct val="100000"/>
+                        </a:lnSpc>
+                        <a:spcBef>
+                          <a:spcPct val="20000"/>
+                        </a:spcBef>
+                        <a:spcAft>
+                          <a:spcPct val="0"/>
+                        </a:spcAft>
+                        <a:buClr>
+                          <a:schemeClr val="bg2"/>
+                        </a:buClr>
+                        <a:buSzPct val="75000"/>
+                        <a:buFont typeface="Wingdings" pitchFamily="2" charset="2"/>
+                        <a:buNone/>
+                        <a:tabLst/>
+                      </a:pPr>
+                      <a:r>
+                        <a:rPr kumimoji="0" lang="en-US" sz="2800" b="0" i="0" u="none" strike="noStrike" cap="none" normalizeH="0" baseline="0" dirty="0" smtClean="0">
+                          <a:ln>
+                            <a:noFill/>
+                          </a:ln>
+                          <a:solidFill>
+                            <a:schemeClr val="tx1"/>
+                          </a:solidFill>
+                          <a:effectLst/>
+                          <a:latin typeface="Arial" charset="0"/>
+                        </a:rPr>
+                        <a:t>2</a:t>
+                      </a:r>
+                      <a:endParaRPr kumimoji="0" lang="en-NZ" sz="2800" b="0" i="0" u="none" strike="noStrike" cap="none" normalizeH="0" baseline="0" dirty="0" smtClean="0">
+                        <a:ln>
+                          <a:noFill/>
+                        </a:ln>
+                        <a:solidFill>
+                          <a:schemeClr val="tx1"/>
+                        </a:solidFill>
+                        <a:effectLst/>
+                        <a:latin typeface="Arial" charset="0"/>
+                      </a:endParaRPr>
+                    </a:p>
+                  </a:txBody>
+                  <a:tcPr horzOverflow="overflow">
+                    <a:lnL w="12700" cap="flat" cmpd="sng" algn="ctr">
+                      <a:solidFill>
+                        <a:schemeClr val="tx1"/>
+                      </a:solidFill>
+                      <a:prstDash val="solid"/>
+                      <a:round/>
+                      <a:headEnd type="none" w="med" len="med"/>
+                      <a:tailEnd type="none" w="med" len="med"/>
+                    </a:lnL>
+                    <a:lnR w="12700" cap="flat" cmpd="sng" algn="ctr">
+                      <a:solidFill>
+                        <a:schemeClr val="tx1"/>
+                      </a:solidFill>
+                      <a:prstDash val="solid"/>
+                      <a:round/>
+                      <a:headEnd type="none" w="med" len="med"/>
+                      <a:tailEnd type="none" w="med" len="med"/>
+                    </a:lnR>
+                    <a:lnT w="12700" cap="flat" cmpd="sng" algn="ctr">
+                      <a:solidFill>
+                        <a:schemeClr val="tx1"/>
+                      </a:solidFill>
+                      <a:prstDash val="solid"/>
+                      <a:round/>
+                      <a:headEnd type="none" w="med" len="med"/>
+                      <a:tailEnd type="none" w="med" len="med"/>
+                    </a:lnT>
+                    <a:lnB w="28575" cap="flat" cmpd="sng" algn="ctr">
+                      <a:solidFill>
+                        <a:schemeClr val="tx1"/>
+                      </a:solidFill>
+                      <a:prstDash val="solid"/>
+                      <a:round/>
+                      <a:headEnd type="none" w="med" len="med"/>
+                      <a:tailEnd type="none" w="med" len="med"/>
+                    </a:lnB>
+                    <a:lnTlToBr>
+                      <a:noFill/>
+                    </a:lnTlToBr>
+                    <a:lnBlToTr>
+                      <a:noFill/>
+                    </a:lnBlToTr>
+                    <a:noFill/>
+                  </a:tcPr>
+                </a:tc>
+                <a:tc>
+                  <a:txBody>
+                    <a:bodyPr/>
+                    <a:lstStyle/>
+                    <a:p>
+                      <a:pPr marL="0" marR="0" lvl="0" indent="0" algn="l" defTabSz="914400" rtl="0" eaLnBrk="1" fontAlgn="base" latinLnBrk="0" hangingPunct="1">
+                        <a:lnSpc>
+                          <a:spcPct val="100000"/>
+                        </a:lnSpc>
+                        <a:spcBef>
+                          <a:spcPct val="20000"/>
+                        </a:spcBef>
+                        <a:spcAft>
+                          <a:spcPct val="0"/>
+                        </a:spcAft>
+                        <a:buClr>
+                          <a:schemeClr val="bg2"/>
+                        </a:buClr>
+                        <a:buSzPct val="75000"/>
+                        <a:buFont typeface="Wingdings" pitchFamily="2" charset="2"/>
+                        <a:buNone/>
+                        <a:tabLst/>
+                      </a:pPr>
+                      <a:r>
+                        <a:rPr kumimoji="0" lang="en-US" sz="2800" b="0" i="0" u="none" strike="noStrike" cap="none" normalizeH="0" baseline="0" dirty="0" smtClean="0">
+                          <a:ln>
+                            <a:noFill/>
+                          </a:ln>
+                          <a:solidFill>
+                            <a:schemeClr val="tx1"/>
+                          </a:solidFill>
+                          <a:effectLst/>
+                          <a:latin typeface="Arial" charset="0"/>
+                        </a:rPr>
+                        <a:t>2</a:t>
+                      </a:r>
+                      <a:endParaRPr kumimoji="0" lang="en-NZ" sz="2800" b="0" i="0" u="none" strike="noStrike" cap="none" normalizeH="0" baseline="0" dirty="0" smtClean="0">
+                        <a:ln>
+                          <a:noFill/>
+                        </a:ln>
+                        <a:solidFill>
+                          <a:schemeClr val="tx1"/>
+                        </a:solidFill>
+                        <a:effectLst/>
+                        <a:latin typeface="Arial" charset="0"/>
+                      </a:endParaRPr>
+                    </a:p>
+                  </a:txBody>
+                  <a:tcPr horzOverflow="overflow">
+                    <a:lnL w="12700" cap="flat" cmpd="sng" algn="ctr">
+                      <a:solidFill>
+                        <a:schemeClr val="tx1"/>
+                      </a:solidFill>
+                      <a:prstDash val="solid"/>
+                      <a:round/>
+                      <a:headEnd type="none" w="med" len="med"/>
+                      <a:tailEnd type="none" w="med" len="med"/>
+                    </a:lnL>
+                    <a:lnR w="28575" cap="flat" cmpd="sng" algn="ctr">
+                      <a:solidFill>
+                        <a:schemeClr val="tx1"/>
+                      </a:solidFill>
+                      <a:prstDash val="solid"/>
+                      <a:round/>
+                      <a:headEnd type="none" w="med" len="med"/>
+                      <a:tailEnd type="none" w="med" len="med"/>
+                    </a:lnR>
+                    <a:lnT w="12700" cap="flat" cmpd="sng" algn="ctr">
+                      <a:solidFill>
+                        <a:schemeClr val="tx1"/>
+                      </a:solidFill>
+                      <a:prstDash val="solid"/>
+                      <a:round/>
+                      <a:headEnd type="none" w="med" len="med"/>
+                      <a:tailEnd type="none" w="med" len="med"/>
+                    </a:lnT>
+                    <a:lnB w="28575" cap="flat" cmpd="sng" algn="ctr">
+                      <a:solidFill>
+                        <a:schemeClr val="tx1"/>
+                      </a:solidFill>
+                      <a:prstDash val="solid"/>
+                      <a:round/>
+                      <a:headEnd type="none" w="med" len="med"/>
+                      <a:tailEnd type="none" w="med" len="med"/>
+                    </a:lnB>
+                    <a:lnTlToBr>
+                      <a:noFill/>
+                    </a:lnTlToBr>
+                    <a:lnBlToTr>
+                      <a:noFill/>
+                    </a:lnBlToTr>
+                    <a:noFill/>
+                  </a:tcPr>
+                </a:tc>
+                <a:extLst>
+                  <a:ext uri="{0D108BD9-81ED-4DB2-BD59-A6C34878D82A}">
+                    <a16:rowId xmlns:a16="http://schemas.microsoft.com/office/drawing/2014/main" val="10003"/>
+                  </a:ext>
+                </a:extLst>
+              </a:tr>
+            </a:tbl>
+          </a:graphicData>
+        </a:graphic>
+      </p:graphicFrame>
+      <p:pic>
+        <p:nvPicPr>
+          <p:cNvPr id="5" name="Picture 4"/>
+          <p:cNvPicPr>
+            <a:picLocks noChangeAspect="1"/>
+          </p:cNvPicPr>
+          <p:nvPr/>
+        </p:nvPicPr>
+        <p:blipFill>
+          <a:blip r:embed="rId3">
+            <a:extLst>
+              <a:ext uri="{28A0092B-C50C-407E-A947-70E740481C1C}">
+                <a14:useLocalDpi xmlns:a14="http://schemas.microsoft.com/office/drawing/2010/main" val="0"/>
+              </a:ext>
+            </a:extLst>
+          </a:blip>
+          <a:stretch>
+            <a:fillRect/>
+          </a:stretch>
+        </p:blipFill>
+        <p:spPr>
+          <a:xfrm>
+            <a:off x="2209800" y="3200400"/>
+            <a:ext cx="304800" cy="304800"/>
+          </a:xfrm>
+          <a:prstGeom prst="rect">
+            <a:avLst/>
+          </a:prstGeom>
+        </p:spPr>
+      </p:pic>
+      <p:pic>
+        <p:nvPicPr>
+          <p:cNvPr id="6" name="Picture 5"/>
+          <p:cNvPicPr>
+            <a:picLocks noChangeAspect="1"/>
+          </p:cNvPicPr>
+          <p:nvPr/>
+        </p:nvPicPr>
+        <p:blipFill>
+          <a:blip r:embed="rId4">
+            <a:extLst>
+              <a:ext uri="{28A0092B-C50C-407E-A947-70E740481C1C}">
+                <a14:useLocalDpi xmlns:a14="http://schemas.microsoft.com/office/drawing/2010/main" val="0"/>
+              </a:ext>
+            </a:extLst>
+          </a:blip>
+          <a:stretch>
+            <a:fillRect/>
+          </a:stretch>
+        </p:blipFill>
+        <p:spPr>
+          <a:xfrm>
+            <a:off x="2209800" y="3790140"/>
+            <a:ext cx="304800" cy="304800"/>
+          </a:xfrm>
+          <a:prstGeom prst="rect">
+            <a:avLst/>
+          </a:prstGeom>
+        </p:spPr>
+      </p:pic>
+      <p:pic>
+        <p:nvPicPr>
+          <p:cNvPr id="7" name="Picture 6"/>
+          <p:cNvPicPr>
+            <a:picLocks noChangeAspect="1"/>
+          </p:cNvPicPr>
+          <p:nvPr/>
+        </p:nvPicPr>
+        <p:blipFill>
+          <a:blip r:embed="rId5">
+            <a:extLst>
+              <a:ext uri="{28A0092B-C50C-407E-A947-70E740481C1C}">
+                <a14:useLocalDpi xmlns:a14="http://schemas.microsoft.com/office/drawing/2010/main" val="0"/>
+              </a:ext>
+            </a:extLst>
+          </a:blip>
+          <a:stretch>
+            <a:fillRect/>
+          </a:stretch>
+        </p:blipFill>
+        <p:spPr>
+          <a:xfrm>
+            <a:off x="2209800" y="4379880"/>
+            <a:ext cx="304800" cy="304800"/>
+          </a:xfrm>
+          <a:prstGeom prst="rect">
+            <a:avLst/>
+          </a:prstGeom>
+        </p:spPr>
+      </p:pic>
+      <p:grpSp>
+        <p:nvGrpSpPr>
+          <p:cNvPr id="40" name="Group 39"/>
+          <p:cNvGrpSpPr/>
+          <p:nvPr/>
+        </p:nvGrpSpPr>
+        <p:grpSpPr>
+          <a:xfrm>
+            <a:off x="5654675" y="3202983"/>
+            <a:ext cx="1219200" cy="1219200"/>
+            <a:chOff x="4777757" y="2981445"/>
+            <a:chExt cx="1219200" cy="1219200"/>
+          </a:xfrm>
+        </p:grpSpPr>
+        <p:pic>
+          <p:nvPicPr>
+            <p:cNvPr id="8" name="Picture 7"/>
+            <p:cNvPicPr>
+              <a:picLocks noChangeAspect="1"/>
+            </p:cNvPicPr>
+            <p:nvPr/>
+          </p:nvPicPr>
+          <p:blipFill>
+            <a:blip r:embed="rId3">
+              <a:extLst>
+                <a:ext uri="{28A0092B-C50C-407E-A947-70E740481C1C}">
+                  <a14:useLocalDpi xmlns:a14="http://schemas.microsoft.com/office/drawing/2010/main" val="0"/>
+                </a:ext>
+              </a:extLst>
+            </a:blip>
+            <a:stretch>
+              <a:fillRect/>
+            </a:stretch>
+          </p:blipFill>
+          <p:spPr>
+            <a:xfrm>
+              <a:off x="4777757" y="2981445"/>
+              <a:ext cx="304800" cy="304800"/>
+            </a:xfrm>
+            <a:prstGeom prst="rect">
+              <a:avLst/>
+            </a:prstGeom>
+          </p:spPr>
+        </p:pic>
+        <p:pic>
+          <p:nvPicPr>
+            <p:cNvPr id="9" name="Picture 8"/>
+            <p:cNvPicPr>
+              <a:picLocks noChangeAspect="1"/>
+            </p:cNvPicPr>
+            <p:nvPr/>
+          </p:nvPicPr>
+          <p:blipFill>
+            <a:blip r:embed="rId3">
+              <a:extLst>
+                <a:ext uri="{28A0092B-C50C-407E-A947-70E740481C1C}">
+                  <a14:useLocalDpi xmlns:a14="http://schemas.microsoft.com/office/drawing/2010/main" val="0"/>
+                </a:ext>
+              </a:extLst>
+            </a:blip>
+            <a:stretch>
+              <a:fillRect/>
+            </a:stretch>
+          </p:blipFill>
+          <p:spPr>
+            <a:xfrm>
+              <a:off x="5082557" y="2981445"/>
+              <a:ext cx="304800" cy="304800"/>
+            </a:xfrm>
+            <a:prstGeom prst="rect">
+              <a:avLst/>
+            </a:prstGeom>
+          </p:spPr>
+        </p:pic>
+        <p:pic>
+          <p:nvPicPr>
+            <p:cNvPr id="25" name="Picture 24"/>
+            <p:cNvPicPr>
+              <a:picLocks noChangeAspect="1"/>
+            </p:cNvPicPr>
+            <p:nvPr/>
+          </p:nvPicPr>
+          <p:blipFill>
+            <a:blip r:embed="rId3">
+              <a:extLst>
+                <a:ext uri="{28A0092B-C50C-407E-A947-70E740481C1C}">
+                  <a14:useLocalDpi xmlns:a14="http://schemas.microsoft.com/office/drawing/2010/main" val="0"/>
+                </a:ext>
+              </a:extLst>
+            </a:blip>
+            <a:stretch>
+              <a:fillRect/>
+            </a:stretch>
+          </p:blipFill>
+          <p:spPr>
+            <a:xfrm>
+              <a:off x="4777757" y="3286245"/>
+              <a:ext cx="304800" cy="304800"/>
+            </a:xfrm>
+            <a:prstGeom prst="rect">
+              <a:avLst/>
+            </a:prstGeom>
+          </p:spPr>
+        </p:pic>
+        <p:pic>
+          <p:nvPicPr>
+            <p:cNvPr id="26" name="Picture 25"/>
+            <p:cNvPicPr>
+              <a:picLocks noChangeAspect="1"/>
+            </p:cNvPicPr>
+            <p:nvPr/>
+          </p:nvPicPr>
+          <p:blipFill>
+            <a:blip r:embed="rId3">
+              <a:extLst>
+                <a:ext uri="{28A0092B-C50C-407E-A947-70E740481C1C}">
+                  <a14:useLocalDpi xmlns:a14="http://schemas.microsoft.com/office/drawing/2010/main" val="0"/>
+                </a:ext>
+              </a:extLst>
+            </a:blip>
+            <a:stretch>
+              <a:fillRect/>
+            </a:stretch>
+          </p:blipFill>
+          <p:spPr>
+            <a:xfrm>
+              <a:off x="5082557" y="3286245"/>
+              <a:ext cx="304800" cy="304800"/>
+            </a:xfrm>
+            <a:prstGeom prst="rect">
+              <a:avLst/>
+            </a:prstGeom>
+          </p:spPr>
+        </p:pic>
+        <p:pic>
+          <p:nvPicPr>
+            <p:cNvPr id="27" name="Picture 26"/>
+            <p:cNvPicPr>
+              <a:picLocks noChangeAspect="1"/>
+            </p:cNvPicPr>
+            <p:nvPr/>
+          </p:nvPicPr>
+          <p:blipFill>
+            <a:blip r:embed="rId3">
+              <a:extLst>
+                <a:ext uri="{28A0092B-C50C-407E-A947-70E740481C1C}">
+                  <a14:useLocalDpi xmlns:a14="http://schemas.microsoft.com/office/drawing/2010/main" val="0"/>
+                </a:ext>
+              </a:extLst>
+            </a:blip>
+            <a:stretch>
+              <a:fillRect/>
+            </a:stretch>
+          </p:blipFill>
+          <p:spPr>
+            <a:xfrm>
+              <a:off x="4777757" y="3591045"/>
+              <a:ext cx="304800" cy="304800"/>
+            </a:xfrm>
+            <a:prstGeom prst="rect">
+              <a:avLst/>
+            </a:prstGeom>
+          </p:spPr>
+        </p:pic>
+        <p:pic>
+          <p:nvPicPr>
+            <p:cNvPr id="28" name="Picture 27"/>
+            <p:cNvPicPr>
+              <a:picLocks noChangeAspect="1"/>
+            </p:cNvPicPr>
+            <p:nvPr/>
+          </p:nvPicPr>
+          <p:blipFill>
+            <a:blip r:embed="rId3">
+              <a:extLst>
+                <a:ext uri="{28A0092B-C50C-407E-A947-70E740481C1C}">
+                  <a14:useLocalDpi xmlns:a14="http://schemas.microsoft.com/office/drawing/2010/main" val="0"/>
+                </a:ext>
+              </a:extLst>
+            </a:blip>
+            <a:stretch>
+              <a:fillRect/>
+            </a:stretch>
+          </p:blipFill>
+          <p:spPr>
+            <a:xfrm>
+              <a:off x="5082557" y="3591045"/>
+              <a:ext cx="304800" cy="304800"/>
+            </a:xfrm>
+            <a:prstGeom prst="rect">
+              <a:avLst/>
+            </a:prstGeom>
+          </p:spPr>
+        </p:pic>
+        <p:pic>
+          <p:nvPicPr>
+            <p:cNvPr id="29" name="Picture 28"/>
+            <p:cNvPicPr>
+              <a:picLocks noChangeAspect="1"/>
+            </p:cNvPicPr>
+            <p:nvPr/>
+          </p:nvPicPr>
+          <p:blipFill>
+            <a:blip r:embed="rId3">
+              <a:extLst>
+                <a:ext uri="{28A0092B-C50C-407E-A947-70E740481C1C}">
+                  <a14:useLocalDpi xmlns:a14="http://schemas.microsoft.com/office/drawing/2010/main" val="0"/>
+                </a:ext>
+              </a:extLst>
+            </a:blip>
+            <a:stretch>
+              <a:fillRect/>
+            </a:stretch>
+          </p:blipFill>
+          <p:spPr>
+            <a:xfrm>
+              <a:off x="5387357" y="3591045"/>
+              <a:ext cx="304800" cy="304800"/>
+            </a:xfrm>
+            <a:prstGeom prst="rect">
+              <a:avLst/>
+            </a:prstGeom>
+          </p:spPr>
+        </p:pic>
+        <p:pic>
+          <p:nvPicPr>
+            <p:cNvPr id="30" name="Picture 29"/>
+            <p:cNvPicPr>
+              <a:picLocks noChangeAspect="1"/>
+            </p:cNvPicPr>
+            <p:nvPr/>
+          </p:nvPicPr>
+          <p:blipFill>
+            <a:blip r:embed="rId3">
+              <a:extLst>
+                <a:ext uri="{28A0092B-C50C-407E-A947-70E740481C1C}">
+                  <a14:useLocalDpi xmlns:a14="http://schemas.microsoft.com/office/drawing/2010/main" val="0"/>
+                </a:ext>
+              </a:extLst>
+            </a:blip>
+            <a:stretch>
+              <a:fillRect/>
+            </a:stretch>
+          </p:blipFill>
+          <p:spPr>
+            <a:xfrm>
+              <a:off x="5692157" y="3591045"/>
+              <a:ext cx="304800" cy="304800"/>
+            </a:xfrm>
+            <a:prstGeom prst="rect">
+              <a:avLst/>
+            </a:prstGeom>
+          </p:spPr>
+        </p:pic>
+        <p:pic>
+          <p:nvPicPr>
+            <p:cNvPr id="31" name="Picture 30"/>
+            <p:cNvPicPr>
+              <a:picLocks noChangeAspect="1"/>
+            </p:cNvPicPr>
+            <p:nvPr/>
+          </p:nvPicPr>
+          <p:blipFill>
+            <a:blip r:embed="rId5">
+              <a:extLst>
+                <a:ext uri="{28A0092B-C50C-407E-A947-70E740481C1C}">
+                  <a14:useLocalDpi xmlns:a14="http://schemas.microsoft.com/office/drawing/2010/main" val="0"/>
+                </a:ext>
+              </a:extLst>
+            </a:blip>
+            <a:stretch>
+              <a:fillRect/>
+            </a:stretch>
+          </p:blipFill>
+          <p:spPr>
+            <a:xfrm>
+              <a:off x="4777757" y="3895845"/>
+              <a:ext cx="304800" cy="304800"/>
+            </a:xfrm>
+            <a:prstGeom prst="rect">
+              <a:avLst/>
+            </a:prstGeom>
+          </p:spPr>
+        </p:pic>
+        <p:pic>
+          <p:nvPicPr>
+            <p:cNvPr id="32" name="Picture 31"/>
+            <p:cNvPicPr>
+              <a:picLocks noChangeAspect="1"/>
+            </p:cNvPicPr>
+            <p:nvPr/>
+          </p:nvPicPr>
+          <p:blipFill>
+            <a:blip r:embed="rId5">
+              <a:extLst>
+                <a:ext uri="{28A0092B-C50C-407E-A947-70E740481C1C}">
+                  <a14:useLocalDpi xmlns:a14="http://schemas.microsoft.com/office/drawing/2010/main" val="0"/>
+                </a:ext>
+              </a:extLst>
+            </a:blip>
+            <a:stretch>
+              <a:fillRect/>
+            </a:stretch>
+          </p:blipFill>
+          <p:spPr>
+            <a:xfrm>
+              <a:off x="5082557" y="3895845"/>
+              <a:ext cx="304800" cy="304800"/>
+            </a:xfrm>
+            <a:prstGeom prst="rect">
+              <a:avLst/>
+            </a:prstGeom>
+          </p:spPr>
+        </p:pic>
+        <p:pic>
+          <p:nvPicPr>
+            <p:cNvPr id="33" name="Picture 32"/>
+            <p:cNvPicPr>
+              <a:picLocks noChangeAspect="1"/>
+            </p:cNvPicPr>
+            <p:nvPr/>
+          </p:nvPicPr>
+          <p:blipFill>
+            <a:blip r:embed="rId5">
+              <a:extLst>
+                <a:ext uri="{28A0092B-C50C-407E-A947-70E740481C1C}">
+                  <a14:useLocalDpi xmlns:a14="http://schemas.microsoft.com/office/drawing/2010/main" val="0"/>
+                </a:ext>
+              </a:extLst>
+            </a:blip>
+            <a:stretch>
+              <a:fillRect/>
+            </a:stretch>
+          </p:blipFill>
+          <p:spPr>
+            <a:xfrm>
+              <a:off x="5387357" y="3895845"/>
+              <a:ext cx="304800" cy="304800"/>
+            </a:xfrm>
+            <a:prstGeom prst="rect">
+              <a:avLst/>
+            </a:prstGeom>
+          </p:spPr>
+        </p:pic>
+        <p:pic>
+          <p:nvPicPr>
+            <p:cNvPr id="34" name="Picture 33"/>
+            <p:cNvPicPr>
+              <a:picLocks noChangeAspect="1"/>
+            </p:cNvPicPr>
+            <p:nvPr/>
+          </p:nvPicPr>
+          <p:blipFill>
+            <a:blip r:embed="rId5">
+              <a:extLst>
+                <a:ext uri="{28A0092B-C50C-407E-A947-70E740481C1C}">
+                  <a14:useLocalDpi xmlns:a14="http://schemas.microsoft.com/office/drawing/2010/main" val="0"/>
+                </a:ext>
+              </a:extLst>
+            </a:blip>
+            <a:stretch>
+              <a:fillRect/>
+            </a:stretch>
+          </p:blipFill>
+          <p:spPr>
+            <a:xfrm>
+              <a:off x="5692157" y="3895845"/>
+              <a:ext cx="304800" cy="304800"/>
+            </a:xfrm>
+            <a:prstGeom prst="rect">
+              <a:avLst/>
+            </a:prstGeom>
+          </p:spPr>
+        </p:pic>
+        <p:pic>
+          <p:nvPicPr>
+            <p:cNvPr id="36" name="Picture 35"/>
+            <p:cNvPicPr>
+              <a:picLocks noChangeAspect="1"/>
+            </p:cNvPicPr>
+            <p:nvPr/>
+          </p:nvPicPr>
+          <p:blipFill>
+            <a:blip r:embed="rId4">
+              <a:extLst>
+                <a:ext uri="{28A0092B-C50C-407E-A947-70E740481C1C}">
+                  <a14:useLocalDpi xmlns:a14="http://schemas.microsoft.com/office/drawing/2010/main" val="0"/>
+                </a:ext>
+              </a:extLst>
+            </a:blip>
+            <a:stretch>
+              <a:fillRect/>
+            </a:stretch>
+          </p:blipFill>
+          <p:spPr>
+            <a:xfrm>
+              <a:off x="5387357" y="3286245"/>
+              <a:ext cx="304800" cy="304800"/>
+            </a:xfrm>
+            <a:prstGeom prst="rect">
+              <a:avLst/>
+            </a:prstGeom>
+          </p:spPr>
+        </p:pic>
+        <p:pic>
+          <p:nvPicPr>
+            <p:cNvPr id="37" name="Picture 36"/>
+            <p:cNvPicPr>
+              <a:picLocks noChangeAspect="1"/>
+            </p:cNvPicPr>
+            <p:nvPr/>
+          </p:nvPicPr>
+          <p:blipFill>
+            <a:blip r:embed="rId4">
+              <a:extLst>
+                <a:ext uri="{28A0092B-C50C-407E-A947-70E740481C1C}">
+                  <a14:useLocalDpi xmlns:a14="http://schemas.microsoft.com/office/drawing/2010/main" val="0"/>
+                </a:ext>
+              </a:extLst>
+            </a:blip>
+            <a:stretch>
+              <a:fillRect/>
+            </a:stretch>
+          </p:blipFill>
+          <p:spPr>
+            <a:xfrm>
+              <a:off x="5387357" y="2981445"/>
+              <a:ext cx="304800" cy="304800"/>
+            </a:xfrm>
+            <a:prstGeom prst="rect">
+              <a:avLst/>
+            </a:prstGeom>
+          </p:spPr>
+        </p:pic>
+        <p:pic>
+          <p:nvPicPr>
+            <p:cNvPr id="38" name="Picture 37"/>
+            <p:cNvPicPr>
+              <a:picLocks noChangeAspect="1"/>
+            </p:cNvPicPr>
+            <p:nvPr/>
+          </p:nvPicPr>
+          <p:blipFill>
+            <a:blip r:embed="rId4">
+              <a:extLst>
+                <a:ext uri="{28A0092B-C50C-407E-A947-70E740481C1C}">
+                  <a14:useLocalDpi xmlns:a14="http://schemas.microsoft.com/office/drawing/2010/main" val="0"/>
+                </a:ext>
+              </a:extLst>
+            </a:blip>
+            <a:stretch>
+              <a:fillRect/>
+            </a:stretch>
+          </p:blipFill>
+          <p:spPr>
+            <a:xfrm>
+              <a:off x="5692157" y="3286245"/>
+              <a:ext cx="304800" cy="304800"/>
+            </a:xfrm>
+            <a:prstGeom prst="rect">
+              <a:avLst/>
+            </a:prstGeom>
+          </p:spPr>
+        </p:pic>
+        <p:pic>
+          <p:nvPicPr>
+            <p:cNvPr id="39" name="Picture 38"/>
+            <p:cNvPicPr>
+              <a:picLocks noChangeAspect="1"/>
+            </p:cNvPicPr>
+            <p:nvPr/>
+          </p:nvPicPr>
+          <p:blipFill>
+            <a:blip r:embed="rId3">
+              <a:extLst>
+                <a:ext uri="{28A0092B-C50C-407E-A947-70E740481C1C}">
+                  <a14:useLocalDpi xmlns:a14="http://schemas.microsoft.com/office/drawing/2010/main" val="0"/>
+                </a:ext>
+              </a:extLst>
+            </a:blip>
+            <a:stretch>
+              <a:fillRect/>
+            </a:stretch>
+          </p:blipFill>
+          <p:spPr>
+            <a:xfrm>
+              <a:off x="5692157" y="2981445"/>
+              <a:ext cx="304800" cy="304800"/>
+            </a:xfrm>
+            <a:prstGeom prst="rect">
+              <a:avLst/>
+            </a:prstGeom>
+          </p:spPr>
+        </p:pic>
+      </p:grpSp>
+    </p:spTree>
+    <p:extLst>
+      <p:ext uri="{BB962C8B-B14F-4D97-AF65-F5344CB8AC3E}">
+        <p14:creationId xmlns:p14="http://schemas.microsoft.com/office/powerpoint/2010/main" val="515952721"/>
+      </p:ext>
+    </p:extLst>
+  </p:cSld>
+  <p:clrMapOvr>
+    <a:masterClrMapping/>
+  </p:clrMapOvr>
+  <p:timing>
+    <p:tnLst>
+      <p:par>
+        <p:cTn id="1" dur="indefinite" restart="never" nodeType="tmRoot">
+          <p:childTnLst>
+            <p:seq concurrent="1" nextAc="seek">
+              <p:cTn id="2" dur="indefinite" nodeType="mainSeq">
+                <p:childTnLst>
+                  <p:par>
+                    <p:cTn id="3" fill="hold">
+                      <p:stCondLst>
+                        <p:cond delay="indefinite"/>
+                      </p:stCondLst>
+                      <p:childTnLst>
+                        <p:par>
+                          <p:cTn id="4" fill="hold">
+                            <p:stCondLst>
+                              <p:cond delay="0"/>
+                            </p:stCondLst>
+                            <p:childTnLst>
+                              <p:par>
+                                <p:cTn id="5" presetID="1" presetClass="entr" presetSubtype="0" fill="hold" nodeType="clickEffect">
+                                  <p:stCondLst>
+                                    <p:cond delay="0"/>
+                                  </p:stCondLst>
+                                  <p:childTnLst>
+                                    <p:set>
+                                      <p:cBhvr>
+                                        <p:cTn id="6" dur="1" fill="hold">
+                                          <p:stCondLst>
+                                            <p:cond delay="0"/>
+                                          </p:stCondLst>
+                                        </p:cTn>
+                                        <p:tgtEl>
+                                          <p:spTgt spid="4"/>
+                                        </p:tgtEl>
+                                        <p:attrNameLst>
+                                          <p:attrName>style.visibility</p:attrName>
+                                        </p:attrNameLst>
+                                      </p:cBhvr>
+                                      <p:to>
+                                        <p:strVal val="visible"/>
+                                      </p:to>
+                                    </p:set>
+                                  </p:childTnLst>
+                                </p:cTn>
+                              </p:par>
+                            </p:childTnLst>
+                          </p:cTn>
+                        </p:par>
+                      </p:childTnLst>
+                    </p:cTn>
+                  </p:par>
+                </p:childTnLst>
+              </p:cTn>
+              <p:prevCondLst>
+                <p:cond evt="onPrev" delay="0">
+                  <p:tgtEl>
+                    <p:sldTgt/>
+                  </p:tgtEl>
+                </p:cond>
+              </p:prevCondLst>
+              <p:nextCondLst>
+                <p:cond evt="onNext" delay="0">
+                  <p:tgtEl>
+                    <p:sldTgt/>
+                  </p:tgtEl>
+                </p:cond>
+              </p:nextCondLst>
+            </p:seq>
+          </p:childTnLst>
+        </p:cTn>
+      </p:par>
+    </p:tnLst>
+  </p:timing>
+</p:sld>
+</file>
+
+<file path=ppt/slides/slide4.xml><?xml version="1.0" encoding="utf-8"?>
+<p:sld xmlns:a="http://schemas.openxmlformats.org/drawingml/2006/main" xmlns:r="http://schemas.openxmlformats.org/officeDocument/2006/relationships" xmlns:p="http://schemas.openxmlformats.org/presentationml/2006/main">
+  <p:cSld>
+    <p:bg>
+      <p:bgPr>
+        <a:solidFill>
+          <a:schemeClr val="accent5">
+            <a:lumMod val="60000"/>
+            <a:lumOff val="40000"/>
+          </a:schemeClr>
+        </a:solidFill>
+        <a:effectLst/>
+      </p:bgPr>
+    </p:bg>
+    <p:spTree>
+      <p:nvGrpSpPr>
+        <p:cNvPr id="1" name=""/>
+        <p:cNvGrpSpPr/>
+        <p:nvPr/>
+      </p:nvGrpSpPr>
+      <p:grpSpPr>
+        <a:xfrm>
+          <a:off x="0" y="0"/>
+          <a:ext cx="0" cy="0"/>
+          <a:chOff x="0" y="0"/>
+          <a:chExt cx="0" cy="0"/>
+        </a:xfrm>
+      </p:grpSpPr>
+      <p:sp>
+        <p:nvSpPr>
+          <p:cNvPr id="3" name="Rectangle 2"/>
+          <p:cNvSpPr/>
+          <p:nvPr/>
+        </p:nvSpPr>
+        <p:spPr>
+          <a:xfrm>
+            <a:off x="0" y="0"/>
+            <a:ext cx="9144000" cy="4632037"/>
+          </a:xfrm>
+          <a:prstGeom prst="rect">
+            <a:avLst/>
+          </a:prstGeom>
+        </p:spPr>
+        <p:txBody>
+          <a:bodyPr wrap="square">
+            <a:spAutoFit/>
+          </a:bodyPr>
+          <a:lstStyle/>
+          <a:p>
+            <a:pPr algn="ctr"/>
+            <a:endParaRPr lang="en-US" sz="4000" b="1" dirty="0"/>
+          </a:p>
+          <a:p>
+            <a:pPr lvl="1"/>
+            <a:r>
+              <a:rPr lang="en-US" sz="3500" b="1" dirty="0" smtClean="0"/>
+              <a:t>Required classes</a:t>
+            </a:r>
+          </a:p>
+          <a:p>
+            <a:pPr marL="1657350" lvl="2" indent="-742950">
+              <a:buFont typeface="Arial" panose="020B0604020202020204" pitchFamily="34" charset="0"/>
+              <a:buChar char="•"/>
+            </a:pPr>
+            <a:endParaRPr lang="en-US" sz="2500" dirty="0" smtClean="0"/>
+          </a:p>
+          <a:p>
+            <a:pPr marL="1657350" lvl="2" indent="-742950">
+              <a:buFont typeface="Arial" panose="020B0604020202020204" pitchFamily="34" charset="0"/>
+              <a:buChar char="•"/>
+            </a:pPr>
+            <a:r>
+              <a:rPr lang="en-US" sz="2500" dirty="0" smtClean="0"/>
+              <a:t>Tile</a:t>
+            </a:r>
+          </a:p>
+          <a:p>
+            <a:pPr marL="2114550" lvl="3" indent="-742950">
+              <a:buFont typeface="Arial" panose="020B0604020202020204" pitchFamily="34" charset="0"/>
+              <a:buChar char="•"/>
+            </a:pPr>
+            <a:r>
+              <a:rPr lang="en-US" sz="2000" dirty="0" smtClean="0"/>
+              <a:t>Bitmap^ tileBitmap</a:t>
+            </a:r>
+          </a:p>
+          <a:p>
+            <a:pPr marL="2114550" lvl="3" indent="-742950">
+              <a:buFont typeface="Arial" panose="020B0604020202020204" pitchFamily="34" charset="0"/>
+              <a:buChar char="•"/>
+            </a:pPr>
+            <a:r>
+              <a:rPr lang="en-US" sz="2000" dirty="0" smtClean="0"/>
+              <a:t>State information – bool isWalkable</a:t>
+            </a:r>
+          </a:p>
+          <a:p>
+            <a:pPr marL="1657350" lvl="2" indent="-742950">
+              <a:buFont typeface="Arial" panose="020B0604020202020204" pitchFamily="34" charset="0"/>
+              <a:buChar char="•"/>
+            </a:pPr>
+            <a:r>
+              <a:rPr lang="en-US" sz="2500" dirty="0" smtClean="0"/>
+              <a:t>TileList</a:t>
+            </a:r>
+          </a:p>
+          <a:p>
+            <a:pPr marL="2114550" lvl="3" indent="-742950">
+              <a:buFont typeface="Arial" panose="020B0604020202020204" pitchFamily="34" charset="0"/>
+              <a:buChar char="•"/>
+            </a:pPr>
+            <a:r>
+              <a:rPr lang="en-US" sz="2000" dirty="0" smtClean="0"/>
+              <a:t>An array of Tile^</a:t>
+            </a:r>
+          </a:p>
+          <a:p>
+            <a:pPr marL="2114550" lvl="3" indent="-742950">
+              <a:buFont typeface="Arial" panose="020B0604020202020204" pitchFamily="34" charset="0"/>
+              <a:buChar char="•"/>
+            </a:pPr>
+            <a:r>
+              <a:rPr lang="en-US" sz="2000" dirty="0" smtClean="0"/>
+              <a:t>Methods to load and access array of Tile^</a:t>
+            </a:r>
+          </a:p>
+          <a:p>
+            <a:pPr marL="1657350" lvl="2" indent="-742950">
+              <a:buFont typeface="Arial" panose="020B0604020202020204" pitchFamily="34" charset="0"/>
+              <a:buChar char="•"/>
+            </a:pPr>
+            <a:r>
+              <a:rPr lang="en-US" sz="2500" dirty="0" smtClean="0"/>
+              <a:t>TileMap </a:t>
+            </a:r>
+          </a:p>
+          <a:p>
+            <a:pPr marL="2114550" lvl="3" indent="-742950">
+              <a:buFont typeface="Arial" panose="020B0604020202020204" pitchFamily="34" charset="0"/>
+              <a:buChar char="•"/>
+            </a:pPr>
+            <a:r>
+              <a:rPr lang="en-US" sz="2000" dirty="0" smtClean="0"/>
+              <a:t>A 2D array (the map) of indices into TileList’s array</a:t>
+            </a:r>
+          </a:p>
+          <a:p>
+            <a:pPr marL="2114550" lvl="3" indent="-742950">
+              <a:buFont typeface="Arial" panose="020B0604020202020204" pitchFamily="34" charset="0"/>
+              <a:buChar char="•"/>
+            </a:pPr>
+            <a:r>
+              <a:rPr lang="en-US" sz="2000" dirty="0" smtClean="0"/>
+              <a:t>Knows how to draw itself</a:t>
+            </a:r>
+          </a:p>
+        </p:txBody>
+      </p:sp>
+    </p:spTree>
+    <p:extLst>
+      <p:ext uri="{BB962C8B-B14F-4D97-AF65-F5344CB8AC3E}">
+        <p14:creationId xmlns:p14="http://schemas.microsoft.com/office/powerpoint/2010/main" val="1629636979"/>
+      </p:ext>
+    </p:extLst>
+  </p:cSld>
+  <p:clrMapOvr>
+    <a:masterClrMapping/>
+  </p:clrMapOvr>
+  <p:timing>
+    <p:tnLst>
+      <p:par>
+        <p:cTn id="1" dur="indefinite" restart="never" nodeType="tmRoot"/>
+      </p:par>
+    </p:tnLst>
+  </p:timing>
+</p:sld>
+</file>
+
+<file path=ppt/slides/slide5.xml><?xml version="1.0" encoding="utf-8"?>
+<p:sld xmlns:a="http://schemas.openxmlformats.org/drawingml/2006/main" xmlns:r="http://schemas.openxmlformats.org/officeDocument/2006/relationships" xmlns:p="http://schemas.openxmlformats.org/presentationml/2006/main">
+  <p:cSld>
+    <p:bg>
+      <p:bgPr>
+        <a:solidFill>
+          <a:schemeClr val="accent5">
+            <a:lumMod val="60000"/>
+            <a:lumOff val="40000"/>
+          </a:schemeClr>
+        </a:solidFill>
+        <a:effectLst/>
+      </p:bgPr>
+    </p:bg>
+    <p:spTree>
+      <p:nvGrpSpPr>
+        <p:cNvPr id="1" name=""/>
+        <p:cNvGrpSpPr/>
+        <p:nvPr/>
+      </p:nvGrpSpPr>
+      <p:grpSpPr>
+        <a:xfrm>
+          <a:off x="0" y="0"/>
+          <a:ext cx="0" cy="0"/>
+          <a:chOff x="0" y="0"/>
+          <a:chExt cx="0" cy="0"/>
+        </a:xfrm>
+      </p:grpSpPr>
+      <p:sp>
+        <p:nvSpPr>
+          <p:cNvPr id="3" name="Rectangle 2"/>
+          <p:cNvSpPr/>
+          <p:nvPr/>
+        </p:nvSpPr>
+        <p:spPr>
+          <a:xfrm>
+            <a:off x="0" y="0"/>
+            <a:ext cx="9144000" cy="2785378"/>
+          </a:xfrm>
+          <a:prstGeom prst="rect">
+            <a:avLst/>
+          </a:prstGeom>
+        </p:spPr>
+        <p:txBody>
+          <a:bodyPr wrap="square">
+            <a:spAutoFit/>
+          </a:bodyPr>
+          <a:lstStyle/>
+          <a:p>
+            <a:pPr algn="ctr"/>
+            <a:endParaRPr lang="en-US" sz="4000" b="1" dirty="0"/>
+          </a:p>
+          <a:p>
+            <a:pPr lvl="1"/>
+            <a:r>
+              <a:rPr lang="en-US" sz="3500" b="1" dirty="0" smtClean="0"/>
+              <a:t>Implementing a tile background</a:t>
+            </a:r>
+          </a:p>
+          <a:p>
+            <a:pPr marL="1657350" lvl="2" indent="-742950">
+              <a:buFont typeface="Arial" panose="020B0604020202020204" pitchFamily="34" charset="0"/>
+              <a:buChar char="•"/>
+            </a:pPr>
+            <a:endParaRPr lang="en-US" sz="2500" dirty="0" smtClean="0"/>
+          </a:p>
+          <a:p>
+            <a:pPr marL="1657350" lvl="2" indent="-742950">
+              <a:buFont typeface="Arial" panose="020B0604020202020204" pitchFamily="34" charset="0"/>
+              <a:buChar char="•"/>
+            </a:pPr>
+            <a:r>
+              <a:rPr lang="en-US" sz="2500" dirty="0" smtClean="0"/>
+              <a:t>TileList has an array of Tile^</a:t>
+            </a:r>
+          </a:p>
+          <a:p>
+            <a:pPr marL="1657350" lvl="2" indent="-742950">
+              <a:buFont typeface="Arial" panose="020B0604020202020204" pitchFamily="34" charset="0"/>
+              <a:buChar char="•"/>
+            </a:pPr>
+            <a:r>
+              <a:rPr lang="en-US" sz="2500" dirty="0" smtClean="0"/>
+              <a:t>TileMap has a 2D array of ints</a:t>
+            </a:r>
+          </a:p>
+          <a:p>
+            <a:pPr marL="1657350" lvl="2" indent="-742950">
+              <a:buFont typeface="Arial" panose="020B0604020202020204" pitchFamily="34" charset="0"/>
+              <a:buChar char="•"/>
+            </a:pPr>
+            <a:r>
+              <a:rPr lang="en-US" sz="2500" dirty="0" smtClean="0"/>
+              <a:t>TileMap draws itself</a:t>
+            </a:r>
+            <a:endParaRPr lang="en-US" sz="2500" dirty="0"/>
+          </a:p>
+        </p:txBody>
+      </p:sp>
+      <p:graphicFrame>
+        <p:nvGraphicFramePr>
+          <p:cNvPr id="4" name="Group 44"/>
+          <p:cNvGraphicFramePr>
+            <a:graphicFrameLocks noGrp="1"/>
+          </p:cNvGraphicFramePr>
+          <p:nvPr/>
+        </p:nvGraphicFramePr>
+        <p:xfrm>
+          <a:off x="3352800" y="3200400"/>
+          <a:ext cx="1463675" cy="2072640"/>
+        </p:xfrm>
+        <a:graphic>
+          <a:graphicData uri="http://schemas.openxmlformats.org/drawingml/2006/table">
+            <a:tbl>
+              <a:tblPr/>
+              <a:tblGrid>
+                <a:gridCol w="366712">
+                  <a:extLst>
+                    <a:ext uri="{9D8B030D-6E8A-4147-A177-3AD203B41FA5}">
+                      <a16:colId xmlns:a16="http://schemas.microsoft.com/office/drawing/2014/main" val="20000"/>
+                    </a:ext>
+                  </a:extLst>
+                </a:gridCol>
+                <a:gridCol w="365125">
+                  <a:extLst>
+                    <a:ext uri="{9D8B030D-6E8A-4147-A177-3AD203B41FA5}">
+                      <a16:colId xmlns:a16="http://schemas.microsoft.com/office/drawing/2014/main" val="20001"/>
+                    </a:ext>
+                  </a:extLst>
+                </a:gridCol>
+                <a:gridCol w="366713">
+                  <a:extLst>
+                    <a:ext uri="{9D8B030D-6E8A-4147-A177-3AD203B41FA5}">
+                      <a16:colId xmlns:a16="http://schemas.microsoft.com/office/drawing/2014/main" val="20002"/>
+                    </a:ext>
+                  </a:extLst>
+                </a:gridCol>
+                <a:gridCol w="365125">
+                  <a:extLst>
+                    <a:ext uri="{9D8B030D-6E8A-4147-A177-3AD203B41FA5}">
+                      <a16:colId xmlns:a16="http://schemas.microsoft.com/office/drawing/2014/main" val="20003"/>
+                    </a:ext>
+                  </a:extLst>
+                </a:gridCol>
+              </a:tblGrid>
+              <a:tr h="309563">
+                <a:tc>
+                  <a:txBody>
+                    <a:bodyPr/>
+                    <a:lstStyle/>
+                    <a:p>
+                      <a:pPr marL="0" marR="0" lvl="0" indent="0" algn="l" defTabSz="914400" rtl="0" eaLnBrk="1" fontAlgn="base" latinLnBrk="0" hangingPunct="1">
+                        <a:lnSpc>
+                          <a:spcPct val="100000"/>
+                        </a:lnSpc>
+                        <a:spcBef>
+                          <a:spcPct val="20000"/>
+                        </a:spcBef>
+                        <a:spcAft>
+                          <a:spcPct val="0"/>
+                        </a:spcAft>
+                        <a:buClr>
+                          <a:schemeClr val="bg2"/>
+                        </a:buClr>
+                        <a:buSzPct val="75000"/>
+                        <a:buFont typeface="Wingdings" pitchFamily="2" charset="2"/>
+                        <a:buNone/>
+                        <a:tabLst/>
+                      </a:pPr>
+                      <a:r>
+                        <a:rPr kumimoji="0" lang="en-US" sz="2800" b="0" i="0" u="none" strike="noStrike" cap="none" normalizeH="0" baseline="0" dirty="0" smtClean="0">
+                          <a:ln>
+                            <a:noFill/>
+                          </a:ln>
+                          <a:solidFill>
+                            <a:schemeClr val="tx1"/>
+                          </a:solidFill>
+                          <a:effectLst/>
+                          <a:latin typeface="Arial" charset="0"/>
+                        </a:rPr>
+                        <a:t>0</a:t>
+                      </a:r>
+                      <a:endParaRPr kumimoji="0" lang="en-NZ" sz="2800" b="0" i="0" u="none" strike="noStrike" cap="none" normalizeH="0" baseline="0" dirty="0" smtClean="0">
+                        <a:ln>
+                          <a:noFill/>
+                        </a:ln>
+                        <a:solidFill>
+                          <a:schemeClr val="tx1"/>
+                        </a:solidFill>
+                        <a:effectLst/>
+                        <a:latin typeface="Arial" charset="0"/>
+                      </a:endParaRPr>
+                    </a:p>
+                  </a:txBody>
+                  <a:tcPr horzOverflow="overflow">
+                    <a:lnL w="28575" cap="flat" cmpd="sng" algn="ctr">
+                      <a:solidFill>
+                        <a:schemeClr val="tx1"/>
+                      </a:solidFill>
+                      <a:prstDash val="solid"/>
+                      <a:round/>
+                      <a:headEnd type="none" w="med" len="med"/>
+                      <a:tailEnd type="none" w="med" len="med"/>
+                    </a:lnL>
+                    <a:lnR w="12700" cap="flat" cmpd="sng" algn="ctr">
+                      <a:solidFill>
+                        <a:schemeClr val="tx1"/>
+                      </a:solidFill>
+                      <a:prstDash val="solid"/>
+                      <a:round/>
+                      <a:headEnd type="none" w="med" len="med"/>
+                      <a:tailEnd type="none" w="med" len="med"/>
+                    </a:lnR>
+                    <a:lnT w="28575" cap="flat" cmpd="sng" algn="ctr">
+                      <a:solidFill>
+                        <a:schemeClr val="tx1"/>
+                      </a:solidFill>
+                      <a:prstDash val="solid"/>
+                      <a:round/>
+                      <a:headEnd type="none" w="med" len="med"/>
+                      <a:tailEnd type="none" w="med" len="med"/>
+                    </a:lnT>
+                    <a:lnB w="12700" cap="flat" cmpd="sng" algn="ctr">
+                      <a:solidFill>
+                        <a:schemeClr val="tx1"/>
+                      </a:solidFill>
+                      <a:prstDash val="solid"/>
+                      <a:round/>
+                      <a:headEnd type="none" w="med" len="med"/>
+                      <a:tailEnd type="none" w="med" len="med"/>
+                    </a:lnB>
+                    <a:lnTlToBr>
+                      <a:noFill/>
+                    </a:lnTlToBr>
+                    <a:lnBlToTr>
+                      <a:noFill/>
+                    </a:lnBlToTr>
+                    <a:noFill/>
+                  </a:tcPr>
+                </a:tc>
+                <a:tc>
+                  <a:txBody>
+                    <a:bodyPr/>
+                    <a:lstStyle/>
+                    <a:p>
+                      <a:pPr marL="0" marR="0" lvl="0" indent="0" algn="l" defTabSz="914400" rtl="0" eaLnBrk="1" fontAlgn="base" latinLnBrk="0" hangingPunct="1">
+                        <a:lnSpc>
+                          <a:spcPct val="100000"/>
+                        </a:lnSpc>
+                        <a:spcBef>
+                          <a:spcPct val="20000"/>
+                        </a:spcBef>
+                        <a:spcAft>
+                          <a:spcPct val="0"/>
+                        </a:spcAft>
+                        <a:buClr>
+                          <a:schemeClr val="bg2"/>
+                        </a:buClr>
+                        <a:buSzPct val="75000"/>
+                        <a:buFont typeface="Wingdings" pitchFamily="2" charset="2"/>
+                        <a:buNone/>
+                        <a:tabLst/>
+                      </a:pPr>
+                      <a:r>
+                        <a:rPr kumimoji="0" lang="en-US" sz="2800" b="0" i="0" u="none" strike="noStrike" cap="none" normalizeH="0" baseline="0" dirty="0" smtClean="0">
+                          <a:ln>
+                            <a:noFill/>
+                          </a:ln>
+                          <a:solidFill>
+                            <a:schemeClr val="tx1"/>
+                          </a:solidFill>
+                          <a:effectLst/>
+                          <a:latin typeface="Arial" charset="0"/>
+                        </a:rPr>
+                        <a:t>0</a:t>
+                      </a:r>
+                      <a:endParaRPr kumimoji="0" lang="en-NZ" sz="2800" b="0" i="0" u="none" strike="noStrike" cap="none" normalizeH="0" baseline="0" dirty="0" smtClean="0">
+                        <a:ln>
+                          <a:noFill/>
+                        </a:ln>
+                        <a:solidFill>
+                          <a:schemeClr val="tx1"/>
+                        </a:solidFill>
+                        <a:effectLst/>
+                        <a:latin typeface="Arial" charset="0"/>
+                      </a:endParaRPr>
+                    </a:p>
+                  </a:txBody>
+                  <a:tcPr horzOverflow="overflow">
+                    <a:lnL w="12700" cap="flat" cmpd="sng" algn="ctr">
+                      <a:solidFill>
+                        <a:schemeClr val="tx1"/>
+                      </a:solidFill>
+                      <a:prstDash val="solid"/>
+                      <a:round/>
+                      <a:headEnd type="none" w="med" len="med"/>
+                      <a:tailEnd type="none" w="med" len="med"/>
+                    </a:lnL>
+                    <a:lnR w="12700" cap="flat" cmpd="sng" algn="ctr">
+                      <a:solidFill>
+                        <a:schemeClr val="tx1"/>
+                      </a:solidFill>
+                      <a:prstDash val="solid"/>
+                      <a:round/>
+                      <a:headEnd type="none" w="med" len="med"/>
+                      <a:tailEnd type="none" w="med" len="med"/>
+                    </a:lnR>
+                    <a:lnT w="28575" cap="flat" cmpd="sng" algn="ctr">
+                      <a:solidFill>
+                        <a:schemeClr val="tx1"/>
+                      </a:solidFill>
+                      <a:prstDash val="solid"/>
+                      <a:round/>
+                      <a:headEnd type="none" w="med" len="med"/>
+                      <a:tailEnd type="none" w="med" len="med"/>
+                    </a:lnT>
+                    <a:lnB w="12700" cap="flat" cmpd="sng" algn="ctr">
+                      <a:solidFill>
+                        <a:schemeClr val="tx1"/>
+                      </a:solidFill>
+                      <a:prstDash val="solid"/>
+                      <a:round/>
+                      <a:headEnd type="none" w="med" len="med"/>
+                      <a:tailEnd type="none" w="med" len="med"/>
+                    </a:lnB>
+                    <a:lnTlToBr>
+                      <a:noFill/>
+                    </a:lnTlToBr>
+                    <a:lnBlToTr>
+                      <a:noFill/>
+                    </a:lnBlToTr>
+                    <a:noFill/>
+                  </a:tcPr>
+                </a:tc>
+                <a:tc>
+                  <a:txBody>
+                    <a:bodyPr/>
+                    <a:lstStyle/>
+                    <a:p>
+                      <a:pPr marL="0" marR="0" lvl="0" indent="0" algn="l" defTabSz="914400" rtl="0" eaLnBrk="1" fontAlgn="base" latinLnBrk="0" hangingPunct="1">
+                        <a:lnSpc>
+                          <a:spcPct val="100000"/>
+                        </a:lnSpc>
+                        <a:spcBef>
+                          <a:spcPct val="20000"/>
+                        </a:spcBef>
+                        <a:spcAft>
+                          <a:spcPct val="0"/>
+                        </a:spcAft>
+                        <a:buClr>
+                          <a:schemeClr val="bg2"/>
+                        </a:buClr>
+                        <a:buSzPct val="75000"/>
+                        <a:buFont typeface="Wingdings" pitchFamily="2" charset="2"/>
+                        <a:buNone/>
+                        <a:tabLst/>
+                      </a:pPr>
+                      <a:r>
+                        <a:rPr kumimoji="0" lang="en-US" sz="2800" b="0" i="0" u="none" strike="noStrike" cap="none" normalizeH="0" baseline="0" dirty="0" smtClean="0">
+                          <a:ln>
+                            <a:noFill/>
+                          </a:ln>
+                          <a:solidFill>
+                            <a:schemeClr val="tx1"/>
+                          </a:solidFill>
+                          <a:effectLst/>
+                          <a:latin typeface="Arial" charset="0"/>
+                        </a:rPr>
+                        <a:t>1</a:t>
+                      </a:r>
+                      <a:endParaRPr kumimoji="0" lang="en-NZ" sz="2800" b="0" i="0" u="none" strike="noStrike" cap="none" normalizeH="0" baseline="0" dirty="0" smtClean="0">
+                        <a:ln>
+                          <a:noFill/>
+                        </a:ln>
+                        <a:solidFill>
+                          <a:schemeClr val="tx1"/>
+                        </a:solidFill>
+                        <a:effectLst/>
+                        <a:latin typeface="Arial" charset="0"/>
+                      </a:endParaRPr>
+                    </a:p>
+                  </a:txBody>
+                  <a:tcPr horzOverflow="overflow">
+                    <a:lnL w="12700" cap="flat" cmpd="sng" algn="ctr">
+                      <a:solidFill>
+                        <a:schemeClr val="tx1"/>
+                      </a:solidFill>
+                      <a:prstDash val="solid"/>
+                      <a:round/>
+                      <a:headEnd type="none" w="med" len="med"/>
+                      <a:tailEnd type="none" w="med" len="med"/>
+                    </a:lnL>
+                    <a:lnR w="12700" cap="flat" cmpd="sng" algn="ctr">
+                      <a:solidFill>
+                        <a:schemeClr val="tx1"/>
+                      </a:solidFill>
+                      <a:prstDash val="solid"/>
+                      <a:round/>
+                      <a:headEnd type="none" w="med" len="med"/>
+                      <a:tailEnd type="none" w="med" len="med"/>
+                    </a:lnR>
+                    <a:lnT w="28575" cap="flat" cmpd="sng" algn="ctr">
+                      <a:solidFill>
+                        <a:schemeClr val="tx1"/>
+                      </a:solidFill>
+                      <a:prstDash val="solid"/>
+                      <a:round/>
+                      <a:headEnd type="none" w="med" len="med"/>
+                      <a:tailEnd type="none" w="med" len="med"/>
+                    </a:lnT>
+                    <a:lnB w="12700" cap="flat" cmpd="sng" algn="ctr">
+                      <a:solidFill>
+                        <a:schemeClr val="tx1"/>
+                      </a:solidFill>
+                      <a:prstDash val="solid"/>
+                      <a:round/>
+                      <a:headEnd type="none" w="med" len="med"/>
+                      <a:tailEnd type="none" w="med" len="med"/>
+                    </a:lnB>
+                    <a:lnTlToBr>
+                      <a:noFill/>
+                    </a:lnTlToBr>
+                    <a:lnBlToTr>
+                      <a:noFill/>
+                    </a:lnBlToTr>
+                    <a:noFill/>
+                  </a:tcPr>
+                </a:tc>
+                <a:tc>
+                  <a:txBody>
+                    <a:bodyPr/>
+                    <a:lstStyle/>
+                    <a:p>
+                      <a:pPr marL="0" marR="0" lvl="0" indent="0" algn="l" defTabSz="914400" rtl="0" eaLnBrk="1" fontAlgn="base" latinLnBrk="0" hangingPunct="1">
+                        <a:lnSpc>
+                          <a:spcPct val="100000"/>
+                        </a:lnSpc>
+                        <a:spcBef>
+                          <a:spcPct val="20000"/>
+                        </a:spcBef>
+                        <a:spcAft>
+                          <a:spcPct val="0"/>
+                        </a:spcAft>
+                        <a:buClr>
+                          <a:schemeClr val="bg2"/>
+                        </a:buClr>
+                        <a:buSzPct val="75000"/>
+                        <a:buFont typeface="Wingdings" pitchFamily="2" charset="2"/>
+                        <a:buNone/>
+                        <a:tabLst/>
+                      </a:pPr>
+                      <a:r>
+                        <a:rPr kumimoji="0" lang="en-US" sz="2800" b="0" i="0" u="none" strike="noStrike" cap="none" normalizeH="0" baseline="0" dirty="0" smtClean="0">
+                          <a:ln>
+                            <a:noFill/>
+                          </a:ln>
+                          <a:solidFill>
+                            <a:schemeClr val="tx1"/>
+                          </a:solidFill>
+                          <a:effectLst/>
+                          <a:latin typeface="Arial" charset="0"/>
+                        </a:rPr>
+                        <a:t>0</a:t>
+                      </a:r>
+                      <a:endParaRPr kumimoji="0" lang="en-NZ" sz="2800" b="0" i="0" u="none" strike="noStrike" cap="none" normalizeH="0" baseline="0" dirty="0" smtClean="0">
+                        <a:ln>
+                          <a:noFill/>
+                        </a:ln>
+                        <a:solidFill>
+                          <a:schemeClr val="tx1"/>
+                        </a:solidFill>
+                        <a:effectLst/>
+                        <a:latin typeface="Arial" charset="0"/>
+                      </a:endParaRPr>
+                    </a:p>
+                  </a:txBody>
+                  <a:tcPr horzOverflow="overflow">
+                    <a:lnL w="12700" cap="flat" cmpd="sng" algn="ctr">
+                      <a:solidFill>
+                        <a:schemeClr val="tx1"/>
+                      </a:solidFill>
+                      <a:prstDash val="solid"/>
+                      <a:round/>
+                      <a:headEnd type="none" w="med" len="med"/>
+                      <a:tailEnd type="none" w="med" len="med"/>
+                    </a:lnL>
+                    <a:lnR w="28575" cap="flat" cmpd="sng" algn="ctr">
+                      <a:solidFill>
+                        <a:schemeClr val="tx1"/>
+                      </a:solidFill>
+                      <a:prstDash val="solid"/>
+                      <a:round/>
+                      <a:headEnd type="none" w="med" len="med"/>
+                      <a:tailEnd type="none" w="med" len="med"/>
+                    </a:lnR>
+                    <a:lnT w="28575" cap="flat" cmpd="sng" algn="ctr">
+                      <a:solidFill>
+                        <a:schemeClr val="tx1"/>
+                      </a:solidFill>
+                      <a:prstDash val="solid"/>
+                      <a:round/>
+                      <a:headEnd type="none" w="med" len="med"/>
+                      <a:tailEnd type="none" w="med" len="med"/>
+                    </a:lnT>
+                    <a:lnB w="12700" cap="flat" cmpd="sng" algn="ctr">
+                      <a:solidFill>
+                        <a:schemeClr val="tx1"/>
+                      </a:solidFill>
+                      <a:prstDash val="solid"/>
+                      <a:round/>
+                      <a:headEnd type="none" w="med" len="med"/>
+                      <a:tailEnd type="none" w="med" len="med"/>
+                    </a:lnB>
+                    <a:lnTlToBr>
+                      <a:noFill/>
+                    </a:lnTlToBr>
+                    <a:lnBlToTr>
+                      <a:noFill/>
+                    </a:lnBlToTr>
+                    <a:noFill/>
+                  </a:tcPr>
+                </a:tc>
+                <a:extLst>
+                  <a:ext uri="{0D108BD9-81ED-4DB2-BD59-A6C34878D82A}">
+                    <a16:rowId xmlns:a16="http://schemas.microsoft.com/office/drawing/2014/main" val="10000"/>
+                  </a:ext>
+                </a:extLst>
+              </a:tr>
+              <a:tr h="311150">
+                <a:tc>
+                  <a:txBody>
+                    <a:bodyPr/>
+                    <a:lstStyle/>
+                    <a:p>
+                      <a:pPr marL="0" marR="0" lvl="0" indent="0" algn="l" defTabSz="914400" rtl="0" eaLnBrk="1" fontAlgn="base" latinLnBrk="0" hangingPunct="1">
+                        <a:lnSpc>
+                          <a:spcPct val="100000"/>
+                        </a:lnSpc>
+                        <a:spcBef>
+                          <a:spcPct val="20000"/>
+                        </a:spcBef>
+                        <a:spcAft>
+                          <a:spcPct val="0"/>
+                        </a:spcAft>
+                        <a:buClr>
+                          <a:schemeClr val="bg2"/>
+                        </a:buClr>
+                        <a:buSzPct val="75000"/>
+                        <a:buFont typeface="Wingdings" pitchFamily="2" charset="2"/>
+                        <a:buNone/>
+                        <a:tabLst/>
+                      </a:pPr>
+                      <a:r>
+                        <a:rPr kumimoji="0" lang="en-US" sz="2800" b="0" i="0" u="none" strike="noStrike" cap="none" normalizeH="0" baseline="0" dirty="0" smtClean="0">
+                          <a:ln>
+                            <a:noFill/>
+                          </a:ln>
+                          <a:solidFill>
+                            <a:schemeClr val="tx1"/>
+                          </a:solidFill>
+                          <a:effectLst/>
+                          <a:latin typeface="Arial" charset="0"/>
+                        </a:rPr>
+                        <a:t>0</a:t>
+                      </a:r>
+                      <a:endParaRPr kumimoji="0" lang="en-NZ" sz="2800" b="0" i="0" u="none" strike="noStrike" cap="none" normalizeH="0" baseline="0" dirty="0" smtClean="0">
+                        <a:ln>
+                          <a:noFill/>
+                        </a:ln>
+                        <a:solidFill>
+                          <a:schemeClr val="tx1"/>
+                        </a:solidFill>
+                        <a:effectLst/>
+                        <a:latin typeface="Arial" charset="0"/>
+                      </a:endParaRPr>
+                    </a:p>
+                  </a:txBody>
+                  <a:tcPr horzOverflow="overflow">
+                    <a:lnL w="28575" cap="flat" cmpd="sng" algn="ctr">
+                      <a:solidFill>
+                        <a:schemeClr val="tx1"/>
+                      </a:solidFill>
+                      <a:prstDash val="solid"/>
+                      <a:round/>
+                      <a:headEnd type="none" w="med" len="med"/>
+                      <a:tailEnd type="none" w="med" len="med"/>
+                    </a:lnL>
+                    <a:lnR w="12700" cap="flat" cmpd="sng" algn="ctr">
+                      <a:solidFill>
+                        <a:schemeClr val="tx1"/>
+                      </a:solidFill>
+                      <a:prstDash val="solid"/>
+                      <a:round/>
+                      <a:headEnd type="none" w="med" len="med"/>
+                      <a:tailEnd type="none" w="med" len="med"/>
+                    </a:lnR>
+                    <a:lnT w="12700" cap="flat" cmpd="sng" algn="ctr">
+                      <a:solidFill>
+                        <a:schemeClr val="tx1"/>
+                      </a:solidFill>
+                      <a:prstDash val="solid"/>
+                      <a:round/>
+                      <a:headEnd type="none" w="med" len="med"/>
+                      <a:tailEnd type="none" w="med" len="med"/>
+                    </a:lnT>
+                    <a:lnB w="12700" cap="flat" cmpd="sng" algn="ctr">
+                      <a:solidFill>
+                        <a:schemeClr val="tx1"/>
+                      </a:solidFill>
+                      <a:prstDash val="solid"/>
+                      <a:round/>
+                      <a:headEnd type="none" w="med" len="med"/>
+                      <a:tailEnd type="none" w="med" len="med"/>
+                    </a:lnB>
+                    <a:lnTlToBr>
+                      <a:noFill/>
+                    </a:lnTlToBr>
+                    <a:lnBlToTr>
+                      <a:noFill/>
+                    </a:lnBlToTr>
+                    <a:noFill/>
+                  </a:tcPr>
+                </a:tc>
+                <a:tc>
+                  <a:txBody>
+                    <a:bodyPr/>
+                    <a:lstStyle/>
+                    <a:p>
+                      <a:pPr marL="0" marR="0" lvl="0" indent="0" algn="l" defTabSz="914400" rtl="0" eaLnBrk="1" fontAlgn="base" latinLnBrk="0" hangingPunct="1">
+                        <a:lnSpc>
+                          <a:spcPct val="100000"/>
+                        </a:lnSpc>
+                        <a:spcBef>
+                          <a:spcPct val="20000"/>
+                        </a:spcBef>
+                        <a:spcAft>
+                          <a:spcPct val="0"/>
+                        </a:spcAft>
+                        <a:buClr>
+                          <a:schemeClr val="bg2"/>
+                        </a:buClr>
+                        <a:buSzPct val="75000"/>
+                        <a:buFont typeface="Wingdings" pitchFamily="2" charset="2"/>
+                        <a:buNone/>
+                        <a:tabLst/>
+                      </a:pPr>
+                      <a:r>
+                        <a:rPr kumimoji="0" lang="en-US" sz="2800" b="0" i="0" u="none" strike="noStrike" cap="none" normalizeH="0" baseline="0" dirty="0" smtClean="0">
+                          <a:ln>
+                            <a:noFill/>
+                          </a:ln>
+                          <a:solidFill>
+                            <a:schemeClr val="tx1"/>
+                          </a:solidFill>
+                          <a:effectLst/>
+                          <a:latin typeface="Arial" charset="0"/>
+                        </a:rPr>
+                        <a:t>0</a:t>
+                      </a:r>
+                      <a:endParaRPr kumimoji="0" lang="en-NZ" sz="2800" b="0" i="0" u="none" strike="noStrike" cap="none" normalizeH="0" baseline="0" dirty="0" smtClean="0">
+                        <a:ln>
+                          <a:noFill/>
+                        </a:ln>
+                        <a:solidFill>
+                          <a:schemeClr val="tx1"/>
+                        </a:solidFill>
+                        <a:effectLst/>
+                        <a:latin typeface="Arial" charset="0"/>
+                      </a:endParaRPr>
+                    </a:p>
+                  </a:txBody>
+                  <a:tcPr horzOverflow="overflow">
+                    <a:lnL w="12700" cap="flat" cmpd="sng" algn="ctr">
+                      <a:solidFill>
+                        <a:schemeClr val="tx1"/>
+                      </a:solidFill>
+                      <a:prstDash val="solid"/>
+                      <a:round/>
+                      <a:headEnd type="none" w="med" len="med"/>
+                      <a:tailEnd type="none" w="med" len="med"/>
+                    </a:lnL>
+                    <a:lnR w="12700" cap="flat" cmpd="sng" algn="ctr">
+                      <a:solidFill>
+                        <a:schemeClr val="tx1"/>
+                      </a:solidFill>
+                      <a:prstDash val="solid"/>
+                      <a:round/>
+                      <a:headEnd type="none" w="med" len="med"/>
+                      <a:tailEnd type="none" w="med" len="med"/>
+                    </a:lnR>
+                    <a:lnT w="12700" cap="flat" cmpd="sng" algn="ctr">
+                      <a:solidFill>
+                        <a:schemeClr val="tx1"/>
+                      </a:solidFill>
+                      <a:prstDash val="solid"/>
+                      <a:round/>
+                      <a:headEnd type="none" w="med" len="med"/>
+                      <a:tailEnd type="none" w="med" len="med"/>
+                    </a:lnT>
+                    <a:lnB w="12700" cap="flat" cmpd="sng" algn="ctr">
+                      <a:solidFill>
+                        <a:schemeClr val="tx1"/>
+                      </a:solidFill>
+                      <a:prstDash val="solid"/>
+                      <a:round/>
+                      <a:headEnd type="none" w="med" len="med"/>
+                      <a:tailEnd type="none" w="med" len="med"/>
+                    </a:lnB>
+                    <a:lnTlToBr>
+                      <a:noFill/>
+                    </a:lnTlToBr>
+                    <a:lnBlToTr>
+                      <a:noFill/>
+                    </a:lnBlToTr>
+                    <a:noFill/>
+                  </a:tcPr>
+                </a:tc>
+                <a:tc>
+                  <a:txBody>
+                    <a:bodyPr/>
+                    <a:lstStyle/>
+                    <a:p>
+                      <a:pPr marL="0" marR="0" lvl="0" indent="0" algn="l" defTabSz="914400" rtl="0" eaLnBrk="1" fontAlgn="base" latinLnBrk="0" hangingPunct="1">
+                        <a:lnSpc>
+                          <a:spcPct val="100000"/>
+                        </a:lnSpc>
+                        <a:spcBef>
+                          <a:spcPct val="20000"/>
+                        </a:spcBef>
+                        <a:spcAft>
+                          <a:spcPct val="0"/>
+                        </a:spcAft>
+                        <a:buClr>
+                          <a:schemeClr val="bg2"/>
+                        </a:buClr>
+                        <a:buSzPct val="75000"/>
+                        <a:buFont typeface="Wingdings" pitchFamily="2" charset="2"/>
+                        <a:buNone/>
+                        <a:tabLst/>
+                      </a:pPr>
+                      <a:r>
+                        <a:rPr kumimoji="0" lang="en-US" sz="2800" b="0" i="0" u="none" strike="noStrike" cap="none" normalizeH="0" baseline="0" dirty="0" smtClean="0">
+                          <a:ln>
+                            <a:noFill/>
+                          </a:ln>
+                          <a:solidFill>
+                            <a:schemeClr val="tx1"/>
+                          </a:solidFill>
+                          <a:effectLst/>
+                          <a:latin typeface="Arial" charset="0"/>
+                        </a:rPr>
+                        <a:t>1</a:t>
+                      </a:r>
+                      <a:endParaRPr kumimoji="0" lang="en-NZ" sz="2800" b="0" i="0" u="none" strike="noStrike" cap="none" normalizeH="0" baseline="0" dirty="0" smtClean="0">
+                        <a:ln>
+                          <a:noFill/>
+                        </a:ln>
+                        <a:solidFill>
+                          <a:schemeClr val="tx1"/>
+                        </a:solidFill>
+                        <a:effectLst/>
+                        <a:latin typeface="Arial" charset="0"/>
+                      </a:endParaRPr>
+                    </a:p>
+                  </a:txBody>
+                  <a:tcPr horzOverflow="overflow">
+                    <a:lnL w="12700" cap="flat" cmpd="sng" algn="ctr">
+                      <a:solidFill>
+                        <a:schemeClr val="tx1"/>
+                      </a:solidFill>
+                      <a:prstDash val="solid"/>
+                      <a:round/>
+                      <a:headEnd type="none" w="med" len="med"/>
+                      <a:tailEnd type="none" w="med" len="med"/>
+                    </a:lnL>
+                    <a:lnR w="12700" cap="flat" cmpd="sng" algn="ctr">
+                      <a:solidFill>
+                        <a:schemeClr val="tx1"/>
+                      </a:solidFill>
+                      <a:prstDash val="solid"/>
+                      <a:round/>
+                      <a:headEnd type="none" w="med" len="med"/>
+                      <a:tailEnd type="none" w="med" len="med"/>
+                    </a:lnR>
+                    <a:lnT w="12700" cap="flat" cmpd="sng" algn="ctr">
+                      <a:solidFill>
+                        <a:schemeClr val="tx1"/>
+                      </a:solidFill>
+                      <a:prstDash val="solid"/>
+                      <a:round/>
+                      <a:headEnd type="none" w="med" len="med"/>
+                      <a:tailEnd type="none" w="med" len="med"/>
+                    </a:lnT>
+                    <a:lnB w="12700" cap="flat" cmpd="sng" algn="ctr">
+                      <a:solidFill>
+                        <a:schemeClr val="tx1"/>
+                      </a:solidFill>
+                      <a:prstDash val="solid"/>
+                      <a:round/>
+                      <a:headEnd type="none" w="med" len="med"/>
+                      <a:tailEnd type="none" w="med" len="med"/>
+                    </a:lnB>
+                    <a:lnTlToBr>
+                      <a:noFill/>
+                    </a:lnTlToBr>
+                    <a:lnBlToTr>
+                      <a:noFill/>
+                    </a:lnBlToTr>
+                    <a:noFill/>
+                  </a:tcPr>
+                </a:tc>
+                <a:tc>
+                  <a:txBody>
+                    <a:bodyPr/>
+                    <a:lstStyle/>
+                    <a:p>
+                      <a:pPr marL="0" marR="0" lvl="0" indent="0" algn="l" defTabSz="914400" rtl="0" eaLnBrk="1" fontAlgn="base" latinLnBrk="0" hangingPunct="1">
+                        <a:lnSpc>
+                          <a:spcPct val="100000"/>
+                        </a:lnSpc>
+                        <a:spcBef>
+                          <a:spcPct val="20000"/>
+                        </a:spcBef>
+                        <a:spcAft>
+                          <a:spcPct val="0"/>
+                        </a:spcAft>
+                        <a:buClr>
+                          <a:schemeClr val="bg2"/>
+                        </a:buClr>
+                        <a:buSzPct val="75000"/>
+                        <a:buFont typeface="Wingdings" pitchFamily="2" charset="2"/>
+                        <a:buNone/>
+                        <a:tabLst/>
+                      </a:pPr>
+                      <a:r>
+                        <a:rPr kumimoji="0" lang="en-US" sz="2800" b="0" i="0" u="none" strike="noStrike" cap="none" normalizeH="0" baseline="0" dirty="0" smtClean="0">
+                          <a:ln>
+                            <a:noFill/>
+                          </a:ln>
+                          <a:solidFill>
+                            <a:schemeClr val="tx1"/>
+                          </a:solidFill>
+                          <a:effectLst/>
+                          <a:latin typeface="Arial" charset="0"/>
+                        </a:rPr>
+                        <a:t>1</a:t>
+                      </a:r>
+                      <a:endParaRPr kumimoji="0" lang="en-NZ" sz="2800" b="0" i="0" u="none" strike="noStrike" cap="none" normalizeH="0" baseline="0" dirty="0" smtClean="0">
+                        <a:ln>
+                          <a:noFill/>
+                        </a:ln>
+                        <a:solidFill>
+                          <a:schemeClr val="tx1"/>
+                        </a:solidFill>
+                        <a:effectLst/>
+                        <a:latin typeface="Arial" charset="0"/>
+                      </a:endParaRPr>
+                    </a:p>
+                  </a:txBody>
+                  <a:tcPr horzOverflow="overflow">
+                    <a:lnL w="12700" cap="flat" cmpd="sng" algn="ctr">
+                      <a:solidFill>
+                        <a:schemeClr val="tx1"/>
+                      </a:solidFill>
+                      <a:prstDash val="solid"/>
+                      <a:round/>
+                      <a:headEnd type="none" w="med" len="med"/>
+                      <a:tailEnd type="none" w="med" len="med"/>
+                    </a:lnL>
+                    <a:lnR w="28575" cap="flat" cmpd="sng" algn="ctr">
+                      <a:solidFill>
+                        <a:schemeClr val="tx1"/>
+                      </a:solidFill>
+                      <a:prstDash val="solid"/>
+                      <a:round/>
+                      <a:headEnd type="none" w="med" len="med"/>
+                      <a:tailEnd type="none" w="med" len="med"/>
+                    </a:lnR>
+                    <a:lnT w="12700" cap="flat" cmpd="sng" algn="ctr">
+                      <a:solidFill>
+                        <a:schemeClr val="tx1"/>
+                      </a:solidFill>
+                      <a:prstDash val="solid"/>
+                      <a:round/>
+                      <a:headEnd type="none" w="med" len="med"/>
+                      <a:tailEnd type="none" w="med" len="med"/>
+                    </a:lnT>
+                    <a:lnB w="12700" cap="flat" cmpd="sng" algn="ctr">
+                      <a:solidFill>
+                        <a:schemeClr val="tx1"/>
+                      </a:solidFill>
+                      <a:prstDash val="solid"/>
+                      <a:round/>
+                      <a:headEnd type="none" w="med" len="med"/>
+                      <a:tailEnd type="none" w="med" len="med"/>
+                    </a:lnB>
+                    <a:lnTlToBr>
+                      <a:noFill/>
+                    </a:lnTlToBr>
+                    <a:lnBlToTr>
+                      <a:noFill/>
+                    </a:lnBlToTr>
+                    <a:noFill/>
+                  </a:tcPr>
+                </a:tc>
+                <a:extLst>
+                  <a:ext uri="{0D108BD9-81ED-4DB2-BD59-A6C34878D82A}">
+                    <a16:rowId xmlns:a16="http://schemas.microsoft.com/office/drawing/2014/main" val="10001"/>
+                  </a:ext>
+                </a:extLst>
+              </a:tr>
+              <a:tr h="309563">
+                <a:tc>
+                  <a:txBody>
+                    <a:bodyPr/>
+                    <a:lstStyle/>
+                    <a:p>
+                      <a:pPr marL="0" marR="0" lvl="0" indent="0" algn="l" defTabSz="914400" rtl="0" eaLnBrk="1" fontAlgn="base" latinLnBrk="0" hangingPunct="1">
+                        <a:lnSpc>
+                          <a:spcPct val="100000"/>
+                        </a:lnSpc>
+                        <a:spcBef>
+                          <a:spcPct val="20000"/>
+                        </a:spcBef>
+                        <a:spcAft>
+                          <a:spcPct val="0"/>
+                        </a:spcAft>
+                        <a:buClr>
+                          <a:schemeClr val="bg2"/>
+                        </a:buClr>
+                        <a:buSzPct val="75000"/>
+                        <a:buFont typeface="Wingdings" pitchFamily="2" charset="2"/>
+                        <a:buNone/>
+                        <a:tabLst/>
+                      </a:pPr>
+                      <a:r>
+                        <a:rPr kumimoji="0" lang="en-US" sz="2800" b="0" i="0" u="none" strike="noStrike" cap="none" normalizeH="0" baseline="0" dirty="0" smtClean="0">
+                          <a:ln>
+                            <a:noFill/>
+                          </a:ln>
+                          <a:solidFill>
+                            <a:schemeClr val="tx1"/>
+                          </a:solidFill>
+                          <a:effectLst/>
+                          <a:latin typeface="Arial" charset="0"/>
+                        </a:rPr>
+                        <a:t>0</a:t>
+                      </a:r>
+                      <a:endParaRPr kumimoji="0" lang="en-NZ" sz="2800" b="0" i="0" u="none" strike="noStrike" cap="none" normalizeH="0" baseline="0" dirty="0" smtClean="0">
+                        <a:ln>
+                          <a:noFill/>
+                        </a:ln>
+                        <a:solidFill>
+                          <a:schemeClr val="tx1"/>
+                        </a:solidFill>
+                        <a:effectLst/>
+                        <a:latin typeface="Arial" charset="0"/>
+                      </a:endParaRPr>
+                    </a:p>
+                  </a:txBody>
+                  <a:tcPr horzOverflow="overflow">
+                    <a:lnL w="28575" cap="flat" cmpd="sng" algn="ctr">
+                      <a:solidFill>
+                        <a:schemeClr val="tx1"/>
+                      </a:solidFill>
+                      <a:prstDash val="solid"/>
+                      <a:round/>
+                      <a:headEnd type="none" w="med" len="med"/>
+                      <a:tailEnd type="none" w="med" len="med"/>
+                    </a:lnL>
+                    <a:lnR w="12700" cap="flat" cmpd="sng" algn="ctr">
+                      <a:solidFill>
+                        <a:schemeClr val="tx1"/>
+                      </a:solidFill>
+                      <a:prstDash val="solid"/>
+                      <a:round/>
+                      <a:headEnd type="none" w="med" len="med"/>
+                      <a:tailEnd type="none" w="med" len="med"/>
+                    </a:lnR>
+                    <a:lnT w="12700" cap="flat" cmpd="sng" algn="ctr">
+                      <a:solidFill>
+                        <a:schemeClr val="tx1"/>
+                      </a:solidFill>
+                      <a:prstDash val="solid"/>
+                      <a:round/>
+                      <a:headEnd type="none" w="med" len="med"/>
+                      <a:tailEnd type="none" w="med" len="med"/>
+                    </a:lnT>
+                    <a:lnB w="12700" cap="flat" cmpd="sng" algn="ctr">
+                      <a:solidFill>
+                        <a:schemeClr val="tx1"/>
+                      </a:solidFill>
+                      <a:prstDash val="solid"/>
+                      <a:round/>
+                      <a:headEnd type="none" w="med" len="med"/>
+                      <a:tailEnd type="none" w="med" len="med"/>
+                    </a:lnB>
+                    <a:lnTlToBr>
+                      <a:noFill/>
+                    </a:lnTlToBr>
+                    <a:lnBlToTr>
+                      <a:noFill/>
+                    </a:lnBlToTr>
+                    <a:noFill/>
+                  </a:tcPr>
+                </a:tc>
+                <a:tc>
+                  <a:txBody>
+                    <a:bodyPr/>
+                    <a:lstStyle/>
+                    <a:p>
+                      <a:pPr marL="0" marR="0" lvl="0" indent="0" algn="l" defTabSz="914400" rtl="0" eaLnBrk="1" fontAlgn="base" latinLnBrk="0" hangingPunct="1">
+                        <a:lnSpc>
+                          <a:spcPct val="100000"/>
+                        </a:lnSpc>
+                        <a:spcBef>
+                          <a:spcPct val="20000"/>
+                        </a:spcBef>
+                        <a:spcAft>
+                          <a:spcPct val="0"/>
+                        </a:spcAft>
+                        <a:buClr>
+                          <a:schemeClr val="bg2"/>
+                        </a:buClr>
+                        <a:buSzPct val="75000"/>
+                        <a:buFont typeface="Wingdings" pitchFamily="2" charset="2"/>
+                        <a:buNone/>
+                        <a:tabLst/>
+                      </a:pPr>
+                      <a:r>
+                        <a:rPr kumimoji="0" lang="en-US" sz="2800" b="0" i="0" u="none" strike="noStrike" cap="none" normalizeH="0" baseline="0" dirty="0" smtClean="0">
+                          <a:ln>
+                            <a:noFill/>
+                          </a:ln>
+                          <a:solidFill>
+                            <a:schemeClr val="tx1"/>
+                          </a:solidFill>
+                          <a:effectLst/>
+                          <a:latin typeface="Arial" charset="0"/>
+                        </a:rPr>
+                        <a:t>0</a:t>
+                      </a:r>
+                      <a:endParaRPr kumimoji="0" lang="en-NZ" sz="2800" b="0" i="0" u="none" strike="noStrike" cap="none" normalizeH="0" baseline="0" dirty="0" smtClean="0">
+                        <a:ln>
+                          <a:noFill/>
+                        </a:ln>
+                        <a:solidFill>
+                          <a:schemeClr val="tx1"/>
+                        </a:solidFill>
+                        <a:effectLst/>
+                        <a:latin typeface="Arial" charset="0"/>
+                      </a:endParaRPr>
+                    </a:p>
+                  </a:txBody>
+                  <a:tcPr horzOverflow="overflow">
+                    <a:lnL w="12700" cap="flat" cmpd="sng" algn="ctr">
+                      <a:solidFill>
+                        <a:schemeClr val="tx1"/>
+                      </a:solidFill>
+                      <a:prstDash val="solid"/>
+                      <a:round/>
+                      <a:headEnd type="none" w="med" len="med"/>
+                      <a:tailEnd type="none" w="med" len="med"/>
+                    </a:lnL>
+                    <a:lnR w="12700" cap="flat" cmpd="sng" algn="ctr">
+                      <a:solidFill>
+                        <a:schemeClr val="tx1"/>
+                      </a:solidFill>
+                      <a:prstDash val="solid"/>
+                      <a:round/>
+                      <a:headEnd type="none" w="med" len="med"/>
+                      <a:tailEnd type="none" w="med" len="med"/>
+                    </a:lnR>
+                    <a:lnT w="12700" cap="flat" cmpd="sng" algn="ctr">
+                      <a:solidFill>
+                        <a:schemeClr val="tx1"/>
+                      </a:solidFill>
+                      <a:prstDash val="solid"/>
+                      <a:round/>
+                      <a:headEnd type="none" w="med" len="med"/>
+                      <a:tailEnd type="none" w="med" len="med"/>
+                    </a:lnT>
+                    <a:lnB w="12700" cap="flat" cmpd="sng" algn="ctr">
+                      <a:solidFill>
+                        <a:schemeClr val="tx1"/>
+                      </a:solidFill>
+                      <a:prstDash val="solid"/>
+                      <a:round/>
+                      <a:headEnd type="none" w="med" len="med"/>
+                      <a:tailEnd type="none" w="med" len="med"/>
+                    </a:lnB>
+                    <a:lnTlToBr>
+                      <a:noFill/>
+                    </a:lnTlToBr>
+                    <a:lnBlToTr>
+                      <a:noFill/>
+                    </a:lnBlToTr>
+                    <a:noFill/>
+                  </a:tcPr>
+                </a:tc>
+                <a:tc>
+                  <a:txBody>
+                    <a:bodyPr/>
+                    <a:lstStyle/>
+                    <a:p>
+                      <a:pPr marL="0" marR="0" lvl="0" indent="0" algn="l" defTabSz="914400" rtl="0" eaLnBrk="1" fontAlgn="base" latinLnBrk="0" hangingPunct="1">
+                        <a:lnSpc>
+                          <a:spcPct val="100000"/>
+                        </a:lnSpc>
+                        <a:spcBef>
+                          <a:spcPct val="20000"/>
+                        </a:spcBef>
+                        <a:spcAft>
+                          <a:spcPct val="0"/>
+                        </a:spcAft>
+                        <a:buClr>
+                          <a:schemeClr val="bg2"/>
+                        </a:buClr>
+                        <a:buSzPct val="75000"/>
+                        <a:buFont typeface="Wingdings" pitchFamily="2" charset="2"/>
+                        <a:buNone/>
+                        <a:tabLst/>
+                      </a:pPr>
+                      <a:r>
+                        <a:rPr kumimoji="0" lang="en-US" sz="2800" b="0" i="0" u="none" strike="noStrike" cap="none" normalizeH="0" baseline="0" dirty="0" smtClean="0">
+                          <a:ln>
+                            <a:noFill/>
+                          </a:ln>
+                          <a:solidFill>
+                            <a:schemeClr val="tx1"/>
+                          </a:solidFill>
+                          <a:effectLst/>
+                          <a:latin typeface="Arial" charset="0"/>
+                        </a:rPr>
+                        <a:t>0</a:t>
+                      </a:r>
+                      <a:endParaRPr kumimoji="0" lang="en-NZ" sz="2800" b="0" i="0" u="none" strike="noStrike" cap="none" normalizeH="0" baseline="0" dirty="0" smtClean="0">
+                        <a:ln>
+                          <a:noFill/>
+                        </a:ln>
+                        <a:solidFill>
+                          <a:schemeClr val="tx1"/>
+                        </a:solidFill>
+                        <a:effectLst/>
+                        <a:latin typeface="Arial" charset="0"/>
+                      </a:endParaRPr>
+                    </a:p>
+                  </a:txBody>
+                  <a:tcPr horzOverflow="overflow">
+                    <a:lnL w="12700" cap="flat" cmpd="sng" algn="ctr">
+                      <a:solidFill>
+                        <a:schemeClr val="tx1"/>
+                      </a:solidFill>
+                      <a:prstDash val="solid"/>
+                      <a:round/>
+                      <a:headEnd type="none" w="med" len="med"/>
+                      <a:tailEnd type="none" w="med" len="med"/>
+                    </a:lnL>
+                    <a:lnR w="12700" cap="flat" cmpd="sng" algn="ctr">
+                      <a:solidFill>
+                        <a:schemeClr val="tx1"/>
+                      </a:solidFill>
+                      <a:prstDash val="solid"/>
+                      <a:round/>
+                      <a:headEnd type="none" w="med" len="med"/>
+                      <a:tailEnd type="none" w="med" len="med"/>
+                    </a:lnR>
+                    <a:lnT w="12700" cap="flat" cmpd="sng" algn="ctr">
+                      <a:solidFill>
+                        <a:schemeClr val="tx1"/>
+                      </a:solidFill>
+                      <a:prstDash val="solid"/>
+                      <a:round/>
+                      <a:headEnd type="none" w="med" len="med"/>
+                      <a:tailEnd type="none" w="med" len="med"/>
+                    </a:lnT>
+                    <a:lnB w="12700" cap="flat" cmpd="sng" algn="ctr">
+                      <a:solidFill>
+                        <a:schemeClr val="tx1"/>
+                      </a:solidFill>
+                      <a:prstDash val="solid"/>
+                      <a:round/>
+                      <a:headEnd type="none" w="med" len="med"/>
+                      <a:tailEnd type="none" w="med" len="med"/>
+                    </a:lnB>
+                    <a:lnTlToBr>
+                      <a:noFill/>
+                    </a:lnTlToBr>
+                    <a:lnBlToTr>
+                      <a:noFill/>
+                    </a:lnBlToTr>
+                    <a:noFill/>
+                  </a:tcPr>
+                </a:tc>
+                <a:tc>
+                  <a:txBody>
+                    <a:bodyPr/>
+                    <a:lstStyle/>
+                    <a:p>
+                      <a:pPr marL="0" marR="0" lvl="0" indent="0" algn="l" defTabSz="914400" rtl="0" eaLnBrk="1" fontAlgn="base" latinLnBrk="0" hangingPunct="1">
+                        <a:lnSpc>
+                          <a:spcPct val="100000"/>
+                        </a:lnSpc>
+                        <a:spcBef>
+                          <a:spcPct val="20000"/>
+                        </a:spcBef>
+                        <a:spcAft>
+                          <a:spcPct val="0"/>
+                        </a:spcAft>
+                        <a:buClr>
+                          <a:schemeClr val="bg2"/>
+                        </a:buClr>
+                        <a:buSzPct val="75000"/>
+                        <a:buFont typeface="Wingdings" pitchFamily="2" charset="2"/>
+                        <a:buNone/>
+                        <a:tabLst/>
+                      </a:pPr>
+                      <a:r>
+                        <a:rPr kumimoji="0" lang="en-US" sz="2800" b="0" i="0" u="none" strike="noStrike" cap="none" normalizeH="0" baseline="0" dirty="0" smtClean="0">
+                          <a:ln>
+                            <a:noFill/>
+                          </a:ln>
+                          <a:solidFill>
+                            <a:schemeClr val="tx1"/>
+                          </a:solidFill>
+                          <a:effectLst/>
+                          <a:latin typeface="Arial" charset="0"/>
+                        </a:rPr>
+                        <a:t>0</a:t>
+                      </a:r>
+                      <a:endParaRPr kumimoji="0" lang="en-NZ" sz="2800" b="0" i="0" u="none" strike="noStrike" cap="none" normalizeH="0" baseline="0" dirty="0" smtClean="0">
+                        <a:ln>
+                          <a:noFill/>
+                        </a:ln>
+                        <a:solidFill>
+                          <a:schemeClr val="tx1"/>
+                        </a:solidFill>
+                        <a:effectLst/>
+                        <a:latin typeface="Arial" charset="0"/>
+                      </a:endParaRPr>
+                    </a:p>
+                  </a:txBody>
+                  <a:tcPr horzOverflow="overflow">
+                    <a:lnL w="12700" cap="flat" cmpd="sng" algn="ctr">
+                      <a:solidFill>
+                        <a:schemeClr val="tx1"/>
+                      </a:solidFill>
+                      <a:prstDash val="solid"/>
+                      <a:round/>
+                      <a:headEnd type="none" w="med" len="med"/>
+                      <a:tailEnd type="none" w="med" len="med"/>
+                    </a:lnL>
+                    <a:lnR w="28575" cap="flat" cmpd="sng" algn="ctr">
+                      <a:solidFill>
+                        <a:schemeClr val="tx1"/>
+                      </a:solidFill>
+                      <a:prstDash val="solid"/>
+                      <a:round/>
+                      <a:headEnd type="none" w="med" len="med"/>
+                      <a:tailEnd type="none" w="med" len="med"/>
+                    </a:lnR>
+                    <a:lnT w="12700" cap="flat" cmpd="sng" algn="ctr">
+                      <a:solidFill>
+                        <a:schemeClr val="tx1"/>
+                      </a:solidFill>
+                      <a:prstDash val="solid"/>
+                      <a:round/>
+                      <a:headEnd type="none" w="med" len="med"/>
+                      <a:tailEnd type="none" w="med" len="med"/>
+                    </a:lnT>
+                    <a:lnB w="12700" cap="flat" cmpd="sng" algn="ctr">
+                      <a:solidFill>
+                        <a:schemeClr val="tx1"/>
+                      </a:solidFill>
+                      <a:prstDash val="solid"/>
+                      <a:round/>
+                      <a:headEnd type="none" w="med" len="med"/>
+                      <a:tailEnd type="none" w="med" len="med"/>
+                    </a:lnB>
+                    <a:lnTlToBr>
+                      <a:noFill/>
+                    </a:lnTlToBr>
+                    <a:lnBlToTr>
+                      <a:noFill/>
+                    </a:lnBlToTr>
+                    <a:noFill/>
+                  </a:tcPr>
+                </a:tc>
+                <a:extLst>
+                  <a:ext uri="{0D108BD9-81ED-4DB2-BD59-A6C34878D82A}">
+                    <a16:rowId xmlns:a16="http://schemas.microsoft.com/office/drawing/2014/main" val="10002"/>
+                  </a:ext>
+                </a:extLst>
+              </a:tr>
+              <a:tr h="309563">
+                <a:tc>
+                  <a:txBody>
+                    <a:bodyPr/>
+                    <a:lstStyle/>
+                    <a:p>
+                      <a:pPr marL="0" marR="0" lvl="0" indent="0" algn="l" defTabSz="914400" rtl="0" eaLnBrk="1" fontAlgn="base" latinLnBrk="0" hangingPunct="1">
+                        <a:lnSpc>
+                          <a:spcPct val="100000"/>
+                        </a:lnSpc>
+                        <a:spcBef>
+                          <a:spcPct val="20000"/>
+                        </a:spcBef>
+                        <a:spcAft>
+                          <a:spcPct val="0"/>
+                        </a:spcAft>
+                        <a:buClr>
+                          <a:schemeClr val="bg2"/>
+                        </a:buClr>
+                        <a:buSzPct val="75000"/>
+                        <a:buFont typeface="Wingdings" pitchFamily="2" charset="2"/>
+                        <a:buNone/>
+                        <a:tabLst/>
+                      </a:pPr>
+                      <a:r>
+                        <a:rPr kumimoji="0" lang="en-US" sz="2800" b="0" i="0" u="none" strike="noStrike" cap="none" normalizeH="0" baseline="0" dirty="0" smtClean="0">
+                          <a:ln>
+                            <a:noFill/>
+                          </a:ln>
+                          <a:solidFill>
+                            <a:schemeClr val="tx1"/>
+                          </a:solidFill>
+                          <a:effectLst/>
+                          <a:latin typeface="Arial" charset="0"/>
+                        </a:rPr>
+                        <a:t>2</a:t>
+                      </a:r>
+                      <a:endParaRPr kumimoji="0" lang="en-NZ" sz="2800" b="0" i="0" u="none" strike="noStrike" cap="none" normalizeH="0" baseline="0" dirty="0" smtClean="0">
+                        <a:ln>
+                          <a:noFill/>
+                        </a:ln>
+                        <a:solidFill>
+                          <a:schemeClr val="tx1"/>
+                        </a:solidFill>
+                        <a:effectLst/>
+                        <a:latin typeface="Arial" charset="0"/>
+                      </a:endParaRPr>
+                    </a:p>
+                  </a:txBody>
+                  <a:tcPr horzOverflow="overflow">
+                    <a:lnL w="28575" cap="flat" cmpd="sng" algn="ctr">
+                      <a:solidFill>
+                        <a:schemeClr val="tx1"/>
+                      </a:solidFill>
+                      <a:prstDash val="solid"/>
+                      <a:round/>
+                      <a:headEnd type="none" w="med" len="med"/>
+                      <a:tailEnd type="none" w="med" len="med"/>
+                    </a:lnL>
+                    <a:lnR w="12700" cap="flat" cmpd="sng" algn="ctr">
+                      <a:solidFill>
+                        <a:schemeClr val="tx1"/>
+                      </a:solidFill>
+                      <a:prstDash val="solid"/>
+                      <a:round/>
+                      <a:headEnd type="none" w="med" len="med"/>
+                      <a:tailEnd type="none" w="med" len="med"/>
+                    </a:lnR>
+                    <a:lnT w="12700" cap="flat" cmpd="sng" algn="ctr">
+                      <a:solidFill>
+                        <a:schemeClr val="tx1"/>
+                      </a:solidFill>
+                      <a:prstDash val="solid"/>
+                      <a:round/>
+                      <a:headEnd type="none" w="med" len="med"/>
+                      <a:tailEnd type="none" w="med" len="med"/>
+                    </a:lnT>
+                    <a:lnB w="28575" cap="flat" cmpd="sng" algn="ctr">
+                      <a:solidFill>
+                        <a:schemeClr val="tx1"/>
+                      </a:solidFill>
+                      <a:prstDash val="solid"/>
+                      <a:round/>
+                      <a:headEnd type="none" w="med" len="med"/>
+                      <a:tailEnd type="none" w="med" len="med"/>
+                    </a:lnB>
+                    <a:lnTlToBr>
+                      <a:noFill/>
+                    </a:lnTlToBr>
+                    <a:lnBlToTr>
+                      <a:noFill/>
+                    </a:lnBlToTr>
+                    <a:noFill/>
+                  </a:tcPr>
+                </a:tc>
+                <a:tc>
+                  <a:txBody>
+                    <a:bodyPr/>
+                    <a:lstStyle/>
+                    <a:p>
+                      <a:pPr marL="0" marR="0" lvl="0" indent="0" algn="l" defTabSz="914400" rtl="0" eaLnBrk="1" fontAlgn="base" latinLnBrk="0" hangingPunct="1">
+                        <a:lnSpc>
+                          <a:spcPct val="100000"/>
+                        </a:lnSpc>
+                        <a:spcBef>
+                          <a:spcPct val="20000"/>
+                        </a:spcBef>
+                        <a:spcAft>
+                          <a:spcPct val="0"/>
+                        </a:spcAft>
+                        <a:buClr>
+                          <a:schemeClr val="bg2"/>
+                        </a:buClr>
+                        <a:buSzPct val="75000"/>
+                        <a:buFont typeface="Wingdings" pitchFamily="2" charset="2"/>
+                        <a:buNone/>
+                        <a:tabLst/>
+                      </a:pPr>
+                      <a:r>
+                        <a:rPr kumimoji="0" lang="en-US" sz="2800" b="0" i="0" u="none" strike="noStrike" cap="none" normalizeH="0" baseline="0" dirty="0" smtClean="0">
+                          <a:ln>
+                            <a:noFill/>
+                          </a:ln>
+                          <a:solidFill>
+                            <a:schemeClr val="tx1"/>
+                          </a:solidFill>
+                          <a:effectLst/>
+                          <a:latin typeface="Arial" charset="0"/>
+                        </a:rPr>
+                        <a:t>2</a:t>
+                      </a:r>
+                      <a:endParaRPr kumimoji="0" lang="en-NZ" sz="2800" b="0" i="0" u="none" strike="noStrike" cap="none" normalizeH="0" baseline="0" dirty="0" smtClean="0">
+                        <a:ln>
+                          <a:noFill/>
+                        </a:ln>
+                        <a:solidFill>
+                          <a:schemeClr val="tx1"/>
+                        </a:solidFill>
+                        <a:effectLst/>
+                        <a:latin typeface="Arial" charset="0"/>
+                      </a:endParaRPr>
+                    </a:p>
+                  </a:txBody>
+                  <a:tcPr horzOverflow="overflow">
+                    <a:lnL w="12700" cap="flat" cmpd="sng" algn="ctr">
+                      <a:solidFill>
+                        <a:schemeClr val="tx1"/>
+                      </a:solidFill>
+                      <a:prstDash val="solid"/>
+                      <a:round/>
+                      <a:headEnd type="none" w="med" len="med"/>
+                      <a:tailEnd type="none" w="med" len="med"/>
+                    </a:lnL>
+                    <a:lnR w="12700" cap="flat" cmpd="sng" algn="ctr">
+                      <a:solidFill>
+                        <a:schemeClr val="tx1"/>
+                      </a:solidFill>
+                      <a:prstDash val="solid"/>
+                      <a:round/>
+                      <a:headEnd type="none" w="med" len="med"/>
+                      <a:tailEnd type="none" w="med" len="med"/>
+                    </a:lnR>
+                    <a:lnT w="12700" cap="flat" cmpd="sng" algn="ctr">
+                      <a:solidFill>
+                        <a:schemeClr val="tx1"/>
+                      </a:solidFill>
+                      <a:prstDash val="solid"/>
+                      <a:round/>
+                      <a:headEnd type="none" w="med" len="med"/>
+                      <a:tailEnd type="none" w="med" len="med"/>
+                    </a:lnT>
+                    <a:lnB w="28575" cap="flat" cmpd="sng" algn="ctr">
+                      <a:solidFill>
+                        <a:schemeClr val="tx1"/>
+                      </a:solidFill>
+                      <a:prstDash val="solid"/>
+                      <a:round/>
+                      <a:headEnd type="none" w="med" len="med"/>
+                      <a:tailEnd type="none" w="med" len="med"/>
+                    </a:lnB>
+                    <a:lnTlToBr>
+                      <a:noFill/>
+                    </a:lnTlToBr>
+                    <a:lnBlToTr>
+                      <a:noFill/>
+                    </a:lnBlToTr>
+                    <a:noFill/>
+                  </a:tcPr>
+                </a:tc>
+                <a:tc>
+                  <a:txBody>
+                    <a:bodyPr/>
+                    <a:lstStyle/>
+                    <a:p>
+                      <a:pPr marL="0" marR="0" lvl="0" indent="0" algn="l" defTabSz="914400" rtl="0" eaLnBrk="1" fontAlgn="base" latinLnBrk="0" hangingPunct="1">
+                        <a:lnSpc>
+                          <a:spcPct val="100000"/>
+                        </a:lnSpc>
+                        <a:spcBef>
+                          <a:spcPct val="20000"/>
+                        </a:spcBef>
+                        <a:spcAft>
+                          <a:spcPct val="0"/>
+                        </a:spcAft>
+                        <a:buClr>
+                          <a:schemeClr val="bg2"/>
+                        </a:buClr>
+                        <a:buSzPct val="75000"/>
+                        <a:buFont typeface="Wingdings" pitchFamily="2" charset="2"/>
+                        <a:buNone/>
+                        <a:tabLst/>
+                      </a:pPr>
+                      <a:r>
+                        <a:rPr kumimoji="0" lang="en-US" sz="2800" b="0" i="0" u="none" strike="noStrike" cap="none" normalizeH="0" baseline="0" dirty="0" smtClean="0">
+                          <a:ln>
+                            <a:noFill/>
+                          </a:ln>
+                          <a:solidFill>
+                            <a:schemeClr val="tx1"/>
+                          </a:solidFill>
+                          <a:effectLst/>
+                          <a:latin typeface="Arial" charset="0"/>
+                        </a:rPr>
+                        <a:t>2</a:t>
+                      </a:r>
+                      <a:endParaRPr kumimoji="0" lang="en-NZ" sz="2800" b="0" i="0" u="none" strike="noStrike" cap="none" normalizeH="0" baseline="0" dirty="0" smtClean="0">
+                        <a:ln>
+                          <a:noFill/>
+                        </a:ln>
+                        <a:solidFill>
+                          <a:schemeClr val="tx1"/>
+                        </a:solidFill>
+                        <a:effectLst/>
+                        <a:latin typeface="Arial" charset="0"/>
+                      </a:endParaRPr>
+                    </a:p>
+                  </a:txBody>
+                  <a:tcPr horzOverflow="overflow">
+                    <a:lnL w="12700" cap="flat" cmpd="sng" algn="ctr">
+                      <a:solidFill>
+                        <a:schemeClr val="tx1"/>
+                      </a:solidFill>
+                      <a:prstDash val="solid"/>
+                      <a:round/>
+                      <a:headEnd type="none" w="med" len="med"/>
+                      <a:tailEnd type="none" w="med" len="med"/>
+                    </a:lnL>
+                    <a:lnR w="12700" cap="flat" cmpd="sng" algn="ctr">
+                      <a:solidFill>
+                        <a:schemeClr val="tx1"/>
+                      </a:solidFill>
+                      <a:prstDash val="solid"/>
+                      <a:round/>
+                      <a:headEnd type="none" w="med" len="med"/>
+                      <a:tailEnd type="none" w="med" len="med"/>
+                    </a:lnR>
+                    <a:lnT w="12700" cap="flat" cmpd="sng" algn="ctr">
+                      <a:solidFill>
+                        <a:schemeClr val="tx1"/>
+                      </a:solidFill>
+                      <a:prstDash val="solid"/>
+                      <a:round/>
+                      <a:headEnd type="none" w="med" len="med"/>
+                      <a:tailEnd type="none" w="med" len="med"/>
+                    </a:lnT>
+                    <a:lnB w="28575" cap="flat" cmpd="sng" algn="ctr">
+                      <a:solidFill>
+                        <a:schemeClr val="tx1"/>
+                      </a:solidFill>
+                      <a:prstDash val="solid"/>
+                      <a:round/>
+                      <a:headEnd type="none" w="med" len="med"/>
+                      <a:tailEnd type="none" w="med" len="med"/>
+                    </a:lnB>
+                    <a:lnTlToBr>
+                      <a:noFill/>
+                    </a:lnTlToBr>
+                    <a:lnBlToTr>
+                      <a:noFill/>
+                    </a:lnBlToTr>
+                    <a:noFill/>
+                  </a:tcPr>
+                </a:tc>
+                <a:tc>
+                  <a:txBody>
+                    <a:bodyPr/>
+                    <a:lstStyle/>
+                    <a:p>
+                      <a:pPr marL="0" marR="0" lvl="0" indent="0" algn="l" defTabSz="914400" rtl="0" eaLnBrk="1" fontAlgn="base" latinLnBrk="0" hangingPunct="1">
+                        <a:lnSpc>
+                          <a:spcPct val="100000"/>
+                        </a:lnSpc>
+                        <a:spcBef>
+                          <a:spcPct val="20000"/>
+                        </a:spcBef>
+                        <a:spcAft>
+                          <a:spcPct val="0"/>
+                        </a:spcAft>
+                        <a:buClr>
+                          <a:schemeClr val="bg2"/>
+                        </a:buClr>
+                        <a:buSzPct val="75000"/>
+                        <a:buFont typeface="Wingdings" pitchFamily="2" charset="2"/>
+                        <a:buNone/>
+                        <a:tabLst/>
+                      </a:pPr>
+                      <a:r>
+                        <a:rPr kumimoji="0" lang="en-US" sz="2800" b="0" i="0" u="none" strike="noStrike" cap="none" normalizeH="0" baseline="0" dirty="0" smtClean="0">
+                          <a:ln>
+                            <a:noFill/>
+                          </a:ln>
+                          <a:solidFill>
+                            <a:schemeClr val="tx1"/>
+                          </a:solidFill>
+                          <a:effectLst/>
+                          <a:latin typeface="Arial" charset="0"/>
+                        </a:rPr>
+                        <a:t>2</a:t>
+                      </a:r>
+                      <a:endParaRPr kumimoji="0" lang="en-NZ" sz="2800" b="0" i="0" u="none" strike="noStrike" cap="none" normalizeH="0" baseline="0" dirty="0" smtClean="0">
+                        <a:ln>
+                          <a:noFill/>
+                        </a:ln>
+                        <a:solidFill>
+                          <a:schemeClr val="tx1"/>
+                        </a:solidFill>
+                        <a:effectLst/>
+                        <a:latin typeface="Arial" charset="0"/>
+                      </a:endParaRPr>
+                    </a:p>
+                  </a:txBody>
+                  <a:tcPr horzOverflow="overflow">
+                    <a:lnL w="12700" cap="flat" cmpd="sng" algn="ctr">
+                      <a:solidFill>
+                        <a:schemeClr val="tx1"/>
+                      </a:solidFill>
+                      <a:prstDash val="solid"/>
+                      <a:round/>
+                      <a:headEnd type="none" w="med" len="med"/>
+                      <a:tailEnd type="none" w="med" len="med"/>
+                    </a:lnL>
+                    <a:lnR w="28575" cap="flat" cmpd="sng" algn="ctr">
+                      <a:solidFill>
+                        <a:schemeClr val="tx1"/>
+                      </a:solidFill>
+                      <a:prstDash val="solid"/>
+                      <a:round/>
+                      <a:headEnd type="none" w="med" len="med"/>
+                      <a:tailEnd type="none" w="med" len="med"/>
+                    </a:lnR>
+                    <a:lnT w="12700" cap="flat" cmpd="sng" algn="ctr">
+                      <a:solidFill>
+                        <a:schemeClr val="tx1"/>
+                      </a:solidFill>
+                      <a:prstDash val="solid"/>
+                      <a:round/>
+                      <a:headEnd type="none" w="med" len="med"/>
+                      <a:tailEnd type="none" w="med" len="med"/>
+                    </a:lnT>
+                    <a:lnB w="28575" cap="flat" cmpd="sng" algn="ctr">
+                      <a:solidFill>
+                        <a:schemeClr val="tx1"/>
+                      </a:solidFill>
+                      <a:prstDash val="solid"/>
+                      <a:round/>
+                      <a:headEnd type="none" w="med" len="med"/>
+                      <a:tailEnd type="none" w="med" len="med"/>
+                    </a:lnB>
+                    <a:lnTlToBr>
+                      <a:noFill/>
+                    </a:lnTlToBr>
+                    <a:lnBlToTr>
+                      <a:noFill/>
+                    </a:lnBlToTr>
+                    <a:noFill/>
+                  </a:tcPr>
+                </a:tc>
+                <a:extLst>
+                  <a:ext uri="{0D108BD9-81ED-4DB2-BD59-A6C34878D82A}">
+                    <a16:rowId xmlns:a16="http://schemas.microsoft.com/office/drawing/2014/main" val="10003"/>
+                  </a:ext>
+                </a:extLst>
+              </a:tr>
+            </a:tbl>
+          </a:graphicData>
+        </a:graphic>
+      </p:graphicFrame>
+      <p:pic>
+        <p:nvPicPr>
+          <p:cNvPr id="5" name="Picture 4"/>
+          <p:cNvPicPr>
+            <a:picLocks noChangeAspect="1"/>
+          </p:cNvPicPr>
+          <p:nvPr/>
+        </p:nvPicPr>
+        <p:blipFill>
+          <a:blip r:embed="rId3">
+            <a:extLst>
+              <a:ext uri="{28A0092B-C50C-407E-A947-70E740481C1C}">
+                <a14:useLocalDpi xmlns:a14="http://schemas.microsoft.com/office/drawing/2010/main" val="0"/>
+              </a:ext>
+            </a:extLst>
+          </a:blip>
+          <a:stretch>
+            <a:fillRect/>
+          </a:stretch>
+        </p:blipFill>
+        <p:spPr>
+          <a:xfrm>
+            <a:off x="2209800" y="3200400"/>
+            <a:ext cx="304800" cy="304800"/>
+          </a:xfrm>
+          <a:prstGeom prst="rect">
+            <a:avLst/>
+          </a:prstGeom>
+        </p:spPr>
+      </p:pic>
+      <p:pic>
+        <p:nvPicPr>
+          <p:cNvPr id="6" name="Picture 5"/>
+          <p:cNvPicPr>
+            <a:picLocks noChangeAspect="1"/>
+          </p:cNvPicPr>
+          <p:nvPr/>
+        </p:nvPicPr>
+        <p:blipFill>
+          <a:blip r:embed="rId4">
+            <a:extLst>
+              <a:ext uri="{28A0092B-C50C-407E-A947-70E740481C1C}">
+                <a14:useLocalDpi xmlns:a14="http://schemas.microsoft.com/office/drawing/2010/main" val="0"/>
+              </a:ext>
+            </a:extLst>
+          </a:blip>
+          <a:stretch>
+            <a:fillRect/>
+          </a:stretch>
+        </p:blipFill>
+        <p:spPr>
+          <a:xfrm>
+            <a:off x="2209800" y="3790140"/>
+            <a:ext cx="304800" cy="304800"/>
+          </a:xfrm>
+          <a:prstGeom prst="rect">
+            <a:avLst/>
+          </a:prstGeom>
+        </p:spPr>
+      </p:pic>
+      <p:pic>
+        <p:nvPicPr>
+          <p:cNvPr id="7" name="Picture 6"/>
+          <p:cNvPicPr>
+            <a:picLocks noChangeAspect="1"/>
+          </p:cNvPicPr>
+          <p:nvPr/>
+        </p:nvPicPr>
+        <p:blipFill>
+          <a:blip r:embed="rId5">
+            <a:extLst>
+              <a:ext uri="{28A0092B-C50C-407E-A947-70E740481C1C}">
+                <a14:useLocalDpi xmlns:a14="http://schemas.microsoft.com/office/drawing/2010/main" val="0"/>
+              </a:ext>
+            </a:extLst>
+          </a:blip>
+          <a:stretch>
+            <a:fillRect/>
+          </a:stretch>
+        </p:blipFill>
+        <p:spPr>
+          <a:xfrm>
+            <a:off x="2209800" y="4379880"/>
+            <a:ext cx="304800" cy="304800"/>
+          </a:xfrm>
+          <a:prstGeom prst="rect">
+            <a:avLst/>
+          </a:prstGeom>
+        </p:spPr>
+      </p:pic>
+      <p:grpSp>
+        <p:nvGrpSpPr>
+          <p:cNvPr id="40" name="Group 39"/>
+          <p:cNvGrpSpPr/>
+          <p:nvPr/>
+        </p:nvGrpSpPr>
+        <p:grpSpPr>
+          <a:xfrm>
+            <a:off x="5654675" y="3202983"/>
+            <a:ext cx="1219200" cy="1219200"/>
+            <a:chOff x="4777757" y="2981445"/>
+            <a:chExt cx="1219200" cy="1219200"/>
+          </a:xfrm>
+        </p:grpSpPr>
+        <p:pic>
+          <p:nvPicPr>
+            <p:cNvPr id="8" name="Picture 7"/>
+            <p:cNvPicPr>
+              <a:picLocks noChangeAspect="1"/>
+            </p:cNvPicPr>
+            <p:nvPr/>
+          </p:nvPicPr>
+          <p:blipFill>
+            <a:blip r:embed="rId3">
+              <a:extLst>
+                <a:ext uri="{28A0092B-C50C-407E-A947-70E740481C1C}">
+                  <a14:useLocalDpi xmlns:a14="http://schemas.microsoft.com/office/drawing/2010/main" val="0"/>
+                </a:ext>
+              </a:extLst>
+            </a:blip>
+            <a:stretch>
+              <a:fillRect/>
+            </a:stretch>
+          </p:blipFill>
+          <p:spPr>
+            <a:xfrm>
+              <a:off x="4777757" y="2981445"/>
+              <a:ext cx="304800" cy="304800"/>
+            </a:xfrm>
+            <a:prstGeom prst="rect">
+              <a:avLst/>
+            </a:prstGeom>
+          </p:spPr>
+        </p:pic>
+        <p:pic>
+          <p:nvPicPr>
+            <p:cNvPr id="9" name="Picture 8"/>
+            <p:cNvPicPr>
+              <a:picLocks noChangeAspect="1"/>
+            </p:cNvPicPr>
+            <p:nvPr/>
+          </p:nvPicPr>
+          <p:blipFill>
+            <a:blip r:embed="rId3">
+              <a:extLst>
+                <a:ext uri="{28A0092B-C50C-407E-A947-70E740481C1C}">
+                  <a14:useLocalDpi xmlns:a14="http://schemas.microsoft.com/office/drawing/2010/main" val="0"/>
+                </a:ext>
+              </a:extLst>
+            </a:blip>
+            <a:stretch>
+              <a:fillRect/>
+            </a:stretch>
+          </p:blipFill>
+          <p:spPr>
+            <a:xfrm>
+              <a:off x="5082557" y="2981445"/>
+              <a:ext cx="304800" cy="304800"/>
+            </a:xfrm>
+            <a:prstGeom prst="rect">
+              <a:avLst/>
+            </a:prstGeom>
+          </p:spPr>
+        </p:pic>
+        <p:pic>
+          <p:nvPicPr>
+            <p:cNvPr id="25" name="Picture 24"/>
+            <p:cNvPicPr>
+              <a:picLocks noChangeAspect="1"/>
+            </p:cNvPicPr>
+            <p:nvPr/>
+          </p:nvPicPr>
+          <p:blipFill>
+            <a:blip r:embed="rId3">
+              <a:extLst>
+                <a:ext uri="{28A0092B-C50C-407E-A947-70E740481C1C}">
+                  <a14:useLocalDpi xmlns:a14="http://schemas.microsoft.com/office/drawing/2010/main" val="0"/>
+                </a:ext>
+              </a:extLst>
+            </a:blip>
+            <a:stretch>
+              <a:fillRect/>
+            </a:stretch>
+          </p:blipFill>
+          <p:spPr>
+            <a:xfrm>
+              <a:off x="4777757" y="3286245"/>
+              <a:ext cx="304800" cy="304800"/>
+            </a:xfrm>
+            <a:prstGeom prst="rect">
+              <a:avLst/>
+            </a:prstGeom>
+          </p:spPr>
+        </p:pic>
+        <p:pic>
+          <p:nvPicPr>
+            <p:cNvPr id="26" name="Picture 25"/>
+            <p:cNvPicPr>
+              <a:picLocks noChangeAspect="1"/>
+            </p:cNvPicPr>
+            <p:nvPr/>
+          </p:nvPicPr>
+          <p:blipFill>
+            <a:blip r:embed="rId3">
+              <a:extLst>
+                <a:ext uri="{28A0092B-C50C-407E-A947-70E740481C1C}">
+                  <a14:useLocalDpi xmlns:a14="http://schemas.microsoft.com/office/drawing/2010/main" val="0"/>
+                </a:ext>
+              </a:extLst>
+            </a:blip>
+            <a:stretch>
+              <a:fillRect/>
+            </a:stretch>
+          </p:blipFill>
+          <p:spPr>
+            <a:xfrm>
+              <a:off x="5082557" y="3286245"/>
+              <a:ext cx="304800" cy="304800"/>
+            </a:xfrm>
+            <a:prstGeom prst="rect">
+              <a:avLst/>
+            </a:prstGeom>
+          </p:spPr>
+        </p:pic>
+        <p:pic>
+          <p:nvPicPr>
+            <p:cNvPr id="27" name="Picture 26"/>
+            <p:cNvPicPr>
+              <a:picLocks noChangeAspect="1"/>
+            </p:cNvPicPr>
+            <p:nvPr/>
+          </p:nvPicPr>
+          <p:blipFill>
+            <a:blip r:embed="rId3">
+              <a:extLst>
+                <a:ext uri="{28A0092B-C50C-407E-A947-70E740481C1C}">
+                  <a14:useLocalDpi xmlns:a14="http://schemas.microsoft.com/office/drawing/2010/main" val="0"/>
+                </a:ext>
+              </a:extLst>
+            </a:blip>
+            <a:stretch>
+              <a:fillRect/>
+            </a:stretch>
+          </p:blipFill>
+          <p:spPr>
+            <a:xfrm>
+              <a:off x="4777757" y="3591045"/>
+              <a:ext cx="304800" cy="304800"/>
+            </a:xfrm>
+            <a:prstGeom prst="rect">
+              <a:avLst/>
+            </a:prstGeom>
+          </p:spPr>
+        </p:pic>
+        <p:pic>
+          <p:nvPicPr>
+            <p:cNvPr id="28" name="Picture 27"/>
+            <p:cNvPicPr>
+              <a:picLocks noChangeAspect="1"/>
+            </p:cNvPicPr>
+            <p:nvPr/>
+          </p:nvPicPr>
+          <p:blipFill>
+            <a:blip r:embed="rId3">
+              <a:extLst>
+                <a:ext uri="{28A0092B-C50C-407E-A947-70E740481C1C}">
+                  <a14:useLocalDpi xmlns:a14="http://schemas.microsoft.com/office/drawing/2010/main" val="0"/>
+                </a:ext>
+              </a:extLst>
+            </a:blip>
+            <a:stretch>
+              <a:fillRect/>
+            </a:stretch>
+          </p:blipFill>
+          <p:spPr>
+            <a:xfrm>
+              <a:off x="5082557" y="3591045"/>
+              <a:ext cx="304800" cy="304800"/>
+            </a:xfrm>
+            <a:prstGeom prst="rect">
+              <a:avLst/>
+            </a:prstGeom>
+          </p:spPr>
+        </p:pic>
+        <p:pic>
+          <p:nvPicPr>
+            <p:cNvPr id="29" name="Picture 28"/>
+            <p:cNvPicPr>
+              <a:picLocks noChangeAspect="1"/>
+            </p:cNvPicPr>
+            <p:nvPr/>
+          </p:nvPicPr>
+          <p:blipFill>
+            <a:blip r:embed="rId3">
+              <a:extLst>
+                <a:ext uri="{28A0092B-C50C-407E-A947-70E740481C1C}">
+                  <a14:useLocalDpi xmlns:a14="http://schemas.microsoft.com/office/drawing/2010/main" val="0"/>
+                </a:ext>
+              </a:extLst>
+            </a:blip>
+            <a:stretch>
+              <a:fillRect/>
+            </a:stretch>
+          </p:blipFill>
+          <p:spPr>
+            <a:xfrm>
+              <a:off x="5387357" y="3591045"/>
+              <a:ext cx="304800" cy="304800"/>
+            </a:xfrm>
+            <a:prstGeom prst="rect">
+              <a:avLst/>
+            </a:prstGeom>
+          </p:spPr>
+        </p:pic>
+        <p:pic>
+          <p:nvPicPr>
+            <p:cNvPr id="30" name="Picture 29"/>
+            <p:cNvPicPr>
+              <a:picLocks noChangeAspect="1"/>
+            </p:cNvPicPr>
+            <p:nvPr/>
+          </p:nvPicPr>
+          <p:blipFill>
+            <a:blip r:embed="rId3">
+              <a:extLst>
+                <a:ext uri="{28A0092B-C50C-407E-A947-70E740481C1C}">
+                  <a14:useLocalDpi xmlns:a14="http://schemas.microsoft.com/office/drawing/2010/main" val="0"/>
+                </a:ext>
+              </a:extLst>
+            </a:blip>
+            <a:stretch>
+              <a:fillRect/>
+            </a:stretch>
+          </p:blipFill>
+          <p:spPr>
+            <a:xfrm>
+              <a:off x="5692157" y="3591045"/>
+              <a:ext cx="304800" cy="304800"/>
+            </a:xfrm>
+            <a:prstGeom prst="rect">
+              <a:avLst/>
+            </a:prstGeom>
+          </p:spPr>
+        </p:pic>
+        <p:pic>
+          <p:nvPicPr>
+            <p:cNvPr id="31" name="Picture 30"/>
+            <p:cNvPicPr>
+              <a:picLocks noChangeAspect="1"/>
+            </p:cNvPicPr>
+            <p:nvPr/>
+          </p:nvPicPr>
+          <p:blipFill>
+            <a:blip r:embed="rId5">
+              <a:extLst>
+                <a:ext uri="{28A0092B-C50C-407E-A947-70E740481C1C}">
+                  <a14:useLocalDpi xmlns:a14="http://schemas.microsoft.com/office/drawing/2010/main" val="0"/>
+                </a:ext>
+              </a:extLst>
+            </a:blip>
+            <a:stretch>
+              <a:fillRect/>
+            </a:stretch>
+          </p:blipFill>
+          <p:spPr>
+            <a:xfrm>
+              <a:off x="4777757" y="3895845"/>
+              <a:ext cx="304800" cy="304800"/>
+            </a:xfrm>
+            <a:prstGeom prst="rect">
+              <a:avLst/>
+            </a:prstGeom>
+          </p:spPr>
+        </p:pic>
+        <p:pic>
+          <p:nvPicPr>
+            <p:cNvPr id="32" name="Picture 31"/>
+            <p:cNvPicPr>
+              <a:picLocks noChangeAspect="1"/>
+            </p:cNvPicPr>
+            <p:nvPr/>
+          </p:nvPicPr>
+          <p:blipFill>
+            <a:blip r:embed="rId5">
+              <a:extLst>
+                <a:ext uri="{28A0092B-C50C-407E-A947-70E740481C1C}">
+                  <a14:useLocalDpi xmlns:a14="http://schemas.microsoft.com/office/drawing/2010/main" val="0"/>
+                </a:ext>
+              </a:extLst>
+            </a:blip>
+            <a:stretch>
+              <a:fillRect/>
+            </a:stretch>
+          </p:blipFill>
+          <p:spPr>
+            <a:xfrm>
+              <a:off x="5082557" y="3895845"/>
+              <a:ext cx="304800" cy="304800"/>
+            </a:xfrm>
+            <a:prstGeom prst="rect">
+              <a:avLst/>
+            </a:prstGeom>
+          </p:spPr>
+        </p:pic>
+        <p:pic>
+          <p:nvPicPr>
+            <p:cNvPr id="33" name="Picture 32"/>
+            <p:cNvPicPr>
+              <a:picLocks noChangeAspect="1"/>
+            </p:cNvPicPr>
+            <p:nvPr/>
+          </p:nvPicPr>
+          <p:blipFill>
+            <a:blip r:embed="rId5">
+              <a:extLst>
+                <a:ext uri="{28A0092B-C50C-407E-A947-70E740481C1C}">
+                  <a14:useLocalDpi xmlns:a14="http://schemas.microsoft.com/office/drawing/2010/main" val="0"/>
+                </a:ext>
+              </a:extLst>
+            </a:blip>
+            <a:stretch>
+              <a:fillRect/>
+            </a:stretch>
+          </p:blipFill>
+          <p:spPr>
+            <a:xfrm>
+              <a:off x="5387357" y="3895845"/>
+              <a:ext cx="304800" cy="304800"/>
+            </a:xfrm>
+            <a:prstGeom prst="rect">
+              <a:avLst/>
+            </a:prstGeom>
+          </p:spPr>
+        </p:pic>
+        <p:pic>
+          <p:nvPicPr>
+            <p:cNvPr id="34" name="Picture 33"/>
+            <p:cNvPicPr>
+              <a:picLocks noChangeAspect="1"/>
+            </p:cNvPicPr>
+            <p:nvPr/>
+          </p:nvPicPr>
+          <p:blipFill>
+            <a:blip r:embed="rId5">
+              <a:extLst>
+                <a:ext uri="{28A0092B-C50C-407E-A947-70E740481C1C}">
+                  <a14:useLocalDpi xmlns:a14="http://schemas.microsoft.com/office/drawing/2010/main" val="0"/>
+                </a:ext>
+              </a:extLst>
+            </a:blip>
+            <a:stretch>
+              <a:fillRect/>
+            </a:stretch>
+          </p:blipFill>
+          <p:spPr>
+            <a:xfrm>
+              <a:off x="5692157" y="3895845"/>
+              <a:ext cx="304800" cy="304800"/>
+            </a:xfrm>
+            <a:prstGeom prst="rect">
+              <a:avLst/>
+            </a:prstGeom>
+          </p:spPr>
+        </p:pic>
+        <p:pic>
+          <p:nvPicPr>
+            <p:cNvPr id="36" name="Picture 35"/>
+            <p:cNvPicPr>
+              <a:picLocks noChangeAspect="1"/>
+            </p:cNvPicPr>
+            <p:nvPr/>
+          </p:nvPicPr>
+          <p:blipFill>
+            <a:blip r:embed="rId4">
+              <a:extLst>
+                <a:ext uri="{28A0092B-C50C-407E-A947-70E740481C1C}">
+                  <a14:useLocalDpi xmlns:a14="http://schemas.microsoft.com/office/drawing/2010/main" val="0"/>
+                </a:ext>
+              </a:extLst>
+            </a:blip>
+            <a:stretch>
+              <a:fillRect/>
+            </a:stretch>
+          </p:blipFill>
+          <p:spPr>
+            <a:xfrm>
+              <a:off x="5387357" y="3286245"/>
+              <a:ext cx="304800" cy="304800"/>
+            </a:xfrm>
+            <a:prstGeom prst="rect">
+              <a:avLst/>
+            </a:prstGeom>
+          </p:spPr>
+        </p:pic>
+        <p:pic>
+          <p:nvPicPr>
+            <p:cNvPr id="37" name="Picture 36"/>
+            <p:cNvPicPr>
+              <a:picLocks noChangeAspect="1"/>
+            </p:cNvPicPr>
+            <p:nvPr/>
+          </p:nvPicPr>
+          <p:blipFill>
+            <a:blip r:embed="rId4">
+              <a:extLst>
+                <a:ext uri="{28A0092B-C50C-407E-A947-70E740481C1C}">
+                  <a14:useLocalDpi xmlns:a14="http://schemas.microsoft.com/office/drawing/2010/main" val="0"/>
+                </a:ext>
+              </a:extLst>
+            </a:blip>
+            <a:stretch>
+              <a:fillRect/>
+            </a:stretch>
+          </p:blipFill>
+          <p:spPr>
+            <a:xfrm>
+              <a:off x="5387357" y="2981445"/>
+              <a:ext cx="304800" cy="304800"/>
+            </a:xfrm>
+            <a:prstGeom prst="rect">
+              <a:avLst/>
+            </a:prstGeom>
+          </p:spPr>
+        </p:pic>
+        <p:pic>
+          <p:nvPicPr>
+            <p:cNvPr id="38" name="Picture 37"/>
+            <p:cNvPicPr>
+              <a:picLocks noChangeAspect="1"/>
+            </p:cNvPicPr>
+            <p:nvPr/>
+          </p:nvPicPr>
+          <p:blipFill>
+            <a:blip r:embed="rId4">
+              <a:extLst>
+                <a:ext uri="{28A0092B-C50C-407E-A947-70E740481C1C}">
+                  <a14:useLocalDpi xmlns:a14="http://schemas.microsoft.com/office/drawing/2010/main" val="0"/>
+                </a:ext>
+              </a:extLst>
+            </a:blip>
+            <a:stretch>
+              <a:fillRect/>
+            </a:stretch>
+          </p:blipFill>
+          <p:spPr>
+            <a:xfrm>
+              <a:off x="5692157" y="3286245"/>
+              <a:ext cx="304800" cy="304800"/>
+            </a:xfrm>
+            <a:prstGeom prst="rect">
+              <a:avLst/>
+            </a:prstGeom>
+          </p:spPr>
+        </p:pic>
+        <p:pic>
+          <p:nvPicPr>
+            <p:cNvPr id="39" name="Picture 38"/>
+            <p:cNvPicPr>
+              <a:picLocks noChangeAspect="1"/>
+            </p:cNvPicPr>
+            <p:nvPr/>
+          </p:nvPicPr>
+          <p:blipFill>
+            <a:blip r:embed="rId3">
+              <a:extLst>
+                <a:ext uri="{28A0092B-C50C-407E-A947-70E740481C1C}">
+                  <a14:useLocalDpi xmlns:a14="http://schemas.microsoft.com/office/drawing/2010/main" val="0"/>
+                </a:ext>
+              </a:extLst>
+            </a:blip>
+            <a:stretch>
+              <a:fillRect/>
+            </a:stretch>
+          </p:blipFill>
+          <p:spPr>
+            <a:xfrm>
+              <a:off x="5692157" y="2981445"/>
+              <a:ext cx="304800" cy="304800"/>
+            </a:xfrm>
+            <a:prstGeom prst="rect">
+              <a:avLst/>
+            </a:prstGeom>
+          </p:spPr>
+        </p:pic>
+      </p:grpSp>
+    </p:spTree>
+    <p:extLst>
+      <p:ext uri="{BB962C8B-B14F-4D97-AF65-F5344CB8AC3E}">
+        <p14:creationId xmlns:p14="http://schemas.microsoft.com/office/powerpoint/2010/main" val="583268738"/>
+      </p:ext>
+    </p:extLst>
+  </p:cSld>
+  <p:clrMapOvr>
+    <a:masterClrMapping/>
+  </p:clrMapOvr>
+  <p:timing>
+    <p:tnLst>
+      <p:par>
+        <p:cTn id="1" dur="indefinite" restart="never" nodeType="tmRoot">
+          <p:childTnLst>
+            <p:seq concurrent="1" nextAc="seek">
+              <p:cTn id="2" dur="indefinite" nodeType="mainSeq">
+                <p:childTnLst>
+                  <p:par>
+                    <p:cTn id="3" fill="hold">
+                      <p:stCondLst>
+                        <p:cond delay="indefinite"/>
+                      </p:stCondLst>
+                      <p:childTnLst>
+                        <p:par>
+                          <p:cTn id="4" fill="hold">
+                            <p:stCondLst>
+                              <p:cond delay="0"/>
+                            </p:stCondLst>
+                            <p:childTnLst>
+                              <p:par>
+                                <p:cTn id="5" presetID="1" presetClass="entr" presetSubtype="0" fill="hold" nodeType="clickEffect">
+                                  <p:stCondLst>
+                                    <p:cond delay="0"/>
+                                  </p:stCondLst>
+                                  <p:childTnLst>
+                                    <p:set>
+                                      <p:cBhvr>
+                                        <p:cTn id="6" dur="1" fill="hold">
+                                          <p:stCondLst>
+                                            <p:cond delay="0"/>
+                                          </p:stCondLst>
+                                        </p:cTn>
+                                        <p:tgtEl>
+                                          <p:spTgt spid="4"/>
+                                        </p:tgtEl>
+                                        <p:attrNameLst>
+                                          <p:attrName>style.visibility</p:attrName>
+                                        </p:attrNameLst>
+                                      </p:cBhvr>
+                                      <p:to>
+                                        <p:strVal val="visible"/>
+                                      </p:to>
+                                    </p:set>
+                                  </p:childTnLst>
+                                </p:cTn>
+                              </p:par>
+                            </p:childTnLst>
+                          </p:cTn>
+                        </p:par>
+                      </p:childTnLst>
+                    </p:cTn>
+                  </p:par>
+                </p:childTnLst>
+              </p:cTn>
+              <p:prevCondLst>
+                <p:cond evt="onPrev" delay="0">
+                  <p:tgtEl>
+                    <p:sldTgt/>
+                  </p:tgtEl>
+                </p:cond>
+              </p:prevCondLst>
+              <p:nextCondLst>
+                <p:cond evt="onNext" delay="0">
+                  <p:tgtEl>
+                    <p:sldTgt/>
+                  </p:tgtEl>
+                </p:cond>
+              </p:nextCondLst>
+            </p:seq>
+          </p:childTnLst>
+        </p:cTn>
+      </p:par>
+    </p:tnLst>
+  </p:timing>
+</p:sld>
+</file>
+
+<file path=ppt/slides/slide6.xml><?xml version="1.0" encoding="utf-8"?>
+<p:sld xmlns:a="http://schemas.openxmlformats.org/drawingml/2006/main" xmlns:r="http://schemas.openxmlformats.org/officeDocument/2006/relationships" xmlns:p="http://schemas.openxmlformats.org/presentationml/2006/main">
+  <p:cSld>
+    <p:bg>
+      <p:bgPr>
+        <a:solidFill>
+          <a:schemeClr val="accent5">
+            <a:lumMod val="60000"/>
+            <a:lumOff val="40000"/>
+          </a:schemeClr>
+        </a:solidFill>
+        <a:effectLst/>
+      </p:bgPr>
+    </p:bg>
+    <p:spTree>
+      <p:nvGrpSpPr>
+        <p:cNvPr id="1" name=""/>
+        <p:cNvGrpSpPr/>
+        <p:nvPr/>
+      </p:nvGrpSpPr>
+      <p:grpSpPr>
+        <a:xfrm>
+          <a:off x="0" y="0"/>
+          <a:ext cx="0" cy="0"/>
+          <a:chOff x="0" y="0"/>
+          <a:chExt cx="0" cy="0"/>
+        </a:xfrm>
+      </p:grpSpPr>
+      <p:sp>
+        <p:nvSpPr>
+          <p:cNvPr id="3" name="Rectangle 2"/>
+          <p:cNvSpPr/>
+          <p:nvPr/>
+        </p:nvSpPr>
+        <p:spPr>
+          <a:xfrm>
+            <a:off x="0" y="0"/>
+            <a:ext cx="9144000" cy="1246495"/>
+          </a:xfrm>
+          <a:prstGeom prst="rect">
+            <a:avLst/>
+          </a:prstGeom>
+        </p:spPr>
+        <p:txBody>
+          <a:bodyPr wrap="square">
+            <a:spAutoFit/>
+          </a:bodyPr>
+          <a:lstStyle/>
+          <a:p>
+            <a:pPr algn="ctr"/>
+            <a:endParaRPr lang="en-US" sz="4000" b="1" dirty="0"/>
+          </a:p>
+          <a:p>
+            <a:pPr lvl="1"/>
+            <a:r>
+              <a:rPr lang="en-US" sz="3500" b="1" dirty="0" smtClean="0"/>
+              <a:t>Tile class</a:t>
+            </a:r>
+          </a:p>
+        </p:txBody>
+      </p:sp>
+      <p:pic>
+        <p:nvPicPr>
+          <p:cNvPr id="2" name="Picture 1"/>
+          <p:cNvPicPr>
+            <a:picLocks noChangeAspect="1"/>
+          </p:cNvPicPr>
+          <p:nvPr/>
+        </p:nvPicPr>
+        <p:blipFill>
+          <a:blip r:embed="rId3">
+            <a:extLst>
+              <a:ext uri="{28A0092B-C50C-407E-A947-70E740481C1C}">
+                <a14:useLocalDpi xmlns:a14="http://schemas.microsoft.com/office/drawing/2010/main" val="0"/>
+              </a:ext>
+            </a:extLst>
+          </a:blip>
+          <a:stretch>
+            <a:fillRect/>
+          </a:stretch>
+        </p:blipFill>
+        <p:spPr>
+          <a:xfrm>
+            <a:off x="1716434" y="1676400"/>
+            <a:ext cx="5711131" cy="3071812"/>
+          </a:xfrm>
+          <a:prstGeom prst="rect">
+            <a:avLst/>
+          </a:prstGeom>
+        </p:spPr>
+      </p:pic>
+    </p:spTree>
+    <p:extLst>
+      <p:ext uri="{BB962C8B-B14F-4D97-AF65-F5344CB8AC3E}">
+        <p14:creationId xmlns:p14="http://schemas.microsoft.com/office/powerpoint/2010/main" val="2232321456"/>
+      </p:ext>
+    </p:extLst>
+  </p:cSld>
+  <p:clrMapOvr>
+    <a:masterClrMapping/>
+  </p:clrMapOvr>
+  <p:timing>
+    <p:tnLst>
+      <p:par>
+        <p:cTn id="1" dur="indefinite" restart="never" nodeType="tmRoot"/>
+      </p:par>
+    </p:tnLst>
+  </p:timing>
+</p:sld>
+</file>
+
+<file path=ppt/slides/slide7.xml><?xml version="1.0" encoding="utf-8"?>
+<p:sld xmlns:a="http://schemas.openxmlformats.org/drawingml/2006/main" xmlns:r="http://schemas.openxmlformats.org/officeDocument/2006/relationships" xmlns:p="http://schemas.openxmlformats.org/presentationml/2006/main">
+  <p:cSld>
+    <p:bg>
+      <p:bgPr>
+        <a:solidFill>
+          <a:schemeClr val="accent5">
+            <a:lumMod val="60000"/>
+            <a:lumOff val="40000"/>
+          </a:schemeClr>
+        </a:solidFill>
+        <a:effectLst/>
+      </p:bgPr>
+    </p:bg>
+    <p:spTree>
+      <p:nvGrpSpPr>
+        <p:cNvPr id="1" name=""/>
+        <p:cNvGrpSpPr/>
+        <p:nvPr/>
+      </p:nvGrpSpPr>
+      <p:grpSpPr>
+        <a:xfrm>
+          <a:off x="0" y="0"/>
+          <a:ext cx="0" cy="0"/>
+          <a:chOff x="0" y="0"/>
+          <a:chExt cx="0" cy="0"/>
+        </a:xfrm>
+      </p:grpSpPr>
+      <p:sp>
+        <p:nvSpPr>
+          <p:cNvPr id="3" name="Rectangle 2"/>
+          <p:cNvSpPr/>
+          <p:nvPr/>
+        </p:nvSpPr>
+        <p:spPr>
+          <a:xfrm>
+            <a:off x="0" y="0"/>
+            <a:ext cx="9144000" cy="1246495"/>
+          </a:xfrm>
+          <a:prstGeom prst="rect">
+            <a:avLst/>
+          </a:prstGeom>
+        </p:spPr>
+        <p:txBody>
+          <a:bodyPr wrap="square">
+            <a:spAutoFit/>
+          </a:bodyPr>
+          <a:lstStyle/>
+          <a:p>
+            <a:pPr algn="ctr"/>
+            <a:endParaRPr lang="en-US" sz="4000" b="1" dirty="0"/>
+          </a:p>
+          <a:p>
+            <a:pPr lvl="1"/>
+            <a:r>
+              <a:rPr lang="en-US" sz="3500" b="1" dirty="0" smtClean="0"/>
+              <a:t>Task 1 – random map</a:t>
+            </a:r>
+            <a:endParaRPr lang="en-US" sz="3500" b="1" dirty="0"/>
+          </a:p>
+        </p:txBody>
+      </p:sp>
+      <p:pic>
+        <p:nvPicPr>
+          <p:cNvPr id="2" name="Picture 1"/>
+          <p:cNvPicPr>
+            <a:picLocks noChangeAspect="1"/>
+          </p:cNvPicPr>
+          <p:nvPr/>
+        </p:nvPicPr>
+        <p:blipFill>
+          <a:blip r:embed="rId3">
+            <a:extLst>
+              <a:ext uri="{28A0092B-C50C-407E-A947-70E740481C1C}">
+                <a14:useLocalDpi xmlns:a14="http://schemas.microsoft.com/office/drawing/2010/main" val="0"/>
+              </a:ext>
+            </a:extLst>
+          </a:blip>
+          <a:stretch>
+            <a:fillRect/>
+          </a:stretch>
+        </p:blipFill>
+        <p:spPr>
+          <a:xfrm>
+            <a:off x="1343386" y="1828800"/>
+            <a:ext cx="6457227" cy="4697963"/>
+          </a:xfrm>
+          <a:prstGeom prst="rect">
+            <a:avLst/>
+          </a:prstGeom>
+        </p:spPr>
+      </p:pic>
+    </p:spTree>
+    <p:extLst>
+      <p:ext uri="{BB962C8B-B14F-4D97-AF65-F5344CB8AC3E}">
+        <p14:creationId xmlns:p14="http://schemas.microsoft.com/office/powerpoint/2010/main" val="2559365660"/>
+      </p:ext>
+    </p:extLst>
+  </p:cSld>
+  <p:clrMapOvr>
+    <a:masterClrMapping/>
+  </p:clrMapOvr>
+  <p:timing>
+    <p:tnLst>
+      <p:par>
+        <p:cTn id="1" dur="indefinite" restart="never" nodeType="tmRoot"/>
+      </p:par>
+    </p:tnLst>
+  </p:timing>
+</p:sld>
+</file>
+
+<file path=ppt/slides/slide8.xml><?xml version="1.0" encoding="utf-8"?>
+<p:sld xmlns:a="http://schemas.openxmlformats.org/drawingml/2006/main" xmlns:r="http://schemas.openxmlformats.org/officeDocument/2006/relationships" xmlns:p="http://schemas.openxmlformats.org/presentationml/2006/main">
+  <p:cSld>
+    <p:bg>
+      <p:bgPr>
+        <a:solidFill>
+          <a:schemeClr val="accent5">
+            <a:lumMod val="60000"/>
+            <a:lumOff val="40000"/>
+          </a:schemeClr>
+        </a:solidFill>
+        <a:effectLst/>
+      </p:bgPr>
+    </p:bg>
+    <p:spTree>
+      <p:nvGrpSpPr>
+        <p:cNvPr id="1" name=""/>
+        <p:cNvGrpSpPr/>
+        <p:nvPr/>
+      </p:nvGrpSpPr>
+      <p:grpSpPr>
+        <a:xfrm>
+          <a:off x="0" y="0"/>
+          <a:ext cx="0" cy="0"/>
+          <a:chOff x="0" y="0"/>
+          <a:chExt cx="0" cy="0"/>
+        </a:xfrm>
+      </p:grpSpPr>
+      <p:sp>
+        <p:nvSpPr>
+          <p:cNvPr id="3" name="Rectangle 2"/>
+          <p:cNvSpPr/>
+          <p:nvPr/>
+        </p:nvSpPr>
+        <p:spPr>
+          <a:xfrm>
+            <a:off x="0" y="0"/>
+            <a:ext cx="9144000" cy="1246495"/>
+          </a:xfrm>
+          <a:prstGeom prst="rect">
+            <a:avLst/>
+          </a:prstGeom>
+        </p:spPr>
+        <p:txBody>
+          <a:bodyPr wrap="square">
+            <a:spAutoFit/>
+          </a:bodyPr>
+          <a:lstStyle/>
+          <a:p>
+            <a:pPr algn="ctr"/>
+            <a:endParaRPr lang="en-US" sz="4000" b="1" dirty="0"/>
+          </a:p>
+          <a:p>
+            <a:pPr lvl="1"/>
+            <a:r>
+              <a:rPr lang="en-US" sz="3500" b="1" dirty="0" smtClean="0"/>
+              <a:t>Task 2 – map from file</a:t>
+            </a:r>
+            <a:endParaRPr lang="en-US" sz="3500" b="1" dirty="0"/>
+          </a:p>
+        </p:txBody>
+      </p:sp>
+      <p:pic>
+        <p:nvPicPr>
+          <p:cNvPr id="5" name="Picture 4"/>
+          <p:cNvPicPr>
+            <a:picLocks noChangeAspect="1"/>
+          </p:cNvPicPr>
+          <p:nvPr/>
+        </p:nvPicPr>
+        <p:blipFill>
+          <a:blip r:embed="rId3">
+            <a:extLst>
+              <a:ext uri="{28A0092B-C50C-407E-A947-70E740481C1C}">
+                <a14:useLocalDpi xmlns:a14="http://schemas.microsoft.com/office/drawing/2010/main" val="0"/>
+              </a:ext>
+            </a:extLst>
+          </a:blip>
+          <a:stretch>
+            <a:fillRect/>
+          </a:stretch>
+        </p:blipFill>
+        <p:spPr>
+          <a:xfrm>
+            <a:off x="1471816" y="1752600"/>
+            <a:ext cx="6200367" cy="3952875"/>
+          </a:xfrm>
+          <a:prstGeom prst="rect">
+            <a:avLst/>
+          </a:prstGeom>
+        </p:spPr>
+      </p:pic>
+    </p:spTree>
+    <p:extLst>
+      <p:ext uri="{BB962C8B-B14F-4D97-AF65-F5344CB8AC3E}">
+        <p14:creationId xmlns:p14="http://schemas.microsoft.com/office/powerpoint/2010/main" val="3145136523"/>
+      </p:ext>
+    </p:extLst>
+  </p:cSld>
+  <p:clrMapOvr>
+    <a:masterClrMapping/>
+  </p:clrMapOvr>
+  <p:timing>
+    <p:tnLst>
+      <p:par>
+        <p:cTn id="1" dur="indefinite" restart="never" nodeType="tmRoot"/>
+      </p:par>
+    </p:tnLst>
+  </p:timing>
+</p:sld>
+</file>
+
+<file path=ppt/slides/slide9.xml><?xml version="1.0" encoding="utf-8"?>
+<p:sld xmlns:a="http://schemas.openxmlformats.org/drawingml/2006/main" xmlns:r="http://schemas.openxmlformats.org/officeDocument/2006/relationships" xmlns:p="http://schemas.openxmlformats.org/presentationml/2006/main">
+  <p:cSld>
+    <p:bg>
+      <p:bgPr>
+        <a:solidFill>
+          <a:schemeClr val="accent5">
+            <a:lumMod val="60000"/>
+            <a:lumOff val="40000"/>
+          </a:schemeClr>
+        </a:solidFill>
+        <a:effectLst/>
+      </p:bgPr>
+    </p:bg>
+    <p:spTree>
+      <p:nvGrpSpPr>
+        <p:cNvPr id="1" name=""/>
+        <p:cNvGrpSpPr/>
+        <p:nvPr/>
+      </p:nvGrpSpPr>
+      <p:grpSpPr>
+        <a:xfrm>
+          <a:off x="0" y="0"/>
+          <a:ext cx="0" cy="0"/>
+          <a:chOff x="0" y="0"/>
+          <a:chExt cx="0" cy="0"/>
+        </a:xfrm>
+      </p:grpSpPr>
+      <p:sp>
+        <p:nvSpPr>
+          <p:cNvPr id="3" name="Rectangle 2"/>
+          <p:cNvSpPr/>
+          <p:nvPr/>
+        </p:nvSpPr>
+        <p:spPr>
+          <a:xfrm>
+            <a:off x="0" y="0"/>
+            <a:ext cx="9144000" cy="1246495"/>
+          </a:xfrm>
+          <a:prstGeom prst="rect">
+            <a:avLst/>
+          </a:prstGeom>
+        </p:spPr>
+        <p:txBody>
+          <a:bodyPr wrap="square">
+            <a:spAutoFit/>
+          </a:bodyPr>
+          <a:lstStyle/>
+          <a:p>
+            <a:pPr algn="ctr"/>
+            <a:endParaRPr lang="en-US" sz="4000" b="1" dirty="0"/>
+          </a:p>
+          <a:p>
+            <a:pPr lvl="1"/>
+            <a:r>
+              <a:rPr lang="en-US" sz="3500" b="1" dirty="0" smtClean="0"/>
+              <a:t>Task 2 – map from file</a:t>
+            </a:r>
+            <a:endParaRPr lang="en-US" sz="3500" b="1" dirty="0"/>
+          </a:p>
+        </p:txBody>
+      </p:sp>
+      <p:pic>
+        <p:nvPicPr>
+          <p:cNvPr id="4" name="Picture 3"/>
+          <p:cNvPicPr>
+            <a:picLocks noChangeAspect="1"/>
+          </p:cNvPicPr>
+          <p:nvPr/>
+        </p:nvPicPr>
+        <p:blipFill>
+          <a:blip r:embed="rId3">
+            <a:extLst>
+              <a:ext uri="{28A0092B-C50C-407E-A947-70E740481C1C}">
+                <a14:useLocalDpi xmlns:a14="http://schemas.microsoft.com/office/drawing/2010/main" val="0"/>
+              </a:ext>
+            </a:extLst>
+          </a:blip>
+          <a:stretch>
+            <a:fillRect/>
+          </a:stretch>
+        </p:blipFill>
+        <p:spPr>
+          <a:xfrm>
+            <a:off x="1233152" y="1676400"/>
+            <a:ext cx="6677696" cy="4832991"/>
+          </a:xfrm>
+          <a:prstGeom prst="rect">
+            <a:avLst/>
+          </a:prstGeom>
+        </p:spPr>
+      </p:pic>
+    </p:spTree>
+    <p:extLst>
+      <p:ext uri="{BB962C8B-B14F-4D97-AF65-F5344CB8AC3E}">
+        <p14:creationId xmlns:p14="http://schemas.microsoft.com/office/powerpoint/2010/main" val="2111499007"/>
+      </p:ext>
+    </p:extLst>
+  </p:cSld>
+  <p:clrMapOvr>
+    <a:masterClrMapping/>
+  </p:clrMapOvr>
+  <p:timing>
+    <p:tnLst>
+      <p:par>
+        <p:cTn id="1" dur="indefinite" restart="never" nodeType="tmRoot"/>
+      </p:par>
+    </p:tnLst>
+  </p:timing>
 </p:sld>
 </file>
 
@@ -3524,4 +10148,265 @@
   <a:objectDefaults/>
   <a:extraClrSchemeLst/>
 </a:theme>
+</file>
+
+<file path=ppt/theme/theme2.xml><?xml version="1.0" encoding="utf-8"?>
+<a:theme xmlns:a="http://schemas.openxmlformats.org/drawingml/2006/main" name="Office Theme">
+  <a:themeElements>
+    <a:clrScheme name="Office">
+      <a:dk1>
+        <a:sysClr val="windowText" lastClr="000000"/>
+      </a:dk1>
+      <a:lt1>
+        <a:sysClr val="window" lastClr="FFFFFF"/>
+      </a:lt1>
+      <a:dk2>
+        <a:srgbClr val="44546A"/>
+      </a:dk2>
+      <a:lt2>
+        <a:srgbClr val="E7E6E6"/>
+      </a:lt2>
+      <a:accent1>
+        <a:srgbClr val="5B9BD5"/>
+      </a:accent1>
+      <a:accent2>
+        <a:srgbClr val="ED7D31"/>
+      </a:accent2>
+      <a:accent3>
+        <a:srgbClr val="A5A5A5"/>
+      </a:accent3>
+      <a:accent4>
+        <a:srgbClr val="FFC000"/>
+      </a:accent4>
+      <a:accent5>
+        <a:srgbClr val="4472C4"/>
+      </a:accent5>
+      <a:accent6>
+        <a:srgbClr val="70AD47"/>
+      </a:accent6>
+      <a:hlink>
+        <a:srgbClr val="0563C1"/>
+      </a:hlink>
+      <a:folHlink>
+        <a:srgbClr val="954F72"/>
+      </a:folHlink>
+    </a:clrScheme>
+    <a:fontScheme name="Office">
+      <a:majorFont>
+        <a:latin typeface="Calibri Light" panose="020F0302020204030204"/>
+        <a:ea typeface=""/>
+        <a:cs typeface=""/>
+        <a:font script="Jpan" typeface="游ゴシック Light"/>
+        <a:font script="Hang" typeface="맑은 고딕"/>
+        <a:font script="Hans" typeface="等线 Light"/>
+        <a:font script="Hant" typeface="新細明體"/>
+        <a:font script="Arab" typeface="Times New Roman"/>
+        <a:font script="Hebr" typeface="Times New Roman"/>
+        <a:font script="Thai" typeface="Angsana New"/>
+        <a:font script="Ethi" typeface="Nyala"/>
+        <a:font script="Beng" typeface="Vrinda"/>
+        <a:font script="Gujr" typeface="Shruti"/>
+        <a:font script="Khmr" typeface="MoolBoran"/>
+        <a:font script="Knda" typeface="Tunga"/>
+        <a:font script="Guru" typeface="Raavi"/>
+        <a:font script="Cans" typeface="Euphemia"/>
+        <a:font script="Cher" typeface="Plantagenet Cherokee"/>
+        <a:font script="Yiii" typeface="Microsoft Yi Baiti"/>
+        <a:font script="Tibt" typeface="Microsoft Himalaya"/>
+        <a:font script="Thaa" typeface="MV Boli"/>
+        <a:font script="Deva" typeface="Mangal"/>
+        <a:font script="Telu" typeface="Gautami"/>
+        <a:font script="Taml" typeface="Latha"/>
+        <a:font script="Syrc" typeface="Estrangelo Edessa"/>
+        <a:font script="Orya" typeface="Kalinga"/>
+        <a:font script="Mlym" typeface="Kartika"/>
+        <a:font script="Laoo" typeface="DokChampa"/>
+        <a:font script="Sinh" typeface="Iskoola Pota"/>
+        <a:font script="Mong" typeface="Mongolian Baiti"/>
+        <a:font script="Viet" typeface="Times New Roman"/>
+        <a:font script="Uigh" typeface="Microsoft Uighur"/>
+        <a:font script="Geor" typeface="Sylfaen"/>
+      </a:majorFont>
+      <a:minorFont>
+        <a:latin typeface="Calibri" panose="020F0502020204030204"/>
+        <a:ea typeface=""/>
+        <a:cs typeface=""/>
+        <a:font script="Jpan" typeface="游ゴシック"/>
+        <a:font script="Hang" typeface="맑은 고딕"/>
+        <a:font script="Hans" typeface="等线"/>
+        <a:font script="Hant" typeface="新細明體"/>
+        <a:font script="Arab" typeface="Arial"/>
+        <a:font script="Hebr" typeface="Arial"/>
+        <a:font script="Thai" typeface="Cordia New"/>
+        <a:font script="Ethi" typeface="Nyala"/>
+        <a:font script="Beng" typeface="Vrinda"/>
+        <a:font script="Gujr" typeface="Shruti"/>
+        <a:font script="Khmr" typeface="DaunPenh"/>
+        <a:font script="Knda" typeface="Tunga"/>
+        <a:font script="Guru" typeface="Raavi"/>
+        <a:font script="Cans" typeface="Euphemia"/>
+        <a:font script="Cher" typeface="Plantagenet Cherokee"/>
+        <a:font script="Yiii" typeface="Microsoft Yi Baiti"/>
+        <a:font script="Tibt" typeface="Microsoft Himalaya"/>
+        <a:font script="Thaa" typeface="MV Boli"/>
+        <a:font script="Deva" typeface="Mangal"/>
+        <a:font script="Telu" typeface="Gautami"/>
+        <a:font script="Taml" typeface="Latha"/>
+        <a:font script="Syrc" typeface="Estrangelo Edessa"/>
+        <a:font script="Orya" typeface="Kalinga"/>
+        <a:font script="Mlym" typeface="Kartika"/>
+        <a:font script="Laoo" typeface="DokChampa"/>
+        <a:font script="Sinh" typeface="Iskoola Pota"/>
+        <a:font script="Mong" typeface="Mongolian Baiti"/>
+        <a:font script="Viet" typeface="Arial"/>
+        <a:font script="Uigh" typeface="Microsoft Uighur"/>
+        <a:font script="Geor" typeface="Sylfaen"/>
+      </a:minorFont>
+    </a:fontScheme>
+    <a:fmtScheme name="Office">
+      <a:fillStyleLst>
+        <a:solidFill>
+          <a:schemeClr val="phClr"/>
+        </a:solidFill>
+        <a:gradFill rotWithShape="1">
+          <a:gsLst>
+            <a:gs pos="0">
+              <a:schemeClr val="phClr">
+                <a:lumMod val="110000"/>
+                <a:satMod val="105000"/>
+                <a:tint val="67000"/>
+              </a:schemeClr>
+            </a:gs>
+            <a:gs pos="50000">
+              <a:schemeClr val="phClr">
+                <a:lumMod val="105000"/>
+                <a:satMod val="103000"/>
+                <a:tint val="73000"/>
+              </a:schemeClr>
+            </a:gs>
+            <a:gs pos="100000">
+              <a:schemeClr val="phClr">
+                <a:lumMod val="105000"/>
+                <a:satMod val="109000"/>
+                <a:tint val="81000"/>
+              </a:schemeClr>
+            </a:gs>
+          </a:gsLst>
+          <a:lin ang="5400000" scaled="0"/>
+        </a:gradFill>
+        <a:gradFill rotWithShape="1">
+          <a:gsLst>
+            <a:gs pos="0">
+              <a:schemeClr val="phClr">
+                <a:satMod val="103000"/>
+                <a:lumMod val="102000"/>
+                <a:tint val="94000"/>
+              </a:schemeClr>
+            </a:gs>
+            <a:gs pos="50000">
+              <a:schemeClr val="phClr">
+                <a:satMod val="110000"/>
+                <a:lumMod val="100000"/>
+                <a:shade val="100000"/>
+              </a:schemeClr>
+            </a:gs>
+            <a:gs pos="100000">
+              <a:schemeClr val="phClr">
+                <a:lumMod val="99000"/>
+                <a:satMod val="120000"/>
+                <a:shade val="78000"/>
+              </a:schemeClr>
+            </a:gs>
+          </a:gsLst>
+          <a:lin ang="5400000" scaled="0"/>
+        </a:gradFill>
+      </a:fillStyleLst>
+      <a:lnStyleLst>
+        <a:ln w="6350" cap="flat" cmpd="sng" algn="ctr">
+          <a:solidFill>
+            <a:schemeClr val="phClr"/>
+          </a:solidFill>
+          <a:prstDash val="solid"/>
+          <a:miter lim="800000"/>
+        </a:ln>
+        <a:ln w="12700" cap="flat" cmpd="sng" algn="ctr">
+          <a:solidFill>
+            <a:schemeClr val="phClr"/>
+          </a:solidFill>
+          <a:prstDash val="solid"/>
+          <a:miter lim="800000"/>
+        </a:ln>
+        <a:ln w="19050" cap="flat" cmpd="sng" algn="ctr">
+          <a:solidFill>
+            <a:schemeClr val="phClr"/>
+          </a:solidFill>
+          <a:prstDash val="solid"/>
+          <a:miter lim="800000"/>
+        </a:ln>
+      </a:lnStyleLst>
+      <a:effectStyleLst>
+        <a:effectStyle>
+          <a:effectLst/>
+        </a:effectStyle>
+        <a:effectStyle>
+          <a:effectLst/>
+        </a:effectStyle>
+        <a:effectStyle>
+          <a:effectLst>
+            <a:outerShdw blurRad="57150" dist="19050" dir="5400000" algn="ctr" rotWithShape="0">
+              <a:srgbClr val="000000">
+                <a:alpha val="63000"/>
+              </a:srgbClr>
+            </a:outerShdw>
+          </a:effectLst>
+        </a:effectStyle>
+      </a:effectStyleLst>
+      <a:bgFillStyleLst>
+        <a:solidFill>
+          <a:schemeClr val="phClr"/>
+        </a:solidFill>
+        <a:solidFill>
+          <a:schemeClr val="phClr">
+            <a:tint val="95000"/>
+            <a:satMod val="170000"/>
+          </a:schemeClr>
+        </a:solidFill>
+        <a:gradFill rotWithShape="1">
+          <a:gsLst>
+            <a:gs pos="0">
+              <a:schemeClr val="phClr">
+                <a:tint val="93000"/>
+                <a:satMod val="150000"/>
+                <a:shade val="98000"/>
+                <a:lumMod val="102000"/>
+              </a:schemeClr>
+            </a:gs>
+            <a:gs pos="50000">
+              <a:schemeClr val="phClr">
+                <a:tint val="98000"/>
+                <a:satMod val="130000"/>
+                <a:shade val="90000"/>
+                <a:lumMod val="103000"/>
+              </a:schemeClr>
+            </a:gs>
+            <a:gs pos="100000">
+              <a:schemeClr val="phClr">
+                <a:shade val="63000"/>
+                <a:satMod val="120000"/>
+              </a:schemeClr>
+            </a:gs>
+          </a:gsLst>
+          <a:lin ang="5400000" scaled="0"/>
+        </a:gradFill>
+      </a:bgFillStyleLst>
+    </a:fmtScheme>
+  </a:themeElements>
+  <a:objectDefaults/>
+  <a:extraClrSchemeLst/>
+  <a:extLst>
+    <a:ext uri="{05A4C25C-085E-4340-85A3-A5531E510DB2}">
+      <thm15:themeFamily xmlns:thm15="http://schemas.microsoft.com/office/thememl/2012/main" name="Office Theme" id="{62F939B6-93AF-4DB8-9C6B-D6C7DFDC589F}" vid="{4A3C46E8-61CC-4603-A589-7422A47A8E4A}"/>
+    </a:ext>
+  </a:extLst>
+</a:theme>
 </file>
--- a/Programming 4/06.2 Tile Map/06.2 Tile Map.pptx
+++ b/Programming 4/06.2 Tile Map/06.2 Tile Map.pptx
@@ -5,19 +5,44 @@
     <p:sldMasterId id="2147483648" r:id="rId1"/>
   </p:sldMasterIdLst>
   <p:notesMasterIdLst>
-    <p:notesMasterId r:id="rId12"/>
+    <p:notesMasterId r:id="rId37"/>
   </p:notesMasterIdLst>
   <p:sldIdLst>
     <p:sldId id="257" r:id="rId2"/>
     <p:sldId id="263" r:id="rId3"/>
-    <p:sldId id="258" r:id="rId4"/>
-    <p:sldId id="264" r:id="rId5"/>
-    <p:sldId id="265" r:id="rId6"/>
-    <p:sldId id="266" r:id="rId7"/>
-    <p:sldId id="262" r:id="rId8"/>
-    <p:sldId id="259" r:id="rId9"/>
-    <p:sldId id="260" r:id="rId10"/>
-    <p:sldId id="261" r:id="rId11"/>
+    <p:sldId id="275" r:id="rId4"/>
+    <p:sldId id="276" r:id="rId5"/>
+    <p:sldId id="277" r:id="rId6"/>
+    <p:sldId id="278" r:id="rId7"/>
+    <p:sldId id="279" r:id="rId8"/>
+    <p:sldId id="280" r:id="rId9"/>
+    <p:sldId id="281" r:id="rId10"/>
+    <p:sldId id="282" r:id="rId11"/>
+    <p:sldId id="283" r:id="rId12"/>
+    <p:sldId id="284" r:id="rId13"/>
+    <p:sldId id="285" r:id="rId14"/>
+    <p:sldId id="286" r:id="rId15"/>
+    <p:sldId id="287" r:id="rId16"/>
+    <p:sldId id="288" r:id="rId17"/>
+    <p:sldId id="289" r:id="rId18"/>
+    <p:sldId id="290" r:id="rId19"/>
+    <p:sldId id="291" r:id="rId20"/>
+    <p:sldId id="292" r:id="rId21"/>
+    <p:sldId id="258" r:id="rId22"/>
+    <p:sldId id="264" r:id="rId23"/>
+    <p:sldId id="265" r:id="rId24"/>
+    <p:sldId id="266" r:id="rId25"/>
+    <p:sldId id="270" r:id="rId26"/>
+    <p:sldId id="271" r:id="rId27"/>
+    <p:sldId id="269" r:id="rId28"/>
+    <p:sldId id="262" r:id="rId29"/>
+    <p:sldId id="268" r:id="rId30"/>
+    <p:sldId id="259" r:id="rId31"/>
+    <p:sldId id="267" r:id="rId32"/>
+    <p:sldId id="260" r:id="rId33"/>
+    <p:sldId id="272" r:id="rId34"/>
+    <p:sldId id="273" r:id="rId35"/>
+    <p:sldId id="261" r:id="rId36"/>
   </p:sldIdLst>
   <p:sldSz cx="9144000" cy="6858000" type="screen4x3"/>
   <p:notesSz cx="6858000" cy="9144000"/>
@@ -217,7 +242,7 @@
           <a:p>
             <a:fld id="{793461D3-0CB6-4C77-8432-160A8AA0DF3D}" type="datetimeFigureOut">
               <a:rPr lang="en-NZ" smtClean="0"/>
-              <a:t>21/08/2019</a:t>
+              <a:t>28/08/2019</a:t>
             </a:fld>
             <a:endParaRPr lang="en-NZ"/>
           </a:p>
@@ -533,6 +558,148 @@
               <a:buFont typeface="Arial" panose="020B0604020202020204" pitchFamily="34" charset="0"/>
               <a:buChar char="•"/>
             </a:pPr>
+            <a:r>
+              <a:rPr lang="en-NZ" dirty="0" smtClean="0"/>
+              <a:t>Huge</a:t>
+            </a:r>
+          </a:p>
+          <a:p>
+            <a:pPr marL="171450" indent="-171450">
+              <a:buFont typeface="Arial" panose="020B0604020202020204" pitchFamily="34" charset="0"/>
+              <a:buChar char="•"/>
+            </a:pPr>
+            <a:endParaRPr lang="en-NZ" dirty="0" smtClean="0"/>
+          </a:p>
+          <a:p>
+            <a:pPr marL="171450" marR="0" lvl="0" indent="-171450" algn="l" defTabSz="914400" rtl="0" eaLnBrk="1" fontAlgn="auto" latinLnBrk="0" hangingPunct="1">
+              <a:lnSpc>
+                <a:spcPct val="100000"/>
+              </a:lnSpc>
+              <a:spcBef>
+                <a:spcPts val="0"/>
+              </a:spcBef>
+              <a:spcAft>
+                <a:spcPts val="0"/>
+              </a:spcAft>
+              <a:buClrTx/>
+              <a:buSzTx/>
+              <a:buFont typeface="Arial" panose="020B0604020202020204" pitchFamily="34" charset="0"/>
+              <a:buChar char="•"/>
+              <a:tabLst/>
+              <a:defRPr/>
+            </a:pPr>
+            <a:r>
+              <a:rPr lang="en-NZ" dirty="0" smtClean="0"/>
+              <a:t>In a game, or scientific simulation</a:t>
+            </a:r>
+            <a:r>
+              <a:rPr lang="en-NZ" baseline="0" dirty="0" smtClean="0"/>
+              <a:t> or other large graphical application, the </a:t>
+            </a:r>
+            <a:r>
+              <a:rPr lang="en-NZ" dirty="0" smtClean="0"/>
+              <a:t>world is usually much bigger than the computer screen, so this image might have to be very big</a:t>
+            </a:r>
+          </a:p>
+          <a:p>
+            <a:pPr marL="171450" indent="-171450">
+              <a:buFont typeface="Arial" panose="020B0604020202020204" pitchFamily="34" charset="0"/>
+              <a:buChar char="•"/>
+            </a:pPr>
+            <a:endParaRPr lang="en-NZ" dirty="0" smtClean="0"/>
+          </a:p>
+          <a:p>
+            <a:pPr marL="171450" indent="-171450">
+              <a:buFont typeface="Arial" panose="020B0604020202020204" pitchFamily="34" charset="0"/>
+              <a:buChar char="•"/>
+            </a:pPr>
+            <a:r>
+              <a:rPr lang="en-NZ" dirty="0" smtClean="0"/>
+              <a:t>If you need a very large image, or multiple levels, it rapidly becomes very huge</a:t>
+            </a:r>
+          </a:p>
+          <a:p>
+            <a:pPr marL="171450" indent="-171450">
+              <a:buFont typeface="Arial" panose="020B0604020202020204" pitchFamily="34" charset="0"/>
+              <a:buChar char="•"/>
+            </a:pPr>
+            <a:endParaRPr lang="en-NZ" dirty="0" smtClean="0"/>
+          </a:p>
+          <a:p>
+            <a:pPr marL="171450" indent="-171450">
+              <a:buFont typeface="Arial" panose="020B0604020202020204" pitchFamily="34" charset="0"/>
+              <a:buChar char="•"/>
+            </a:pPr>
+            <a:r>
+              <a:rPr lang="en-NZ" dirty="0" smtClean="0"/>
+              <a:t>For consoles and older PCs it was impossible, the image could require more RAM than the machine had</a:t>
+            </a:r>
+          </a:p>
+          <a:p>
+            <a:pPr marL="171450" indent="-171450">
+              <a:buFont typeface="Arial" panose="020B0604020202020204" pitchFamily="34" charset="0"/>
+              <a:buChar char="•"/>
+            </a:pPr>
+            <a:endParaRPr lang="en-NZ" dirty="0" smtClean="0"/>
+          </a:p>
+          <a:p>
+            <a:pPr marL="171450" marR="0" lvl="0" indent="-171450" algn="l" defTabSz="914400" rtl="0" eaLnBrk="1" fontAlgn="auto" latinLnBrk="0" hangingPunct="1">
+              <a:lnSpc>
+                <a:spcPct val="100000"/>
+              </a:lnSpc>
+              <a:spcBef>
+                <a:spcPts val="0"/>
+              </a:spcBef>
+              <a:spcAft>
+                <a:spcPts val="0"/>
+              </a:spcAft>
+              <a:buClrTx/>
+              <a:buSzTx/>
+              <a:buFont typeface="Arial" panose="020B0604020202020204" pitchFamily="34" charset="0"/>
+              <a:buChar char="•"/>
+              <a:tabLst/>
+              <a:defRPr/>
+            </a:pPr>
+            <a:r>
+              <a:rPr lang="en-NZ" dirty="0" smtClean="0"/>
+              <a:t>Rarely see this kind of background</a:t>
+            </a:r>
+          </a:p>
+          <a:p>
+            <a:pPr marL="171450" indent="-171450">
+              <a:buFont typeface="Arial" panose="020B0604020202020204" pitchFamily="34" charset="0"/>
+              <a:buChar char="•"/>
+            </a:pPr>
+            <a:endParaRPr lang="en-NZ" dirty="0" smtClean="0"/>
+          </a:p>
+          <a:p>
+            <a:pPr marL="171450" marR="0" lvl="0" indent="-171450" algn="l" defTabSz="914400" rtl="0" eaLnBrk="1" fontAlgn="auto" latinLnBrk="0" hangingPunct="1">
+              <a:lnSpc>
+                <a:spcPct val="100000"/>
+              </a:lnSpc>
+              <a:spcBef>
+                <a:spcPts val="0"/>
+              </a:spcBef>
+              <a:spcAft>
+                <a:spcPts val="0"/>
+              </a:spcAft>
+              <a:buClrTx/>
+              <a:buSzTx/>
+              <a:buFont typeface="Arial" panose="020B0604020202020204" pitchFamily="34" charset="0"/>
+              <a:buChar char="•"/>
+              <a:tabLst/>
+              <a:defRPr/>
+            </a:pPr>
+            <a:r>
+              <a:rPr lang="en-NZ" dirty="0" smtClean="0"/>
+              <a:t>Instead, we use a method called “Tile Mapping”.</a:t>
+            </a:r>
+          </a:p>
+          <a:p>
+            <a:pPr marL="171450" indent="-171450">
+              <a:buFont typeface="Arial" panose="020B0604020202020204" pitchFamily="34" charset="0"/>
+              <a:buChar char="•"/>
+            </a:pPr>
             <a:endParaRPr lang="en-NZ" dirty="0"/>
           </a:p>
         </p:txBody>
@@ -564,6 +731,1025 @@
     <p:extLst>
       <p:ext uri="{BB962C8B-B14F-4D97-AF65-F5344CB8AC3E}">
         <p14:creationId xmlns:p14="http://schemas.microsoft.com/office/powerpoint/2010/main" val="3072242023"/>
+      </p:ext>
+    </p:extLst>
+  </p:cSld>
+  <p:clrMapOvr>
+    <a:masterClrMapping/>
+  </p:clrMapOvr>
+</p:notes>
+</file>
+
+<file path=ppt/notesSlides/notesSlide10.xml><?xml version="1.0" encoding="utf-8"?>
+<p:notes xmlns:a="http://schemas.openxmlformats.org/drawingml/2006/main" xmlns:r="http://schemas.openxmlformats.org/officeDocument/2006/relationships" xmlns:p="http://schemas.openxmlformats.org/presentationml/2006/main">
+  <p:cSld>
+    <p:spTree>
+      <p:nvGrpSpPr>
+        <p:cNvPr id="1" name=""/>
+        <p:cNvGrpSpPr/>
+        <p:nvPr/>
+      </p:nvGrpSpPr>
+      <p:grpSpPr>
+        <a:xfrm>
+          <a:off x="0" y="0"/>
+          <a:ext cx="0" cy="0"/>
+          <a:chOff x="0" y="0"/>
+          <a:chExt cx="0" cy="0"/>
+        </a:xfrm>
+      </p:grpSpPr>
+      <p:sp>
+        <p:nvSpPr>
+          <p:cNvPr id="2" name="Slide Image Placeholder 1"/>
+          <p:cNvSpPr>
+            <a:spLocks noGrp="1" noRot="1" noChangeAspect="1"/>
+          </p:cNvSpPr>
+          <p:nvPr>
+            <p:ph type="sldImg"/>
+          </p:nvPr>
+        </p:nvSpPr>
+        <p:spPr/>
+      </p:sp>
+      <p:sp>
+        <p:nvSpPr>
+          <p:cNvPr id="3" name="Notes Placeholder 2"/>
+          <p:cNvSpPr>
+            <a:spLocks noGrp="1"/>
+          </p:cNvSpPr>
+          <p:nvPr>
+            <p:ph type="body" idx="1"/>
+          </p:nvPr>
+        </p:nvSpPr>
+        <p:spPr/>
+        <p:txBody>
+          <a:bodyPr/>
+          <a:lstStyle/>
+          <a:p>
+            <a:pPr marL="171450" indent="-171450">
+              <a:buFont typeface="Arial" panose="020B0604020202020204" pitchFamily="34" charset="0"/>
+              <a:buChar char="•"/>
+            </a:pPr>
+            <a:endParaRPr lang="en-NZ" dirty="0"/>
+          </a:p>
+        </p:txBody>
+      </p:sp>
+      <p:sp>
+        <p:nvSpPr>
+          <p:cNvPr id="4" name="Slide Number Placeholder 3"/>
+          <p:cNvSpPr>
+            <a:spLocks noGrp="1"/>
+          </p:cNvSpPr>
+          <p:nvPr>
+            <p:ph type="sldNum" sz="quarter" idx="10"/>
+          </p:nvPr>
+        </p:nvSpPr>
+        <p:spPr/>
+        <p:txBody>
+          <a:bodyPr/>
+          <a:lstStyle/>
+          <a:p>
+            <a:fld id="{BBC1DE02-C006-4F38-873D-E62701AB1734}" type="slidenum">
+              <a:rPr lang="en-NZ" smtClean="0"/>
+              <a:t>11</a:t>
+            </a:fld>
+            <a:endParaRPr lang="en-NZ"/>
+          </a:p>
+        </p:txBody>
+      </p:sp>
+    </p:spTree>
+    <p:extLst>
+      <p:ext uri="{BB962C8B-B14F-4D97-AF65-F5344CB8AC3E}">
+        <p14:creationId xmlns:p14="http://schemas.microsoft.com/office/powerpoint/2010/main" val="1390755980"/>
+      </p:ext>
+    </p:extLst>
+  </p:cSld>
+  <p:clrMapOvr>
+    <a:masterClrMapping/>
+  </p:clrMapOvr>
+</p:notes>
+</file>
+
+<file path=ppt/notesSlides/notesSlide11.xml><?xml version="1.0" encoding="utf-8"?>
+<p:notes xmlns:a="http://schemas.openxmlformats.org/drawingml/2006/main" xmlns:r="http://schemas.openxmlformats.org/officeDocument/2006/relationships" xmlns:p="http://schemas.openxmlformats.org/presentationml/2006/main">
+  <p:cSld>
+    <p:spTree>
+      <p:nvGrpSpPr>
+        <p:cNvPr id="1" name=""/>
+        <p:cNvGrpSpPr/>
+        <p:nvPr/>
+      </p:nvGrpSpPr>
+      <p:grpSpPr>
+        <a:xfrm>
+          <a:off x="0" y="0"/>
+          <a:ext cx="0" cy="0"/>
+          <a:chOff x="0" y="0"/>
+          <a:chExt cx="0" cy="0"/>
+        </a:xfrm>
+      </p:grpSpPr>
+      <p:sp>
+        <p:nvSpPr>
+          <p:cNvPr id="2" name="Slide Image Placeholder 1"/>
+          <p:cNvSpPr>
+            <a:spLocks noGrp="1" noRot="1" noChangeAspect="1"/>
+          </p:cNvSpPr>
+          <p:nvPr>
+            <p:ph type="sldImg"/>
+          </p:nvPr>
+        </p:nvSpPr>
+        <p:spPr/>
+      </p:sp>
+      <p:sp>
+        <p:nvSpPr>
+          <p:cNvPr id="3" name="Notes Placeholder 2"/>
+          <p:cNvSpPr>
+            <a:spLocks noGrp="1"/>
+          </p:cNvSpPr>
+          <p:nvPr>
+            <p:ph type="body" idx="1"/>
+          </p:nvPr>
+        </p:nvSpPr>
+        <p:spPr/>
+        <p:txBody>
+          <a:bodyPr/>
+          <a:lstStyle/>
+          <a:p>
+            <a:pPr marL="171450" indent="-171450">
+              <a:buFont typeface="Arial" panose="020B0604020202020204" pitchFamily="34" charset="0"/>
+              <a:buChar char="•"/>
+            </a:pPr>
+            <a:endParaRPr lang="en-NZ" dirty="0"/>
+          </a:p>
+        </p:txBody>
+      </p:sp>
+      <p:sp>
+        <p:nvSpPr>
+          <p:cNvPr id="4" name="Slide Number Placeholder 3"/>
+          <p:cNvSpPr>
+            <a:spLocks noGrp="1"/>
+          </p:cNvSpPr>
+          <p:nvPr>
+            <p:ph type="sldNum" sz="quarter" idx="10"/>
+          </p:nvPr>
+        </p:nvSpPr>
+        <p:spPr/>
+        <p:txBody>
+          <a:bodyPr/>
+          <a:lstStyle/>
+          <a:p>
+            <a:fld id="{BBC1DE02-C006-4F38-873D-E62701AB1734}" type="slidenum">
+              <a:rPr lang="en-NZ" smtClean="0"/>
+              <a:t>12</a:t>
+            </a:fld>
+            <a:endParaRPr lang="en-NZ"/>
+          </a:p>
+        </p:txBody>
+      </p:sp>
+    </p:spTree>
+    <p:extLst>
+      <p:ext uri="{BB962C8B-B14F-4D97-AF65-F5344CB8AC3E}">
+        <p14:creationId xmlns:p14="http://schemas.microsoft.com/office/powerpoint/2010/main" val="2741194962"/>
+      </p:ext>
+    </p:extLst>
+  </p:cSld>
+  <p:clrMapOvr>
+    <a:masterClrMapping/>
+  </p:clrMapOvr>
+</p:notes>
+</file>
+
+<file path=ppt/notesSlides/notesSlide12.xml><?xml version="1.0" encoding="utf-8"?>
+<p:notes xmlns:a="http://schemas.openxmlformats.org/drawingml/2006/main" xmlns:r="http://schemas.openxmlformats.org/officeDocument/2006/relationships" xmlns:p="http://schemas.openxmlformats.org/presentationml/2006/main">
+  <p:cSld>
+    <p:spTree>
+      <p:nvGrpSpPr>
+        <p:cNvPr id="1" name=""/>
+        <p:cNvGrpSpPr/>
+        <p:nvPr/>
+      </p:nvGrpSpPr>
+      <p:grpSpPr>
+        <a:xfrm>
+          <a:off x="0" y="0"/>
+          <a:ext cx="0" cy="0"/>
+          <a:chOff x="0" y="0"/>
+          <a:chExt cx="0" cy="0"/>
+        </a:xfrm>
+      </p:grpSpPr>
+      <p:sp>
+        <p:nvSpPr>
+          <p:cNvPr id="2" name="Slide Image Placeholder 1"/>
+          <p:cNvSpPr>
+            <a:spLocks noGrp="1" noRot="1" noChangeAspect="1"/>
+          </p:cNvSpPr>
+          <p:nvPr>
+            <p:ph type="sldImg"/>
+          </p:nvPr>
+        </p:nvSpPr>
+        <p:spPr/>
+      </p:sp>
+      <p:sp>
+        <p:nvSpPr>
+          <p:cNvPr id="3" name="Notes Placeholder 2"/>
+          <p:cNvSpPr>
+            <a:spLocks noGrp="1"/>
+          </p:cNvSpPr>
+          <p:nvPr>
+            <p:ph type="body" idx="1"/>
+          </p:nvPr>
+        </p:nvSpPr>
+        <p:spPr/>
+        <p:txBody>
+          <a:bodyPr/>
+          <a:lstStyle/>
+          <a:p>
+            <a:pPr marL="171450" indent="-171450">
+              <a:buFont typeface="Arial" panose="020B0604020202020204" pitchFamily="34" charset="0"/>
+              <a:buChar char="•"/>
+            </a:pPr>
+            <a:r>
+              <a:rPr lang="en-NZ" dirty="0" smtClean="0"/>
+              <a:t>http://reinerstileset.4players.de/</a:t>
+            </a:r>
+          </a:p>
+          <a:p>
+            <a:pPr marL="171450" indent="-171450">
+              <a:buFont typeface="Arial" panose="020B0604020202020204" pitchFamily="34" charset="0"/>
+              <a:buChar char="•"/>
+            </a:pPr>
+            <a:endParaRPr lang="en-NZ" dirty="0"/>
+          </a:p>
+        </p:txBody>
+      </p:sp>
+      <p:sp>
+        <p:nvSpPr>
+          <p:cNvPr id="4" name="Slide Number Placeholder 3"/>
+          <p:cNvSpPr>
+            <a:spLocks noGrp="1"/>
+          </p:cNvSpPr>
+          <p:nvPr>
+            <p:ph type="sldNum" sz="quarter" idx="10"/>
+          </p:nvPr>
+        </p:nvSpPr>
+        <p:spPr/>
+        <p:txBody>
+          <a:bodyPr/>
+          <a:lstStyle/>
+          <a:p>
+            <a:fld id="{BBC1DE02-C006-4F38-873D-E62701AB1734}" type="slidenum">
+              <a:rPr lang="en-NZ" smtClean="0"/>
+              <a:t>13</a:t>
+            </a:fld>
+            <a:endParaRPr lang="en-NZ"/>
+          </a:p>
+        </p:txBody>
+      </p:sp>
+    </p:spTree>
+    <p:extLst>
+      <p:ext uri="{BB962C8B-B14F-4D97-AF65-F5344CB8AC3E}">
+        <p14:creationId xmlns:p14="http://schemas.microsoft.com/office/powerpoint/2010/main" val="3088410589"/>
+      </p:ext>
+    </p:extLst>
+  </p:cSld>
+  <p:clrMapOvr>
+    <a:masterClrMapping/>
+  </p:clrMapOvr>
+</p:notes>
+</file>
+
+<file path=ppt/notesSlides/notesSlide13.xml><?xml version="1.0" encoding="utf-8"?>
+<p:notes xmlns:a="http://schemas.openxmlformats.org/drawingml/2006/main" xmlns:r="http://schemas.openxmlformats.org/officeDocument/2006/relationships" xmlns:p="http://schemas.openxmlformats.org/presentationml/2006/main">
+  <p:cSld>
+    <p:spTree>
+      <p:nvGrpSpPr>
+        <p:cNvPr id="1" name=""/>
+        <p:cNvGrpSpPr/>
+        <p:nvPr/>
+      </p:nvGrpSpPr>
+      <p:grpSpPr>
+        <a:xfrm>
+          <a:off x="0" y="0"/>
+          <a:ext cx="0" cy="0"/>
+          <a:chOff x="0" y="0"/>
+          <a:chExt cx="0" cy="0"/>
+        </a:xfrm>
+      </p:grpSpPr>
+      <p:sp>
+        <p:nvSpPr>
+          <p:cNvPr id="2" name="Slide Image Placeholder 1"/>
+          <p:cNvSpPr>
+            <a:spLocks noGrp="1" noRot="1" noChangeAspect="1"/>
+          </p:cNvSpPr>
+          <p:nvPr>
+            <p:ph type="sldImg"/>
+          </p:nvPr>
+        </p:nvSpPr>
+        <p:spPr/>
+      </p:sp>
+      <p:sp>
+        <p:nvSpPr>
+          <p:cNvPr id="3" name="Notes Placeholder 2"/>
+          <p:cNvSpPr>
+            <a:spLocks noGrp="1"/>
+          </p:cNvSpPr>
+          <p:nvPr>
+            <p:ph type="body" idx="1"/>
+          </p:nvPr>
+        </p:nvSpPr>
+        <p:spPr/>
+        <p:txBody>
+          <a:bodyPr/>
+          <a:lstStyle/>
+          <a:p>
+            <a:pPr marL="171450" indent="-171450">
+              <a:buFont typeface="Arial" panose="020B0604020202020204" pitchFamily="34" charset="0"/>
+              <a:buChar char="•"/>
+            </a:pPr>
+            <a:r>
+              <a:rPr lang="en-NZ" dirty="0" smtClean="0"/>
+              <a:t>To look really good, you can make tiles that give smooth transitions between different primary terrain types</a:t>
+            </a:r>
+          </a:p>
+          <a:p>
+            <a:pPr marL="171450" indent="-171450">
+              <a:buFont typeface="Arial" panose="020B0604020202020204" pitchFamily="34" charset="0"/>
+              <a:buChar char="•"/>
+            </a:pPr>
+            <a:endParaRPr lang="en-NZ" dirty="0" smtClean="0"/>
+          </a:p>
+          <a:p>
+            <a:pPr marL="171450" indent="-171450">
+              <a:buFont typeface="Arial" panose="020B0604020202020204" pitchFamily="34" charset="0"/>
+              <a:buChar char="•"/>
+            </a:pPr>
+            <a:r>
+              <a:rPr lang="en-NZ" dirty="0" smtClean="0"/>
+              <a:t>Note that N terrain types will require O(N2) transition tiles</a:t>
+            </a:r>
+          </a:p>
+        </p:txBody>
+      </p:sp>
+      <p:sp>
+        <p:nvSpPr>
+          <p:cNvPr id="4" name="Slide Number Placeholder 3"/>
+          <p:cNvSpPr>
+            <a:spLocks noGrp="1"/>
+          </p:cNvSpPr>
+          <p:nvPr>
+            <p:ph type="sldNum" sz="quarter" idx="10"/>
+          </p:nvPr>
+        </p:nvSpPr>
+        <p:spPr/>
+        <p:txBody>
+          <a:bodyPr/>
+          <a:lstStyle/>
+          <a:p>
+            <a:fld id="{BBC1DE02-C006-4F38-873D-E62701AB1734}" type="slidenum">
+              <a:rPr lang="en-NZ" smtClean="0"/>
+              <a:t>14</a:t>
+            </a:fld>
+            <a:endParaRPr lang="en-NZ"/>
+          </a:p>
+        </p:txBody>
+      </p:sp>
+    </p:spTree>
+    <p:extLst>
+      <p:ext uri="{BB962C8B-B14F-4D97-AF65-F5344CB8AC3E}">
+        <p14:creationId xmlns:p14="http://schemas.microsoft.com/office/powerpoint/2010/main" val="714296517"/>
+      </p:ext>
+    </p:extLst>
+  </p:cSld>
+  <p:clrMapOvr>
+    <a:masterClrMapping/>
+  </p:clrMapOvr>
+</p:notes>
+</file>
+
+<file path=ppt/notesSlides/notesSlide14.xml><?xml version="1.0" encoding="utf-8"?>
+<p:notes xmlns:a="http://schemas.openxmlformats.org/drawingml/2006/main" xmlns:r="http://schemas.openxmlformats.org/officeDocument/2006/relationships" xmlns:p="http://schemas.openxmlformats.org/presentationml/2006/main">
+  <p:cSld>
+    <p:spTree>
+      <p:nvGrpSpPr>
+        <p:cNvPr id="1" name=""/>
+        <p:cNvGrpSpPr/>
+        <p:nvPr/>
+      </p:nvGrpSpPr>
+      <p:grpSpPr>
+        <a:xfrm>
+          <a:off x="0" y="0"/>
+          <a:ext cx="0" cy="0"/>
+          <a:chOff x="0" y="0"/>
+          <a:chExt cx="0" cy="0"/>
+        </a:xfrm>
+      </p:grpSpPr>
+      <p:sp>
+        <p:nvSpPr>
+          <p:cNvPr id="2" name="Slide Image Placeholder 1"/>
+          <p:cNvSpPr>
+            <a:spLocks noGrp="1" noRot="1" noChangeAspect="1"/>
+          </p:cNvSpPr>
+          <p:nvPr>
+            <p:ph type="sldImg"/>
+          </p:nvPr>
+        </p:nvSpPr>
+        <p:spPr/>
+      </p:sp>
+      <p:sp>
+        <p:nvSpPr>
+          <p:cNvPr id="3" name="Notes Placeholder 2"/>
+          <p:cNvSpPr>
+            <a:spLocks noGrp="1"/>
+          </p:cNvSpPr>
+          <p:nvPr>
+            <p:ph type="body" idx="1"/>
+          </p:nvPr>
+        </p:nvSpPr>
+        <p:spPr/>
+        <p:txBody>
+          <a:bodyPr/>
+          <a:lstStyle/>
+          <a:p>
+            <a:pPr marL="171450" indent="-171450">
+              <a:buFont typeface="Arial" panose="020B0604020202020204" pitchFamily="34" charset="0"/>
+              <a:buChar char="•"/>
+            </a:pPr>
+            <a:r>
+              <a:rPr lang="en-NZ" dirty="0" smtClean="0"/>
+              <a:t>Really good transitions may require many tiles to get from terrain to terrain</a:t>
+            </a:r>
+          </a:p>
+        </p:txBody>
+      </p:sp>
+      <p:sp>
+        <p:nvSpPr>
+          <p:cNvPr id="4" name="Slide Number Placeholder 3"/>
+          <p:cNvSpPr>
+            <a:spLocks noGrp="1"/>
+          </p:cNvSpPr>
+          <p:nvPr>
+            <p:ph type="sldNum" sz="quarter" idx="10"/>
+          </p:nvPr>
+        </p:nvSpPr>
+        <p:spPr/>
+        <p:txBody>
+          <a:bodyPr/>
+          <a:lstStyle/>
+          <a:p>
+            <a:fld id="{BBC1DE02-C006-4F38-873D-E62701AB1734}" type="slidenum">
+              <a:rPr lang="en-NZ" smtClean="0"/>
+              <a:t>15</a:t>
+            </a:fld>
+            <a:endParaRPr lang="en-NZ"/>
+          </a:p>
+        </p:txBody>
+      </p:sp>
+    </p:spTree>
+    <p:extLst>
+      <p:ext uri="{BB962C8B-B14F-4D97-AF65-F5344CB8AC3E}">
+        <p14:creationId xmlns:p14="http://schemas.microsoft.com/office/powerpoint/2010/main" val="937772947"/>
+      </p:ext>
+    </p:extLst>
+  </p:cSld>
+  <p:clrMapOvr>
+    <a:masterClrMapping/>
+  </p:clrMapOvr>
+</p:notes>
+</file>
+
+<file path=ppt/notesSlides/notesSlide15.xml><?xml version="1.0" encoding="utf-8"?>
+<p:notes xmlns:a="http://schemas.openxmlformats.org/drawingml/2006/main" xmlns:r="http://schemas.openxmlformats.org/officeDocument/2006/relationships" xmlns:p="http://schemas.openxmlformats.org/presentationml/2006/main">
+  <p:cSld>
+    <p:spTree>
+      <p:nvGrpSpPr>
+        <p:cNvPr id="1" name=""/>
+        <p:cNvGrpSpPr/>
+        <p:nvPr/>
+      </p:nvGrpSpPr>
+      <p:grpSpPr>
+        <a:xfrm>
+          <a:off x="0" y="0"/>
+          <a:ext cx="0" cy="0"/>
+          <a:chOff x="0" y="0"/>
+          <a:chExt cx="0" cy="0"/>
+        </a:xfrm>
+      </p:grpSpPr>
+      <p:sp>
+        <p:nvSpPr>
+          <p:cNvPr id="2" name="Slide Image Placeholder 1"/>
+          <p:cNvSpPr>
+            <a:spLocks noGrp="1" noRot="1" noChangeAspect="1"/>
+          </p:cNvSpPr>
+          <p:nvPr>
+            <p:ph type="sldImg"/>
+          </p:nvPr>
+        </p:nvSpPr>
+        <p:spPr/>
+      </p:sp>
+      <p:sp>
+        <p:nvSpPr>
+          <p:cNvPr id="3" name="Notes Placeholder 2"/>
+          <p:cNvSpPr>
+            <a:spLocks noGrp="1"/>
+          </p:cNvSpPr>
+          <p:nvPr>
+            <p:ph type="body" idx="1"/>
+          </p:nvPr>
+        </p:nvSpPr>
+        <p:spPr/>
+        <p:txBody>
+          <a:bodyPr/>
+          <a:lstStyle/>
+          <a:p>
+            <a:pPr marL="171450" indent="-171450">
+              <a:buFont typeface="Arial" panose="020B0604020202020204" pitchFamily="34" charset="0"/>
+              <a:buChar char="•"/>
+            </a:pPr>
+            <a:r>
+              <a:rPr lang="en-NZ" dirty="0" smtClean="0"/>
+              <a:t>We will be implementing a style of game called a Roguelike</a:t>
+            </a:r>
+          </a:p>
+          <a:p>
+            <a:pPr marL="171450" indent="-171450">
+              <a:buFont typeface="Arial" panose="020B0604020202020204" pitchFamily="34" charset="0"/>
+              <a:buChar char="•"/>
+            </a:pPr>
+            <a:endParaRPr lang="en-NZ" dirty="0" smtClean="0"/>
+          </a:p>
+          <a:p>
+            <a:pPr marL="171450" indent="-171450">
+              <a:buFont typeface="Arial" panose="020B0604020202020204" pitchFamily="34" charset="0"/>
+              <a:buChar char="•"/>
+            </a:pPr>
+            <a:r>
+              <a:rPr lang="en-NZ" dirty="0" smtClean="0"/>
+              <a:t>This is basically “dungeon crawler with procedurally generated maps” (we will talk about how to do that in a couple of weeks)</a:t>
+            </a:r>
+          </a:p>
+          <a:p>
+            <a:pPr marL="171450" indent="-171450">
+              <a:buFont typeface="Arial" panose="020B0604020202020204" pitchFamily="34" charset="0"/>
+              <a:buChar char="•"/>
+            </a:pPr>
+            <a:endParaRPr lang="en-NZ" dirty="0" smtClean="0"/>
+          </a:p>
+          <a:p>
+            <a:pPr marL="171450" indent="-171450">
+              <a:buFont typeface="Arial" panose="020B0604020202020204" pitchFamily="34" charset="0"/>
+              <a:buChar char="•"/>
+            </a:pPr>
+            <a:r>
+              <a:rPr lang="en-NZ" dirty="0" smtClean="0"/>
+              <a:t>We will be using a </a:t>
+            </a:r>
+            <a:r>
+              <a:rPr lang="en-NZ" dirty="0" err="1" smtClean="0"/>
+              <a:t>tilemap</a:t>
+            </a:r>
+            <a:r>
+              <a:rPr lang="en-NZ" dirty="0" smtClean="0"/>
+              <a:t> background</a:t>
+            </a:r>
+          </a:p>
+          <a:p>
+            <a:pPr marL="171450" indent="-171450">
+              <a:buFont typeface="Arial" panose="020B0604020202020204" pitchFamily="34" charset="0"/>
+              <a:buChar char="•"/>
+            </a:pPr>
+            <a:endParaRPr lang="en-NZ" dirty="0" smtClean="0"/>
+          </a:p>
+          <a:p>
+            <a:pPr marL="171450" indent="-171450">
+              <a:buFont typeface="Arial" panose="020B0604020202020204" pitchFamily="34" charset="0"/>
+              <a:buChar char="•"/>
+            </a:pPr>
+            <a:r>
+              <a:rPr lang="en-NZ" dirty="0" smtClean="0"/>
+              <a:t>The minimum passing requirements will be fairly basic, but you can get some fancy stuff going if you want to</a:t>
+            </a:r>
+          </a:p>
+          <a:p>
+            <a:pPr marL="171450" indent="-171450">
+              <a:buFont typeface="Arial" panose="020B0604020202020204" pitchFamily="34" charset="0"/>
+              <a:buChar char="•"/>
+            </a:pPr>
+            <a:endParaRPr lang="en-NZ" dirty="0" smtClean="0"/>
+          </a:p>
+          <a:p>
+            <a:pPr marL="171450" indent="-171450">
+              <a:buFont typeface="Arial" panose="020B0604020202020204" pitchFamily="34" charset="0"/>
+              <a:buChar char="•"/>
+            </a:pPr>
+            <a:r>
+              <a:rPr lang="en-NZ" dirty="0" smtClean="0"/>
+              <a:t>Here are some assorted images from the web...</a:t>
+            </a:r>
+          </a:p>
+          <a:p>
+            <a:pPr marL="171450" indent="-171450">
+              <a:buFont typeface="Arial" panose="020B0604020202020204" pitchFamily="34" charset="0"/>
+              <a:buChar char="•"/>
+            </a:pPr>
+            <a:r>
+              <a:rPr lang="en-NZ" dirty="0" smtClean="0"/>
+              <a:t>Rogue-likes use bird’s-eye view</a:t>
+            </a:r>
+          </a:p>
+          <a:p>
+            <a:pPr marL="171450" indent="-171450">
+              <a:buFont typeface="Arial" panose="020B0604020202020204" pitchFamily="34" charset="0"/>
+              <a:buChar char="•"/>
+            </a:pPr>
+            <a:endParaRPr lang="en-NZ" dirty="0" smtClean="0"/>
+          </a:p>
+          <a:p>
+            <a:pPr marL="171450" indent="-171450">
+              <a:buFont typeface="Arial" panose="020B0604020202020204" pitchFamily="34" charset="0"/>
+              <a:buChar char="•"/>
+            </a:pPr>
+            <a:r>
+              <a:rPr lang="en-NZ" dirty="0" smtClean="0"/>
+              <a:t>This one has a world that is bigger than the computer screen and will use a technique called “scrolling”, where you have a really big background, and you only display the portion of it which is centred around the player character’s current position</a:t>
+            </a:r>
+          </a:p>
+        </p:txBody>
+      </p:sp>
+      <p:sp>
+        <p:nvSpPr>
+          <p:cNvPr id="4" name="Slide Number Placeholder 3"/>
+          <p:cNvSpPr>
+            <a:spLocks noGrp="1"/>
+          </p:cNvSpPr>
+          <p:nvPr>
+            <p:ph type="sldNum" sz="quarter" idx="10"/>
+          </p:nvPr>
+        </p:nvSpPr>
+        <p:spPr/>
+        <p:txBody>
+          <a:bodyPr/>
+          <a:lstStyle/>
+          <a:p>
+            <a:fld id="{BBC1DE02-C006-4F38-873D-E62701AB1734}" type="slidenum">
+              <a:rPr lang="en-NZ" smtClean="0"/>
+              <a:t>16</a:t>
+            </a:fld>
+            <a:endParaRPr lang="en-NZ"/>
+          </a:p>
+        </p:txBody>
+      </p:sp>
+    </p:spTree>
+    <p:extLst>
+      <p:ext uri="{BB962C8B-B14F-4D97-AF65-F5344CB8AC3E}">
+        <p14:creationId xmlns:p14="http://schemas.microsoft.com/office/powerpoint/2010/main" val="2126802162"/>
+      </p:ext>
+    </p:extLst>
+  </p:cSld>
+  <p:clrMapOvr>
+    <a:masterClrMapping/>
+  </p:clrMapOvr>
+</p:notes>
+</file>
+
+<file path=ppt/notesSlides/notesSlide16.xml><?xml version="1.0" encoding="utf-8"?>
+<p:notes xmlns:a="http://schemas.openxmlformats.org/drawingml/2006/main" xmlns:r="http://schemas.openxmlformats.org/officeDocument/2006/relationships" xmlns:p="http://schemas.openxmlformats.org/presentationml/2006/main">
+  <p:cSld>
+    <p:spTree>
+      <p:nvGrpSpPr>
+        <p:cNvPr id="1" name=""/>
+        <p:cNvGrpSpPr/>
+        <p:nvPr/>
+      </p:nvGrpSpPr>
+      <p:grpSpPr>
+        <a:xfrm>
+          <a:off x="0" y="0"/>
+          <a:ext cx="0" cy="0"/>
+          <a:chOff x="0" y="0"/>
+          <a:chExt cx="0" cy="0"/>
+        </a:xfrm>
+      </p:grpSpPr>
+      <p:sp>
+        <p:nvSpPr>
+          <p:cNvPr id="2" name="Slide Image Placeholder 1"/>
+          <p:cNvSpPr>
+            <a:spLocks noGrp="1" noRot="1" noChangeAspect="1"/>
+          </p:cNvSpPr>
+          <p:nvPr>
+            <p:ph type="sldImg"/>
+          </p:nvPr>
+        </p:nvSpPr>
+        <p:spPr/>
+      </p:sp>
+      <p:sp>
+        <p:nvSpPr>
+          <p:cNvPr id="3" name="Notes Placeholder 2"/>
+          <p:cNvSpPr>
+            <a:spLocks noGrp="1"/>
+          </p:cNvSpPr>
+          <p:nvPr>
+            <p:ph type="body" idx="1"/>
+          </p:nvPr>
+        </p:nvSpPr>
+        <p:spPr/>
+        <p:txBody>
+          <a:bodyPr/>
+          <a:lstStyle/>
+          <a:p>
+            <a:pPr marL="171450" indent="-171450">
+              <a:buFont typeface="Arial" panose="020B0604020202020204" pitchFamily="34" charset="0"/>
+              <a:buChar char="•"/>
+            </a:pPr>
+            <a:endParaRPr lang="en-NZ" dirty="0" smtClean="0"/>
+          </a:p>
+        </p:txBody>
+      </p:sp>
+      <p:sp>
+        <p:nvSpPr>
+          <p:cNvPr id="4" name="Slide Number Placeholder 3"/>
+          <p:cNvSpPr>
+            <a:spLocks noGrp="1"/>
+          </p:cNvSpPr>
+          <p:nvPr>
+            <p:ph type="sldNum" sz="quarter" idx="10"/>
+          </p:nvPr>
+        </p:nvSpPr>
+        <p:spPr/>
+        <p:txBody>
+          <a:bodyPr/>
+          <a:lstStyle/>
+          <a:p>
+            <a:fld id="{BBC1DE02-C006-4F38-873D-E62701AB1734}" type="slidenum">
+              <a:rPr lang="en-NZ" smtClean="0"/>
+              <a:t>17</a:t>
+            </a:fld>
+            <a:endParaRPr lang="en-NZ"/>
+          </a:p>
+        </p:txBody>
+      </p:sp>
+    </p:spTree>
+    <p:extLst>
+      <p:ext uri="{BB962C8B-B14F-4D97-AF65-F5344CB8AC3E}">
+        <p14:creationId xmlns:p14="http://schemas.microsoft.com/office/powerpoint/2010/main" val="3860236843"/>
+      </p:ext>
+    </p:extLst>
+  </p:cSld>
+  <p:clrMapOvr>
+    <a:masterClrMapping/>
+  </p:clrMapOvr>
+</p:notes>
+</file>
+
+<file path=ppt/notesSlides/notesSlide17.xml><?xml version="1.0" encoding="utf-8"?>
+<p:notes xmlns:a="http://schemas.openxmlformats.org/drawingml/2006/main" xmlns:r="http://schemas.openxmlformats.org/officeDocument/2006/relationships" xmlns:p="http://schemas.openxmlformats.org/presentationml/2006/main">
+  <p:cSld>
+    <p:spTree>
+      <p:nvGrpSpPr>
+        <p:cNvPr id="1" name=""/>
+        <p:cNvGrpSpPr/>
+        <p:nvPr/>
+      </p:nvGrpSpPr>
+      <p:grpSpPr>
+        <a:xfrm>
+          <a:off x="0" y="0"/>
+          <a:ext cx="0" cy="0"/>
+          <a:chOff x="0" y="0"/>
+          <a:chExt cx="0" cy="0"/>
+        </a:xfrm>
+      </p:grpSpPr>
+      <p:sp>
+        <p:nvSpPr>
+          <p:cNvPr id="2" name="Slide Image Placeholder 1"/>
+          <p:cNvSpPr>
+            <a:spLocks noGrp="1" noRot="1" noChangeAspect="1"/>
+          </p:cNvSpPr>
+          <p:nvPr>
+            <p:ph type="sldImg"/>
+          </p:nvPr>
+        </p:nvSpPr>
+        <p:spPr/>
+      </p:sp>
+      <p:sp>
+        <p:nvSpPr>
+          <p:cNvPr id="3" name="Notes Placeholder 2"/>
+          <p:cNvSpPr>
+            <a:spLocks noGrp="1"/>
+          </p:cNvSpPr>
+          <p:nvPr>
+            <p:ph type="body" idx="1"/>
+          </p:nvPr>
+        </p:nvSpPr>
+        <p:spPr/>
+        <p:txBody>
+          <a:bodyPr/>
+          <a:lstStyle/>
+          <a:p>
+            <a:pPr marL="171450" indent="-171450">
+              <a:buFont typeface="Arial" panose="020B0604020202020204" pitchFamily="34" charset="0"/>
+              <a:buChar char="•"/>
+            </a:pPr>
+            <a:endParaRPr lang="en-NZ" dirty="0" smtClean="0"/>
+          </a:p>
+        </p:txBody>
+      </p:sp>
+      <p:sp>
+        <p:nvSpPr>
+          <p:cNvPr id="4" name="Slide Number Placeholder 3"/>
+          <p:cNvSpPr>
+            <a:spLocks noGrp="1"/>
+          </p:cNvSpPr>
+          <p:nvPr>
+            <p:ph type="sldNum" sz="quarter" idx="10"/>
+          </p:nvPr>
+        </p:nvSpPr>
+        <p:spPr/>
+        <p:txBody>
+          <a:bodyPr/>
+          <a:lstStyle/>
+          <a:p>
+            <a:fld id="{BBC1DE02-C006-4F38-873D-E62701AB1734}" type="slidenum">
+              <a:rPr lang="en-NZ" smtClean="0"/>
+              <a:t>18</a:t>
+            </a:fld>
+            <a:endParaRPr lang="en-NZ"/>
+          </a:p>
+        </p:txBody>
+      </p:sp>
+    </p:spTree>
+    <p:extLst>
+      <p:ext uri="{BB962C8B-B14F-4D97-AF65-F5344CB8AC3E}">
+        <p14:creationId xmlns:p14="http://schemas.microsoft.com/office/powerpoint/2010/main" val="3057313558"/>
+      </p:ext>
+    </p:extLst>
+  </p:cSld>
+  <p:clrMapOvr>
+    <a:masterClrMapping/>
+  </p:clrMapOvr>
+</p:notes>
+</file>
+
+<file path=ppt/notesSlides/notesSlide18.xml><?xml version="1.0" encoding="utf-8"?>
+<p:notes xmlns:a="http://schemas.openxmlformats.org/drawingml/2006/main" xmlns:r="http://schemas.openxmlformats.org/officeDocument/2006/relationships" xmlns:p="http://schemas.openxmlformats.org/presentationml/2006/main">
+  <p:cSld>
+    <p:spTree>
+      <p:nvGrpSpPr>
+        <p:cNvPr id="1" name=""/>
+        <p:cNvGrpSpPr/>
+        <p:nvPr/>
+      </p:nvGrpSpPr>
+      <p:grpSpPr>
+        <a:xfrm>
+          <a:off x="0" y="0"/>
+          <a:ext cx="0" cy="0"/>
+          <a:chOff x="0" y="0"/>
+          <a:chExt cx="0" cy="0"/>
+        </a:xfrm>
+      </p:grpSpPr>
+      <p:sp>
+        <p:nvSpPr>
+          <p:cNvPr id="2" name="Slide Image Placeholder 1"/>
+          <p:cNvSpPr>
+            <a:spLocks noGrp="1" noRot="1" noChangeAspect="1"/>
+          </p:cNvSpPr>
+          <p:nvPr>
+            <p:ph type="sldImg"/>
+          </p:nvPr>
+        </p:nvSpPr>
+        <p:spPr/>
+      </p:sp>
+      <p:sp>
+        <p:nvSpPr>
+          <p:cNvPr id="3" name="Notes Placeholder 2"/>
+          <p:cNvSpPr>
+            <a:spLocks noGrp="1"/>
+          </p:cNvSpPr>
+          <p:nvPr>
+            <p:ph type="body" idx="1"/>
+          </p:nvPr>
+        </p:nvSpPr>
+        <p:spPr/>
+        <p:txBody>
+          <a:bodyPr/>
+          <a:lstStyle/>
+          <a:p>
+            <a:pPr marL="171450" indent="-171450">
+              <a:buFont typeface="Arial" panose="020B0604020202020204" pitchFamily="34" charset="0"/>
+              <a:buChar char="•"/>
+            </a:pPr>
+            <a:endParaRPr lang="en-NZ" dirty="0" smtClean="0"/>
+          </a:p>
+        </p:txBody>
+      </p:sp>
+      <p:sp>
+        <p:nvSpPr>
+          <p:cNvPr id="4" name="Slide Number Placeholder 3"/>
+          <p:cNvSpPr>
+            <a:spLocks noGrp="1"/>
+          </p:cNvSpPr>
+          <p:nvPr>
+            <p:ph type="sldNum" sz="quarter" idx="10"/>
+          </p:nvPr>
+        </p:nvSpPr>
+        <p:spPr/>
+        <p:txBody>
+          <a:bodyPr/>
+          <a:lstStyle/>
+          <a:p>
+            <a:fld id="{BBC1DE02-C006-4F38-873D-E62701AB1734}" type="slidenum">
+              <a:rPr lang="en-NZ" smtClean="0"/>
+              <a:t>19</a:t>
+            </a:fld>
+            <a:endParaRPr lang="en-NZ"/>
+          </a:p>
+        </p:txBody>
+      </p:sp>
+    </p:spTree>
+    <p:extLst>
+      <p:ext uri="{BB962C8B-B14F-4D97-AF65-F5344CB8AC3E}">
+        <p14:creationId xmlns:p14="http://schemas.microsoft.com/office/powerpoint/2010/main" val="384980096"/>
+      </p:ext>
+    </p:extLst>
+  </p:cSld>
+  <p:clrMapOvr>
+    <a:masterClrMapping/>
+  </p:clrMapOvr>
+</p:notes>
+</file>
+
+<file path=ppt/notesSlides/notesSlide19.xml><?xml version="1.0" encoding="utf-8"?>
+<p:notes xmlns:a="http://schemas.openxmlformats.org/drawingml/2006/main" xmlns:r="http://schemas.openxmlformats.org/officeDocument/2006/relationships" xmlns:p="http://schemas.openxmlformats.org/presentationml/2006/main">
+  <p:cSld>
+    <p:spTree>
+      <p:nvGrpSpPr>
+        <p:cNvPr id="1" name=""/>
+        <p:cNvGrpSpPr/>
+        <p:nvPr/>
+      </p:nvGrpSpPr>
+      <p:grpSpPr>
+        <a:xfrm>
+          <a:off x="0" y="0"/>
+          <a:ext cx="0" cy="0"/>
+          <a:chOff x="0" y="0"/>
+          <a:chExt cx="0" cy="0"/>
+        </a:xfrm>
+      </p:grpSpPr>
+      <p:sp>
+        <p:nvSpPr>
+          <p:cNvPr id="2" name="Slide Image Placeholder 1"/>
+          <p:cNvSpPr>
+            <a:spLocks noGrp="1" noRot="1" noChangeAspect="1"/>
+          </p:cNvSpPr>
+          <p:nvPr>
+            <p:ph type="sldImg"/>
+          </p:nvPr>
+        </p:nvSpPr>
+        <p:spPr/>
+      </p:sp>
+      <p:sp>
+        <p:nvSpPr>
+          <p:cNvPr id="3" name="Notes Placeholder 2"/>
+          <p:cNvSpPr>
+            <a:spLocks noGrp="1"/>
+          </p:cNvSpPr>
+          <p:nvPr>
+            <p:ph type="body" idx="1"/>
+          </p:nvPr>
+        </p:nvSpPr>
+        <p:spPr/>
+        <p:txBody>
+          <a:bodyPr/>
+          <a:lstStyle/>
+          <a:p>
+            <a:pPr marL="171450" indent="-171450">
+              <a:buFont typeface="Arial" panose="020B0604020202020204" pitchFamily="34" charset="0"/>
+              <a:buChar char="•"/>
+            </a:pPr>
+            <a:endParaRPr lang="en-NZ" dirty="0" smtClean="0"/>
+          </a:p>
+        </p:txBody>
+      </p:sp>
+      <p:sp>
+        <p:nvSpPr>
+          <p:cNvPr id="4" name="Slide Number Placeholder 3"/>
+          <p:cNvSpPr>
+            <a:spLocks noGrp="1"/>
+          </p:cNvSpPr>
+          <p:nvPr>
+            <p:ph type="sldNum" sz="quarter" idx="10"/>
+          </p:nvPr>
+        </p:nvSpPr>
+        <p:spPr/>
+        <p:txBody>
+          <a:bodyPr/>
+          <a:lstStyle/>
+          <a:p>
+            <a:fld id="{BBC1DE02-C006-4F38-873D-E62701AB1734}" type="slidenum">
+              <a:rPr lang="en-NZ" smtClean="0"/>
+              <a:t>20</a:t>
+            </a:fld>
+            <a:endParaRPr lang="en-NZ"/>
+          </a:p>
+        </p:txBody>
+      </p:sp>
+    </p:spTree>
+    <p:extLst>
+      <p:ext uri="{BB962C8B-B14F-4D97-AF65-F5344CB8AC3E}">
+        <p14:creationId xmlns:p14="http://schemas.microsoft.com/office/powerpoint/2010/main" val="4237631523"/>
       </p:ext>
     </p:extLst>
   </p:cSld>
@@ -621,6 +1807,18 @@
               <a:buFont typeface="Arial" panose="020B0604020202020204" pitchFamily="34" charset="0"/>
               <a:buChar char="•"/>
             </a:pPr>
+            <a:r>
+              <a:rPr lang="en-NZ" dirty="0" smtClean="0"/>
+              <a:t>You use a small(</a:t>
+            </a:r>
+            <a:r>
+              <a:rPr lang="en-NZ" dirty="0" err="1" smtClean="0"/>
+              <a:t>ish</a:t>
+            </a:r>
+            <a:r>
+              <a:rPr lang="en-NZ" dirty="0" smtClean="0"/>
+              <a:t>) set of tile images, and lay them down like a tile floor to create the background</a:t>
+            </a:r>
             <a:endParaRPr lang="en-NZ" dirty="0"/>
           </a:p>
         </p:txBody>
@@ -651,7 +1849,923 @@
     </p:spTree>
     <p:extLst>
       <p:ext uri="{BB962C8B-B14F-4D97-AF65-F5344CB8AC3E}">
+        <p14:creationId xmlns:p14="http://schemas.microsoft.com/office/powerpoint/2010/main" val="2597269867"/>
+      </p:ext>
+    </p:extLst>
+  </p:cSld>
+  <p:clrMapOvr>
+    <a:masterClrMapping/>
+  </p:clrMapOvr>
+</p:notes>
+</file>
+
+<file path=ppt/notesSlides/notesSlide20.xml><?xml version="1.0" encoding="utf-8"?>
+<p:notes xmlns:a="http://schemas.openxmlformats.org/drawingml/2006/main" xmlns:r="http://schemas.openxmlformats.org/officeDocument/2006/relationships" xmlns:p="http://schemas.openxmlformats.org/presentationml/2006/main">
+  <p:cSld>
+    <p:spTree>
+      <p:nvGrpSpPr>
+        <p:cNvPr id="1" name=""/>
+        <p:cNvGrpSpPr/>
+        <p:nvPr/>
+      </p:nvGrpSpPr>
+      <p:grpSpPr>
+        <a:xfrm>
+          <a:off x="0" y="0"/>
+          <a:ext cx="0" cy="0"/>
+          <a:chOff x="0" y="0"/>
+          <a:chExt cx="0" cy="0"/>
+        </a:xfrm>
+      </p:grpSpPr>
+      <p:sp>
+        <p:nvSpPr>
+          <p:cNvPr id="2" name="Slide Image Placeholder 1"/>
+          <p:cNvSpPr>
+            <a:spLocks noGrp="1" noRot="1" noChangeAspect="1"/>
+          </p:cNvSpPr>
+          <p:nvPr>
+            <p:ph type="sldImg"/>
+          </p:nvPr>
+        </p:nvSpPr>
+        <p:spPr/>
+      </p:sp>
+      <p:sp>
+        <p:nvSpPr>
+          <p:cNvPr id="3" name="Notes Placeholder 2"/>
+          <p:cNvSpPr>
+            <a:spLocks noGrp="1"/>
+          </p:cNvSpPr>
+          <p:nvPr>
+            <p:ph type="body" idx="1"/>
+          </p:nvPr>
+        </p:nvSpPr>
+        <p:spPr/>
+        <p:txBody>
+          <a:bodyPr/>
+          <a:lstStyle/>
+          <a:p>
+            <a:pPr marL="171450" indent="-171450">
+              <a:buFont typeface="Arial" panose="020B0604020202020204" pitchFamily="34" charset="0"/>
+              <a:buChar char="•"/>
+            </a:pPr>
+            <a:endParaRPr lang="en-NZ" dirty="0"/>
+          </a:p>
+        </p:txBody>
+      </p:sp>
+      <p:sp>
+        <p:nvSpPr>
+          <p:cNvPr id="4" name="Slide Number Placeholder 3"/>
+          <p:cNvSpPr>
+            <a:spLocks noGrp="1"/>
+          </p:cNvSpPr>
+          <p:nvPr>
+            <p:ph type="sldNum" sz="quarter" idx="10"/>
+          </p:nvPr>
+        </p:nvSpPr>
+        <p:spPr/>
+        <p:txBody>
+          <a:bodyPr/>
+          <a:lstStyle/>
+          <a:p>
+            <a:fld id="{BBC1DE02-C006-4F38-873D-E62701AB1734}" type="slidenum">
+              <a:rPr lang="en-NZ" smtClean="0"/>
+              <a:t>21</a:t>
+            </a:fld>
+            <a:endParaRPr lang="en-NZ"/>
+          </a:p>
+        </p:txBody>
+      </p:sp>
+    </p:spTree>
+    <p:extLst>
+      <p:ext uri="{BB962C8B-B14F-4D97-AF65-F5344CB8AC3E}">
         <p14:creationId xmlns:p14="http://schemas.microsoft.com/office/powerpoint/2010/main" val="1362392687"/>
+      </p:ext>
+    </p:extLst>
+  </p:cSld>
+  <p:clrMapOvr>
+    <a:masterClrMapping/>
+  </p:clrMapOvr>
+</p:notes>
+</file>
+
+<file path=ppt/notesSlides/notesSlide21.xml><?xml version="1.0" encoding="utf-8"?>
+<p:notes xmlns:a="http://schemas.openxmlformats.org/drawingml/2006/main" xmlns:r="http://schemas.openxmlformats.org/officeDocument/2006/relationships" xmlns:p="http://schemas.openxmlformats.org/presentationml/2006/main">
+  <p:cSld>
+    <p:spTree>
+      <p:nvGrpSpPr>
+        <p:cNvPr id="1" name=""/>
+        <p:cNvGrpSpPr/>
+        <p:nvPr/>
+      </p:nvGrpSpPr>
+      <p:grpSpPr>
+        <a:xfrm>
+          <a:off x="0" y="0"/>
+          <a:ext cx="0" cy="0"/>
+          <a:chOff x="0" y="0"/>
+          <a:chExt cx="0" cy="0"/>
+        </a:xfrm>
+      </p:grpSpPr>
+      <p:sp>
+        <p:nvSpPr>
+          <p:cNvPr id="2" name="Slide Image Placeholder 1"/>
+          <p:cNvSpPr>
+            <a:spLocks noGrp="1" noRot="1" noChangeAspect="1"/>
+          </p:cNvSpPr>
+          <p:nvPr>
+            <p:ph type="sldImg"/>
+          </p:nvPr>
+        </p:nvSpPr>
+        <p:spPr/>
+      </p:sp>
+      <p:sp>
+        <p:nvSpPr>
+          <p:cNvPr id="3" name="Notes Placeholder 2"/>
+          <p:cNvSpPr>
+            <a:spLocks noGrp="1"/>
+          </p:cNvSpPr>
+          <p:nvPr>
+            <p:ph type="body" idx="1"/>
+          </p:nvPr>
+        </p:nvSpPr>
+        <p:spPr/>
+        <p:txBody>
+          <a:bodyPr/>
+          <a:lstStyle/>
+          <a:p>
+            <a:pPr marL="171450" indent="-171450">
+              <a:buFont typeface="Arial" panose="020B0604020202020204" pitchFamily="34" charset="0"/>
+              <a:buChar char="•"/>
+            </a:pPr>
+            <a:r>
+              <a:rPr lang="en-NZ" dirty="0" smtClean="0"/>
+              <a:t>Preparing for the future</a:t>
+            </a:r>
+            <a:endParaRPr lang="en-NZ" dirty="0"/>
+          </a:p>
+        </p:txBody>
+      </p:sp>
+      <p:sp>
+        <p:nvSpPr>
+          <p:cNvPr id="4" name="Slide Number Placeholder 3"/>
+          <p:cNvSpPr>
+            <a:spLocks noGrp="1"/>
+          </p:cNvSpPr>
+          <p:nvPr>
+            <p:ph type="sldNum" sz="quarter" idx="10"/>
+          </p:nvPr>
+        </p:nvSpPr>
+        <p:spPr/>
+        <p:txBody>
+          <a:bodyPr/>
+          <a:lstStyle/>
+          <a:p>
+            <a:fld id="{BBC1DE02-C006-4F38-873D-E62701AB1734}" type="slidenum">
+              <a:rPr lang="en-NZ" smtClean="0"/>
+              <a:t>22</a:t>
+            </a:fld>
+            <a:endParaRPr lang="en-NZ"/>
+          </a:p>
+        </p:txBody>
+      </p:sp>
+    </p:spTree>
+    <p:extLst>
+      <p:ext uri="{BB962C8B-B14F-4D97-AF65-F5344CB8AC3E}">
+        <p14:creationId xmlns:p14="http://schemas.microsoft.com/office/powerpoint/2010/main" val="750860364"/>
+      </p:ext>
+    </p:extLst>
+  </p:cSld>
+  <p:clrMapOvr>
+    <a:masterClrMapping/>
+  </p:clrMapOvr>
+</p:notes>
+</file>
+
+<file path=ppt/notesSlides/notesSlide22.xml><?xml version="1.0" encoding="utf-8"?>
+<p:notes xmlns:a="http://schemas.openxmlformats.org/drawingml/2006/main" xmlns:r="http://schemas.openxmlformats.org/officeDocument/2006/relationships" xmlns:p="http://schemas.openxmlformats.org/presentationml/2006/main">
+  <p:cSld>
+    <p:spTree>
+      <p:nvGrpSpPr>
+        <p:cNvPr id="1" name=""/>
+        <p:cNvGrpSpPr/>
+        <p:nvPr/>
+      </p:nvGrpSpPr>
+      <p:grpSpPr>
+        <a:xfrm>
+          <a:off x="0" y="0"/>
+          <a:ext cx="0" cy="0"/>
+          <a:chOff x="0" y="0"/>
+          <a:chExt cx="0" cy="0"/>
+        </a:xfrm>
+      </p:grpSpPr>
+      <p:sp>
+        <p:nvSpPr>
+          <p:cNvPr id="2" name="Slide Image Placeholder 1"/>
+          <p:cNvSpPr>
+            <a:spLocks noGrp="1" noRot="1" noChangeAspect="1"/>
+          </p:cNvSpPr>
+          <p:nvPr>
+            <p:ph type="sldImg"/>
+          </p:nvPr>
+        </p:nvSpPr>
+        <p:spPr/>
+      </p:sp>
+      <p:sp>
+        <p:nvSpPr>
+          <p:cNvPr id="3" name="Notes Placeholder 2"/>
+          <p:cNvSpPr>
+            <a:spLocks noGrp="1"/>
+          </p:cNvSpPr>
+          <p:nvPr>
+            <p:ph type="body" idx="1"/>
+          </p:nvPr>
+        </p:nvSpPr>
+        <p:spPr/>
+        <p:txBody>
+          <a:bodyPr/>
+          <a:lstStyle/>
+          <a:p>
+            <a:pPr marL="171450" indent="-171450">
+              <a:buFont typeface="Arial" panose="020B0604020202020204" pitchFamily="34" charset="0"/>
+              <a:buChar char="•"/>
+            </a:pPr>
+            <a:endParaRPr lang="en-NZ" dirty="0"/>
+          </a:p>
+        </p:txBody>
+      </p:sp>
+      <p:sp>
+        <p:nvSpPr>
+          <p:cNvPr id="4" name="Slide Number Placeholder 3"/>
+          <p:cNvSpPr>
+            <a:spLocks noGrp="1"/>
+          </p:cNvSpPr>
+          <p:nvPr>
+            <p:ph type="sldNum" sz="quarter" idx="10"/>
+          </p:nvPr>
+        </p:nvSpPr>
+        <p:spPr/>
+        <p:txBody>
+          <a:bodyPr/>
+          <a:lstStyle/>
+          <a:p>
+            <a:fld id="{BBC1DE02-C006-4F38-873D-E62701AB1734}" type="slidenum">
+              <a:rPr lang="en-NZ" smtClean="0"/>
+              <a:t>23</a:t>
+            </a:fld>
+            <a:endParaRPr lang="en-NZ"/>
+          </a:p>
+        </p:txBody>
+      </p:sp>
+    </p:spTree>
+    <p:extLst>
+      <p:ext uri="{BB962C8B-B14F-4D97-AF65-F5344CB8AC3E}">
+        <p14:creationId xmlns:p14="http://schemas.microsoft.com/office/powerpoint/2010/main" val="917480821"/>
+      </p:ext>
+    </p:extLst>
+  </p:cSld>
+  <p:clrMapOvr>
+    <a:masterClrMapping/>
+  </p:clrMapOvr>
+</p:notes>
+</file>
+
+<file path=ppt/notesSlides/notesSlide23.xml><?xml version="1.0" encoding="utf-8"?>
+<p:notes xmlns:a="http://schemas.openxmlformats.org/drawingml/2006/main" xmlns:r="http://schemas.openxmlformats.org/officeDocument/2006/relationships" xmlns:p="http://schemas.openxmlformats.org/presentationml/2006/main">
+  <p:cSld>
+    <p:spTree>
+      <p:nvGrpSpPr>
+        <p:cNvPr id="1" name=""/>
+        <p:cNvGrpSpPr/>
+        <p:nvPr/>
+      </p:nvGrpSpPr>
+      <p:grpSpPr>
+        <a:xfrm>
+          <a:off x="0" y="0"/>
+          <a:ext cx="0" cy="0"/>
+          <a:chOff x="0" y="0"/>
+          <a:chExt cx="0" cy="0"/>
+        </a:xfrm>
+      </p:grpSpPr>
+      <p:sp>
+        <p:nvSpPr>
+          <p:cNvPr id="2" name="Slide Image Placeholder 1"/>
+          <p:cNvSpPr>
+            <a:spLocks noGrp="1" noRot="1" noChangeAspect="1"/>
+          </p:cNvSpPr>
+          <p:nvPr>
+            <p:ph type="sldImg"/>
+          </p:nvPr>
+        </p:nvSpPr>
+        <p:spPr/>
+      </p:sp>
+      <p:sp>
+        <p:nvSpPr>
+          <p:cNvPr id="3" name="Notes Placeholder 2"/>
+          <p:cNvSpPr>
+            <a:spLocks noGrp="1"/>
+          </p:cNvSpPr>
+          <p:nvPr>
+            <p:ph type="body" idx="1"/>
+          </p:nvPr>
+        </p:nvSpPr>
+        <p:spPr/>
+        <p:txBody>
+          <a:bodyPr/>
+          <a:lstStyle/>
+          <a:p>
+            <a:pPr marL="171450" indent="-171450">
+              <a:buFont typeface="Arial" panose="020B0604020202020204" pitchFamily="34" charset="0"/>
+              <a:buChar char="•"/>
+            </a:pPr>
+            <a:endParaRPr lang="en-NZ" dirty="0"/>
+          </a:p>
+        </p:txBody>
+      </p:sp>
+      <p:sp>
+        <p:nvSpPr>
+          <p:cNvPr id="4" name="Slide Number Placeholder 3"/>
+          <p:cNvSpPr>
+            <a:spLocks noGrp="1"/>
+          </p:cNvSpPr>
+          <p:nvPr>
+            <p:ph type="sldNum" sz="quarter" idx="10"/>
+          </p:nvPr>
+        </p:nvSpPr>
+        <p:spPr/>
+        <p:txBody>
+          <a:bodyPr/>
+          <a:lstStyle/>
+          <a:p>
+            <a:fld id="{BBC1DE02-C006-4F38-873D-E62701AB1734}" type="slidenum">
+              <a:rPr lang="en-NZ" smtClean="0"/>
+              <a:t>24</a:t>
+            </a:fld>
+            <a:endParaRPr lang="en-NZ"/>
+          </a:p>
+        </p:txBody>
+      </p:sp>
+    </p:spTree>
+    <p:extLst>
+      <p:ext uri="{BB962C8B-B14F-4D97-AF65-F5344CB8AC3E}">
+        <p14:creationId xmlns:p14="http://schemas.microsoft.com/office/powerpoint/2010/main" val="4212124869"/>
+      </p:ext>
+    </p:extLst>
+  </p:cSld>
+  <p:clrMapOvr>
+    <a:masterClrMapping/>
+  </p:clrMapOvr>
+</p:notes>
+</file>
+
+<file path=ppt/notesSlides/notesSlide24.xml><?xml version="1.0" encoding="utf-8"?>
+<p:notes xmlns:a="http://schemas.openxmlformats.org/drawingml/2006/main" xmlns:r="http://schemas.openxmlformats.org/officeDocument/2006/relationships" xmlns:p="http://schemas.openxmlformats.org/presentationml/2006/main">
+  <p:cSld>
+    <p:spTree>
+      <p:nvGrpSpPr>
+        <p:cNvPr id="1" name=""/>
+        <p:cNvGrpSpPr/>
+        <p:nvPr/>
+      </p:nvGrpSpPr>
+      <p:grpSpPr>
+        <a:xfrm>
+          <a:off x="0" y="0"/>
+          <a:ext cx="0" cy="0"/>
+          <a:chOff x="0" y="0"/>
+          <a:chExt cx="0" cy="0"/>
+        </a:xfrm>
+      </p:grpSpPr>
+      <p:sp>
+        <p:nvSpPr>
+          <p:cNvPr id="2" name="Slide Image Placeholder 1"/>
+          <p:cNvSpPr>
+            <a:spLocks noGrp="1" noRot="1" noChangeAspect="1"/>
+          </p:cNvSpPr>
+          <p:nvPr>
+            <p:ph type="sldImg"/>
+          </p:nvPr>
+        </p:nvSpPr>
+        <p:spPr/>
+      </p:sp>
+      <p:sp>
+        <p:nvSpPr>
+          <p:cNvPr id="3" name="Notes Placeholder 2"/>
+          <p:cNvSpPr>
+            <a:spLocks noGrp="1"/>
+          </p:cNvSpPr>
+          <p:nvPr>
+            <p:ph type="body" idx="1"/>
+          </p:nvPr>
+        </p:nvSpPr>
+        <p:spPr/>
+        <p:txBody>
+          <a:bodyPr/>
+          <a:lstStyle/>
+          <a:p>
+            <a:pPr marL="171450" indent="-171450">
+              <a:buFont typeface="Arial" panose="020B0604020202020204" pitchFamily="34" charset="0"/>
+              <a:buChar char="•"/>
+            </a:pPr>
+            <a:endParaRPr lang="en-NZ" dirty="0"/>
+          </a:p>
+        </p:txBody>
+      </p:sp>
+      <p:sp>
+        <p:nvSpPr>
+          <p:cNvPr id="4" name="Slide Number Placeholder 3"/>
+          <p:cNvSpPr>
+            <a:spLocks noGrp="1"/>
+          </p:cNvSpPr>
+          <p:nvPr>
+            <p:ph type="sldNum" sz="quarter" idx="10"/>
+          </p:nvPr>
+        </p:nvSpPr>
+        <p:spPr/>
+        <p:txBody>
+          <a:bodyPr/>
+          <a:lstStyle/>
+          <a:p>
+            <a:fld id="{BBC1DE02-C006-4F38-873D-E62701AB1734}" type="slidenum">
+              <a:rPr lang="en-NZ" smtClean="0"/>
+              <a:t>25</a:t>
+            </a:fld>
+            <a:endParaRPr lang="en-NZ"/>
+          </a:p>
+        </p:txBody>
+      </p:sp>
+    </p:spTree>
+    <p:extLst>
+      <p:ext uri="{BB962C8B-B14F-4D97-AF65-F5344CB8AC3E}">
+        <p14:creationId xmlns:p14="http://schemas.microsoft.com/office/powerpoint/2010/main" val="120240645"/>
+      </p:ext>
+    </p:extLst>
+  </p:cSld>
+  <p:clrMapOvr>
+    <a:masterClrMapping/>
+  </p:clrMapOvr>
+</p:notes>
+</file>
+
+<file path=ppt/notesSlides/notesSlide25.xml><?xml version="1.0" encoding="utf-8"?>
+<p:notes xmlns:a="http://schemas.openxmlformats.org/drawingml/2006/main" xmlns:r="http://schemas.openxmlformats.org/officeDocument/2006/relationships" xmlns:p="http://schemas.openxmlformats.org/presentationml/2006/main">
+  <p:cSld>
+    <p:spTree>
+      <p:nvGrpSpPr>
+        <p:cNvPr id="1" name=""/>
+        <p:cNvGrpSpPr/>
+        <p:nvPr/>
+      </p:nvGrpSpPr>
+      <p:grpSpPr>
+        <a:xfrm>
+          <a:off x="0" y="0"/>
+          <a:ext cx="0" cy="0"/>
+          <a:chOff x="0" y="0"/>
+          <a:chExt cx="0" cy="0"/>
+        </a:xfrm>
+      </p:grpSpPr>
+      <p:sp>
+        <p:nvSpPr>
+          <p:cNvPr id="2" name="Slide Image Placeholder 1"/>
+          <p:cNvSpPr>
+            <a:spLocks noGrp="1" noRot="1" noChangeAspect="1"/>
+          </p:cNvSpPr>
+          <p:nvPr>
+            <p:ph type="sldImg"/>
+          </p:nvPr>
+        </p:nvSpPr>
+        <p:spPr/>
+      </p:sp>
+      <p:sp>
+        <p:nvSpPr>
+          <p:cNvPr id="3" name="Notes Placeholder 2"/>
+          <p:cNvSpPr>
+            <a:spLocks noGrp="1"/>
+          </p:cNvSpPr>
+          <p:nvPr>
+            <p:ph type="body" idx="1"/>
+          </p:nvPr>
+        </p:nvSpPr>
+        <p:spPr/>
+        <p:txBody>
+          <a:bodyPr/>
+          <a:lstStyle/>
+          <a:p>
+            <a:pPr marL="171450" indent="-171450">
+              <a:buFont typeface="Arial" panose="020B0604020202020204" pitchFamily="34" charset="0"/>
+              <a:buChar char="•"/>
+            </a:pPr>
+            <a:r>
+              <a:rPr lang="en-NZ" dirty="0" smtClean="0"/>
+              <a:t>Ignore</a:t>
+            </a:r>
+            <a:r>
+              <a:rPr lang="en-NZ" baseline="0" dirty="0" smtClean="0"/>
+              <a:t> </a:t>
+            </a:r>
+            <a:r>
+              <a:rPr lang="en-NZ" baseline="0" dirty="0" err="1" smtClean="0"/>
+              <a:t>LoadMapFromFile</a:t>
+            </a:r>
+            <a:r>
+              <a:rPr lang="en-NZ" baseline="0" dirty="0" smtClean="0"/>
+              <a:t>() </a:t>
+            </a:r>
+            <a:r>
+              <a:rPr lang="mr-IN" baseline="0" dirty="0" smtClean="0"/>
+              <a:t>–</a:t>
+            </a:r>
+            <a:r>
+              <a:rPr lang="en-NZ" baseline="0" dirty="0" smtClean="0"/>
+              <a:t> we will look at this soon</a:t>
+            </a:r>
+            <a:endParaRPr lang="en-NZ" dirty="0"/>
+          </a:p>
+        </p:txBody>
+      </p:sp>
+      <p:sp>
+        <p:nvSpPr>
+          <p:cNvPr id="4" name="Slide Number Placeholder 3"/>
+          <p:cNvSpPr>
+            <a:spLocks noGrp="1"/>
+          </p:cNvSpPr>
+          <p:nvPr>
+            <p:ph type="sldNum" sz="quarter" idx="10"/>
+          </p:nvPr>
+        </p:nvSpPr>
+        <p:spPr/>
+        <p:txBody>
+          <a:bodyPr/>
+          <a:lstStyle/>
+          <a:p>
+            <a:fld id="{BBC1DE02-C006-4F38-873D-E62701AB1734}" type="slidenum">
+              <a:rPr lang="en-NZ" smtClean="0"/>
+              <a:t>26</a:t>
+            </a:fld>
+            <a:endParaRPr lang="en-NZ"/>
+          </a:p>
+        </p:txBody>
+      </p:sp>
+    </p:spTree>
+    <p:extLst>
+      <p:ext uri="{BB962C8B-B14F-4D97-AF65-F5344CB8AC3E}">
+        <p14:creationId xmlns:p14="http://schemas.microsoft.com/office/powerpoint/2010/main" val="910509553"/>
+      </p:ext>
+    </p:extLst>
+  </p:cSld>
+  <p:clrMapOvr>
+    <a:masterClrMapping/>
+  </p:clrMapOvr>
+</p:notes>
+</file>
+
+<file path=ppt/notesSlides/notesSlide26.xml><?xml version="1.0" encoding="utf-8"?>
+<p:notes xmlns:a="http://schemas.openxmlformats.org/drawingml/2006/main" xmlns:r="http://schemas.openxmlformats.org/officeDocument/2006/relationships" xmlns:p="http://schemas.openxmlformats.org/presentationml/2006/main">
+  <p:cSld>
+    <p:spTree>
+      <p:nvGrpSpPr>
+        <p:cNvPr id="1" name=""/>
+        <p:cNvGrpSpPr/>
+        <p:nvPr/>
+      </p:nvGrpSpPr>
+      <p:grpSpPr>
+        <a:xfrm>
+          <a:off x="0" y="0"/>
+          <a:ext cx="0" cy="0"/>
+          <a:chOff x="0" y="0"/>
+          <a:chExt cx="0" cy="0"/>
+        </a:xfrm>
+      </p:grpSpPr>
+      <p:sp>
+        <p:nvSpPr>
+          <p:cNvPr id="2" name="Slide Image Placeholder 1"/>
+          <p:cNvSpPr>
+            <a:spLocks noGrp="1" noRot="1" noChangeAspect="1"/>
+          </p:cNvSpPr>
+          <p:nvPr>
+            <p:ph type="sldImg"/>
+          </p:nvPr>
+        </p:nvSpPr>
+        <p:spPr/>
+      </p:sp>
+      <p:sp>
+        <p:nvSpPr>
+          <p:cNvPr id="3" name="Notes Placeholder 2"/>
+          <p:cNvSpPr>
+            <a:spLocks noGrp="1"/>
+          </p:cNvSpPr>
+          <p:nvPr>
+            <p:ph type="body" idx="1"/>
+          </p:nvPr>
+        </p:nvSpPr>
+        <p:spPr/>
+        <p:txBody>
+          <a:bodyPr/>
+          <a:lstStyle/>
+          <a:p>
+            <a:pPr marL="171450" indent="-171450">
+              <a:buFont typeface="Arial" panose="020B0604020202020204" pitchFamily="34" charset="0"/>
+              <a:buChar char="•"/>
+            </a:pPr>
+            <a:r>
+              <a:rPr lang="en-NZ" dirty="0" smtClean="0"/>
+              <a:t>Preparing for the future</a:t>
+            </a:r>
+            <a:endParaRPr lang="en-NZ" dirty="0"/>
+          </a:p>
+        </p:txBody>
+      </p:sp>
+      <p:sp>
+        <p:nvSpPr>
+          <p:cNvPr id="4" name="Slide Number Placeholder 3"/>
+          <p:cNvSpPr>
+            <a:spLocks noGrp="1"/>
+          </p:cNvSpPr>
+          <p:nvPr>
+            <p:ph type="sldNum" sz="quarter" idx="10"/>
+          </p:nvPr>
+        </p:nvSpPr>
+        <p:spPr/>
+        <p:txBody>
+          <a:bodyPr/>
+          <a:lstStyle/>
+          <a:p>
+            <a:fld id="{BBC1DE02-C006-4F38-873D-E62701AB1734}" type="slidenum">
+              <a:rPr lang="en-NZ" smtClean="0"/>
+              <a:t>27</a:t>
+            </a:fld>
+            <a:endParaRPr lang="en-NZ"/>
+          </a:p>
+        </p:txBody>
+      </p:sp>
+    </p:spTree>
+    <p:extLst>
+      <p:ext uri="{BB962C8B-B14F-4D97-AF65-F5344CB8AC3E}">
+        <p14:creationId xmlns:p14="http://schemas.microsoft.com/office/powerpoint/2010/main" val="641398871"/>
+      </p:ext>
+    </p:extLst>
+  </p:cSld>
+  <p:clrMapOvr>
+    <a:masterClrMapping/>
+  </p:clrMapOvr>
+</p:notes>
+</file>
+
+<file path=ppt/notesSlides/notesSlide27.xml><?xml version="1.0" encoding="utf-8"?>
+<p:notes xmlns:a="http://schemas.openxmlformats.org/drawingml/2006/main" xmlns:r="http://schemas.openxmlformats.org/officeDocument/2006/relationships" xmlns:p="http://schemas.openxmlformats.org/presentationml/2006/main">
+  <p:cSld>
+    <p:spTree>
+      <p:nvGrpSpPr>
+        <p:cNvPr id="1" name=""/>
+        <p:cNvGrpSpPr/>
+        <p:nvPr/>
+      </p:nvGrpSpPr>
+      <p:grpSpPr>
+        <a:xfrm>
+          <a:off x="0" y="0"/>
+          <a:ext cx="0" cy="0"/>
+          <a:chOff x="0" y="0"/>
+          <a:chExt cx="0" cy="0"/>
+        </a:xfrm>
+      </p:grpSpPr>
+      <p:sp>
+        <p:nvSpPr>
+          <p:cNvPr id="2" name="Slide Image Placeholder 1"/>
+          <p:cNvSpPr>
+            <a:spLocks noGrp="1" noRot="1" noChangeAspect="1"/>
+          </p:cNvSpPr>
+          <p:nvPr>
+            <p:ph type="sldImg"/>
+          </p:nvPr>
+        </p:nvSpPr>
+        <p:spPr/>
+      </p:sp>
+      <p:sp>
+        <p:nvSpPr>
+          <p:cNvPr id="3" name="Notes Placeholder 2"/>
+          <p:cNvSpPr>
+            <a:spLocks noGrp="1"/>
+          </p:cNvSpPr>
+          <p:nvPr>
+            <p:ph type="body" idx="1"/>
+          </p:nvPr>
+        </p:nvSpPr>
+        <p:spPr/>
+        <p:txBody>
+          <a:bodyPr/>
+          <a:lstStyle/>
+          <a:p>
+            <a:pPr marL="171450" indent="-171450">
+              <a:buFont typeface="Arial" panose="020B0604020202020204" pitchFamily="34" charset="0"/>
+              <a:buChar char="•"/>
+            </a:pPr>
+            <a:endParaRPr lang="en-NZ" dirty="0"/>
+          </a:p>
+        </p:txBody>
+      </p:sp>
+      <p:sp>
+        <p:nvSpPr>
+          <p:cNvPr id="4" name="Slide Number Placeholder 3"/>
+          <p:cNvSpPr>
+            <a:spLocks noGrp="1"/>
+          </p:cNvSpPr>
+          <p:nvPr>
+            <p:ph type="sldNum" sz="quarter" idx="10"/>
+          </p:nvPr>
+        </p:nvSpPr>
+        <p:spPr/>
+        <p:txBody>
+          <a:bodyPr/>
+          <a:lstStyle/>
+          <a:p>
+            <a:fld id="{BBC1DE02-C006-4F38-873D-E62701AB1734}" type="slidenum">
+              <a:rPr lang="en-NZ" smtClean="0"/>
+              <a:t>28</a:t>
+            </a:fld>
+            <a:endParaRPr lang="en-NZ"/>
+          </a:p>
+        </p:txBody>
+      </p:sp>
+    </p:spTree>
+    <p:extLst>
+      <p:ext uri="{BB962C8B-B14F-4D97-AF65-F5344CB8AC3E}">
+        <p14:creationId xmlns:p14="http://schemas.microsoft.com/office/powerpoint/2010/main" val="2695275732"/>
+      </p:ext>
+    </p:extLst>
+  </p:cSld>
+  <p:clrMapOvr>
+    <a:masterClrMapping/>
+  </p:clrMapOvr>
+</p:notes>
+</file>
+
+<file path=ppt/notesSlides/notesSlide28.xml><?xml version="1.0" encoding="utf-8"?>
+<p:notes xmlns:a="http://schemas.openxmlformats.org/drawingml/2006/main" xmlns:r="http://schemas.openxmlformats.org/officeDocument/2006/relationships" xmlns:p="http://schemas.openxmlformats.org/presentationml/2006/main">
+  <p:cSld>
+    <p:spTree>
+      <p:nvGrpSpPr>
+        <p:cNvPr id="1" name=""/>
+        <p:cNvGrpSpPr/>
+        <p:nvPr/>
+      </p:nvGrpSpPr>
+      <p:grpSpPr>
+        <a:xfrm>
+          <a:off x="0" y="0"/>
+          <a:ext cx="0" cy="0"/>
+          <a:chOff x="0" y="0"/>
+          <a:chExt cx="0" cy="0"/>
+        </a:xfrm>
+      </p:grpSpPr>
+      <p:sp>
+        <p:nvSpPr>
+          <p:cNvPr id="2" name="Slide Image Placeholder 1"/>
+          <p:cNvSpPr>
+            <a:spLocks noGrp="1" noRot="1" noChangeAspect="1"/>
+          </p:cNvSpPr>
+          <p:nvPr>
+            <p:ph type="sldImg"/>
+          </p:nvPr>
+        </p:nvSpPr>
+        <p:spPr/>
+      </p:sp>
+      <p:sp>
+        <p:nvSpPr>
+          <p:cNvPr id="3" name="Notes Placeholder 2"/>
+          <p:cNvSpPr>
+            <a:spLocks noGrp="1"/>
+          </p:cNvSpPr>
+          <p:nvPr>
+            <p:ph type="body" idx="1"/>
+          </p:nvPr>
+        </p:nvSpPr>
+        <p:spPr/>
+        <p:txBody>
+          <a:bodyPr/>
+          <a:lstStyle/>
+          <a:p>
+            <a:pPr marL="171450" indent="-171450">
+              <a:buFont typeface="Arial" panose="020B0604020202020204" pitchFamily="34" charset="0"/>
+              <a:buChar char="•"/>
+            </a:pPr>
+            <a:r>
+              <a:rPr lang="en-NZ" dirty="0" smtClean="0"/>
+              <a:t>Preparing for the future</a:t>
+            </a:r>
+            <a:endParaRPr lang="en-NZ" dirty="0"/>
+          </a:p>
+        </p:txBody>
+      </p:sp>
+      <p:sp>
+        <p:nvSpPr>
+          <p:cNvPr id="4" name="Slide Number Placeholder 3"/>
+          <p:cNvSpPr>
+            <a:spLocks noGrp="1"/>
+          </p:cNvSpPr>
+          <p:nvPr>
+            <p:ph type="sldNum" sz="quarter" idx="10"/>
+          </p:nvPr>
+        </p:nvSpPr>
+        <p:spPr/>
+        <p:txBody>
+          <a:bodyPr/>
+          <a:lstStyle/>
+          <a:p>
+            <a:fld id="{BBC1DE02-C006-4F38-873D-E62701AB1734}" type="slidenum">
+              <a:rPr lang="en-NZ" smtClean="0"/>
+              <a:t>29</a:t>
+            </a:fld>
+            <a:endParaRPr lang="en-NZ"/>
+          </a:p>
+        </p:txBody>
+      </p:sp>
+    </p:spTree>
+    <p:extLst>
+      <p:ext uri="{BB962C8B-B14F-4D97-AF65-F5344CB8AC3E}">
+        <p14:creationId xmlns:p14="http://schemas.microsoft.com/office/powerpoint/2010/main" val="403650866"/>
+      </p:ext>
+    </p:extLst>
+  </p:cSld>
+  <p:clrMapOvr>
+    <a:masterClrMapping/>
+  </p:clrMapOvr>
+</p:notes>
+</file>
+
+<file path=ppt/notesSlides/notesSlide29.xml><?xml version="1.0" encoding="utf-8"?>
+<p:notes xmlns:a="http://schemas.openxmlformats.org/drawingml/2006/main" xmlns:r="http://schemas.openxmlformats.org/officeDocument/2006/relationships" xmlns:p="http://schemas.openxmlformats.org/presentationml/2006/main">
+  <p:cSld>
+    <p:spTree>
+      <p:nvGrpSpPr>
+        <p:cNvPr id="1" name=""/>
+        <p:cNvGrpSpPr/>
+        <p:nvPr/>
+      </p:nvGrpSpPr>
+      <p:grpSpPr>
+        <a:xfrm>
+          <a:off x="0" y="0"/>
+          <a:ext cx="0" cy="0"/>
+          <a:chOff x="0" y="0"/>
+          <a:chExt cx="0" cy="0"/>
+        </a:xfrm>
+      </p:grpSpPr>
+      <p:sp>
+        <p:nvSpPr>
+          <p:cNvPr id="2" name="Slide Image Placeholder 1"/>
+          <p:cNvSpPr>
+            <a:spLocks noGrp="1" noRot="1" noChangeAspect="1"/>
+          </p:cNvSpPr>
+          <p:nvPr>
+            <p:ph type="sldImg"/>
+          </p:nvPr>
+        </p:nvSpPr>
+        <p:spPr/>
+      </p:sp>
+      <p:sp>
+        <p:nvSpPr>
+          <p:cNvPr id="3" name="Notes Placeholder 2"/>
+          <p:cNvSpPr>
+            <a:spLocks noGrp="1"/>
+          </p:cNvSpPr>
+          <p:nvPr>
+            <p:ph type="body" idx="1"/>
+          </p:nvPr>
+        </p:nvSpPr>
+        <p:spPr/>
+        <p:txBody>
+          <a:bodyPr/>
+          <a:lstStyle/>
+          <a:p>
+            <a:pPr marL="171450" indent="-171450">
+              <a:buFont typeface="Arial" panose="020B0604020202020204" pitchFamily="34" charset="0"/>
+              <a:buChar char="•"/>
+            </a:pPr>
+            <a:endParaRPr lang="en-NZ" dirty="0"/>
+          </a:p>
+        </p:txBody>
+      </p:sp>
+      <p:sp>
+        <p:nvSpPr>
+          <p:cNvPr id="4" name="Slide Number Placeholder 3"/>
+          <p:cNvSpPr>
+            <a:spLocks noGrp="1"/>
+          </p:cNvSpPr>
+          <p:nvPr>
+            <p:ph type="sldNum" sz="quarter" idx="10"/>
+          </p:nvPr>
+        </p:nvSpPr>
+        <p:spPr/>
+        <p:txBody>
+          <a:bodyPr/>
+          <a:lstStyle/>
+          <a:p>
+            <a:fld id="{BBC1DE02-C006-4F38-873D-E62701AB1734}" type="slidenum">
+              <a:rPr lang="en-NZ" smtClean="0"/>
+              <a:t>30</a:t>
+            </a:fld>
+            <a:endParaRPr lang="en-NZ"/>
+          </a:p>
+        </p:txBody>
+      </p:sp>
+    </p:spTree>
+    <p:extLst>
+      <p:ext uri="{BB962C8B-B14F-4D97-AF65-F5344CB8AC3E}">
+        <p14:creationId xmlns:p14="http://schemas.microsoft.com/office/powerpoint/2010/main" val="153191202"/>
       </p:ext>
     </p:extLst>
   </p:cSld>
@@ -709,10 +2823,6 @@
               <a:buFont typeface="Arial" panose="020B0604020202020204" pitchFamily="34" charset="0"/>
               <a:buChar char="•"/>
             </a:pPr>
-            <a:r>
-              <a:rPr lang="en-NZ" dirty="0" smtClean="0"/>
-              <a:t>Preparing for the future</a:t>
-            </a:r>
             <a:endParaRPr lang="en-NZ" dirty="0"/>
           </a:p>
         </p:txBody>
@@ -743,7 +2853,496 @@
     </p:spTree>
     <p:extLst>
       <p:ext uri="{BB962C8B-B14F-4D97-AF65-F5344CB8AC3E}">
-        <p14:creationId xmlns:p14="http://schemas.microsoft.com/office/powerpoint/2010/main" val="750860364"/>
+        <p14:creationId xmlns:p14="http://schemas.microsoft.com/office/powerpoint/2010/main" val="1340349028"/>
+      </p:ext>
+    </p:extLst>
+  </p:cSld>
+  <p:clrMapOvr>
+    <a:masterClrMapping/>
+  </p:clrMapOvr>
+</p:notes>
+</file>
+
+<file path=ppt/notesSlides/notesSlide30.xml><?xml version="1.0" encoding="utf-8"?>
+<p:notes xmlns:a="http://schemas.openxmlformats.org/drawingml/2006/main" xmlns:r="http://schemas.openxmlformats.org/officeDocument/2006/relationships" xmlns:p="http://schemas.openxmlformats.org/presentationml/2006/main">
+  <p:cSld>
+    <p:spTree>
+      <p:nvGrpSpPr>
+        <p:cNvPr id="1" name=""/>
+        <p:cNvGrpSpPr/>
+        <p:nvPr/>
+      </p:nvGrpSpPr>
+      <p:grpSpPr>
+        <a:xfrm>
+          <a:off x="0" y="0"/>
+          <a:ext cx="0" cy="0"/>
+          <a:chOff x="0" y="0"/>
+          <a:chExt cx="0" cy="0"/>
+        </a:xfrm>
+      </p:grpSpPr>
+      <p:sp>
+        <p:nvSpPr>
+          <p:cNvPr id="2" name="Slide Image Placeholder 1"/>
+          <p:cNvSpPr>
+            <a:spLocks noGrp="1" noRot="1" noChangeAspect="1"/>
+          </p:cNvSpPr>
+          <p:nvPr>
+            <p:ph type="sldImg"/>
+          </p:nvPr>
+        </p:nvSpPr>
+        <p:spPr/>
+      </p:sp>
+      <p:sp>
+        <p:nvSpPr>
+          <p:cNvPr id="3" name="Notes Placeholder 2"/>
+          <p:cNvSpPr>
+            <a:spLocks noGrp="1"/>
+          </p:cNvSpPr>
+          <p:nvPr>
+            <p:ph type="body" idx="1"/>
+          </p:nvPr>
+        </p:nvSpPr>
+        <p:spPr/>
+        <p:txBody>
+          <a:bodyPr/>
+          <a:lstStyle/>
+          <a:p>
+            <a:pPr marL="171450" indent="-171450">
+              <a:buFont typeface="Arial" panose="020B0604020202020204" pitchFamily="34" charset="0"/>
+              <a:buChar char="•"/>
+            </a:pPr>
+            <a:r>
+              <a:rPr lang="en-NZ" dirty="0" smtClean="0"/>
+              <a:t>Here is a CSV file you can use in development.</a:t>
+            </a:r>
+            <a:r>
+              <a:rPr lang="en-NZ" baseline="0" dirty="0" smtClean="0"/>
+              <a:t> 20 rows by 30 columns</a:t>
+            </a:r>
+          </a:p>
+          <a:p>
+            <a:pPr marL="171450" indent="-171450">
+              <a:buFont typeface="Arial" panose="020B0604020202020204" pitchFamily="34" charset="0"/>
+              <a:buChar char="•"/>
+            </a:pPr>
+            <a:endParaRPr lang="en-NZ" baseline="0" dirty="0" smtClean="0"/>
+          </a:p>
+          <a:p>
+            <a:pPr marL="171450" indent="-171450">
+              <a:buFont typeface="Arial" panose="020B0604020202020204" pitchFamily="34" charset="0"/>
+              <a:buChar char="•"/>
+            </a:pPr>
+            <a:r>
+              <a:rPr lang="en-NZ" baseline="0" dirty="0" smtClean="0"/>
+              <a:t>Given the tile assignments in my code, (0 = </a:t>
+            </a:r>
+            <a:r>
+              <a:rPr lang="en-NZ" baseline="0" dirty="0" err="1" smtClean="0"/>
+              <a:t>tileOne</a:t>
+            </a:r>
+            <a:r>
+              <a:rPr lang="en-NZ" baseline="0" dirty="0" smtClean="0"/>
+              <a:t>, 1 = </a:t>
+            </a:r>
+            <a:r>
+              <a:rPr lang="en-NZ" baseline="0" dirty="0" err="1" smtClean="0"/>
+              <a:t>tileTwo</a:t>
+            </a:r>
+            <a:r>
+              <a:rPr lang="en-NZ" baseline="0" dirty="0" smtClean="0"/>
+              <a:t> and 2 = </a:t>
+            </a:r>
+            <a:r>
+              <a:rPr lang="en-NZ" baseline="0" dirty="0" err="1" smtClean="0"/>
+              <a:t>tileThree</a:t>
+            </a:r>
+            <a:r>
+              <a:rPr lang="en-NZ" baseline="0" dirty="0" smtClean="0"/>
+              <a:t>)</a:t>
+            </a:r>
+            <a:endParaRPr lang="en-NZ" dirty="0"/>
+          </a:p>
+        </p:txBody>
+      </p:sp>
+      <p:sp>
+        <p:nvSpPr>
+          <p:cNvPr id="4" name="Slide Number Placeholder 3"/>
+          <p:cNvSpPr>
+            <a:spLocks noGrp="1"/>
+          </p:cNvSpPr>
+          <p:nvPr>
+            <p:ph type="sldNum" sz="quarter" idx="10"/>
+          </p:nvPr>
+        </p:nvSpPr>
+        <p:spPr/>
+        <p:txBody>
+          <a:bodyPr/>
+          <a:lstStyle/>
+          <a:p>
+            <a:fld id="{BBC1DE02-C006-4F38-873D-E62701AB1734}" type="slidenum">
+              <a:rPr lang="en-NZ" smtClean="0"/>
+              <a:t>31</a:t>
+            </a:fld>
+            <a:endParaRPr lang="en-NZ"/>
+          </a:p>
+        </p:txBody>
+      </p:sp>
+    </p:spTree>
+    <p:extLst>
+      <p:ext uri="{BB962C8B-B14F-4D97-AF65-F5344CB8AC3E}">
+        <p14:creationId xmlns:p14="http://schemas.microsoft.com/office/powerpoint/2010/main" val="1092260886"/>
+      </p:ext>
+    </p:extLst>
+  </p:cSld>
+  <p:clrMapOvr>
+    <a:masterClrMapping/>
+  </p:clrMapOvr>
+</p:notes>
+</file>
+
+<file path=ppt/notesSlides/notesSlide31.xml><?xml version="1.0" encoding="utf-8"?>
+<p:notes xmlns:a="http://schemas.openxmlformats.org/drawingml/2006/main" xmlns:r="http://schemas.openxmlformats.org/officeDocument/2006/relationships" xmlns:p="http://schemas.openxmlformats.org/presentationml/2006/main">
+  <p:cSld>
+    <p:spTree>
+      <p:nvGrpSpPr>
+        <p:cNvPr id="1" name=""/>
+        <p:cNvGrpSpPr/>
+        <p:nvPr/>
+      </p:nvGrpSpPr>
+      <p:grpSpPr>
+        <a:xfrm>
+          <a:off x="0" y="0"/>
+          <a:ext cx="0" cy="0"/>
+          <a:chOff x="0" y="0"/>
+          <a:chExt cx="0" cy="0"/>
+        </a:xfrm>
+      </p:grpSpPr>
+      <p:sp>
+        <p:nvSpPr>
+          <p:cNvPr id="2" name="Slide Image Placeholder 1"/>
+          <p:cNvSpPr>
+            <a:spLocks noGrp="1" noRot="1" noChangeAspect="1"/>
+          </p:cNvSpPr>
+          <p:nvPr>
+            <p:ph type="sldImg"/>
+          </p:nvPr>
+        </p:nvSpPr>
+        <p:spPr/>
+      </p:sp>
+      <p:sp>
+        <p:nvSpPr>
+          <p:cNvPr id="3" name="Notes Placeholder 2"/>
+          <p:cNvSpPr>
+            <a:spLocks noGrp="1"/>
+          </p:cNvSpPr>
+          <p:nvPr>
+            <p:ph type="body" idx="1"/>
+          </p:nvPr>
+        </p:nvSpPr>
+        <p:spPr/>
+        <p:txBody>
+          <a:bodyPr/>
+          <a:lstStyle/>
+          <a:p>
+            <a:pPr marL="171450" indent="-171450">
+              <a:buFont typeface="Arial" panose="020B0604020202020204" pitchFamily="34" charset="0"/>
+              <a:buChar char="•"/>
+            </a:pPr>
+            <a:endParaRPr lang="en-NZ" dirty="0"/>
+          </a:p>
+        </p:txBody>
+      </p:sp>
+      <p:sp>
+        <p:nvSpPr>
+          <p:cNvPr id="4" name="Slide Number Placeholder 3"/>
+          <p:cNvSpPr>
+            <a:spLocks noGrp="1"/>
+          </p:cNvSpPr>
+          <p:nvPr>
+            <p:ph type="sldNum" sz="quarter" idx="10"/>
+          </p:nvPr>
+        </p:nvSpPr>
+        <p:spPr/>
+        <p:txBody>
+          <a:bodyPr/>
+          <a:lstStyle/>
+          <a:p>
+            <a:fld id="{BBC1DE02-C006-4F38-873D-E62701AB1734}" type="slidenum">
+              <a:rPr lang="en-NZ" smtClean="0"/>
+              <a:t>32</a:t>
+            </a:fld>
+            <a:endParaRPr lang="en-NZ"/>
+          </a:p>
+        </p:txBody>
+      </p:sp>
+    </p:spTree>
+    <p:extLst>
+      <p:ext uri="{BB962C8B-B14F-4D97-AF65-F5344CB8AC3E}">
+        <p14:creationId xmlns:p14="http://schemas.microsoft.com/office/powerpoint/2010/main" val="1671580097"/>
+      </p:ext>
+    </p:extLst>
+  </p:cSld>
+  <p:clrMapOvr>
+    <a:masterClrMapping/>
+  </p:clrMapOvr>
+</p:notes>
+</file>
+
+<file path=ppt/notesSlides/notesSlide32.xml><?xml version="1.0" encoding="utf-8"?>
+<p:notes xmlns:a="http://schemas.openxmlformats.org/drawingml/2006/main" xmlns:r="http://schemas.openxmlformats.org/officeDocument/2006/relationships" xmlns:p="http://schemas.openxmlformats.org/presentationml/2006/main">
+  <p:cSld>
+    <p:spTree>
+      <p:nvGrpSpPr>
+        <p:cNvPr id="1" name=""/>
+        <p:cNvGrpSpPr/>
+        <p:nvPr/>
+      </p:nvGrpSpPr>
+      <p:grpSpPr>
+        <a:xfrm>
+          <a:off x="0" y="0"/>
+          <a:ext cx="0" cy="0"/>
+          <a:chOff x="0" y="0"/>
+          <a:chExt cx="0" cy="0"/>
+        </a:xfrm>
+      </p:grpSpPr>
+      <p:sp>
+        <p:nvSpPr>
+          <p:cNvPr id="2" name="Slide Image Placeholder 1"/>
+          <p:cNvSpPr>
+            <a:spLocks noGrp="1" noRot="1" noChangeAspect="1"/>
+          </p:cNvSpPr>
+          <p:nvPr>
+            <p:ph type="sldImg"/>
+          </p:nvPr>
+        </p:nvSpPr>
+        <p:spPr/>
+      </p:sp>
+      <p:sp>
+        <p:nvSpPr>
+          <p:cNvPr id="3" name="Notes Placeholder 2"/>
+          <p:cNvSpPr>
+            <a:spLocks noGrp="1"/>
+          </p:cNvSpPr>
+          <p:nvPr>
+            <p:ph type="body" idx="1"/>
+          </p:nvPr>
+        </p:nvSpPr>
+        <p:spPr/>
+        <p:txBody>
+          <a:bodyPr/>
+          <a:lstStyle/>
+          <a:p>
+            <a:pPr marL="171450" indent="-171450">
+              <a:buFont typeface="Arial" panose="020B0604020202020204" pitchFamily="34" charset="0"/>
+              <a:buChar char="•"/>
+            </a:pPr>
+            <a:endParaRPr lang="en-NZ" dirty="0"/>
+          </a:p>
+        </p:txBody>
+      </p:sp>
+      <p:sp>
+        <p:nvSpPr>
+          <p:cNvPr id="4" name="Slide Number Placeholder 3"/>
+          <p:cNvSpPr>
+            <a:spLocks noGrp="1"/>
+          </p:cNvSpPr>
+          <p:nvPr>
+            <p:ph type="sldNum" sz="quarter" idx="10"/>
+          </p:nvPr>
+        </p:nvSpPr>
+        <p:spPr/>
+        <p:txBody>
+          <a:bodyPr/>
+          <a:lstStyle/>
+          <a:p>
+            <a:fld id="{BBC1DE02-C006-4F38-873D-E62701AB1734}" type="slidenum">
+              <a:rPr lang="en-NZ" smtClean="0"/>
+              <a:t>33</a:t>
+            </a:fld>
+            <a:endParaRPr lang="en-NZ"/>
+          </a:p>
+        </p:txBody>
+      </p:sp>
+    </p:spTree>
+    <p:extLst>
+      <p:ext uri="{BB962C8B-B14F-4D97-AF65-F5344CB8AC3E}">
+        <p14:creationId xmlns:p14="http://schemas.microsoft.com/office/powerpoint/2010/main" val="926667974"/>
+      </p:ext>
+    </p:extLst>
+  </p:cSld>
+  <p:clrMapOvr>
+    <a:masterClrMapping/>
+  </p:clrMapOvr>
+</p:notes>
+</file>
+
+<file path=ppt/notesSlides/notesSlide33.xml><?xml version="1.0" encoding="utf-8"?>
+<p:notes xmlns:a="http://schemas.openxmlformats.org/drawingml/2006/main" xmlns:r="http://schemas.openxmlformats.org/officeDocument/2006/relationships" xmlns:p="http://schemas.openxmlformats.org/presentationml/2006/main">
+  <p:cSld>
+    <p:spTree>
+      <p:nvGrpSpPr>
+        <p:cNvPr id="1" name=""/>
+        <p:cNvGrpSpPr/>
+        <p:nvPr/>
+      </p:nvGrpSpPr>
+      <p:grpSpPr>
+        <a:xfrm>
+          <a:off x="0" y="0"/>
+          <a:ext cx="0" cy="0"/>
+          <a:chOff x="0" y="0"/>
+          <a:chExt cx="0" cy="0"/>
+        </a:xfrm>
+      </p:grpSpPr>
+      <p:sp>
+        <p:nvSpPr>
+          <p:cNvPr id="2" name="Slide Image Placeholder 1"/>
+          <p:cNvSpPr>
+            <a:spLocks noGrp="1" noRot="1" noChangeAspect="1"/>
+          </p:cNvSpPr>
+          <p:nvPr>
+            <p:ph type="sldImg"/>
+          </p:nvPr>
+        </p:nvSpPr>
+        <p:spPr/>
+      </p:sp>
+      <p:sp>
+        <p:nvSpPr>
+          <p:cNvPr id="3" name="Notes Placeholder 2"/>
+          <p:cNvSpPr>
+            <a:spLocks noGrp="1"/>
+          </p:cNvSpPr>
+          <p:nvPr>
+            <p:ph type="body" idx="1"/>
+          </p:nvPr>
+        </p:nvSpPr>
+        <p:spPr/>
+        <p:txBody>
+          <a:bodyPr/>
+          <a:lstStyle/>
+          <a:p>
+            <a:pPr marL="171450" indent="-171450">
+              <a:buFont typeface="Arial" panose="020B0604020202020204" pitchFamily="34" charset="0"/>
+              <a:buChar char="•"/>
+            </a:pPr>
+            <a:endParaRPr lang="en-NZ" dirty="0"/>
+          </a:p>
+        </p:txBody>
+      </p:sp>
+      <p:sp>
+        <p:nvSpPr>
+          <p:cNvPr id="4" name="Slide Number Placeholder 3"/>
+          <p:cNvSpPr>
+            <a:spLocks noGrp="1"/>
+          </p:cNvSpPr>
+          <p:nvPr>
+            <p:ph type="sldNum" sz="quarter" idx="10"/>
+          </p:nvPr>
+        </p:nvSpPr>
+        <p:spPr/>
+        <p:txBody>
+          <a:bodyPr/>
+          <a:lstStyle/>
+          <a:p>
+            <a:fld id="{BBC1DE02-C006-4F38-873D-E62701AB1734}" type="slidenum">
+              <a:rPr lang="en-NZ" smtClean="0"/>
+              <a:t>34</a:t>
+            </a:fld>
+            <a:endParaRPr lang="en-NZ"/>
+          </a:p>
+        </p:txBody>
+      </p:sp>
+    </p:spTree>
+    <p:extLst>
+      <p:ext uri="{BB962C8B-B14F-4D97-AF65-F5344CB8AC3E}">
+        <p14:creationId xmlns:p14="http://schemas.microsoft.com/office/powerpoint/2010/main" val="1126001856"/>
+      </p:ext>
+    </p:extLst>
+  </p:cSld>
+  <p:clrMapOvr>
+    <a:masterClrMapping/>
+  </p:clrMapOvr>
+</p:notes>
+</file>
+
+<file path=ppt/notesSlides/notesSlide34.xml><?xml version="1.0" encoding="utf-8"?>
+<p:notes xmlns:a="http://schemas.openxmlformats.org/drawingml/2006/main" xmlns:r="http://schemas.openxmlformats.org/officeDocument/2006/relationships" xmlns:p="http://schemas.openxmlformats.org/presentationml/2006/main">
+  <p:cSld>
+    <p:spTree>
+      <p:nvGrpSpPr>
+        <p:cNvPr id="1" name=""/>
+        <p:cNvGrpSpPr/>
+        <p:nvPr/>
+      </p:nvGrpSpPr>
+      <p:grpSpPr>
+        <a:xfrm>
+          <a:off x="0" y="0"/>
+          <a:ext cx="0" cy="0"/>
+          <a:chOff x="0" y="0"/>
+          <a:chExt cx="0" cy="0"/>
+        </a:xfrm>
+      </p:grpSpPr>
+      <p:sp>
+        <p:nvSpPr>
+          <p:cNvPr id="2" name="Slide Image Placeholder 1"/>
+          <p:cNvSpPr>
+            <a:spLocks noGrp="1" noRot="1" noChangeAspect="1"/>
+          </p:cNvSpPr>
+          <p:nvPr>
+            <p:ph type="sldImg"/>
+          </p:nvPr>
+        </p:nvSpPr>
+        <p:spPr/>
+      </p:sp>
+      <p:sp>
+        <p:nvSpPr>
+          <p:cNvPr id="3" name="Notes Placeholder 2"/>
+          <p:cNvSpPr>
+            <a:spLocks noGrp="1"/>
+          </p:cNvSpPr>
+          <p:nvPr>
+            <p:ph type="body" idx="1"/>
+          </p:nvPr>
+        </p:nvSpPr>
+        <p:spPr/>
+        <p:txBody>
+          <a:bodyPr/>
+          <a:lstStyle/>
+          <a:p>
+            <a:pPr marL="171450" indent="-171450">
+              <a:buFont typeface="Arial" panose="020B0604020202020204" pitchFamily="34" charset="0"/>
+              <a:buChar char="•"/>
+            </a:pPr>
+            <a:endParaRPr lang="en-NZ" dirty="0"/>
+          </a:p>
+        </p:txBody>
+      </p:sp>
+      <p:sp>
+        <p:nvSpPr>
+          <p:cNvPr id="4" name="Slide Number Placeholder 3"/>
+          <p:cNvSpPr>
+            <a:spLocks noGrp="1"/>
+          </p:cNvSpPr>
+          <p:nvPr>
+            <p:ph type="sldNum" sz="quarter" idx="10"/>
+          </p:nvPr>
+        </p:nvSpPr>
+        <p:spPr/>
+        <p:txBody>
+          <a:bodyPr/>
+          <a:lstStyle/>
+          <a:p>
+            <a:fld id="{BBC1DE02-C006-4F38-873D-E62701AB1734}" type="slidenum">
+              <a:rPr lang="en-NZ" smtClean="0"/>
+              <a:t>35</a:t>
+            </a:fld>
+            <a:endParaRPr lang="en-NZ"/>
+          </a:p>
+        </p:txBody>
+      </p:sp>
+    </p:spTree>
+    <p:extLst>
+      <p:ext uri="{BB962C8B-B14F-4D97-AF65-F5344CB8AC3E}">
+        <p14:creationId xmlns:p14="http://schemas.microsoft.com/office/powerpoint/2010/main" val="17594320"/>
       </p:ext>
     </p:extLst>
   </p:cSld>
@@ -831,7 +3430,7 @@
     </p:spTree>
     <p:extLst>
       <p:ext uri="{BB962C8B-B14F-4D97-AF65-F5344CB8AC3E}">
-        <p14:creationId xmlns:p14="http://schemas.microsoft.com/office/powerpoint/2010/main" val="917480821"/>
+        <p14:creationId xmlns:p14="http://schemas.microsoft.com/office/powerpoint/2010/main" val="2422585986"/>
       </p:ext>
     </p:extLst>
   </p:cSld>
@@ -919,7 +3518,7 @@
     </p:spTree>
     <p:extLst>
       <p:ext uri="{BB962C8B-B14F-4D97-AF65-F5344CB8AC3E}">
-        <p14:creationId xmlns:p14="http://schemas.microsoft.com/office/powerpoint/2010/main" val="4212124869"/>
+        <p14:creationId xmlns:p14="http://schemas.microsoft.com/office/powerpoint/2010/main" val="807894177"/>
       </p:ext>
     </p:extLst>
   </p:cSld>
@@ -977,6 +3576,14 @@
               <a:buFont typeface="Arial" panose="020B0604020202020204" pitchFamily="34" charset="0"/>
               <a:buChar char="•"/>
             </a:pPr>
+            <a:r>
+              <a:rPr lang="en-NZ" dirty="0" smtClean="0"/>
+              <a:t>Heroes of</a:t>
+            </a:r>
+            <a:r>
+              <a:rPr lang="en-NZ" baseline="0" dirty="0" smtClean="0"/>
+              <a:t> Might and Magic</a:t>
+            </a:r>
             <a:endParaRPr lang="en-NZ" dirty="0"/>
           </a:p>
         </p:txBody>
@@ -1007,7 +3614,7 @@
     </p:spTree>
     <p:extLst>
       <p:ext uri="{BB962C8B-B14F-4D97-AF65-F5344CB8AC3E}">
-        <p14:creationId xmlns:p14="http://schemas.microsoft.com/office/powerpoint/2010/main" val="2695275732"/>
+        <p14:creationId xmlns:p14="http://schemas.microsoft.com/office/powerpoint/2010/main" val="2581981594"/>
       </p:ext>
     </p:extLst>
   </p:cSld>
@@ -1067,52 +3674,11 @@
             </a:pPr>
             <a:r>
               <a:rPr lang="en-NZ" dirty="0" smtClean="0"/>
-              <a:t>Here is a CSV file you can use in development.</a:t>
+              <a:t>Heroes of</a:t>
             </a:r>
             <a:r>
               <a:rPr lang="en-NZ" baseline="0" dirty="0" smtClean="0"/>
-              <a:t> 20 rows by 30 columns</a:t>
-            </a:r>
-          </a:p>
-          <a:p>
-            <a:pPr marL="171450" indent="-171450">
-              <a:buFont typeface="Arial" panose="020B0604020202020204" pitchFamily="34" charset="0"/>
-              <a:buChar char="•"/>
-            </a:pPr>
-            <a:endParaRPr lang="en-NZ" baseline="0" dirty="0" smtClean="0"/>
-          </a:p>
-          <a:p>
-            <a:pPr marL="171450" indent="-171450">
-              <a:buFont typeface="Arial" panose="020B0604020202020204" pitchFamily="34" charset="0"/>
-              <a:buChar char="•"/>
-            </a:pPr>
-            <a:r>
-              <a:rPr lang="en-NZ" baseline="0" dirty="0" smtClean="0"/>
-              <a:t>Given the tile assignments in my code, (0 = </a:t>
-            </a:r>
-            <a:r>
-              <a:rPr lang="en-NZ" baseline="0" dirty="0" err="1" smtClean="0"/>
-              <a:t>tileOne</a:t>
-            </a:r>
-            <a:r>
-              <a:rPr lang="en-NZ" baseline="0" dirty="0" smtClean="0"/>
-              <a:t>, 1 = </a:t>
-            </a:r>
-            <a:r>
-              <a:rPr lang="en-NZ" baseline="0" dirty="0" err="1" smtClean="0"/>
-              <a:t>tileTwo</a:t>
-            </a:r>
-            <a:r>
-              <a:rPr lang="en-NZ" baseline="0" dirty="0" smtClean="0"/>
-              <a:t> and 2 = </a:t>
-            </a:r>
-            <a:r>
-              <a:rPr lang="en-NZ" baseline="0" dirty="0" err="1" smtClean="0"/>
-              <a:t>tileThree</a:t>
-            </a:r>
-            <a:r>
-              <a:rPr lang="en-NZ" baseline="0" dirty="0" smtClean="0"/>
-              <a:t>)</a:t>
+              <a:t> Might and Magic</a:t>
             </a:r>
             <a:endParaRPr lang="en-NZ" dirty="0"/>
           </a:p>
@@ -1144,7 +3710,7 @@
     </p:spTree>
     <p:extLst>
       <p:ext uri="{BB962C8B-B14F-4D97-AF65-F5344CB8AC3E}">
-        <p14:creationId xmlns:p14="http://schemas.microsoft.com/office/powerpoint/2010/main" val="153191202"/>
+        <p14:creationId xmlns:p14="http://schemas.microsoft.com/office/powerpoint/2010/main" val="3197509293"/>
       </p:ext>
     </p:extLst>
   </p:cSld>
@@ -1202,7 +3768,53 @@
               <a:buFont typeface="Arial" panose="020B0604020202020204" pitchFamily="34" charset="0"/>
               <a:buChar char="•"/>
             </a:pPr>
-            <a:endParaRPr lang="en-NZ" dirty="0"/>
+            <a:r>
+              <a:rPr lang="en-NZ" dirty="0" smtClean="0"/>
+              <a:t>Backgrounds are drawn from different viewer perspectives. This is side-on. It uses rectangular tiles and</a:t>
+            </a:r>
+          </a:p>
+          <a:p>
+            <a:pPr marL="171450" indent="-171450">
+              <a:buFont typeface="Arial" panose="020B0604020202020204" pitchFamily="34" charset="0"/>
+              <a:buChar char="•"/>
+            </a:pPr>
+            <a:endParaRPr lang="en-NZ" dirty="0" smtClean="0"/>
+          </a:p>
+          <a:p>
+            <a:pPr marL="171450" indent="-171450">
+              <a:buFont typeface="Arial" panose="020B0604020202020204" pitchFamily="34" charset="0"/>
+              <a:buChar char="•"/>
+            </a:pPr>
+            <a:r>
+              <a:rPr lang="en-NZ" dirty="0" smtClean="0"/>
+              <a:t>These</a:t>
+            </a:r>
+            <a:r>
+              <a:rPr lang="en-NZ" baseline="0" dirty="0" smtClean="0"/>
+              <a:t> images use multiple layers of background, combined with tile pseudo-transparency, to give an appearance of depth</a:t>
+            </a:r>
+            <a:r>
+              <a:rPr lang="en-NZ" dirty="0" smtClean="0"/>
+              <a:t> is very easy to do</a:t>
+            </a:r>
+          </a:p>
+          <a:p>
+            <a:pPr marL="171450" indent="-171450">
+              <a:buFont typeface="Arial" panose="020B0604020202020204" pitchFamily="34" charset="0"/>
+              <a:buChar char="•"/>
+            </a:pPr>
+            <a:endParaRPr lang="en-NZ" dirty="0" smtClean="0"/>
+          </a:p>
+          <a:p>
+            <a:pPr marL="171450" indent="-171450">
+              <a:buFont typeface="Arial" panose="020B0604020202020204" pitchFamily="34" charset="0"/>
+              <a:buChar char="•"/>
+            </a:pPr>
+            <a:r>
+              <a:rPr lang="en-NZ" baseline="0" dirty="0" smtClean="0"/>
+              <a:t>If they scroll, they will also use “parallax scrolling” – where the different layers scroll at different speeds” to enhance the illusion</a:t>
+            </a:r>
+            <a:endParaRPr lang="en-NZ" dirty="0" smtClean="0"/>
           </a:p>
         </p:txBody>
       </p:sp>
@@ -1232,7 +3844,7 @@
     </p:spTree>
     <p:extLst>
       <p:ext uri="{BB962C8B-B14F-4D97-AF65-F5344CB8AC3E}">
-        <p14:creationId xmlns:p14="http://schemas.microsoft.com/office/powerpoint/2010/main" val="1671580097"/>
+        <p14:creationId xmlns:p14="http://schemas.microsoft.com/office/powerpoint/2010/main" val="209582683"/>
       </p:ext>
     </p:extLst>
   </p:cSld>
@@ -1290,6 +3902,65 @@
               <a:buFont typeface="Arial" panose="020B0604020202020204" pitchFamily="34" charset="0"/>
               <a:buChar char="•"/>
             </a:pPr>
+            <a:r>
+              <a:rPr lang="en-NZ" dirty="0" smtClean="0"/>
+              <a:t>Isometric draws the world at 45 degrees. The tiles are diamond shaped (or sometimes hexagonal)</a:t>
+            </a:r>
+          </a:p>
+          <a:p>
+            <a:pPr marL="171450" indent="-171450">
+              <a:buFont typeface="Arial" panose="020B0604020202020204" pitchFamily="34" charset="0"/>
+              <a:buChar char="•"/>
+            </a:pPr>
+            <a:endParaRPr lang="en-NZ" dirty="0" smtClean="0"/>
+          </a:p>
+          <a:p>
+            <a:pPr marL="171450" indent="-171450">
+              <a:buFont typeface="Arial" panose="020B0604020202020204" pitchFamily="34" charset="0"/>
+              <a:buChar char="•"/>
+            </a:pPr>
+            <a:r>
+              <a:rPr lang="en-NZ" dirty="0" smtClean="0"/>
+              <a:t>This fools the eye into seeing a diminishing perspective, so it looks sort of 3D. But it’s not. It’s just art magic</a:t>
+            </a:r>
+          </a:p>
+          <a:p>
+            <a:pPr marL="171450" indent="-171450">
+              <a:buFont typeface="Arial" panose="020B0604020202020204" pitchFamily="34" charset="0"/>
+              <a:buChar char="•"/>
+            </a:pPr>
+            <a:endParaRPr lang="en-NZ" dirty="0" smtClean="0"/>
+          </a:p>
+          <a:p>
+            <a:pPr marL="171450" indent="-171450">
+              <a:buFont typeface="Arial" panose="020B0604020202020204" pitchFamily="34" charset="0"/>
+              <a:buChar char="•"/>
+            </a:pPr>
+            <a:r>
+              <a:rPr lang="en-NZ" dirty="0" smtClean="0"/>
+              <a:t>Isometric backgrounds are implemented in basically the same way as rectangular tile backgrounds like Bird’s eye and Side-on, but the maths required to line the tiles up is much, much more complicated. We will not do isometric in this class</a:t>
+            </a:r>
+          </a:p>
+          <a:p>
+            <a:pPr marL="0" indent="0">
+              <a:buFont typeface="Arial" panose="020B0604020202020204" pitchFamily="34" charset="0"/>
+              <a:buNone/>
+            </a:pPr>
+            <a:endParaRPr lang="en-NZ" dirty="0" smtClean="0"/>
+          </a:p>
+          <a:p>
+            <a:pPr marL="171450" indent="-171450">
+              <a:buFont typeface="Arial" panose="020B0604020202020204" pitchFamily="34" charset="0"/>
+              <a:buChar char="•"/>
+            </a:pPr>
+            <a:r>
+              <a:rPr lang="en-NZ" dirty="0" smtClean="0"/>
+              <a:t>Heroes of</a:t>
+            </a:r>
+            <a:r>
+              <a:rPr lang="en-NZ" baseline="0" dirty="0" smtClean="0"/>
+              <a:t> Might and Magic</a:t>
+            </a:r>
             <a:endParaRPr lang="en-NZ" dirty="0"/>
           </a:p>
         </p:txBody>
@@ -1320,7 +3991,7 @@
     </p:spTree>
     <p:extLst>
       <p:ext uri="{BB962C8B-B14F-4D97-AF65-F5344CB8AC3E}">
-        <p14:creationId xmlns:p14="http://schemas.microsoft.com/office/powerpoint/2010/main" val="17594320"/>
+        <p14:creationId xmlns:p14="http://schemas.microsoft.com/office/powerpoint/2010/main" val="1075480277"/>
       </p:ext>
     </p:extLst>
   </p:cSld>
@@ -1511,7 +4182,7 @@
           <a:p>
             <a:fld id="{F8166F1F-CE9B-4651-A6AA-CD717754106B}" type="datetimeFigureOut">
               <a:rPr lang="en-US" smtClean="0"/>
-              <a:t>8/21/2019</a:t>
+              <a:t>8/28/2019</a:t>
             </a:fld>
             <a:endParaRPr lang="en-US"/>
           </a:p>
@@ -1676,7 +4347,7 @@
           <a:p>
             <a:fld id="{A76116CE-C4A3-4A05-B2D7-7C2E9A889C0F}" type="datetimeFigureOut">
               <a:rPr lang="en-US" smtClean="0"/>
-              <a:t>8/21/2019</a:t>
+              <a:t>8/28/2019</a:t>
             </a:fld>
             <a:endParaRPr lang="en-US"/>
           </a:p>
@@ -1851,7 +4522,7 @@
           <a:p>
             <a:fld id="{A76116CE-C4A3-4A05-B2D7-7C2E9A889C0F}" type="datetimeFigureOut">
               <a:rPr lang="en-US" smtClean="0"/>
-              <a:t>8/21/2019</a:t>
+              <a:t>8/28/2019</a:t>
             </a:fld>
             <a:endParaRPr lang="en-US"/>
           </a:p>
@@ -2018,7 +4689,7 @@
           <a:p>
             <a:fld id="{A76116CE-C4A3-4A05-B2D7-7C2E9A889C0F}" type="datetimeFigureOut">
               <a:rPr lang="en-US" smtClean="0"/>
-              <a:t>8/21/2019</a:t>
+              <a:t>8/28/2019</a:t>
             </a:fld>
             <a:endParaRPr lang="en-US"/>
           </a:p>
@@ -2259,7 +4930,7 @@
           <a:p>
             <a:fld id="{A76116CE-C4A3-4A05-B2D7-7C2E9A889C0F}" type="datetimeFigureOut">
               <a:rPr lang="en-US" smtClean="0"/>
-              <a:t>8/21/2019</a:t>
+              <a:t>8/28/2019</a:t>
             </a:fld>
             <a:endParaRPr lang="en-US"/>
           </a:p>
@@ -2542,7 +5213,7 @@
           <a:p>
             <a:fld id="{A76116CE-C4A3-4A05-B2D7-7C2E9A889C0F}" type="datetimeFigureOut">
               <a:rPr lang="en-US" smtClean="0"/>
-              <a:t>8/21/2019</a:t>
+              <a:t>8/28/2019</a:t>
             </a:fld>
             <a:endParaRPr lang="en-US"/>
           </a:p>
@@ -2959,7 +5630,7 @@
           <a:p>
             <a:fld id="{A76116CE-C4A3-4A05-B2D7-7C2E9A889C0F}" type="datetimeFigureOut">
               <a:rPr lang="en-US" smtClean="0"/>
-              <a:t>8/21/2019</a:t>
+              <a:t>8/28/2019</a:t>
             </a:fld>
             <a:endParaRPr lang="en-US"/>
           </a:p>
@@ -3072,7 +5743,7 @@
           <a:p>
             <a:fld id="{A76116CE-C4A3-4A05-B2D7-7C2E9A889C0F}" type="datetimeFigureOut">
               <a:rPr lang="en-US" smtClean="0"/>
-              <a:t>8/21/2019</a:t>
+              <a:t>8/28/2019</a:t>
             </a:fld>
             <a:endParaRPr lang="en-US"/>
           </a:p>
@@ -3162,7 +5833,7 @@
           <a:p>
             <a:fld id="{A76116CE-C4A3-4A05-B2D7-7C2E9A889C0F}" type="datetimeFigureOut">
               <a:rPr lang="en-US" smtClean="0"/>
-              <a:t>8/21/2019</a:t>
+              <a:t>8/28/2019</a:t>
             </a:fld>
             <a:endParaRPr lang="en-US"/>
           </a:p>
@@ -3434,7 +6105,7 @@
           <a:p>
             <a:fld id="{A76116CE-C4A3-4A05-B2D7-7C2E9A889C0F}" type="datetimeFigureOut">
               <a:rPr lang="en-US" smtClean="0"/>
-              <a:t>8/21/2019</a:t>
+              <a:t>8/28/2019</a:t>
             </a:fld>
             <a:endParaRPr lang="en-US"/>
           </a:p>
@@ -3682,7 +6353,7 @@
           <a:p>
             <a:fld id="{A76116CE-C4A3-4A05-B2D7-7C2E9A889C0F}" type="datetimeFigureOut">
               <a:rPr lang="en-US" smtClean="0"/>
-              <a:t>8/21/2019</a:t>
+              <a:t>8/28/2019</a:t>
             </a:fld>
             <a:endParaRPr lang="en-US"/>
           </a:p>
@@ -3890,7 +6561,7 @@
           <a:p>
             <a:fld id="{F8166F1F-CE9B-4651-A6AA-CD717754106B}" type="datetimeFigureOut">
               <a:rPr lang="en-US" smtClean="0"/>
-              <a:t>8/21/2019</a:t>
+              <a:t>8/28/2019</a:t>
             </a:fld>
             <a:endParaRPr lang="en-US"/>
           </a:p>
@@ -4310,7 +6981,6 @@
               <a:rPr lang="en-US" sz="4000" b="1" dirty="0" smtClean="0"/>
               <a:t>06.2 Tile Map</a:t>
             </a:r>
-            <a:endParaRPr lang="en-US" sz="4000" b="1" dirty="0" smtClean="0"/>
           </a:p>
           <a:p>
             <a:pPr algn="ctr"/>
@@ -4390,7 +7060,7 @@
         <p:spPr>
           <a:xfrm>
             <a:off x="0" y="0"/>
-            <a:ext cx="9144000" cy="1246495"/>
+            <a:ext cx="9144000" cy="2015936"/>
           </a:xfrm>
           <a:prstGeom prst="rect">
             <a:avLst/>
@@ -4409,16 +7079,1345 @@
             <a:pPr lvl="1"/>
             <a:r>
               <a:rPr lang="en-US" sz="3500" b="1" dirty="0" smtClean="0"/>
-              <a:t>Task 2 – map from file</a:t>
+              <a:t>Tile based – isometric</a:t>
             </a:r>
             <a:endParaRPr lang="en-US" sz="3500" b="1" dirty="0"/>
           </a:p>
-        </p:txBody>
-      </p:sp>
+          <a:p>
+            <a:pPr lvl="1"/>
+            <a:endParaRPr lang="en-US" sz="2500" dirty="0"/>
+          </a:p>
+          <a:p>
+            <a:pPr marL="1657350" lvl="2" indent="-742950">
+              <a:buFont typeface="Arial" panose="020B0604020202020204" pitchFamily="34" charset="0"/>
+              <a:buChar char="•"/>
+            </a:pPr>
+            <a:endParaRPr lang="en-US" sz="2500" dirty="0"/>
+          </a:p>
+        </p:txBody>
+      </p:sp>
+      <p:pic>
+        <p:nvPicPr>
+          <p:cNvPr id="9" name="Picture 5" descr="homm4_5"/>
+          <p:cNvPicPr>
+            <a:picLocks noChangeAspect="1" noChangeArrowheads="1"/>
+          </p:cNvPicPr>
+          <p:nvPr/>
+        </p:nvPicPr>
+        <p:blipFill>
+          <a:blip r:embed="rId3" cstate="print"/>
+          <a:srcRect/>
+          <a:stretch>
+            <a:fillRect/>
+          </a:stretch>
+        </p:blipFill>
+        <p:spPr>
+          <a:xfrm>
+            <a:off x="1367644" y="1524000"/>
+            <a:ext cx="6408712" cy="4814157"/>
+          </a:xfrm>
+          <a:prstGeom prst="rect">
+            <a:avLst/>
+          </a:prstGeom>
+          <a:noFill/>
+        </p:spPr>
+      </p:pic>
     </p:spTree>
     <p:extLst>
       <p:ext uri="{BB962C8B-B14F-4D97-AF65-F5344CB8AC3E}">
-        <p14:creationId xmlns:p14="http://schemas.microsoft.com/office/powerpoint/2010/main" val="3533415051"/>
+        <p14:creationId xmlns:p14="http://schemas.microsoft.com/office/powerpoint/2010/main" val="1691559195"/>
+      </p:ext>
+    </p:extLst>
+  </p:cSld>
+  <p:clrMapOvr>
+    <a:masterClrMapping/>
+  </p:clrMapOvr>
+  <p:timing>
+    <p:tnLst>
+      <p:par>
+        <p:cTn id="1" dur="indefinite" restart="never" nodeType="tmRoot"/>
+      </p:par>
+    </p:tnLst>
+  </p:timing>
+</p:sld>
+</file>
+
+<file path=ppt/slides/slide11.xml><?xml version="1.0" encoding="utf-8"?>
+<p:sld xmlns:a="http://schemas.openxmlformats.org/drawingml/2006/main" xmlns:r="http://schemas.openxmlformats.org/officeDocument/2006/relationships" xmlns:p="http://schemas.openxmlformats.org/presentationml/2006/main">
+  <p:cSld>
+    <p:bg>
+      <p:bgPr>
+        <a:solidFill>
+          <a:schemeClr val="accent5">
+            <a:lumMod val="60000"/>
+            <a:lumOff val="40000"/>
+          </a:schemeClr>
+        </a:solidFill>
+        <a:effectLst/>
+      </p:bgPr>
+    </p:bg>
+    <p:spTree>
+      <p:nvGrpSpPr>
+        <p:cNvPr id="1" name=""/>
+        <p:cNvGrpSpPr/>
+        <p:nvPr/>
+      </p:nvGrpSpPr>
+      <p:grpSpPr>
+        <a:xfrm>
+          <a:off x="0" y="0"/>
+          <a:ext cx="0" cy="0"/>
+          <a:chOff x="0" y="0"/>
+          <a:chExt cx="0" cy="0"/>
+        </a:xfrm>
+      </p:grpSpPr>
+      <p:sp>
+        <p:nvSpPr>
+          <p:cNvPr id="3" name="Rectangle 2"/>
+          <p:cNvSpPr/>
+          <p:nvPr/>
+        </p:nvSpPr>
+        <p:spPr>
+          <a:xfrm>
+            <a:off x="0" y="0"/>
+            <a:ext cx="9144000" cy="2015936"/>
+          </a:xfrm>
+          <a:prstGeom prst="rect">
+            <a:avLst/>
+          </a:prstGeom>
+        </p:spPr>
+        <p:txBody>
+          <a:bodyPr wrap="square">
+            <a:spAutoFit/>
+          </a:bodyPr>
+          <a:lstStyle/>
+          <a:p>
+            <a:pPr algn="ctr"/>
+            <a:endParaRPr lang="en-US" sz="4000" b="1" dirty="0"/>
+          </a:p>
+          <a:p>
+            <a:pPr lvl="1"/>
+            <a:r>
+              <a:rPr lang="en-US" sz="3500" b="1" dirty="0" smtClean="0"/>
+              <a:t>Tile sets</a:t>
+            </a:r>
+            <a:endParaRPr lang="en-US" sz="3500" b="1" dirty="0"/>
+          </a:p>
+          <a:p>
+            <a:pPr lvl="1"/>
+            <a:endParaRPr lang="en-US" sz="2500" dirty="0"/>
+          </a:p>
+          <a:p>
+            <a:pPr marL="1657350" lvl="2" indent="-742950">
+              <a:buFont typeface="Arial" panose="020B0604020202020204" pitchFamily="34" charset="0"/>
+              <a:buChar char="•"/>
+            </a:pPr>
+            <a:endParaRPr lang="en-US" sz="2500" dirty="0"/>
+          </a:p>
+        </p:txBody>
+      </p:sp>
+      <p:pic>
+        <p:nvPicPr>
+          <p:cNvPr id="4" name="Picture 8"/>
+          <p:cNvPicPr>
+            <a:picLocks noChangeAspect="1" noChangeArrowheads="1"/>
+          </p:cNvPicPr>
+          <p:nvPr/>
+        </p:nvPicPr>
+        <p:blipFill rotWithShape="1">
+          <a:blip r:embed="rId3" cstate="print"/>
+          <a:srcRect l="1686" t="10883" r="562" b="3602"/>
+          <a:stretch/>
+        </p:blipFill>
+        <p:spPr bwMode="auto">
+          <a:xfrm>
+            <a:off x="1257300" y="1676400"/>
+            <a:ext cx="6629400" cy="4191000"/>
+          </a:xfrm>
+          <a:prstGeom prst="rect">
+            <a:avLst/>
+          </a:prstGeom>
+          <a:noFill/>
+          <a:ln w="9525">
+            <a:noFill/>
+            <a:miter lim="800000"/>
+            <a:headEnd/>
+            <a:tailEnd/>
+          </a:ln>
+        </p:spPr>
+      </p:pic>
+    </p:spTree>
+    <p:extLst>
+      <p:ext uri="{BB962C8B-B14F-4D97-AF65-F5344CB8AC3E}">
+        <p14:creationId xmlns:p14="http://schemas.microsoft.com/office/powerpoint/2010/main" val="4124513062"/>
+      </p:ext>
+    </p:extLst>
+  </p:cSld>
+  <p:clrMapOvr>
+    <a:masterClrMapping/>
+  </p:clrMapOvr>
+  <p:timing>
+    <p:tnLst>
+      <p:par>
+        <p:cTn id="1" dur="indefinite" restart="never" nodeType="tmRoot"/>
+      </p:par>
+    </p:tnLst>
+  </p:timing>
+</p:sld>
+</file>
+
+<file path=ppt/slides/slide12.xml><?xml version="1.0" encoding="utf-8"?>
+<p:sld xmlns:a="http://schemas.openxmlformats.org/drawingml/2006/main" xmlns:r="http://schemas.openxmlformats.org/officeDocument/2006/relationships" xmlns:p="http://schemas.openxmlformats.org/presentationml/2006/main">
+  <p:cSld>
+    <p:bg>
+      <p:bgPr>
+        <a:solidFill>
+          <a:schemeClr val="accent5">
+            <a:lumMod val="60000"/>
+            <a:lumOff val="40000"/>
+          </a:schemeClr>
+        </a:solidFill>
+        <a:effectLst/>
+      </p:bgPr>
+    </p:bg>
+    <p:spTree>
+      <p:nvGrpSpPr>
+        <p:cNvPr id="1" name=""/>
+        <p:cNvGrpSpPr/>
+        <p:nvPr/>
+      </p:nvGrpSpPr>
+      <p:grpSpPr>
+        <a:xfrm>
+          <a:off x="0" y="0"/>
+          <a:ext cx="0" cy="0"/>
+          <a:chOff x="0" y="0"/>
+          <a:chExt cx="0" cy="0"/>
+        </a:xfrm>
+      </p:grpSpPr>
+      <p:sp>
+        <p:nvSpPr>
+          <p:cNvPr id="3" name="Rectangle 2"/>
+          <p:cNvSpPr/>
+          <p:nvPr/>
+        </p:nvSpPr>
+        <p:spPr>
+          <a:xfrm>
+            <a:off x="0" y="0"/>
+            <a:ext cx="9144000" cy="2015936"/>
+          </a:xfrm>
+          <a:prstGeom prst="rect">
+            <a:avLst/>
+          </a:prstGeom>
+        </p:spPr>
+        <p:txBody>
+          <a:bodyPr wrap="square">
+            <a:spAutoFit/>
+          </a:bodyPr>
+          <a:lstStyle/>
+          <a:p>
+            <a:pPr algn="ctr"/>
+            <a:endParaRPr lang="en-US" sz="4000" b="1" dirty="0"/>
+          </a:p>
+          <a:p>
+            <a:pPr lvl="1"/>
+            <a:r>
+              <a:rPr lang="en-US" sz="3500" b="1" dirty="0" smtClean="0"/>
+              <a:t>Tile sets</a:t>
+            </a:r>
+            <a:endParaRPr lang="en-US" sz="3500" b="1" dirty="0"/>
+          </a:p>
+          <a:p>
+            <a:pPr lvl="1"/>
+            <a:endParaRPr lang="en-US" sz="2500" dirty="0"/>
+          </a:p>
+          <a:p>
+            <a:pPr marL="1657350" lvl="2" indent="-742950">
+              <a:buFont typeface="Arial" panose="020B0604020202020204" pitchFamily="34" charset="0"/>
+              <a:buChar char="•"/>
+            </a:pPr>
+            <a:endParaRPr lang="en-US" sz="2500" dirty="0"/>
+          </a:p>
+        </p:txBody>
+      </p:sp>
+      <p:pic>
+        <p:nvPicPr>
+          <p:cNvPr id="5" name="Picture 7" descr="BLOCKS2"/>
+          <p:cNvPicPr>
+            <a:picLocks noChangeAspect="1" noChangeArrowheads="1"/>
+          </p:cNvPicPr>
+          <p:nvPr/>
+        </p:nvPicPr>
+        <p:blipFill rotWithShape="1">
+          <a:blip r:embed="rId3" cstate="print"/>
+          <a:srcRect b="4718"/>
+          <a:stretch/>
+        </p:blipFill>
+        <p:spPr bwMode="auto">
+          <a:xfrm>
+            <a:off x="508794" y="1371600"/>
+            <a:ext cx="8126412" cy="4840287"/>
+          </a:xfrm>
+          <a:prstGeom prst="rect">
+            <a:avLst/>
+          </a:prstGeom>
+          <a:noFill/>
+          <a:ln w="9525">
+            <a:noFill/>
+            <a:miter lim="800000"/>
+            <a:headEnd/>
+            <a:tailEnd/>
+          </a:ln>
+        </p:spPr>
+      </p:pic>
+    </p:spTree>
+    <p:extLst>
+      <p:ext uri="{BB962C8B-B14F-4D97-AF65-F5344CB8AC3E}">
+        <p14:creationId xmlns:p14="http://schemas.microsoft.com/office/powerpoint/2010/main" val="3108395641"/>
+      </p:ext>
+    </p:extLst>
+  </p:cSld>
+  <p:clrMapOvr>
+    <a:masterClrMapping/>
+  </p:clrMapOvr>
+  <p:timing>
+    <p:tnLst>
+      <p:par>
+        <p:cTn id="1" dur="indefinite" restart="never" nodeType="tmRoot"/>
+      </p:par>
+    </p:tnLst>
+  </p:timing>
+</p:sld>
+</file>
+
+<file path=ppt/slides/slide13.xml><?xml version="1.0" encoding="utf-8"?>
+<p:sld xmlns:a="http://schemas.openxmlformats.org/drawingml/2006/main" xmlns:r="http://schemas.openxmlformats.org/officeDocument/2006/relationships" xmlns:p="http://schemas.openxmlformats.org/presentationml/2006/main">
+  <p:cSld>
+    <p:bg>
+      <p:bgPr>
+        <a:solidFill>
+          <a:schemeClr val="accent5">
+            <a:lumMod val="60000"/>
+            <a:lumOff val="40000"/>
+          </a:schemeClr>
+        </a:solidFill>
+        <a:effectLst/>
+      </p:bgPr>
+    </p:bg>
+    <p:spTree>
+      <p:nvGrpSpPr>
+        <p:cNvPr id="1" name=""/>
+        <p:cNvGrpSpPr/>
+        <p:nvPr/>
+      </p:nvGrpSpPr>
+      <p:grpSpPr>
+        <a:xfrm>
+          <a:off x="0" y="0"/>
+          <a:ext cx="0" cy="0"/>
+          <a:chOff x="0" y="0"/>
+          <a:chExt cx="0" cy="0"/>
+        </a:xfrm>
+      </p:grpSpPr>
+      <p:sp>
+        <p:nvSpPr>
+          <p:cNvPr id="3" name="Rectangle 2"/>
+          <p:cNvSpPr/>
+          <p:nvPr/>
+        </p:nvSpPr>
+        <p:spPr>
+          <a:xfrm>
+            <a:off x="0" y="0"/>
+            <a:ext cx="9144000" cy="2015936"/>
+          </a:xfrm>
+          <a:prstGeom prst="rect">
+            <a:avLst/>
+          </a:prstGeom>
+        </p:spPr>
+        <p:txBody>
+          <a:bodyPr wrap="square">
+            <a:spAutoFit/>
+          </a:bodyPr>
+          <a:lstStyle/>
+          <a:p>
+            <a:pPr algn="ctr"/>
+            <a:endParaRPr lang="en-US" sz="4000" b="1" dirty="0"/>
+          </a:p>
+          <a:p>
+            <a:pPr lvl="1"/>
+            <a:r>
+              <a:rPr lang="en-US" sz="3500" b="1" dirty="0" smtClean="0"/>
+              <a:t>Tile sets</a:t>
+            </a:r>
+            <a:endParaRPr lang="en-US" sz="3500" b="1" dirty="0"/>
+          </a:p>
+          <a:p>
+            <a:pPr lvl="1"/>
+            <a:endParaRPr lang="en-US" sz="2500" dirty="0"/>
+          </a:p>
+          <a:p>
+            <a:pPr marL="1657350" lvl="2" indent="-742950">
+              <a:buFont typeface="Arial" panose="020B0604020202020204" pitchFamily="34" charset="0"/>
+              <a:buChar char="•"/>
+            </a:pPr>
+            <a:endParaRPr lang="en-US" sz="2500" dirty="0"/>
+          </a:p>
+        </p:txBody>
+      </p:sp>
+      <p:pic>
+        <p:nvPicPr>
+          <p:cNvPr id="4" name="Picture 5" descr="3992_1088389659"/>
+          <p:cNvPicPr>
+            <a:picLocks noChangeAspect="1" noChangeArrowheads="1"/>
+          </p:cNvPicPr>
+          <p:nvPr/>
+        </p:nvPicPr>
+        <p:blipFill>
+          <a:blip r:embed="rId3" cstate="print"/>
+          <a:srcRect/>
+          <a:stretch>
+            <a:fillRect/>
+          </a:stretch>
+        </p:blipFill>
+        <p:spPr>
+          <a:xfrm>
+            <a:off x="827881" y="1676400"/>
+            <a:ext cx="7488238" cy="3994150"/>
+          </a:xfrm>
+          <a:prstGeom prst="rect">
+            <a:avLst/>
+          </a:prstGeom>
+          <a:noFill/>
+        </p:spPr>
+      </p:pic>
+    </p:spTree>
+    <p:extLst>
+      <p:ext uri="{BB962C8B-B14F-4D97-AF65-F5344CB8AC3E}">
+        <p14:creationId xmlns:p14="http://schemas.microsoft.com/office/powerpoint/2010/main" val="3307366048"/>
+      </p:ext>
+    </p:extLst>
+  </p:cSld>
+  <p:clrMapOvr>
+    <a:masterClrMapping/>
+  </p:clrMapOvr>
+  <p:timing>
+    <p:tnLst>
+      <p:par>
+        <p:cTn id="1" dur="indefinite" restart="never" nodeType="tmRoot"/>
+      </p:par>
+    </p:tnLst>
+  </p:timing>
+</p:sld>
+</file>
+
+<file path=ppt/slides/slide14.xml><?xml version="1.0" encoding="utf-8"?>
+<p:sld xmlns:a="http://schemas.openxmlformats.org/drawingml/2006/main" xmlns:r="http://schemas.openxmlformats.org/officeDocument/2006/relationships" xmlns:p="http://schemas.openxmlformats.org/presentationml/2006/main">
+  <p:cSld>
+    <p:bg>
+      <p:bgPr>
+        <a:solidFill>
+          <a:schemeClr val="accent5">
+            <a:lumMod val="60000"/>
+            <a:lumOff val="40000"/>
+          </a:schemeClr>
+        </a:solidFill>
+        <a:effectLst/>
+      </p:bgPr>
+    </p:bg>
+    <p:spTree>
+      <p:nvGrpSpPr>
+        <p:cNvPr id="1" name=""/>
+        <p:cNvGrpSpPr/>
+        <p:nvPr/>
+      </p:nvGrpSpPr>
+      <p:grpSpPr>
+        <a:xfrm>
+          <a:off x="0" y="0"/>
+          <a:ext cx="0" cy="0"/>
+          <a:chOff x="0" y="0"/>
+          <a:chExt cx="0" cy="0"/>
+        </a:xfrm>
+      </p:grpSpPr>
+      <p:sp>
+        <p:nvSpPr>
+          <p:cNvPr id="3" name="Rectangle 2"/>
+          <p:cNvSpPr/>
+          <p:nvPr/>
+        </p:nvSpPr>
+        <p:spPr>
+          <a:xfrm>
+            <a:off x="0" y="0"/>
+            <a:ext cx="9144000" cy="2015936"/>
+          </a:xfrm>
+          <a:prstGeom prst="rect">
+            <a:avLst/>
+          </a:prstGeom>
+        </p:spPr>
+        <p:txBody>
+          <a:bodyPr wrap="square">
+            <a:spAutoFit/>
+          </a:bodyPr>
+          <a:lstStyle/>
+          <a:p>
+            <a:pPr algn="ctr"/>
+            <a:endParaRPr lang="en-US" sz="4000" b="1" dirty="0"/>
+          </a:p>
+          <a:p>
+            <a:pPr lvl="1"/>
+            <a:r>
+              <a:rPr lang="en-US" sz="3500" b="1" dirty="0" smtClean="0"/>
+              <a:t>Terrain transitions</a:t>
+            </a:r>
+            <a:endParaRPr lang="en-US" sz="3500" b="1" dirty="0"/>
+          </a:p>
+          <a:p>
+            <a:pPr lvl="1"/>
+            <a:endParaRPr lang="en-US" sz="2500" dirty="0"/>
+          </a:p>
+          <a:p>
+            <a:pPr marL="1657350" lvl="2" indent="-742950">
+              <a:buFont typeface="Arial" panose="020B0604020202020204" pitchFamily="34" charset="0"/>
+              <a:buChar char="•"/>
+            </a:pPr>
+            <a:endParaRPr lang="en-US" sz="2500" dirty="0"/>
+          </a:p>
+        </p:txBody>
+      </p:sp>
+      <p:pic>
+        <p:nvPicPr>
+          <p:cNvPr id="5" name="Picture 6" descr="TerrainsBefore"/>
+          <p:cNvPicPr>
+            <a:picLocks noChangeAspect="1" noChangeArrowheads="1"/>
+          </p:cNvPicPr>
+          <p:nvPr/>
+        </p:nvPicPr>
+        <p:blipFill>
+          <a:blip r:embed="rId3" cstate="print"/>
+          <a:stretch>
+            <a:fillRect/>
+          </a:stretch>
+        </p:blipFill>
+        <p:spPr>
+          <a:xfrm>
+            <a:off x="4043362" y="2832893"/>
+            <a:ext cx="1057275" cy="1057275"/>
+          </a:xfrm>
+          <a:prstGeom prst="rect">
+            <a:avLst/>
+          </a:prstGeom>
+          <a:noFill/>
+        </p:spPr>
+      </p:pic>
+      <p:pic>
+        <p:nvPicPr>
+          <p:cNvPr id="6" name="Picture 4" descr="TerrainsAfter"/>
+          <p:cNvPicPr>
+            <a:picLocks noChangeAspect="1" noChangeArrowheads="1"/>
+          </p:cNvPicPr>
+          <p:nvPr/>
+        </p:nvPicPr>
+        <p:blipFill>
+          <a:blip r:embed="rId4" cstate="print"/>
+          <a:srcRect/>
+          <a:stretch>
+            <a:fillRect/>
+          </a:stretch>
+        </p:blipFill>
+        <p:spPr bwMode="auto">
+          <a:xfrm>
+            <a:off x="5328443" y="2832893"/>
+            <a:ext cx="3024188" cy="3024187"/>
+          </a:xfrm>
+          <a:prstGeom prst="rect">
+            <a:avLst/>
+          </a:prstGeom>
+          <a:noFill/>
+          <a:ln w="9525">
+            <a:noFill/>
+            <a:miter lim="800000"/>
+            <a:headEnd/>
+            <a:tailEnd/>
+          </a:ln>
+        </p:spPr>
+      </p:pic>
+      <p:pic>
+        <p:nvPicPr>
+          <p:cNvPr id="7" name="Picture 5" descr="TerrainTransitionPrecedence"/>
+          <p:cNvPicPr>
+            <a:picLocks noChangeAspect="1" noChangeArrowheads="1"/>
+          </p:cNvPicPr>
+          <p:nvPr/>
+        </p:nvPicPr>
+        <p:blipFill>
+          <a:blip r:embed="rId5" cstate="print"/>
+          <a:srcRect/>
+          <a:stretch>
+            <a:fillRect/>
+          </a:stretch>
+        </p:blipFill>
+        <p:spPr bwMode="auto">
+          <a:xfrm>
+            <a:off x="791369" y="1752600"/>
+            <a:ext cx="7561262" cy="839787"/>
+          </a:xfrm>
+          <a:prstGeom prst="rect">
+            <a:avLst/>
+          </a:prstGeom>
+          <a:noFill/>
+          <a:ln w="9525">
+            <a:noFill/>
+            <a:miter lim="800000"/>
+            <a:headEnd/>
+            <a:tailEnd/>
+          </a:ln>
+        </p:spPr>
+      </p:pic>
+    </p:spTree>
+    <p:extLst>
+      <p:ext uri="{BB962C8B-B14F-4D97-AF65-F5344CB8AC3E}">
+        <p14:creationId xmlns:p14="http://schemas.microsoft.com/office/powerpoint/2010/main" val="2312123865"/>
+      </p:ext>
+    </p:extLst>
+  </p:cSld>
+  <p:clrMapOvr>
+    <a:masterClrMapping/>
+  </p:clrMapOvr>
+  <p:timing>
+    <p:tnLst>
+      <p:par>
+        <p:cTn id="1" dur="indefinite" restart="never" nodeType="tmRoot">
+          <p:childTnLst>
+            <p:seq concurrent="1" nextAc="seek">
+              <p:cTn id="2" dur="indefinite" nodeType="mainSeq">
+                <p:childTnLst>
+                  <p:par>
+                    <p:cTn id="3" fill="hold">
+                      <p:stCondLst>
+                        <p:cond delay="indefinite"/>
+                      </p:stCondLst>
+                      <p:childTnLst>
+                        <p:par>
+                          <p:cTn id="4" fill="hold">
+                            <p:stCondLst>
+                              <p:cond delay="0"/>
+                            </p:stCondLst>
+                            <p:childTnLst>
+                              <p:par>
+                                <p:cTn id="5" presetID="1" presetClass="entr" presetSubtype="0" fill="hold" nodeType="clickEffect">
+                                  <p:stCondLst>
+                                    <p:cond delay="0"/>
+                                  </p:stCondLst>
+                                  <p:childTnLst>
+                                    <p:set>
+                                      <p:cBhvr>
+                                        <p:cTn id="6" dur="1" fill="hold">
+                                          <p:stCondLst>
+                                            <p:cond delay="0"/>
+                                          </p:stCondLst>
+                                        </p:cTn>
+                                        <p:tgtEl>
+                                          <p:spTgt spid="5"/>
+                                        </p:tgtEl>
+                                        <p:attrNameLst>
+                                          <p:attrName>style.visibility</p:attrName>
+                                        </p:attrNameLst>
+                                      </p:cBhvr>
+                                      <p:to>
+                                        <p:strVal val="visible"/>
+                                      </p:to>
+                                    </p:set>
+                                  </p:childTnLst>
+                                </p:cTn>
+                              </p:par>
+                            </p:childTnLst>
+                          </p:cTn>
+                        </p:par>
+                      </p:childTnLst>
+                    </p:cTn>
+                  </p:par>
+                  <p:par>
+                    <p:cTn id="7" fill="hold">
+                      <p:stCondLst>
+                        <p:cond delay="indefinite"/>
+                      </p:stCondLst>
+                      <p:childTnLst>
+                        <p:par>
+                          <p:cTn id="8" fill="hold">
+                            <p:stCondLst>
+                              <p:cond delay="0"/>
+                            </p:stCondLst>
+                            <p:childTnLst>
+                              <p:par>
+                                <p:cTn id="9" presetID="1" presetClass="entr" presetSubtype="0" fill="hold" nodeType="clickEffect">
+                                  <p:stCondLst>
+                                    <p:cond delay="0"/>
+                                  </p:stCondLst>
+                                  <p:childTnLst>
+                                    <p:set>
+                                      <p:cBhvr>
+                                        <p:cTn id="10" dur="1" fill="hold">
+                                          <p:stCondLst>
+                                            <p:cond delay="0"/>
+                                          </p:stCondLst>
+                                        </p:cTn>
+                                        <p:tgtEl>
+                                          <p:spTgt spid="7"/>
+                                        </p:tgtEl>
+                                        <p:attrNameLst>
+                                          <p:attrName>style.visibility</p:attrName>
+                                        </p:attrNameLst>
+                                      </p:cBhvr>
+                                      <p:to>
+                                        <p:strVal val="visible"/>
+                                      </p:to>
+                                    </p:set>
+                                  </p:childTnLst>
+                                </p:cTn>
+                              </p:par>
+                            </p:childTnLst>
+                          </p:cTn>
+                        </p:par>
+                      </p:childTnLst>
+                    </p:cTn>
+                  </p:par>
+                  <p:par>
+                    <p:cTn id="11" fill="hold">
+                      <p:stCondLst>
+                        <p:cond delay="indefinite"/>
+                      </p:stCondLst>
+                      <p:childTnLst>
+                        <p:par>
+                          <p:cTn id="12" fill="hold">
+                            <p:stCondLst>
+                              <p:cond delay="0"/>
+                            </p:stCondLst>
+                            <p:childTnLst>
+                              <p:par>
+                                <p:cTn id="13" presetID="1" presetClass="entr" presetSubtype="0" fill="hold" nodeType="clickEffect">
+                                  <p:stCondLst>
+                                    <p:cond delay="0"/>
+                                  </p:stCondLst>
+                                  <p:childTnLst>
+                                    <p:set>
+                                      <p:cBhvr>
+                                        <p:cTn id="14" dur="1" fill="hold">
+                                          <p:stCondLst>
+                                            <p:cond delay="0"/>
+                                          </p:stCondLst>
+                                        </p:cTn>
+                                        <p:tgtEl>
+                                          <p:spTgt spid="6"/>
+                                        </p:tgtEl>
+                                        <p:attrNameLst>
+                                          <p:attrName>style.visibility</p:attrName>
+                                        </p:attrNameLst>
+                                      </p:cBhvr>
+                                      <p:to>
+                                        <p:strVal val="visible"/>
+                                      </p:to>
+                                    </p:set>
+                                  </p:childTnLst>
+                                </p:cTn>
+                              </p:par>
+                            </p:childTnLst>
+                          </p:cTn>
+                        </p:par>
+                      </p:childTnLst>
+                    </p:cTn>
+                  </p:par>
+                </p:childTnLst>
+              </p:cTn>
+              <p:prevCondLst>
+                <p:cond evt="onPrev" delay="0">
+                  <p:tgtEl>
+                    <p:sldTgt/>
+                  </p:tgtEl>
+                </p:cond>
+              </p:prevCondLst>
+              <p:nextCondLst>
+                <p:cond evt="onNext" delay="0">
+                  <p:tgtEl>
+                    <p:sldTgt/>
+                  </p:tgtEl>
+                </p:cond>
+              </p:nextCondLst>
+            </p:seq>
+          </p:childTnLst>
+        </p:cTn>
+      </p:par>
+    </p:tnLst>
+  </p:timing>
+</p:sld>
+</file>
+
+<file path=ppt/slides/slide15.xml><?xml version="1.0" encoding="utf-8"?>
+<p:sld xmlns:a="http://schemas.openxmlformats.org/drawingml/2006/main" xmlns:r="http://schemas.openxmlformats.org/officeDocument/2006/relationships" xmlns:p="http://schemas.openxmlformats.org/presentationml/2006/main">
+  <p:cSld>
+    <p:bg>
+      <p:bgPr>
+        <a:solidFill>
+          <a:schemeClr val="accent5">
+            <a:lumMod val="60000"/>
+            <a:lumOff val="40000"/>
+          </a:schemeClr>
+        </a:solidFill>
+        <a:effectLst/>
+      </p:bgPr>
+    </p:bg>
+    <p:spTree>
+      <p:nvGrpSpPr>
+        <p:cNvPr id="1" name=""/>
+        <p:cNvGrpSpPr/>
+        <p:nvPr/>
+      </p:nvGrpSpPr>
+      <p:grpSpPr>
+        <a:xfrm>
+          <a:off x="0" y="0"/>
+          <a:ext cx="0" cy="0"/>
+          <a:chOff x="0" y="0"/>
+          <a:chExt cx="0" cy="0"/>
+        </a:xfrm>
+      </p:grpSpPr>
+      <p:sp>
+        <p:nvSpPr>
+          <p:cNvPr id="3" name="Rectangle 2"/>
+          <p:cNvSpPr/>
+          <p:nvPr/>
+        </p:nvSpPr>
+        <p:spPr>
+          <a:xfrm>
+            <a:off x="0" y="0"/>
+            <a:ext cx="9144000" cy="2015936"/>
+          </a:xfrm>
+          <a:prstGeom prst="rect">
+            <a:avLst/>
+          </a:prstGeom>
+        </p:spPr>
+        <p:txBody>
+          <a:bodyPr wrap="square">
+            <a:spAutoFit/>
+          </a:bodyPr>
+          <a:lstStyle/>
+          <a:p>
+            <a:pPr algn="ctr"/>
+            <a:endParaRPr lang="en-US" sz="4000" b="1" dirty="0"/>
+          </a:p>
+          <a:p>
+            <a:pPr lvl="1"/>
+            <a:r>
+              <a:rPr lang="en-US" sz="3500" b="1" dirty="0" smtClean="0"/>
+              <a:t>Terrain transitions</a:t>
+            </a:r>
+            <a:endParaRPr lang="en-US" sz="3500" b="1" dirty="0"/>
+          </a:p>
+          <a:p>
+            <a:pPr lvl="1"/>
+            <a:endParaRPr lang="en-US" sz="2500" dirty="0"/>
+          </a:p>
+          <a:p>
+            <a:pPr marL="1657350" lvl="2" indent="-742950">
+              <a:buFont typeface="Arial" panose="020B0604020202020204" pitchFamily="34" charset="0"/>
+              <a:buChar char="•"/>
+            </a:pPr>
+            <a:endParaRPr lang="en-US" sz="2500" dirty="0"/>
+          </a:p>
+        </p:txBody>
+      </p:sp>
+      <p:pic>
+        <p:nvPicPr>
+          <p:cNvPr id="8" name="Picture 6" descr="ArtifactGrasslandTransitions"/>
+          <p:cNvPicPr>
+            <a:picLocks noChangeAspect="1" noChangeArrowheads="1"/>
+          </p:cNvPicPr>
+          <p:nvPr/>
+        </p:nvPicPr>
+        <p:blipFill>
+          <a:blip r:embed="rId3" cstate="print"/>
+          <a:srcRect/>
+          <a:stretch>
+            <a:fillRect/>
+          </a:stretch>
+        </p:blipFill>
+        <p:spPr>
+          <a:xfrm>
+            <a:off x="288925" y="2032175"/>
+            <a:ext cx="8566150" cy="1084262"/>
+          </a:xfrm>
+          <a:prstGeom prst="rect">
+            <a:avLst/>
+          </a:prstGeom>
+          <a:noFill/>
+        </p:spPr>
+      </p:pic>
+    </p:spTree>
+    <p:extLst>
+      <p:ext uri="{BB962C8B-B14F-4D97-AF65-F5344CB8AC3E}">
+        <p14:creationId xmlns:p14="http://schemas.microsoft.com/office/powerpoint/2010/main" val="1226381741"/>
+      </p:ext>
+    </p:extLst>
+  </p:cSld>
+  <p:clrMapOvr>
+    <a:masterClrMapping/>
+  </p:clrMapOvr>
+  <p:timing>
+    <p:tnLst>
+      <p:par>
+        <p:cTn id="1" dur="indefinite" restart="never" nodeType="tmRoot"/>
+      </p:par>
+    </p:tnLst>
+  </p:timing>
+</p:sld>
+</file>
+
+<file path=ppt/slides/slide16.xml><?xml version="1.0" encoding="utf-8"?>
+<p:sld xmlns:a="http://schemas.openxmlformats.org/drawingml/2006/main" xmlns:r="http://schemas.openxmlformats.org/officeDocument/2006/relationships" xmlns:p="http://schemas.openxmlformats.org/presentationml/2006/main">
+  <p:cSld>
+    <p:bg>
+      <p:bgPr>
+        <a:solidFill>
+          <a:schemeClr val="accent5">
+            <a:lumMod val="60000"/>
+            <a:lumOff val="40000"/>
+          </a:schemeClr>
+        </a:solidFill>
+        <a:effectLst/>
+      </p:bgPr>
+    </p:bg>
+    <p:spTree>
+      <p:nvGrpSpPr>
+        <p:cNvPr id="1" name=""/>
+        <p:cNvGrpSpPr/>
+        <p:nvPr/>
+      </p:nvGrpSpPr>
+      <p:grpSpPr>
+        <a:xfrm>
+          <a:off x="0" y="0"/>
+          <a:ext cx="0" cy="0"/>
+          <a:chOff x="0" y="0"/>
+          <a:chExt cx="0" cy="0"/>
+        </a:xfrm>
+      </p:grpSpPr>
+      <p:sp>
+        <p:nvSpPr>
+          <p:cNvPr id="3" name="Rectangle 2"/>
+          <p:cNvSpPr/>
+          <p:nvPr/>
+        </p:nvSpPr>
+        <p:spPr>
+          <a:xfrm>
+            <a:off x="0" y="0"/>
+            <a:ext cx="9144000" cy="2015936"/>
+          </a:xfrm>
+          <a:prstGeom prst="rect">
+            <a:avLst/>
+          </a:prstGeom>
+        </p:spPr>
+        <p:txBody>
+          <a:bodyPr wrap="square">
+            <a:spAutoFit/>
+          </a:bodyPr>
+          <a:lstStyle/>
+          <a:p>
+            <a:pPr algn="ctr"/>
+            <a:endParaRPr lang="en-US" sz="4000" b="1" dirty="0"/>
+          </a:p>
+          <a:p>
+            <a:pPr lvl="1"/>
+            <a:r>
+              <a:rPr lang="en-US" sz="3500" b="1" dirty="0" smtClean="0"/>
+              <a:t>Tile based – Roguelike </a:t>
+            </a:r>
+            <a:endParaRPr lang="en-US" sz="3500" b="1" dirty="0"/>
+          </a:p>
+          <a:p>
+            <a:pPr lvl="1"/>
+            <a:endParaRPr lang="en-US" sz="2500" dirty="0"/>
+          </a:p>
+          <a:p>
+            <a:pPr marL="1657350" lvl="2" indent="-742950">
+              <a:buFont typeface="Arial" panose="020B0604020202020204" pitchFamily="34" charset="0"/>
+              <a:buChar char="•"/>
+            </a:pPr>
+            <a:endParaRPr lang="en-US" sz="2500" dirty="0"/>
+          </a:p>
+        </p:txBody>
+      </p:sp>
+      <p:pic>
+        <p:nvPicPr>
+          <p:cNvPr id="4" name="Content Placeholder 4" descr="Dungeon_0.gif"/>
+          <p:cNvPicPr>
+            <a:picLocks noChangeAspect="1"/>
+          </p:cNvPicPr>
+          <p:nvPr/>
+        </p:nvPicPr>
+        <p:blipFill>
+          <a:blip r:embed="rId3" cstate="print"/>
+          <a:stretch>
+            <a:fillRect/>
+          </a:stretch>
+        </p:blipFill>
+        <p:spPr>
+          <a:xfrm>
+            <a:off x="1113970" y="1447800"/>
+            <a:ext cx="6916059" cy="5187044"/>
+          </a:xfrm>
+          <a:prstGeom prst="rect">
+            <a:avLst/>
+          </a:prstGeom>
+        </p:spPr>
+      </p:pic>
+    </p:spTree>
+    <p:extLst>
+      <p:ext uri="{BB962C8B-B14F-4D97-AF65-F5344CB8AC3E}">
+        <p14:creationId xmlns:p14="http://schemas.microsoft.com/office/powerpoint/2010/main" val="3729001270"/>
+      </p:ext>
+    </p:extLst>
+  </p:cSld>
+  <p:clrMapOvr>
+    <a:masterClrMapping/>
+  </p:clrMapOvr>
+  <p:timing>
+    <p:tnLst>
+      <p:par>
+        <p:cTn id="1" dur="indefinite" restart="never" nodeType="tmRoot"/>
+      </p:par>
+    </p:tnLst>
+  </p:timing>
+</p:sld>
+</file>
+
+<file path=ppt/slides/slide17.xml><?xml version="1.0" encoding="utf-8"?>
+<p:sld xmlns:a="http://schemas.openxmlformats.org/drawingml/2006/main" xmlns:r="http://schemas.openxmlformats.org/officeDocument/2006/relationships" xmlns:p="http://schemas.openxmlformats.org/presentationml/2006/main">
+  <p:cSld>
+    <p:bg>
+      <p:bgPr>
+        <a:solidFill>
+          <a:schemeClr val="accent5">
+            <a:lumMod val="60000"/>
+            <a:lumOff val="40000"/>
+          </a:schemeClr>
+        </a:solidFill>
+        <a:effectLst/>
+      </p:bgPr>
+    </p:bg>
+    <p:spTree>
+      <p:nvGrpSpPr>
+        <p:cNvPr id="1" name=""/>
+        <p:cNvGrpSpPr/>
+        <p:nvPr/>
+      </p:nvGrpSpPr>
+      <p:grpSpPr>
+        <a:xfrm>
+          <a:off x="0" y="0"/>
+          <a:ext cx="0" cy="0"/>
+          <a:chOff x="0" y="0"/>
+          <a:chExt cx="0" cy="0"/>
+        </a:xfrm>
+      </p:grpSpPr>
+      <p:sp>
+        <p:nvSpPr>
+          <p:cNvPr id="3" name="Rectangle 2"/>
+          <p:cNvSpPr/>
+          <p:nvPr/>
+        </p:nvSpPr>
+        <p:spPr>
+          <a:xfrm>
+            <a:off x="0" y="0"/>
+            <a:ext cx="9144000" cy="2015936"/>
+          </a:xfrm>
+          <a:prstGeom prst="rect">
+            <a:avLst/>
+          </a:prstGeom>
+        </p:spPr>
+        <p:txBody>
+          <a:bodyPr wrap="square">
+            <a:spAutoFit/>
+          </a:bodyPr>
+          <a:lstStyle/>
+          <a:p>
+            <a:pPr algn="ctr"/>
+            <a:endParaRPr lang="en-US" sz="4000" b="1" dirty="0"/>
+          </a:p>
+          <a:p>
+            <a:pPr lvl="1"/>
+            <a:r>
+              <a:rPr lang="en-US" sz="3500" b="1" dirty="0" smtClean="0"/>
+              <a:t>Tile based – Roguelike </a:t>
+            </a:r>
+            <a:endParaRPr lang="en-US" sz="3500" b="1" dirty="0"/>
+          </a:p>
+          <a:p>
+            <a:pPr lvl="1"/>
+            <a:endParaRPr lang="en-US" sz="2500" dirty="0"/>
+          </a:p>
+          <a:p>
+            <a:pPr marL="1657350" lvl="2" indent="-742950">
+              <a:buFont typeface="Arial" panose="020B0604020202020204" pitchFamily="34" charset="0"/>
+              <a:buChar char="•"/>
+            </a:pPr>
+            <a:endParaRPr lang="en-US" sz="2500" dirty="0"/>
+          </a:p>
+        </p:txBody>
+      </p:sp>
+      <p:pic>
+        <p:nvPicPr>
+          <p:cNvPr id="5" name="Content Placeholder 5" descr="02_dungeontiles_closeup01.jpg"/>
+          <p:cNvPicPr>
+            <a:picLocks noChangeAspect="1"/>
+          </p:cNvPicPr>
+          <p:nvPr/>
+        </p:nvPicPr>
+        <p:blipFill>
+          <a:blip r:embed="rId3" cstate="print"/>
+          <a:stretch>
+            <a:fillRect/>
+          </a:stretch>
+        </p:blipFill>
+        <p:spPr>
+          <a:xfrm>
+            <a:off x="1405247" y="1600200"/>
+            <a:ext cx="6333506" cy="4876800"/>
+          </a:xfrm>
+          <a:prstGeom prst="rect">
+            <a:avLst/>
+          </a:prstGeom>
+        </p:spPr>
+      </p:pic>
+    </p:spTree>
+    <p:extLst>
+      <p:ext uri="{BB962C8B-B14F-4D97-AF65-F5344CB8AC3E}">
+        <p14:creationId xmlns:p14="http://schemas.microsoft.com/office/powerpoint/2010/main" val="660536297"/>
+      </p:ext>
+    </p:extLst>
+  </p:cSld>
+  <p:clrMapOvr>
+    <a:masterClrMapping/>
+  </p:clrMapOvr>
+  <p:timing>
+    <p:tnLst>
+      <p:par>
+        <p:cTn id="1" dur="indefinite" restart="never" nodeType="tmRoot"/>
+      </p:par>
+    </p:tnLst>
+  </p:timing>
+</p:sld>
+</file>
+
+<file path=ppt/slides/slide18.xml><?xml version="1.0" encoding="utf-8"?>
+<p:sld xmlns:a="http://schemas.openxmlformats.org/drawingml/2006/main" xmlns:r="http://schemas.openxmlformats.org/officeDocument/2006/relationships" xmlns:p="http://schemas.openxmlformats.org/presentationml/2006/main">
+  <p:cSld>
+    <p:bg>
+      <p:bgPr>
+        <a:solidFill>
+          <a:schemeClr val="accent5">
+            <a:lumMod val="60000"/>
+            <a:lumOff val="40000"/>
+          </a:schemeClr>
+        </a:solidFill>
+        <a:effectLst/>
+      </p:bgPr>
+    </p:bg>
+    <p:spTree>
+      <p:nvGrpSpPr>
+        <p:cNvPr id="1" name=""/>
+        <p:cNvGrpSpPr/>
+        <p:nvPr/>
+      </p:nvGrpSpPr>
+      <p:grpSpPr>
+        <a:xfrm>
+          <a:off x="0" y="0"/>
+          <a:ext cx="0" cy="0"/>
+          <a:chOff x="0" y="0"/>
+          <a:chExt cx="0" cy="0"/>
+        </a:xfrm>
+      </p:grpSpPr>
+      <p:sp>
+        <p:nvSpPr>
+          <p:cNvPr id="3" name="Rectangle 2"/>
+          <p:cNvSpPr/>
+          <p:nvPr/>
+        </p:nvSpPr>
+        <p:spPr>
+          <a:xfrm>
+            <a:off x="0" y="0"/>
+            <a:ext cx="9144000" cy="2015936"/>
+          </a:xfrm>
+          <a:prstGeom prst="rect">
+            <a:avLst/>
+          </a:prstGeom>
+        </p:spPr>
+        <p:txBody>
+          <a:bodyPr wrap="square">
+            <a:spAutoFit/>
+          </a:bodyPr>
+          <a:lstStyle/>
+          <a:p>
+            <a:pPr algn="ctr"/>
+            <a:endParaRPr lang="en-US" sz="4000" b="1" dirty="0"/>
+          </a:p>
+          <a:p>
+            <a:pPr lvl="1"/>
+            <a:r>
+              <a:rPr lang="en-US" sz="3500" b="1" dirty="0" smtClean="0"/>
+              <a:t>Tile based – Roguelike </a:t>
+            </a:r>
+            <a:endParaRPr lang="en-US" sz="3500" b="1" dirty="0"/>
+          </a:p>
+          <a:p>
+            <a:pPr lvl="1"/>
+            <a:endParaRPr lang="en-US" sz="2500" dirty="0"/>
+          </a:p>
+          <a:p>
+            <a:pPr marL="1657350" lvl="2" indent="-742950">
+              <a:buFont typeface="Arial" panose="020B0604020202020204" pitchFamily="34" charset="0"/>
+              <a:buChar char="•"/>
+            </a:pPr>
+            <a:endParaRPr lang="en-US" sz="2500" dirty="0"/>
+          </a:p>
+        </p:txBody>
+      </p:sp>
+      <p:pic>
+        <p:nvPicPr>
+          <p:cNvPr id="5" name="Content Placeholder 4" descr="6uP7Iy9.png"/>
+          <p:cNvPicPr>
+            <a:picLocks noChangeAspect="1"/>
+          </p:cNvPicPr>
+          <p:nvPr/>
+        </p:nvPicPr>
+        <p:blipFill>
+          <a:blip r:embed="rId3" cstate="print"/>
+          <a:stretch>
+            <a:fillRect/>
+          </a:stretch>
+        </p:blipFill>
+        <p:spPr>
+          <a:xfrm>
+            <a:off x="457200" y="1676400"/>
+            <a:ext cx="8229600" cy="4631654"/>
+          </a:xfrm>
+          <a:prstGeom prst="rect">
+            <a:avLst/>
+          </a:prstGeom>
+        </p:spPr>
+      </p:pic>
+    </p:spTree>
+    <p:extLst>
+      <p:ext uri="{BB962C8B-B14F-4D97-AF65-F5344CB8AC3E}">
+        <p14:creationId xmlns:p14="http://schemas.microsoft.com/office/powerpoint/2010/main" val="2928784938"/>
+      </p:ext>
+    </p:extLst>
+  </p:cSld>
+  <p:clrMapOvr>
+    <a:masterClrMapping/>
+  </p:clrMapOvr>
+  <p:timing>
+    <p:tnLst>
+      <p:par>
+        <p:cTn id="1" dur="indefinite" restart="never" nodeType="tmRoot"/>
+      </p:par>
+    </p:tnLst>
+  </p:timing>
+</p:sld>
+</file>
+
+<file path=ppt/slides/slide19.xml><?xml version="1.0" encoding="utf-8"?>
+<p:sld xmlns:a="http://schemas.openxmlformats.org/drawingml/2006/main" xmlns:r="http://schemas.openxmlformats.org/officeDocument/2006/relationships" xmlns:p="http://schemas.openxmlformats.org/presentationml/2006/main">
+  <p:cSld>
+    <p:bg>
+      <p:bgPr>
+        <a:solidFill>
+          <a:schemeClr val="accent5">
+            <a:lumMod val="60000"/>
+            <a:lumOff val="40000"/>
+          </a:schemeClr>
+        </a:solidFill>
+        <a:effectLst/>
+      </p:bgPr>
+    </p:bg>
+    <p:spTree>
+      <p:nvGrpSpPr>
+        <p:cNvPr id="1" name=""/>
+        <p:cNvGrpSpPr/>
+        <p:nvPr/>
+      </p:nvGrpSpPr>
+      <p:grpSpPr>
+        <a:xfrm>
+          <a:off x="0" y="0"/>
+          <a:ext cx="0" cy="0"/>
+          <a:chOff x="0" y="0"/>
+          <a:chExt cx="0" cy="0"/>
+        </a:xfrm>
+      </p:grpSpPr>
+      <p:sp>
+        <p:nvSpPr>
+          <p:cNvPr id="3" name="Rectangle 2"/>
+          <p:cNvSpPr/>
+          <p:nvPr/>
+        </p:nvSpPr>
+        <p:spPr>
+          <a:xfrm>
+            <a:off x="0" y="0"/>
+            <a:ext cx="9144000" cy="2015936"/>
+          </a:xfrm>
+          <a:prstGeom prst="rect">
+            <a:avLst/>
+          </a:prstGeom>
+        </p:spPr>
+        <p:txBody>
+          <a:bodyPr wrap="square">
+            <a:spAutoFit/>
+          </a:bodyPr>
+          <a:lstStyle/>
+          <a:p>
+            <a:pPr algn="ctr"/>
+            <a:endParaRPr lang="en-US" sz="4000" b="1" dirty="0"/>
+          </a:p>
+          <a:p>
+            <a:pPr lvl="1"/>
+            <a:r>
+              <a:rPr lang="en-US" sz="3500" b="1" dirty="0" smtClean="0"/>
+              <a:t>Tile based – Roguelike </a:t>
+            </a:r>
+            <a:endParaRPr lang="en-US" sz="3500" b="1" dirty="0"/>
+          </a:p>
+          <a:p>
+            <a:pPr lvl="1"/>
+            <a:endParaRPr lang="en-US" sz="2500" dirty="0"/>
+          </a:p>
+          <a:p>
+            <a:pPr marL="1657350" lvl="2" indent="-742950">
+              <a:buFont typeface="Arial" panose="020B0604020202020204" pitchFamily="34" charset="0"/>
+              <a:buChar char="•"/>
+            </a:pPr>
+            <a:endParaRPr lang="en-US" sz="2500" dirty="0"/>
+          </a:p>
+        </p:txBody>
+      </p:sp>
+      <p:pic>
+        <p:nvPicPr>
+          <p:cNvPr id="4" name="Content Placeholder 7" descr="VimX1EJ.png"/>
+          <p:cNvPicPr>
+            <a:picLocks noChangeAspect="1"/>
+          </p:cNvPicPr>
+          <p:nvPr/>
+        </p:nvPicPr>
+        <p:blipFill>
+          <a:blip r:embed="rId3" cstate="print"/>
+          <a:stretch>
+            <a:fillRect/>
+          </a:stretch>
+        </p:blipFill>
+        <p:spPr>
+          <a:xfrm>
+            <a:off x="508000" y="1600200"/>
+            <a:ext cx="8128000" cy="4876800"/>
+          </a:xfrm>
+          <a:prstGeom prst="rect">
+            <a:avLst/>
+          </a:prstGeom>
+        </p:spPr>
+      </p:pic>
+    </p:spTree>
+    <p:extLst>
+      <p:ext uri="{BB962C8B-B14F-4D97-AF65-F5344CB8AC3E}">
+        <p14:creationId xmlns:p14="http://schemas.microsoft.com/office/powerpoint/2010/main" val="2872201951"/>
       </p:ext>
     </p:extLst>
   </p:cSld>
@@ -4491,7 +8490,7 @@
             <a:pPr lvl="1"/>
             <a:r>
               <a:rPr lang="en-US" sz="3500" b="1" dirty="0" smtClean="0"/>
-              <a:t>Tiles specifically for Roguelike games</a:t>
+              <a:t>Single image</a:t>
             </a:r>
             <a:endParaRPr lang="en-US" sz="3500" b="1" dirty="0"/>
           </a:p>
@@ -4508,6 +8507,32 @@
           </a:p>
         </p:txBody>
       </p:sp>
+      <p:pic>
+        <p:nvPicPr>
+          <p:cNvPr id="4" name="Picture 4" descr="SKY24"/>
+          <p:cNvPicPr>
+            <a:picLocks noChangeAspect="1" noChangeArrowheads="1"/>
+          </p:cNvPicPr>
+          <p:nvPr/>
+        </p:nvPicPr>
+        <p:blipFill>
+          <a:blip r:embed="rId3" cstate="print"/>
+          <a:srcRect/>
+          <a:stretch>
+            <a:fillRect/>
+          </a:stretch>
+        </p:blipFill>
+        <p:spPr>
+          <a:xfrm>
+            <a:off x="1007269" y="1676400"/>
+            <a:ext cx="7129462" cy="4456112"/>
+          </a:xfrm>
+          <a:prstGeom prst="rect">
+            <a:avLst/>
+          </a:prstGeom>
+          <a:noFill/>
+        </p:spPr>
+      </p:pic>
     </p:spTree>
     <p:extLst>
       <p:ext uri="{BB962C8B-B14F-4D97-AF65-F5344CB8AC3E}">
@@ -4528,7 +8553,124 @@
 </p:sld>
 </file>
 
-<file path=ppt/slides/slide3.xml><?xml version="1.0" encoding="utf-8"?>
+<file path=ppt/slides/slide20.xml><?xml version="1.0" encoding="utf-8"?>
+<p:sld xmlns:a="http://schemas.openxmlformats.org/drawingml/2006/main" xmlns:r="http://schemas.openxmlformats.org/officeDocument/2006/relationships" xmlns:p="http://schemas.openxmlformats.org/presentationml/2006/main">
+  <p:cSld>
+    <p:bg>
+      <p:bgPr>
+        <a:solidFill>
+          <a:schemeClr val="accent5">
+            <a:lumMod val="60000"/>
+            <a:lumOff val="40000"/>
+          </a:schemeClr>
+        </a:solidFill>
+        <a:effectLst/>
+      </p:bgPr>
+    </p:bg>
+    <p:spTree>
+      <p:nvGrpSpPr>
+        <p:cNvPr id="1" name=""/>
+        <p:cNvGrpSpPr/>
+        <p:nvPr/>
+      </p:nvGrpSpPr>
+      <p:grpSpPr>
+        <a:xfrm>
+          <a:off x="0" y="0"/>
+          <a:ext cx="0" cy="0"/>
+          <a:chOff x="0" y="0"/>
+          <a:chExt cx="0" cy="0"/>
+        </a:xfrm>
+      </p:grpSpPr>
+      <p:sp>
+        <p:nvSpPr>
+          <p:cNvPr id="3" name="Rectangle 2"/>
+          <p:cNvSpPr/>
+          <p:nvPr/>
+        </p:nvSpPr>
+        <p:spPr>
+          <a:xfrm>
+            <a:off x="0" y="0"/>
+            <a:ext cx="9144000" cy="2015936"/>
+          </a:xfrm>
+          <a:prstGeom prst="rect">
+            <a:avLst/>
+          </a:prstGeom>
+        </p:spPr>
+        <p:txBody>
+          <a:bodyPr wrap="square">
+            <a:spAutoFit/>
+          </a:bodyPr>
+          <a:lstStyle/>
+          <a:p>
+            <a:pPr algn="ctr"/>
+            <a:endParaRPr lang="en-US" sz="4000" b="1" dirty="0"/>
+          </a:p>
+          <a:p>
+            <a:pPr lvl="1"/>
+            <a:r>
+              <a:rPr lang="en-US" sz="3500" b="1" dirty="0" smtClean="0"/>
+              <a:t>Tile based – Roguelike </a:t>
+            </a:r>
+            <a:endParaRPr lang="en-US" sz="3500" b="1" dirty="0"/>
+          </a:p>
+          <a:p>
+            <a:pPr lvl="1"/>
+            <a:endParaRPr lang="en-US" sz="2500" dirty="0"/>
+          </a:p>
+          <a:p>
+            <a:pPr marL="1657350" lvl="2" indent="-742950">
+              <a:buFont typeface="Arial" panose="020B0604020202020204" pitchFamily="34" charset="0"/>
+              <a:buChar char="•"/>
+            </a:pPr>
+            <a:endParaRPr lang="en-US" sz="2500" dirty="0"/>
+          </a:p>
+        </p:txBody>
+      </p:sp>
+      <p:pic>
+        <p:nvPicPr>
+          <p:cNvPr id="5" name="Content Placeholder 4" descr="Town.gif"/>
+          <p:cNvPicPr>
+            <a:picLocks noChangeAspect="1"/>
+          </p:cNvPicPr>
+          <p:nvPr/>
+        </p:nvPicPr>
+        <p:blipFill>
+          <a:blip r:embed="rId3" cstate="print"/>
+          <a:stretch>
+            <a:fillRect/>
+          </a:stretch>
+        </p:blipFill>
+        <p:spPr>
+          <a:xfrm>
+            <a:off x="1362224" y="1600200"/>
+            <a:ext cx="6419552" cy="4814664"/>
+          </a:xfrm>
+          <a:prstGeom prst="rect">
+            <a:avLst/>
+          </a:prstGeom>
+        </p:spPr>
+      </p:pic>
+    </p:spTree>
+    <p:extLst>
+      <p:ext uri="{BB962C8B-B14F-4D97-AF65-F5344CB8AC3E}">
+        <p14:creationId xmlns:p14="http://schemas.microsoft.com/office/powerpoint/2010/main" val="371308497"/>
+      </p:ext>
+    </p:extLst>
+  </p:cSld>
+  <p:clrMapOvr>
+    <a:masterClrMapping/>
+  </p:clrMapOvr>
+  <p:timing>
+    <p:tnLst>
+      <p:par>
+        <p:cTn id="1" dur="indefinite" restart="never" nodeType="tmRoot"/>
+      </p:par>
+    </p:tnLst>
+  </p:timing>
+</p:sld>
+</file>
+
+<file path=ppt/slides/slide21.xml><?xml version="1.0" encoding="utf-8"?>
 <p:sld xmlns:a="http://schemas.openxmlformats.org/drawingml/2006/main" xmlns:r="http://schemas.openxmlformats.org/officeDocument/2006/relationships" xmlns:p="http://schemas.openxmlformats.org/presentationml/2006/main">
   <p:cSld>
     <p:bg>
@@ -6888,7 +11030,7 @@
 </p:sld>
 </file>
 
-<file path=ppt/slides/slide4.xml><?xml version="1.0" encoding="utf-8"?>
+<file path=ppt/slides/slide22.xml><?xml version="1.0" encoding="utf-8"?>
 <p:sld xmlns:a="http://schemas.openxmlformats.org/drawingml/2006/main" xmlns:r="http://schemas.openxmlformats.org/officeDocument/2006/relationships" xmlns:p="http://schemas.openxmlformats.org/presentationml/2006/main">
   <p:cSld>
     <p:bg>
@@ -7066,7 +11208,7 @@
 </p:sld>
 </file>
 
-<file path=ppt/slides/slide5.xml><?xml version="1.0" encoding="utf-8"?>
+<file path=ppt/slides/slide23.xml><?xml version="1.0" encoding="utf-8"?>
 <p:sld xmlns:a="http://schemas.openxmlformats.org/drawingml/2006/main" xmlns:r="http://schemas.openxmlformats.org/officeDocument/2006/relationships" xmlns:p="http://schemas.openxmlformats.org/presentationml/2006/main">
   <p:cSld>
     <p:bg>
@@ -9420,7 +13562,7 @@
 </p:sld>
 </file>
 
-<file path=ppt/slides/slide6.xml><?xml version="1.0" encoding="utf-8"?>
+<file path=ppt/slides/slide24.xml><?xml version="1.0" encoding="utf-8"?>
 <p:sld xmlns:a="http://schemas.openxmlformats.org/drawingml/2006/main" xmlns:r="http://schemas.openxmlformats.org/officeDocument/2006/relationships" xmlns:p="http://schemas.openxmlformats.org/presentationml/2006/main">
   <p:cSld>
     <p:bg>
@@ -9531,7 +13673,368 @@
 </p:sld>
 </file>
 
-<file path=ppt/slides/slide7.xml><?xml version="1.0" encoding="utf-8"?>
+<file path=ppt/slides/slide25.xml><?xml version="1.0" encoding="utf-8"?>
+<p:sld xmlns:a="http://schemas.openxmlformats.org/drawingml/2006/main" xmlns:r="http://schemas.openxmlformats.org/officeDocument/2006/relationships" xmlns:p="http://schemas.openxmlformats.org/presentationml/2006/main">
+  <p:cSld>
+    <p:bg>
+      <p:bgPr>
+        <a:solidFill>
+          <a:schemeClr val="accent5">
+            <a:lumMod val="60000"/>
+            <a:lumOff val="40000"/>
+          </a:schemeClr>
+        </a:solidFill>
+        <a:effectLst/>
+      </p:bgPr>
+    </p:bg>
+    <p:spTree>
+      <p:nvGrpSpPr>
+        <p:cNvPr id="1" name=""/>
+        <p:cNvGrpSpPr/>
+        <p:nvPr/>
+      </p:nvGrpSpPr>
+      <p:grpSpPr>
+        <a:xfrm>
+          <a:off x="0" y="0"/>
+          <a:ext cx="0" cy="0"/>
+          <a:chOff x="0" y="0"/>
+          <a:chExt cx="0" cy="0"/>
+        </a:xfrm>
+      </p:grpSpPr>
+      <p:sp>
+        <p:nvSpPr>
+          <p:cNvPr id="3" name="Rectangle 2"/>
+          <p:cNvSpPr/>
+          <p:nvPr/>
+        </p:nvSpPr>
+        <p:spPr>
+          <a:xfrm>
+            <a:off x="0" y="0"/>
+            <a:ext cx="9144000" cy="1246495"/>
+          </a:xfrm>
+          <a:prstGeom prst="rect">
+            <a:avLst/>
+          </a:prstGeom>
+        </p:spPr>
+        <p:txBody>
+          <a:bodyPr wrap="square">
+            <a:spAutoFit/>
+          </a:bodyPr>
+          <a:lstStyle/>
+          <a:p>
+            <a:pPr algn="ctr"/>
+            <a:endParaRPr lang="en-US" sz="4000" b="1" dirty="0"/>
+          </a:p>
+          <a:p>
+            <a:pPr lvl="1"/>
+            <a:r>
+              <a:rPr lang="en-US" sz="3500" b="1" dirty="0" smtClean="0"/>
+              <a:t>TileList class</a:t>
+            </a:r>
+          </a:p>
+        </p:txBody>
+      </p:sp>
+      <p:pic>
+        <p:nvPicPr>
+          <p:cNvPr id="4" name="Picture 3"/>
+          <p:cNvPicPr>
+            <a:picLocks noChangeAspect="1"/>
+          </p:cNvPicPr>
+          <p:nvPr/>
+        </p:nvPicPr>
+        <p:blipFill>
+          <a:blip r:embed="rId3">
+            <a:extLst>
+              <a:ext uri="{28A0092B-C50C-407E-A947-70E740481C1C}">
+                <a14:useLocalDpi xmlns:a14="http://schemas.microsoft.com/office/drawing/2010/main" val="0"/>
+              </a:ext>
+            </a:extLst>
+          </a:blip>
+          <a:stretch>
+            <a:fillRect/>
+          </a:stretch>
+        </p:blipFill>
+        <p:spPr>
+          <a:xfrm>
+            <a:off x="960806" y="1905000"/>
+            <a:ext cx="7222388" cy="3721100"/>
+          </a:xfrm>
+          <a:prstGeom prst="rect">
+            <a:avLst/>
+          </a:prstGeom>
+        </p:spPr>
+      </p:pic>
+    </p:spTree>
+    <p:extLst>
+      <p:ext uri="{BB962C8B-B14F-4D97-AF65-F5344CB8AC3E}">
+        <p14:creationId xmlns:p14="http://schemas.microsoft.com/office/powerpoint/2010/main" val="152057225"/>
+      </p:ext>
+    </p:extLst>
+  </p:cSld>
+  <p:clrMapOvr>
+    <a:masterClrMapping/>
+  </p:clrMapOvr>
+  <p:timing>
+    <p:tnLst>
+      <p:par>
+        <p:cTn id="1" dur="indefinite" restart="never" nodeType="tmRoot"/>
+      </p:par>
+    </p:tnLst>
+  </p:timing>
+</p:sld>
+</file>
+
+<file path=ppt/slides/slide26.xml><?xml version="1.0" encoding="utf-8"?>
+<p:sld xmlns:a="http://schemas.openxmlformats.org/drawingml/2006/main" xmlns:r="http://schemas.openxmlformats.org/officeDocument/2006/relationships" xmlns:p="http://schemas.openxmlformats.org/presentationml/2006/main">
+  <p:cSld>
+    <p:bg>
+      <p:bgPr>
+        <a:solidFill>
+          <a:schemeClr val="accent5">
+            <a:lumMod val="60000"/>
+            <a:lumOff val="40000"/>
+          </a:schemeClr>
+        </a:solidFill>
+        <a:effectLst/>
+      </p:bgPr>
+    </p:bg>
+    <p:spTree>
+      <p:nvGrpSpPr>
+        <p:cNvPr id="1" name=""/>
+        <p:cNvGrpSpPr/>
+        <p:nvPr/>
+      </p:nvGrpSpPr>
+      <p:grpSpPr>
+        <a:xfrm>
+          <a:off x="0" y="0"/>
+          <a:ext cx="0" cy="0"/>
+          <a:chOff x="0" y="0"/>
+          <a:chExt cx="0" cy="0"/>
+        </a:xfrm>
+      </p:grpSpPr>
+      <p:sp>
+        <p:nvSpPr>
+          <p:cNvPr id="3" name="Rectangle 2"/>
+          <p:cNvSpPr/>
+          <p:nvPr/>
+        </p:nvSpPr>
+        <p:spPr>
+          <a:xfrm>
+            <a:off x="0" y="0"/>
+            <a:ext cx="9144000" cy="1246495"/>
+          </a:xfrm>
+          <a:prstGeom prst="rect">
+            <a:avLst/>
+          </a:prstGeom>
+        </p:spPr>
+        <p:txBody>
+          <a:bodyPr wrap="square">
+            <a:spAutoFit/>
+          </a:bodyPr>
+          <a:lstStyle/>
+          <a:p>
+            <a:pPr algn="ctr"/>
+            <a:endParaRPr lang="en-US" sz="4000" b="1" dirty="0"/>
+          </a:p>
+          <a:p>
+            <a:pPr lvl="1"/>
+            <a:r>
+              <a:rPr lang="en-US" sz="3500" b="1" dirty="0" smtClean="0"/>
+              <a:t>TileMap class</a:t>
+            </a:r>
+          </a:p>
+        </p:txBody>
+      </p:sp>
+      <p:pic>
+        <p:nvPicPr>
+          <p:cNvPr id="4" name="Picture 3"/>
+          <p:cNvPicPr>
+            <a:picLocks noChangeAspect="1"/>
+          </p:cNvPicPr>
+          <p:nvPr/>
+        </p:nvPicPr>
+        <p:blipFill>
+          <a:blip r:embed="rId3">
+            <a:extLst>
+              <a:ext uri="{28A0092B-C50C-407E-A947-70E740481C1C}">
+                <a14:useLocalDpi xmlns:a14="http://schemas.microsoft.com/office/drawing/2010/main" val="0"/>
+              </a:ext>
+            </a:extLst>
+          </a:blip>
+          <a:stretch>
+            <a:fillRect/>
+          </a:stretch>
+        </p:blipFill>
+        <p:spPr>
+          <a:xfrm>
+            <a:off x="501650" y="1905000"/>
+            <a:ext cx="8140700" cy="3595964"/>
+          </a:xfrm>
+          <a:prstGeom prst="rect">
+            <a:avLst/>
+          </a:prstGeom>
+        </p:spPr>
+      </p:pic>
+    </p:spTree>
+    <p:extLst>
+      <p:ext uri="{BB962C8B-B14F-4D97-AF65-F5344CB8AC3E}">
+        <p14:creationId xmlns:p14="http://schemas.microsoft.com/office/powerpoint/2010/main" val="2141915802"/>
+      </p:ext>
+    </p:extLst>
+  </p:cSld>
+  <p:clrMapOvr>
+    <a:masterClrMapping/>
+  </p:clrMapOvr>
+  <p:timing>
+    <p:tnLst>
+      <p:par>
+        <p:cTn id="1" dur="indefinite" restart="never" nodeType="tmRoot"/>
+      </p:par>
+    </p:tnLst>
+  </p:timing>
+</p:sld>
+</file>
+
+<file path=ppt/slides/slide27.xml><?xml version="1.0" encoding="utf-8"?>
+<p:sld xmlns:a="http://schemas.openxmlformats.org/drawingml/2006/main" xmlns:r="http://schemas.openxmlformats.org/officeDocument/2006/relationships" xmlns:p="http://schemas.openxmlformats.org/presentationml/2006/main">
+  <p:cSld>
+    <p:bg>
+      <p:bgPr>
+        <a:solidFill>
+          <a:schemeClr val="accent5">
+            <a:lumMod val="60000"/>
+            <a:lumOff val="40000"/>
+          </a:schemeClr>
+        </a:solidFill>
+        <a:effectLst/>
+      </p:bgPr>
+    </p:bg>
+    <p:spTree>
+      <p:nvGrpSpPr>
+        <p:cNvPr id="1" name=""/>
+        <p:cNvGrpSpPr/>
+        <p:nvPr/>
+      </p:nvGrpSpPr>
+      <p:grpSpPr>
+        <a:xfrm>
+          <a:off x="0" y="0"/>
+          <a:ext cx="0" cy="0"/>
+          <a:chOff x="0" y="0"/>
+          <a:chExt cx="0" cy="0"/>
+        </a:xfrm>
+      </p:grpSpPr>
+      <p:sp>
+        <p:nvSpPr>
+          <p:cNvPr id="3" name="Rectangle 2"/>
+          <p:cNvSpPr/>
+          <p:nvPr/>
+        </p:nvSpPr>
+        <p:spPr>
+          <a:xfrm>
+            <a:off x="0" y="0"/>
+            <a:ext cx="9144000" cy="3247043"/>
+          </a:xfrm>
+          <a:prstGeom prst="rect">
+            <a:avLst/>
+          </a:prstGeom>
+        </p:spPr>
+        <p:txBody>
+          <a:bodyPr wrap="square">
+            <a:spAutoFit/>
+          </a:bodyPr>
+          <a:lstStyle/>
+          <a:p>
+            <a:pPr algn="ctr"/>
+            <a:endParaRPr lang="en-US" sz="4000" b="1" dirty="0"/>
+          </a:p>
+          <a:p>
+            <a:pPr lvl="1"/>
+            <a:r>
+              <a:rPr lang="en-AU" sz="3500" b="1" dirty="0" smtClean="0"/>
+              <a:t>How TileMap draws itself</a:t>
+            </a:r>
+            <a:endParaRPr lang="en-US" sz="3500" b="1" dirty="0" smtClean="0"/>
+          </a:p>
+          <a:p>
+            <a:pPr marL="1657350" lvl="2" indent="-742950">
+              <a:buFont typeface="Arial" panose="020B0604020202020204" pitchFamily="34" charset="0"/>
+              <a:buChar char="•"/>
+            </a:pPr>
+            <a:endParaRPr lang="en-US" sz="2500" dirty="0" smtClean="0"/>
+          </a:p>
+          <a:p>
+            <a:pPr marL="1657350" lvl="2" indent="-742950">
+              <a:buFont typeface="Arial" panose="020B0604020202020204" pitchFamily="34" charset="0"/>
+              <a:buChar char="•"/>
+            </a:pPr>
+            <a:r>
+              <a:rPr lang="en-US" sz="2500" dirty="0" smtClean="0"/>
+              <a:t>For each cell in the map array (the 2D array of ints)</a:t>
+            </a:r>
+          </a:p>
+          <a:p>
+            <a:pPr marL="2114550" lvl="3" indent="-742950">
+              <a:buFont typeface="Arial" panose="020B0604020202020204" pitchFamily="34" charset="0"/>
+              <a:buChar char="•"/>
+            </a:pPr>
+            <a:r>
+              <a:rPr lang="en-US" sz="2000" dirty="0" smtClean="0"/>
+              <a:t>Use the value in the cell to retrieve the associated bitmap</a:t>
+            </a:r>
+          </a:p>
+          <a:p>
+            <a:pPr marL="2114550" lvl="3" indent="-742950">
+              <a:buFont typeface="Arial" panose="020B0604020202020204" pitchFamily="34" charset="0"/>
+              <a:buChar char="•"/>
+            </a:pPr>
+            <a:r>
+              <a:rPr lang="en-US" sz="2000" dirty="0" smtClean="0"/>
+              <a:t>Use TileList::GetTileBitmap(in tileIndex) to get the Bitmap^</a:t>
+            </a:r>
+          </a:p>
+          <a:p>
+            <a:pPr marL="2114550" lvl="3" indent="-742950">
+              <a:buFont typeface="Arial" panose="020B0604020202020204" pitchFamily="34" charset="0"/>
+              <a:buChar char="•"/>
+            </a:pPr>
+            <a:r>
+              <a:rPr lang="en-US" sz="2000" dirty="0" smtClean="0"/>
+              <a:t>Compute the location fro this tile on the canvas</a:t>
+            </a:r>
+          </a:p>
+          <a:p>
+            <a:pPr marL="2114550" lvl="3" indent="-742950">
+              <a:buFont typeface="Arial" panose="020B0604020202020204" pitchFamily="34" charset="0"/>
+              <a:buChar char="•"/>
+            </a:pPr>
+            <a:r>
+              <a:rPr lang="en-US" sz="2000" dirty="0" smtClean="0"/>
+              <a:t>Draw the bitmap to the canvas at that location</a:t>
+            </a:r>
+          </a:p>
+        </p:txBody>
+      </p:sp>
+    </p:spTree>
+    <p:extLst>
+      <p:ext uri="{BB962C8B-B14F-4D97-AF65-F5344CB8AC3E}">
+        <p14:creationId xmlns:p14="http://schemas.microsoft.com/office/powerpoint/2010/main" val="1740436494"/>
+      </p:ext>
+    </p:extLst>
+  </p:cSld>
+  <p:clrMapOvr>
+    <a:masterClrMapping/>
+  </p:clrMapOvr>
+  <p:timing>
+    <p:tnLst>
+      <p:par>
+        <p:cTn id="1" dur="indefinite" restart="never" nodeType="tmRoot"/>
+      </p:par>
+    </p:tnLst>
+  </p:timing>
+</p:sld>
+</file>
+
+<file path=ppt/slides/slide28.xml><?xml version="1.0" encoding="utf-8"?>
 <p:sld xmlns:a="http://schemas.openxmlformats.org/drawingml/2006/main" xmlns:r="http://schemas.openxmlformats.org/officeDocument/2006/relationships" xmlns:p="http://schemas.openxmlformats.org/presentationml/2006/main">
   <p:cSld>
     <p:bg>
@@ -9643,7 +14146,400 @@
 </p:sld>
 </file>
 
-<file path=ppt/slides/slide8.xml><?xml version="1.0" encoding="utf-8"?>
+<file path=ppt/slides/slide29.xml><?xml version="1.0" encoding="utf-8"?>
+<p:sld xmlns:a="http://schemas.openxmlformats.org/drawingml/2006/main" xmlns:r="http://schemas.openxmlformats.org/officeDocument/2006/relationships" xmlns:p="http://schemas.openxmlformats.org/presentationml/2006/main">
+  <p:cSld>
+    <p:bg>
+      <p:bgPr>
+        <a:solidFill>
+          <a:schemeClr val="accent5">
+            <a:lumMod val="60000"/>
+            <a:lumOff val="40000"/>
+          </a:schemeClr>
+        </a:solidFill>
+        <a:effectLst/>
+      </p:bgPr>
+    </p:bg>
+    <p:spTree>
+      <p:nvGrpSpPr>
+        <p:cNvPr id="1" name=""/>
+        <p:cNvGrpSpPr/>
+        <p:nvPr/>
+      </p:nvGrpSpPr>
+      <p:grpSpPr>
+        <a:xfrm>
+          <a:off x="0" y="0"/>
+          <a:ext cx="0" cy="0"/>
+          <a:chOff x="0" y="0"/>
+          <a:chExt cx="0" cy="0"/>
+        </a:xfrm>
+      </p:grpSpPr>
+      <p:sp>
+        <p:nvSpPr>
+          <p:cNvPr id="3" name="Rectangle 2"/>
+          <p:cNvSpPr/>
+          <p:nvPr/>
+        </p:nvSpPr>
+        <p:spPr>
+          <a:xfrm>
+            <a:off x="0" y="0"/>
+            <a:ext cx="9144000" cy="3939540"/>
+          </a:xfrm>
+          <a:prstGeom prst="rect">
+            <a:avLst/>
+          </a:prstGeom>
+        </p:spPr>
+        <p:txBody>
+          <a:bodyPr wrap="square">
+            <a:spAutoFit/>
+          </a:bodyPr>
+          <a:lstStyle/>
+          <a:p>
+            <a:pPr algn="ctr"/>
+            <a:endParaRPr lang="en-US" sz="4000" b="1" dirty="0"/>
+          </a:p>
+          <a:p>
+            <a:pPr lvl="1"/>
+            <a:r>
+              <a:rPr lang="en-US" sz="3500" b="1" dirty="0" smtClean="0"/>
+              <a:t>You need to</a:t>
+            </a:r>
+            <a:r>
+              <a:rPr lang="mr-IN" sz="3500" b="1" dirty="0" smtClean="0"/>
+              <a:t>…</a:t>
+            </a:r>
+            <a:endParaRPr lang="en-US" sz="3500" b="1" dirty="0" smtClean="0"/>
+          </a:p>
+          <a:p>
+            <a:pPr marL="1657350" lvl="2" indent="-742950">
+              <a:buFont typeface="Arial" panose="020B0604020202020204" pitchFamily="34" charset="0"/>
+              <a:buChar char="•"/>
+            </a:pPr>
+            <a:endParaRPr lang="en-US" sz="2500" dirty="0" smtClean="0"/>
+          </a:p>
+          <a:p>
+            <a:pPr marL="1657350" lvl="2" indent="-742950">
+              <a:buFont typeface="Arial" panose="020B0604020202020204" pitchFamily="34" charset="0"/>
+              <a:buChar char="•"/>
+            </a:pPr>
+            <a:r>
+              <a:rPr lang="en-US" sz="2500" dirty="0" smtClean="0"/>
+              <a:t>Create all the Tiles</a:t>
+            </a:r>
+          </a:p>
+          <a:p>
+            <a:pPr marL="1657350" lvl="2" indent="-742950">
+              <a:buFont typeface="Arial" panose="020B0604020202020204" pitchFamily="34" charset="0"/>
+              <a:buChar char="•"/>
+            </a:pPr>
+            <a:r>
+              <a:rPr lang="en-US" sz="2500" dirty="0" smtClean="0"/>
+              <a:t>Create a TileList and load it up with your </a:t>
+            </a:r>
+          </a:p>
+          <a:p>
+            <a:pPr lvl="2"/>
+            <a:r>
+              <a:rPr lang="en-US" sz="2500" dirty="0"/>
+              <a:t>	</a:t>
+            </a:r>
+            <a:r>
+              <a:rPr lang="en-US" sz="2500" dirty="0" smtClean="0"/>
+              <a:t>prepared Tiles</a:t>
+            </a:r>
+          </a:p>
+          <a:p>
+            <a:pPr marL="1657350" lvl="2" indent="-742950">
+              <a:buFont typeface="Arial" panose="020B0604020202020204" pitchFamily="34" charset="0"/>
+              <a:buChar char="•"/>
+            </a:pPr>
+            <a:r>
+              <a:rPr lang="en-US" sz="2500" dirty="0" smtClean="0"/>
+              <a:t>Create a TileMap, passing in your prepared TileList</a:t>
+            </a:r>
+          </a:p>
+          <a:p>
+            <a:pPr marL="1657350" lvl="2" indent="-742950">
+              <a:buFont typeface="Arial" panose="020B0604020202020204" pitchFamily="34" charset="0"/>
+              <a:buChar char="•"/>
+            </a:pPr>
+            <a:r>
+              <a:rPr lang="en-US" sz="2500" dirty="0" smtClean="0"/>
+              <a:t>Write a method to randomly fill the TileMap’s map </a:t>
+            </a:r>
+          </a:p>
+          <a:p>
+            <a:pPr lvl="2"/>
+            <a:r>
+              <a:rPr lang="en-US" sz="2500" dirty="0"/>
+              <a:t>	</a:t>
+            </a:r>
+            <a:r>
+              <a:rPr lang="en-US" sz="2500" dirty="0" smtClean="0"/>
+              <a:t>with integers 0 to n-1, where n is the number of Tiles</a:t>
+            </a:r>
+            <a:endParaRPr lang="en-US" sz="2000" dirty="0" smtClean="0"/>
+          </a:p>
+        </p:txBody>
+      </p:sp>
+    </p:spTree>
+    <p:extLst>
+      <p:ext uri="{BB962C8B-B14F-4D97-AF65-F5344CB8AC3E}">
+        <p14:creationId xmlns:p14="http://schemas.microsoft.com/office/powerpoint/2010/main" val="1839446554"/>
+      </p:ext>
+    </p:extLst>
+  </p:cSld>
+  <p:clrMapOvr>
+    <a:masterClrMapping/>
+  </p:clrMapOvr>
+  <p:timing>
+    <p:tnLst>
+      <p:par>
+        <p:cTn id="1" dur="indefinite" restart="never" nodeType="tmRoot"/>
+      </p:par>
+    </p:tnLst>
+  </p:timing>
+</p:sld>
+</file>
+
+<file path=ppt/slides/slide3.xml><?xml version="1.0" encoding="utf-8"?>
+<p:sld xmlns:a="http://schemas.openxmlformats.org/drawingml/2006/main" xmlns:r="http://schemas.openxmlformats.org/officeDocument/2006/relationships" xmlns:p="http://schemas.openxmlformats.org/presentationml/2006/main">
+  <p:cSld>
+    <p:bg>
+      <p:bgPr>
+        <a:solidFill>
+          <a:schemeClr val="accent5">
+            <a:lumMod val="60000"/>
+            <a:lumOff val="40000"/>
+          </a:schemeClr>
+        </a:solidFill>
+        <a:effectLst/>
+      </p:bgPr>
+    </p:bg>
+    <p:spTree>
+      <p:nvGrpSpPr>
+        <p:cNvPr id="1" name=""/>
+        <p:cNvGrpSpPr/>
+        <p:nvPr/>
+      </p:nvGrpSpPr>
+      <p:grpSpPr>
+        <a:xfrm>
+          <a:off x="0" y="0"/>
+          <a:ext cx="0" cy="0"/>
+          <a:chOff x="0" y="0"/>
+          <a:chExt cx="0" cy="0"/>
+        </a:xfrm>
+      </p:grpSpPr>
+      <p:sp>
+        <p:nvSpPr>
+          <p:cNvPr id="3" name="Rectangle 2"/>
+          <p:cNvSpPr/>
+          <p:nvPr/>
+        </p:nvSpPr>
+        <p:spPr>
+          <a:xfrm>
+            <a:off x="0" y="0"/>
+            <a:ext cx="9144000" cy="2015936"/>
+          </a:xfrm>
+          <a:prstGeom prst="rect">
+            <a:avLst/>
+          </a:prstGeom>
+        </p:spPr>
+        <p:txBody>
+          <a:bodyPr wrap="square">
+            <a:spAutoFit/>
+          </a:bodyPr>
+          <a:lstStyle/>
+          <a:p>
+            <a:pPr algn="ctr"/>
+            <a:endParaRPr lang="en-US" sz="4000" b="1" dirty="0"/>
+          </a:p>
+          <a:p>
+            <a:pPr lvl="1"/>
+            <a:r>
+              <a:rPr lang="en-US" sz="3500" b="1" dirty="0" smtClean="0"/>
+              <a:t>Tiles</a:t>
+            </a:r>
+            <a:endParaRPr lang="en-US" sz="3500" b="1" dirty="0"/>
+          </a:p>
+          <a:p>
+            <a:pPr lvl="1"/>
+            <a:endParaRPr lang="en-US" sz="2500" dirty="0"/>
+          </a:p>
+          <a:p>
+            <a:pPr marL="1657350" lvl="2" indent="-742950">
+              <a:buFont typeface="Arial" panose="020B0604020202020204" pitchFamily="34" charset="0"/>
+              <a:buChar char="•"/>
+            </a:pPr>
+            <a:endParaRPr lang="en-US" sz="2500" dirty="0"/>
+          </a:p>
+        </p:txBody>
+      </p:sp>
+      <p:pic>
+        <p:nvPicPr>
+          <p:cNvPr id="5" name="Picture 5" descr="TerrainsBefore"/>
+          <p:cNvPicPr>
+            <a:picLocks noChangeAspect="1" noChangeArrowheads="1"/>
+          </p:cNvPicPr>
+          <p:nvPr/>
+        </p:nvPicPr>
+        <p:blipFill>
+          <a:blip r:embed="rId3" cstate="print"/>
+          <a:srcRect/>
+          <a:stretch>
+            <a:fillRect/>
+          </a:stretch>
+        </p:blipFill>
+        <p:spPr bwMode="auto">
+          <a:xfrm>
+            <a:off x="3131344" y="1600200"/>
+            <a:ext cx="2881312" cy="2881313"/>
+          </a:xfrm>
+          <a:prstGeom prst="rect">
+            <a:avLst/>
+          </a:prstGeom>
+          <a:noFill/>
+          <a:ln w="9525">
+            <a:noFill/>
+            <a:miter lim="800000"/>
+            <a:headEnd/>
+            <a:tailEnd/>
+          </a:ln>
+        </p:spPr>
+      </p:pic>
+    </p:spTree>
+    <p:extLst>
+      <p:ext uri="{BB962C8B-B14F-4D97-AF65-F5344CB8AC3E}">
+        <p14:creationId xmlns:p14="http://schemas.microsoft.com/office/powerpoint/2010/main" val="3639720625"/>
+      </p:ext>
+    </p:extLst>
+  </p:cSld>
+  <p:clrMapOvr>
+    <a:masterClrMapping/>
+  </p:clrMapOvr>
+  <p:timing>
+    <p:tnLst>
+      <p:par>
+        <p:cTn id="1" dur="indefinite" restart="never" nodeType="tmRoot"/>
+      </p:par>
+    </p:tnLst>
+  </p:timing>
+</p:sld>
+</file>
+
+<file path=ppt/slides/slide30.xml><?xml version="1.0" encoding="utf-8"?>
+<p:sld xmlns:a="http://schemas.openxmlformats.org/drawingml/2006/main" xmlns:r="http://schemas.openxmlformats.org/officeDocument/2006/relationships" xmlns:p="http://schemas.openxmlformats.org/presentationml/2006/main">
+  <p:cSld>
+    <p:bg>
+      <p:bgPr>
+        <a:solidFill>
+          <a:schemeClr val="accent5">
+            <a:lumMod val="60000"/>
+            <a:lumOff val="40000"/>
+          </a:schemeClr>
+        </a:solidFill>
+        <a:effectLst/>
+      </p:bgPr>
+    </p:bg>
+    <p:spTree>
+      <p:nvGrpSpPr>
+        <p:cNvPr id="1" name=""/>
+        <p:cNvGrpSpPr/>
+        <p:nvPr/>
+      </p:nvGrpSpPr>
+      <p:grpSpPr>
+        <a:xfrm>
+          <a:off x="0" y="0"/>
+          <a:ext cx="0" cy="0"/>
+          <a:chOff x="0" y="0"/>
+          <a:chExt cx="0" cy="0"/>
+        </a:xfrm>
+      </p:grpSpPr>
+      <p:sp>
+        <p:nvSpPr>
+          <p:cNvPr id="3" name="Rectangle 2"/>
+          <p:cNvSpPr/>
+          <p:nvPr/>
+        </p:nvSpPr>
+        <p:spPr>
+          <a:xfrm>
+            <a:off x="0" y="0"/>
+            <a:ext cx="9144000" cy="1246495"/>
+          </a:xfrm>
+          <a:prstGeom prst="rect">
+            <a:avLst/>
+          </a:prstGeom>
+        </p:spPr>
+        <p:txBody>
+          <a:bodyPr wrap="square">
+            <a:spAutoFit/>
+          </a:bodyPr>
+          <a:lstStyle/>
+          <a:p>
+            <a:pPr algn="ctr"/>
+            <a:endParaRPr lang="en-US" sz="4000" b="1" dirty="0"/>
+          </a:p>
+          <a:p>
+            <a:pPr lvl="1"/>
+            <a:r>
+              <a:rPr lang="en-US" sz="3500" b="1" dirty="0" smtClean="0"/>
+              <a:t>Task 2 – map from file</a:t>
+            </a:r>
+            <a:endParaRPr lang="en-US" sz="3500" b="1" dirty="0"/>
+          </a:p>
+        </p:txBody>
+      </p:sp>
+      <p:pic>
+        <p:nvPicPr>
+          <p:cNvPr id="2" name="Picture 1"/>
+          <p:cNvPicPr>
+            <a:picLocks noChangeAspect="1"/>
+          </p:cNvPicPr>
+          <p:nvPr/>
+        </p:nvPicPr>
+        <p:blipFill>
+          <a:blip r:embed="rId3">
+            <a:extLst>
+              <a:ext uri="{28A0092B-C50C-407E-A947-70E740481C1C}">
+                <a14:useLocalDpi xmlns:a14="http://schemas.microsoft.com/office/drawing/2010/main" val="0"/>
+              </a:ext>
+            </a:extLst>
+          </a:blip>
+          <a:stretch>
+            <a:fillRect/>
+          </a:stretch>
+        </p:blipFill>
+        <p:spPr>
+          <a:xfrm>
+            <a:off x="501650" y="1905000"/>
+            <a:ext cx="8140700" cy="3595964"/>
+          </a:xfrm>
+          <a:prstGeom prst="rect">
+            <a:avLst/>
+          </a:prstGeom>
+        </p:spPr>
+      </p:pic>
+    </p:spTree>
+    <p:extLst>
+      <p:ext uri="{BB962C8B-B14F-4D97-AF65-F5344CB8AC3E}">
+        <p14:creationId xmlns:p14="http://schemas.microsoft.com/office/powerpoint/2010/main" val="3145136523"/>
+      </p:ext>
+    </p:extLst>
+  </p:cSld>
+  <p:clrMapOvr>
+    <a:masterClrMapping/>
+  </p:clrMapOvr>
+  <p:timing>
+    <p:tnLst>
+      <p:par>
+        <p:cTn id="1" dur="indefinite" restart="never" nodeType="tmRoot"/>
+      </p:par>
+    </p:tnLst>
+  </p:timing>
+</p:sld>
+</file>
+
+<file path=ppt/slides/slide31.xml><?xml version="1.0" encoding="utf-8"?>
 <p:sld xmlns:a="http://schemas.openxmlformats.org/drawingml/2006/main" xmlns:r="http://schemas.openxmlformats.org/officeDocument/2006/relationships" xmlns:p="http://schemas.openxmlformats.org/presentationml/2006/main">
   <p:cSld>
     <p:bg>
@@ -9738,7 +14634,1065 @@
     </p:spTree>
     <p:extLst>
       <p:ext uri="{BB962C8B-B14F-4D97-AF65-F5344CB8AC3E}">
-        <p14:creationId xmlns:p14="http://schemas.microsoft.com/office/powerpoint/2010/main" val="3145136523"/>
+        <p14:creationId xmlns:p14="http://schemas.microsoft.com/office/powerpoint/2010/main" val="301098574"/>
+      </p:ext>
+    </p:extLst>
+  </p:cSld>
+  <p:clrMapOvr>
+    <a:masterClrMapping/>
+  </p:clrMapOvr>
+  <p:timing>
+    <p:tnLst>
+      <p:par>
+        <p:cTn id="1" dur="indefinite" restart="never" nodeType="tmRoot"/>
+      </p:par>
+    </p:tnLst>
+  </p:timing>
+</p:sld>
+</file>
+
+<file path=ppt/slides/slide32.xml><?xml version="1.0" encoding="utf-8"?>
+<p:sld xmlns:a="http://schemas.openxmlformats.org/drawingml/2006/main" xmlns:r="http://schemas.openxmlformats.org/officeDocument/2006/relationships" xmlns:p="http://schemas.openxmlformats.org/presentationml/2006/main">
+  <p:cSld>
+    <p:bg>
+      <p:bgPr>
+        <a:solidFill>
+          <a:schemeClr val="accent5">
+            <a:lumMod val="60000"/>
+            <a:lumOff val="40000"/>
+          </a:schemeClr>
+        </a:solidFill>
+        <a:effectLst/>
+      </p:bgPr>
+    </p:bg>
+    <p:spTree>
+      <p:nvGrpSpPr>
+        <p:cNvPr id="1" name=""/>
+        <p:cNvGrpSpPr/>
+        <p:nvPr/>
+      </p:nvGrpSpPr>
+      <p:grpSpPr>
+        <a:xfrm>
+          <a:off x="0" y="0"/>
+          <a:ext cx="0" cy="0"/>
+          <a:chOff x="0" y="0"/>
+          <a:chExt cx="0" cy="0"/>
+        </a:xfrm>
+      </p:grpSpPr>
+      <p:sp>
+        <p:nvSpPr>
+          <p:cNvPr id="3" name="Rectangle 2"/>
+          <p:cNvSpPr/>
+          <p:nvPr/>
+        </p:nvSpPr>
+        <p:spPr>
+          <a:xfrm>
+            <a:off x="0" y="0"/>
+            <a:ext cx="9144000" cy="1246495"/>
+          </a:xfrm>
+          <a:prstGeom prst="rect">
+            <a:avLst/>
+          </a:prstGeom>
+        </p:spPr>
+        <p:txBody>
+          <a:bodyPr wrap="square">
+            <a:spAutoFit/>
+          </a:bodyPr>
+          <a:lstStyle/>
+          <a:p>
+            <a:pPr algn="ctr"/>
+            <a:endParaRPr lang="en-US" sz="4000" b="1" dirty="0"/>
+          </a:p>
+          <a:p>
+            <a:pPr lvl="1"/>
+            <a:r>
+              <a:rPr lang="en-US" sz="3500" b="1" dirty="0" smtClean="0"/>
+              <a:t>Task 2 – map from file</a:t>
+            </a:r>
+            <a:endParaRPr lang="en-US" sz="3500" b="1" dirty="0"/>
+          </a:p>
+        </p:txBody>
+      </p:sp>
+      <p:pic>
+        <p:nvPicPr>
+          <p:cNvPr id="4" name="Picture 3"/>
+          <p:cNvPicPr>
+            <a:picLocks noChangeAspect="1"/>
+          </p:cNvPicPr>
+          <p:nvPr/>
+        </p:nvPicPr>
+        <p:blipFill>
+          <a:blip r:embed="rId3">
+            <a:extLst>
+              <a:ext uri="{28A0092B-C50C-407E-A947-70E740481C1C}">
+                <a14:useLocalDpi xmlns:a14="http://schemas.microsoft.com/office/drawing/2010/main" val="0"/>
+              </a:ext>
+            </a:extLst>
+          </a:blip>
+          <a:stretch>
+            <a:fillRect/>
+          </a:stretch>
+        </p:blipFill>
+        <p:spPr>
+          <a:xfrm>
+            <a:off x="1233152" y="1676400"/>
+            <a:ext cx="6677696" cy="4832991"/>
+          </a:xfrm>
+          <a:prstGeom prst="rect">
+            <a:avLst/>
+          </a:prstGeom>
+        </p:spPr>
+      </p:pic>
+    </p:spTree>
+    <p:extLst>
+      <p:ext uri="{BB962C8B-B14F-4D97-AF65-F5344CB8AC3E}">
+        <p14:creationId xmlns:p14="http://schemas.microsoft.com/office/powerpoint/2010/main" val="2111499007"/>
+      </p:ext>
+    </p:extLst>
+  </p:cSld>
+  <p:clrMapOvr>
+    <a:masterClrMapping/>
+  </p:clrMapOvr>
+  <p:timing>
+    <p:tnLst>
+      <p:par>
+        <p:cTn id="1" dur="indefinite" restart="never" nodeType="tmRoot"/>
+      </p:par>
+    </p:tnLst>
+  </p:timing>
+</p:sld>
+</file>
+
+<file path=ppt/slides/slide33.xml><?xml version="1.0" encoding="utf-8"?>
+<p:sld xmlns:a="http://schemas.openxmlformats.org/drawingml/2006/main" xmlns:r="http://schemas.openxmlformats.org/officeDocument/2006/relationships" xmlns:p="http://schemas.openxmlformats.org/presentationml/2006/main">
+  <p:cSld>
+    <p:bg>
+      <p:bgPr>
+        <a:solidFill>
+          <a:schemeClr val="accent5">
+            <a:lumMod val="60000"/>
+            <a:lumOff val="40000"/>
+          </a:schemeClr>
+        </a:solidFill>
+        <a:effectLst/>
+      </p:bgPr>
+    </p:bg>
+    <p:spTree>
+      <p:nvGrpSpPr>
+        <p:cNvPr id="1" name=""/>
+        <p:cNvGrpSpPr/>
+        <p:nvPr/>
+      </p:nvGrpSpPr>
+      <p:grpSpPr>
+        <a:xfrm>
+          <a:off x="0" y="0"/>
+          <a:ext cx="0" cy="0"/>
+          <a:chOff x="0" y="0"/>
+          <a:chExt cx="0" cy="0"/>
+        </a:xfrm>
+      </p:grpSpPr>
+      <p:sp>
+        <p:nvSpPr>
+          <p:cNvPr id="3" name="Rectangle 2"/>
+          <p:cNvSpPr/>
+          <p:nvPr/>
+        </p:nvSpPr>
+        <p:spPr>
+          <a:xfrm>
+            <a:off x="0" y="0"/>
+            <a:ext cx="9144000" cy="1246495"/>
+          </a:xfrm>
+          <a:prstGeom prst="rect">
+            <a:avLst/>
+          </a:prstGeom>
+        </p:spPr>
+        <p:txBody>
+          <a:bodyPr wrap="square">
+            <a:spAutoFit/>
+          </a:bodyPr>
+          <a:lstStyle/>
+          <a:p>
+            <a:pPr algn="ctr"/>
+            <a:endParaRPr lang="en-US" sz="4000" b="1" dirty="0"/>
+          </a:p>
+          <a:p>
+            <a:pPr lvl="1"/>
+            <a:r>
+              <a:rPr lang="en-US" sz="3500" b="1" dirty="0" smtClean="0"/>
+              <a:t>Task 2 – map from file</a:t>
+            </a:r>
+            <a:endParaRPr lang="en-US" sz="3500" b="1" dirty="0"/>
+          </a:p>
+        </p:txBody>
+      </p:sp>
+      <p:pic>
+        <p:nvPicPr>
+          <p:cNvPr id="2" name="Picture 1"/>
+          <p:cNvPicPr>
+            <a:picLocks noChangeAspect="1"/>
+          </p:cNvPicPr>
+          <p:nvPr/>
+        </p:nvPicPr>
+        <p:blipFill>
+          <a:blip r:embed="rId3">
+            <a:extLst>
+              <a:ext uri="{28A0092B-C50C-407E-A947-70E740481C1C}">
+                <a14:useLocalDpi xmlns:a14="http://schemas.microsoft.com/office/drawing/2010/main" val="0"/>
+              </a:ext>
+            </a:extLst>
+          </a:blip>
+          <a:stretch>
+            <a:fillRect/>
+          </a:stretch>
+        </p:blipFill>
+        <p:spPr>
+          <a:xfrm>
+            <a:off x="1524000" y="1828800"/>
+            <a:ext cx="6459794" cy="3200400"/>
+          </a:xfrm>
+          <a:prstGeom prst="rect">
+            <a:avLst/>
+          </a:prstGeom>
+        </p:spPr>
+      </p:pic>
+    </p:spTree>
+    <p:extLst>
+      <p:ext uri="{BB962C8B-B14F-4D97-AF65-F5344CB8AC3E}">
+        <p14:creationId xmlns:p14="http://schemas.microsoft.com/office/powerpoint/2010/main" val="41070323"/>
+      </p:ext>
+    </p:extLst>
+  </p:cSld>
+  <p:clrMapOvr>
+    <a:masterClrMapping/>
+  </p:clrMapOvr>
+  <p:timing>
+    <p:tnLst>
+      <p:par>
+        <p:cTn id="1" dur="indefinite" restart="never" nodeType="tmRoot"/>
+      </p:par>
+    </p:tnLst>
+  </p:timing>
+</p:sld>
+</file>
+
+<file path=ppt/slides/slide34.xml><?xml version="1.0" encoding="utf-8"?>
+<p:sld xmlns:a="http://schemas.openxmlformats.org/drawingml/2006/main" xmlns:r="http://schemas.openxmlformats.org/officeDocument/2006/relationships" xmlns:p="http://schemas.openxmlformats.org/presentationml/2006/main">
+  <p:cSld>
+    <p:bg>
+      <p:bgPr>
+        <a:solidFill>
+          <a:schemeClr val="accent5">
+            <a:lumMod val="60000"/>
+            <a:lumOff val="40000"/>
+          </a:schemeClr>
+        </a:solidFill>
+        <a:effectLst/>
+      </p:bgPr>
+    </p:bg>
+    <p:spTree>
+      <p:nvGrpSpPr>
+        <p:cNvPr id="1" name=""/>
+        <p:cNvGrpSpPr/>
+        <p:nvPr/>
+      </p:nvGrpSpPr>
+      <p:grpSpPr>
+        <a:xfrm>
+          <a:off x="0" y="0"/>
+          <a:ext cx="0" cy="0"/>
+          <a:chOff x="0" y="0"/>
+          <a:chExt cx="0" cy="0"/>
+        </a:xfrm>
+      </p:grpSpPr>
+      <p:sp>
+        <p:nvSpPr>
+          <p:cNvPr id="3" name="Rectangle 2"/>
+          <p:cNvSpPr/>
+          <p:nvPr/>
+        </p:nvSpPr>
+        <p:spPr>
+          <a:xfrm>
+            <a:off x="0" y="0"/>
+            <a:ext cx="9144000" cy="1246495"/>
+          </a:xfrm>
+          <a:prstGeom prst="rect">
+            <a:avLst/>
+          </a:prstGeom>
+        </p:spPr>
+        <p:txBody>
+          <a:bodyPr wrap="square">
+            <a:spAutoFit/>
+          </a:bodyPr>
+          <a:lstStyle/>
+          <a:p>
+            <a:pPr algn="ctr"/>
+            <a:endParaRPr lang="en-US" sz="4000" b="1" dirty="0"/>
+          </a:p>
+          <a:p>
+            <a:pPr lvl="1"/>
+            <a:r>
+              <a:rPr lang="en-US" sz="3500" b="1" dirty="0" smtClean="0"/>
+              <a:t>Task 2 – map from file</a:t>
+            </a:r>
+            <a:endParaRPr lang="en-US" sz="3500" b="1" dirty="0"/>
+          </a:p>
+        </p:txBody>
+      </p:sp>
+      <p:pic>
+        <p:nvPicPr>
+          <p:cNvPr id="4" name="Picture 3"/>
+          <p:cNvPicPr>
+            <a:picLocks noChangeAspect="1"/>
+          </p:cNvPicPr>
+          <p:nvPr/>
+        </p:nvPicPr>
+        <p:blipFill>
+          <a:blip r:embed="rId3">
+            <a:extLst>
+              <a:ext uri="{28A0092B-C50C-407E-A947-70E740481C1C}">
+                <a14:useLocalDpi xmlns:a14="http://schemas.microsoft.com/office/drawing/2010/main" val="0"/>
+              </a:ext>
+            </a:extLst>
+          </a:blip>
+          <a:stretch>
+            <a:fillRect/>
+          </a:stretch>
+        </p:blipFill>
+        <p:spPr>
+          <a:xfrm>
+            <a:off x="639517" y="2057400"/>
+            <a:ext cx="7864965" cy="2311400"/>
+          </a:xfrm>
+          <a:prstGeom prst="rect">
+            <a:avLst/>
+          </a:prstGeom>
+        </p:spPr>
+      </p:pic>
+    </p:spTree>
+    <p:extLst>
+      <p:ext uri="{BB962C8B-B14F-4D97-AF65-F5344CB8AC3E}">
+        <p14:creationId xmlns:p14="http://schemas.microsoft.com/office/powerpoint/2010/main" val="133334411"/>
+      </p:ext>
+    </p:extLst>
+  </p:cSld>
+  <p:clrMapOvr>
+    <a:masterClrMapping/>
+  </p:clrMapOvr>
+  <p:timing>
+    <p:tnLst>
+      <p:par>
+        <p:cTn id="1" dur="indefinite" restart="never" nodeType="tmRoot"/>
+      </p:par>
+    </p:tnLst>
+  </p:timing>
+</p:sld>
+</file>
+
+<file path=ppt/slides/slide35.xml><?xml version="1.0" encoding="utf-8"?>
+<p:sld xmlns:a="http://schemas.openxmlformats.org/drawingml/2006/main" xmlns:r="http://schemas.openxmlformats.org/officeDocument/2006/relationships" xmlns:p="http://schemas.openxmlformats.org/presentationml/2006/main">
+  <p:cSld>
+    <p:bg>
+      <p:bgPr>
+        <a:solidFill>
+          <a:schemeClr val="accent5">
+            <a:lumMod val="60000"/>
+            <a:lumOff val="40000"/>
+          </a:schemeClr>
+        </a:solidFill>
+        <a:effectLst/>
+      </p:bgPr>
+    </p:bg>
+    <p:spTree>
+      <p:nvGrpSpPr>
+        <p:cNvPr id="1" name=""/>
+        <p:cNvGrpSpPr/>
+        <p:nvPr/>
+      </p:nvGrpSpPr>
+      <p:grpSpPr>
+        <a:xfrm>
+          <a:off x="0" y="0"/>
+          <a:ext cx="0" cy="0"/>
+          <a:chOff x="0" y="0"/>
+          <a:chExt cx="0" cy="0"/>
+        </a:xfrm>
+      </p:grpSpPr>
+      <p:sp>
+        <p:nvSpPr>
+          <p:cNvPr id="3" name="Rectangle 2"/>
+          <p:cNvSpPr/>
+          <p:nvPr/>
+        </p:nvSpPr>
+        <p:spPr>
+          <a:xfrm>
+            <a:off x="0" y="0"/>
+            <a:ext cx="9144000" cy="1246495"/>
+          </a:xfrm>
+          <a:prstGeom prst="rect">
+            <a:avLst/>
+          </a:prstGeom>
+        </p:spPr>
+        <p:txBody>
+          <a:bodyPr wrap="square">
+            <a:spAutoFit/>
+          </a:bodyPr>
+          <a:lstStyle/>
+          <a:p>
+            <a:pPr algn="ctr"/>
+            <a:endParaRPr lang="en-US" sz="4000" b="1" dirty="0"/>
+          </a:p>
+          <a:p>
+            <a:pPr lvl="1"/>
+            <a:r>
+              <a:rPr lang="en-US" sz="3500" b="1" dirty="0" smtClean="0"/>
+              <a:t>Task 2 – map from file</a:t>
+            </a:r>
+            <a:endParaRPr lang="en-US" sz="3500" b="1" dirty="0"/>
+          </a:p>
+        </p:txBody>
+      </p:sp>
+      <p:pic>
+        <p:nvPicPr>
+          <p:cNvPr id="2" name="Picture 1"/>
+          <p:cNvPicPr>
+            <a:picLocks noChangeAspect="1"/>
+          </p:cNvPicPr>
+          <p:nvPr/>
+        </p:nvPicPr>
+        <p:blipFill>
+          <a:blip r:embed="rId3">
+            <a:extLst>
+              <a:ext uri="{28A0092B-C50C-407E-A947-70E740481C1C}">
+                <a14:useLocalDpi xmlns:a14="http://schemas.microsoft.com/office/drawing/2010/main" val="0"/>
+              </a:ext>
+            </a:extLst>
+          </a:blip>
+          <a:stretch>
+            <a:fillRect/>
+          </a:stretch>
+        </p:blipFill>
+        <p:spPr>
+          <a:xfrm>
+            <a:off x="1612900" y="1600200"/>
+            <a:ext cx="5918200" cy="4628987"/>
+          </a:xfrm>
+          <a:prstGeom prst="rect">
+            <a:avLst/>
+          </a:prstGeom>
+        </p:spPr>
+      </p:pic>
+    </p:spTree>
+    <p:extLst>
+      <p:ext uri="{BB962C8B-B14F-4D97-AF65-F5344CB8AC3E}">
+        <p14:creationId xmlns:p14="http://schemas.microsoft.com/office/powerpoint/2010/main" val="3533415051"/>
+      </p:ext>
+    </p:extLst>
+  </p:cSld>
+  <p:clrMapOvr>
+    <a:masterClrMapping/>
+  </p:clrMapOvr>
+  <p:timing>
+    <p:tnLst>
+      <p:par>
+        <p:cTn id="1" dur="indefinite" restart="never" nodeType="tmRoot"/>
+      </p:par>
+    </p:tnLst>
+  </p:timing>
+</p:sld>
+</file>
+
+<file path=ppt/slides/slide4.xml><?xml version="1.0" encoding="utf-8"?>
+<p:sld xmlns:a="http://schemas.openxmlformats.org/drawingml/2006/main" xmlns:r="http://schemas.openxmlformats.org/officeDocument/2006/relationships" xmlns:p="http://schemas.openxmlformats.org/presentationml/2006/main">
+  <p:cSld>
+    <p:bg>
+      <p:bgPr>
+        <a:solidFill>
+          <a:schemeClr val="accent5">
+            <a:lumMod val="60000"/>
+            <a:lumOff val="40000"/>
+          </a:schemeClr>
+        </a:solidFill>
+        <a:effectLst/>
+      </p:bgPr>
+    </p:bg>
+    <p:spTree>
+      <p:nvGrpSpPr>
+        <p:cNvPr id="1" name=""/>
+        <p:cNvGrpSpPr/>
+        <p:nvPr/>
+      </p:nvGrpSpPr>
+      <p:grpSpPr>
+        <a:xfrm>
+          <a:off x="0" y="0"/>
+          <a:ext cx="0" cy="0"/>
+          <a:chOff x="0" y="0"/>
+          <a:chExt cx="0" cy="0"/>
+        </a:xfrm>
+      </p:grpSpPr>
+      <p:sp>
+        <p:nvSpPr>
+          <p:cNvPr id="3" name="Rectangle 2"/>
+          <p:cNvSpPr/>
+          <p:nvPr/>
+        </p:nvSpPr>
+        <p:spPr>
+          <a:xfrm>
+            <a:off x="0" y="0"/>
+            <a:ext cx="9144000" cy="2015936"/>
+          </a:xfrm>
+          <a:prstGeom prst="rect">
+            <a:avLst/>
+          </a:prstGeom>
+        </p:spPr>
+        <p:txBody>
+          <a:bodyPr wrap="square">
+            <a:spAutoFit/>
+          </a:bodyPr>
+          <a:lstStyle/>
+          <a:p>
+            <a:pPr algn="ctr"/>
+            <a:endParaRPr lang="en-US" sz="4000" b="1" dirty="0"/>
+          </a:p>
+          <a:p>
+            <a:pPr lvl="1"/>
+            <a:r>
+              <a:rPr lang="en-US" sz="3500" b="1" dirty="0" smtClean="0"/>
+              <a:t>Tile based</a:t>
+            </a:r>
+            <a:endParaRPr lang="en-US" sz="3500" b="1" dirty="0"/>
+          </a:p>
+          <a:p>
+            <a:pPr lvl="1"/>
+            <a:endParaRPr lang="en-US" sz="2500" dirty="0"/>
+          </a:p>
+          <a:p>
+            <a:pPr marL="1657350" lvl="2" indent="-742950">
+              <a:buFont typeface="Arial" panose="020B0604020202020204" pitchFamily="34" charset="0"/>
+              <a:buChar char="•"/>
+            </a:pPr>
+            <a:endParaRPr lang="en-US" sz="2500" dirty="0"/>
+          </a:p>
+        </p:txBody>
+      </p:sp>
+      <p:pic>
+        <p:nvPicPr>
+          <p:cNvPr id="4" name="Picture 3" descr="demo11_scrolling"/>
+          <p:cNvPicPr>
+            <a:picLocks noChangeAspect="1" noChangeArrowheads="1"/>
+          </p:cNvPicPr>
+          <p:nvPr/>
+        </p:nvPicPr>
+        <p:blipFill>
+          <a:blip r:embed="rId3" cstate="print"/>
+          <a:srcRect/>
+          <a:stretch>
+            <a:fillRect/>
+          </a:stretch>
+        </p:blipFill>
+        <p:spPr bwMode="auto">
+          <a:xfrm>
+            <a:off x="1727993" y="1676400"/>
+            <a:ext cx="5688013" cy="4264025"/>
+          </a:xfrm>
+          <a:prstGeom prst="rect">
+            <a:avLst/>
+          </a:prstGeom>
+          <a:noFill/>
+          <a:ln w="9525">
+            <a:noFill/>
+            <a:miter lim="800000"/>
+            <a:headEnd/>
+            <a:tailEnd/>
+          </a:ln>
+        </p:spPr>
+      </p:pic>
+    </p:spTree>
+    <p:extLst>
+      <p:ext uri="{BB962C8B-B14F-4D97-AF65-F5344CB8AC3E}">
+        <p14:creationId xmlns:p14="http://schemas.microsoft.com/office/powerpoint/2010/main" val="837242182"/>
+      </p:ext>
+    </p:extLst>
+  </p:cSld>
+  <p:clrMapOvr>
+    <a:masterClrMapping/>
+  </p:clrMapOvr>
+  <p:timing>
+    <p:tnLst>
+      <p:par>
+        <p:cTn id="1" dur="indefinite" restart="never" nodeType="tmRoot"/>
+      </p:par>
+    </p:tnLst>
+  </p:timing>
+</p:sld>
+</file>
+
+<file path=ppt/slides/slide5.xml><?xml version="1.0" encoding="utf-8"?>
+<p:sld xmlns:a="http://schemas.openxmlformats.org/drawingml/2006/main" xmlns:r="http://schemas.openxmlformats.org/officeDocument/2006/relationships" xmlns:p="http://schemas.openxmlformats.org/presentationml/2006/main">
+  <p:cSld>
+    <p:bg>
+      <p:bgPr>
+        <a:solidFill>
+          <a:schemeClr val="accent5">
+            <a:lumMod val="60000"/>
+            <a:lumOff val="40000"/>
+          </a:schemeClr>
+        </a:solidFill>
+        <a:effectLst/>
+      </p:bgPr>
+    </p:bg>
+    <p:spTree>
+      <p:nvGrpSpPr>
+        <p:cNvPr id="1" name=""/>
+        <p:cNvGrpSpPr/>
+        <p:nvPr/>
+      </p:nvGrpSpPr>
+      <p:grpSpPr>
+        <a:xfrm>
+          <a:off x="0" y="0"/>
+          <a:ext cx="0" cy="0"/>
+          <a:chOff x="0" y="0"/>
+          <a:chExt cx="0" cy="0"/>
+        </a:xfrm>
+      </p:grpSpPr>
+      <p:sp>
+        <p:nvSpPr>
+          <p:cNvPr id="3" name="Rectangle 2"/>
+          <p:cNvSpPr/>
+          <p:nvPr/>
+        </p:nvSpPr>
+        <p:spPr>
+          <a:xfrm>
+            <a:off x="0" y="0"/>
+            <a:ext cx="9144000" cy="2015936"/>
+          </a:xfrm>
+          <a:prstGeom prst="rect">
+            <a:avLst/>
+          </a:prstGeom>
+        </p:spPr>
+        <p:txBody>
+          <a:bodyPr wrap="square">
+            <a:spAutoFit/>
+          </a:bodyPr>
+          <a:lstStyle/>
+          <a:p>
+            <a:pPr algn="ctr"/>
+            <a:endParaRPr lang="en-US" sz="4000" b="1" dirty="0"/>
+          </a:p>
+          <a:p>
+            <a:pPr lvl="1"/>
+            <a:r>
+              <a:rPr lang="en-US" sz="3500" b="1" dirty="0" smtClean="0"/>
+              <a:t>Tile based</a:t>
+            </a:r>
+            <a:endParaRPr lang="en-US" sz="3500" b="1" dirty="0"/>
+          </a:p>
+          <a:p>
+            <a:pPr lvl="1"/>
+            <a:endParaRPr lang="en-US" sz="2500" dirty="0"/>
+          </a:p>
+          <a:p>
+            <a:pPr marL="1657350" lvl="2" indent="-742950">
+              <a:buFont typeface="Arial" panose="020B0604020202020204" pitchFamily="34" charset="0"/>
+              <a:buChar char="•"/>
+            </a:pPr>
+            <a:endParaRPr lang="en-US" sz="2500" dirty="0"/>
+          </a:p>
+        </p:txBody>
+      </p:sp>
+      <p:pic>
+        <p:nvPicPr>
+          <p:cNvPr id="5" name="Picture 5" descr="bof2"/>
+          <p:cNvPicPr>
+            <a:picLocks noChangeAspect="1" noChangeArrowheads="1"/>
+          </p:cNvPicPr>
+          <p:nvPr/>
+        </p:nvPicPr>
+        <p:blipFill rotWithShape="1">
+          <a:blip r:embed="rId3" cstate="print"/>
+          <a:srcRect b="2017"/>
+          <a:stretch/>
+        </p:blipFill>
+        <p:spPr bwMode="auto">
+          <a:xfrm>
+            <a:off x="1403350" y="1700213"/>
+            <a:ext cx="5976938" cy="4395787"/>
+          </a:xfrm>
+          <a:prstGeom prst="rect">
+            <a:avLst/>
+          </a:prstGeom>
+          <a:noFill/>
+          <a:ln w="9525">
+            <a:noFill/>
+            <a:miter lim="800000"/>
+            <a:headEnd/>
+            <a:tailEnd/>
+          </a:ln>
+        </p:spPr>
+      </p:pic>
+    </p:spTree>
+    <p:extLst>
+      <p:ext uri="{BB962C8B-B14F-4D97-AF65-F5344CB8AC3E}">
+        <p14:creationId xmlns:p14="http://schemas.microsoft.com/office/powerpoint/2010/main" val="2173397495"/>
+      </p:ext>
+    </p:extLst>
+  </p:cSld>
+  <p:clrMapOvr>
+    <a:masterClrMapping/>
+  </p:clrMapOvr>
+  <p:timing>
+    <p:tnLst>
+      <p:par>
+        <p:cTn id="1" dur="indefinite" restart="never" nodeType="tmRoot"/>
+      </p:par>
+    </p:tnLst>
+  </p:timing>
+</p:sld>
+</file>
+
+<file path=ppt/slides/slide6.xml><?xml version="1.0" encoding="utf-8"?>
+<p:sld xmlns:a="http://schemas.openxmlformats.org/drawingml/2006/main" xmlns:r="http://schemas.openxmlformats.org/officeDocument/2006/relationships" xmlns:p="http://schemas.openxmlformats.org/presentationml/2006/main">
+  <p:cSld>
+    <p:bg>
+      <p:bgPr>
+        <a:solidFill>
+          <a:schemeClr val="accent5">
+            <a:lumMod val="60000"/>
+            <a:lumOff val="40000"/>
+          </a:schemeClr>
+        </a:solidFill>
+        <a:effectLst/>
+      </p:bgPr>
+    </p:bg>
+    <p:spTree>
+      <p:nvGrpSpPr>
+        <p:cNvPr id="1" name=""/>
+        <p:cNvGrpSpPr/>
+        <p:nvPr/>
+      </p:nvGrpSpPr>
+      <p:grpSpPr>
+        <a:xfrm>
+          <a:off x="0" y="0"/>
+          <a:ext cx="0" cy="0"/>
+          <a:chOff x="0" y="0"/>
+          <a:chExt cx="0" cy="0"/>
+        </a:xfrm>
+      </p:grpSpPr>
+      <p:sp>
+        <p:nvSpPr>
+          <p:cNvPr id="3" name="Rectangle 2"/>
+          <p:cNvSpPr/>
+          <p:nvPr/>
+        </p:nvSpPr>
+        <p:spPr>
+          <a:xfrm>
+            <a:off x="0" y="0"/>
+            <a:ext cx="9144000" cy="2015936"/>
+          </a:xfrm>
+          <a:prstGeom prst="rect">
+            <a:avLst/>
+          </a:prstGeom>
+        </p:spPr>
+        <p:txBody>
+          <a:bodyPr wrap="square">
+            <a:spAutoFit/>
+          </a:bodyPr>
+          <a:lstStyle/>
+          <a:p>
+            <a:pPr algn="ctr"/>
+            <a:endParaRPr lang="en-US" sz="4000" b="1" dirty="0"/>
+          </a:p>
+          <a:p>
+            <a:pPr lvl="1"/>
+            <a:r>
+              <a:rPr lang="en-US" sz="3500" b="1" dirty="0" smtClean="0"/>
+              <a:t>Tile based</a:t>
+            </a:r>
+            <a:endParaRPr lang="en-US" sz="3500" b="1" dirty="0"/>
+          </a:p>
+          <a:p>
+            <a:pPr lvl="1"/>
+            <a:endParaRPr lang="en-US" sz="2500" dirty="0"/>
+          </a:p>
+          <a:p>
+            <a:pPr marL="1657350" lvl="2" indent="-742950">
+              <a:buFont typeface="Arial" panose="020B0604020202020204" pitchFamily="34" charset="0"/>
+              <a:buChar char="•"/>
+            </a:pPr>
+            <a:endParaRPr lang="en-US" sz="2500" dirty="0"/>
+          </a:p>
+        </p:txBody>
+      </p:sp>
+      <p:pic>
+        <p:nvPicPr>
+          <p:cNvPr id="4" name="Picture 5"/>
+          <p:cNvPicPr>
+            <a:picLocks noChangeAspect="1" noChangeArrowheads="1"/>
+          </p:cNvPicPr>
+          <p:nvPr/>
+        </p:nvPicPr>
+        <p:blipFill>
+          <a:blip r:embed="rId3" cstate="print"/>
+          <a:srcRect/>
+          <a:stretch>
+            <a:fillRect/>
+          </a:stretch>
+        </p:blipFill>
+        <p:spPr bwMode="auto">
+          <a:xfrm>
+            <a:off x="1567656" y="1676400"/>
+            <a:ext cx="6008687" cy="4506912"/>
+          </a:xfrm>
+          <a:prstGeom prst="rect">
+            <a:avLst/>
+          </a:prstGeom>
+          <a:noFill/>
+          <a:ln w="9525">
+            <a:noFill/>
+            <a:miter lim="800000"/>
+            <a:headEnd/>
+            <a:tailEnd/>
+          </a:ln>
+        </p:spPr>
+      </p:pic>
+    </p:spTree>
+    <p:extLst>
+      <p:ext uri="{BB962C8B-B14F-4D97-AF65-F5344CB8AC3E}">
+        <p14:creationId xmlns:p14="http://schemas.microsoft.com/office/powerpoint/2010/main" val="1695642660"/>
+      </p:ext>
+    </p:extLst>
+  </p:cSld>
+  <p:clrMapOvr>
+    <a:masterClrMapping/>
+  </p:clrMapOvr>
+  <p:timing>
+    <p:tnLst>
+      <p:par>
+        <p:cTn id="1" dur="indefinite" restart="never" nodeType="tmRoot"/>
+      </p:par>
+    </p:tnLst>
+  </p:timing>
+</p:sld>
+</file>
+
+<file path=ppt/slides/slide7.xml><?xml version="1.0" encoding="utf-8"?>
+<p:sld xmlns:a="http://schemas.openxmlformats.org/drawingml/2006/main" xmlns:r="http://schemas.openxmlformats.org/officeDocument/2006/relationships" xmlns:p="http://schemas.openxmlformats.org/presentationml/2006/main">
+  <p:cSld>
+    <p:bg>
+      <p:bgPr>
+        <a:solidFill>
+          <a:schemeClr val="accent5">
+            <a:lumMod val="60000"/>
+            <a:lumOff val="40000"/>
+          </a:schemeClr>
+        </a:solidFill>
+        <a:effectLst/>
+      </p:bgPr>
+    </p:bg>
+    <p:spTree>
+      <p:nvGrpSpPr>
+        <p:cNvPr id="1" name=""/>
+        <p:cNvGrpSpPr/>
+        <p:nvPr/>
+      </p:nvGrpSpPr>
+      <p:grpSpPr>
+        <a:xfrm>
+          <a:off x="0" y="0"/>
+          <a:ext cx="0" cy="0"/>
+          <a:chOff x="0" y="0"/>
+          <a:chExt cx="0" cy="0"/>
+        </a:xfrm>
+      </p:grpSpPr>
+      <p:sp>
+        <p:nvSpPr>
+          <p:cNvPr id="3" name="Rectangle 2"/>
+          <p:cNvSpPr/>
+          <p:nvPr/>
+        </p:nvSpPr>
+        <p:spPr>
+          <a:xfrm>
+            <a:off x="0" y="0"/>
+            <a:ext cx="9144000" cy="2015936"/>
+          </a:xfrm>
+          <a:prstGeom prst="rect">
+            <a:avLst/>
+          </a:prstGeom>
+        </p:spPr>
+        <p:txBody>
+          <a:bodyPr wrap="square">
+            <a:spAutoFit/>
+          </a:bodyPr>
+          <a:lstStyle/>
+          <a:p>
+            <a:pPr algn="ctr"/>
+            <a:endParaRPr lang="en-US" sz="4000" b="1" dirty="0"/>
+          </a:p>
+          <a:p>
+            <a:pPr lvl="1"/>
+            <a:r>
+              <a:rPr lang="en-US" sz="3500" b="1" dirty="0" smtClean="0"/>
+              <a:t>Tile based</a:t>
+            </a:r>
+            <a:endParaRPr lang="en-US" sz="3500" b="1" dirty="0"/>
+          </a:p>
+          <a:p>
+            <a:pPr lvl="1"/>
+            <a:endParaRPr lang="en-US" sz="2500" dirty="0"/>
+          </a:p>
+          <a:p>
+            <a:pPr marL="1657350" lvl="2" indent="-742950">
+              <a:buFont typeface="Arial" panose="020B0604020202020204" pitchFamily="34" charset="0"/>
+              <a:buChar char="•"/>
+            </a:pPr>
+            <a:endParaRPr lang="en-US" sz="2500" dirty="0"/>
+          </a:p>
+        </p:txBody>
+      </p:sp>
+      <p:pic>
+        <p:nvPicPr>
+          <p:cNvPr id="5" name="Picture 5" descr="hmm1"/>
+          <p:cNvPicPr>
+            <a:picLocks noChangeAspect="1" noChangeArrowheads="1"/>
+          </p:cNvPicPr>
+          <p:nvPr/>
+        </p:nvPicPr>
+        <p:blipFill>
+          <a:blip r:embed="rId3" cstate="print"/>
+          <a:srcRect/>
+          <a:stretch>
+            <a:fillRect/>
+          </a:stretch>
+        </p:blipFill>
+        <p:spPr>
+          <a:xfrm>
+            <a:off x="1548606" y="1676400"/>
+            <a:ext cx="6046787" cy="4535487"/>
+          </a:xfrm>
+          <a:prstGeom prst="rect">
+            <a:avLst/>
+          </a:prstGeom>
+          <a:noFill/>
+        </p:spPr>
+      </p:pic>
+    </p:spTree>
+    <p:extLst>
+      <p:ext uri="{BB962C8B-B14F-4D97-AF65-F5344CB8AC3E}">
+        <p14:creationId xmlns:p14="http://schemas.microsoft.com/office/powerpoint/2010/main" val="850693434"/>
+      </p:ext>
+    </p:extLst>
+  </p:cSld>
+  <p:clrMapOvr>
+    <a:masterClrMapping/>
+  </p:clrMapOvr>
+  <p:timing>
+    <p:tnLst>
+      <p:par>
+        <p:cTn id="1" dur="indefinite" restart="never" nodeType="tmRoot"/>
+      </p:par>
+    </p:tnLst>
+  </p:timing>
+</p:sld>
+</file>
+
+<file path=ppt/slides/slide8.xml><?xml version="1.0" encoding="utf-8"?>
+<p:sld xmlns:a="http://schemas.openxmlformats.org/drawingml/2006/main" xmlns:r="http://schemas.openxmlformats.org/officeDocument/2006/relationships" xmlns:p="http://schemas.openxmlformats.org/presentationml/2006/main">
+  <p:cSld>
+    <p:bg>
+      <p:bgPr>
+        <a:solidFill>
+          <a:schemeClr val="accent5">
+            <a:lumMod val="60000"/>
+            <a:lumOff val="40000"/>
+          </a:schemeClr>
+        </a:solidFill>
+        <a:effectLst/>
+      </p:bgPr>
+    </p:bg>
+    <p:spTree>
+      <p:nvGrpSpPr>
+        <p:cNvPr id="1" name=""/>
+        <p:cNvGrpSpPr/>
+        <p:nvPr/>
+      </p:nvGrpSpPr>
+      <p:grpSpPr>
+        <a:xfrm>
+          <a:off x="0" y="0"/>
+          <a:ext cx="0" cy="0"/>
+          <a:chOff x="0" y="0"/>
+          <a:chExt cx="0" cy="0"/>
+        </a:xfrm>
+      </p:grpSpPr>
+      <p:sp>
+        <p:nvSpPr>
+          <p:cNvPr id="3" name="Rectangle 2"/>
+          <p:cNvSpPr/>
+          <p:nvPr/>
+        </p:nvSpPr>
+        <p:spPr>
+          <a:xfrm>
+            <a:off x="0" y="0"/>
+            <a:ext cx="9144000" cy="2015936"/>
+          </a:xfrm>
+          <a:prstGeom prst="rect">
+            <a:avLst/>
+          </a:prstGeom>
+        </p:spPr>
+        <p:txBody>
+          <a:bodyPr wrap="square">
+            <a:spAutoFit/>
+          </a:bodyPr>
+          <a:lstStyle/>
+          <a:p>
+            <a:pPr algn="ctr"/>
+            <a:endParaRPr lang="en-US" sz="4000" b="1" dirty="0"/>
+          </a:p>
+          <a:p>
+            <a:pPr lvl="1"/>
+            <a:r>
+              <a:rPr lang="en-US" sz="3500" b="1" dirty="0" smtClean="0"/>
+              <a:t>Tile based</a:t>
+            </a:r>
+            <a:endParaRPr lang="en-US" sz="3500" b="1" dirty="0"/>
+          </a:p>
+          <a:p>
+            <a:pPr lvl="1"/>
+            <a:endParaRPr lang="en-US" sz="2500" dirty="0"/>
+          </a:p>
+          <a:p>
+            <a:pPr marL="1657350" lvl="2" indent="-742950">
+              <a:buFont typeface="Arial" panose="020B0604020202020204" pitchFamily="34" charset="0"/>
+              <a:buChar char="•"/>
+            </a:pPr>
+            <a:endParaRPr lang="en-US" sz="2500" dirty="0"/>
+          </a:p>
+        </p:txBody>
+      </p:sp>
+      <p:pic>
+        <p:nvPicPr>
+          <p:cNvPr id="4" name="Picture 5" descr="21942-1-2"/>
+          <p:cNvPicPr>
+            <a:picLocks noChangeAspect="1" noChangeArrowheads="1"/>
+          </p:cNvPicPr>
+          <p:nvPr/>
+        </p:nvPicPr>
+        <p:blipFill>
+          <a:blip r:embed="rId3" cstate="print"/>
+          <a:stretch>
+            <a:fillRect/>
+          </a:stretch>
+        </p:blipFill>
+        <p:spPr>
+          <a:xfrm>
+            <a:off x="1362060" y="1600200"/>
+            <a:ext cx="6419880" cy="4814910"/>
+          </a:xfrm>
+          <a:prstGeom prst="rect">
+            <a:avLst/>
+          </a:prstGeom>
+          <a:noFill/>
+        </p:spPr>
+      </p:pic>
+    </p:spTree>
+    <p:extLst>
+      <p:ext uri="{BB962C8B-B14F-4D97-AF65-F5344CB8AC3E}">
+        <p14:creationId xmlns:p14="http://schemas.microsoft.com/office/powerpoint/2010/main" val="1864304536"/>
       </p:ext>
     </p:extLst>
   </p:cSld>
@@ -9792,7 +15746,7 @@
         <p:spPr>
           <a:xfrm>
             <a:off x="0" y="0"/>
-            <a:ext cx="9144000" cy="1246495"/>
+            <a:ext cx="9144000" cy="2015936"/>
           </a:xfrm>
           <a:prstGeom prst="rect">
             <a:avLst/>
@@ -9811,46 +15765,166 @@
             <a:pPr lvl="1"/>
             <a:r>
               <a:rPr lang="en-US" sz="3500" b="1" dirty="0" smtClean="0"/>
-              <a:t>Task 2 – map from file</a:t>
+              <a:t>Tile based – side view</a:t>
             </a:r>
             <a:endParaRPr lang="en-US" sz="3500" b="1" dirty="0"/>
           </a:p>
-        </p:txBody>
-      </p:sp>
-      <p:pic>
-        <p:nvPicPr>
-          <p:cNvPr id="4" name="Picture 3"/>
-          <p:cNvPicPr>
-            <a:picLocks noChangeAspect="1"/>
-          </p:cNvPicPr>
+          <a:p>
+            <a:pPr lvl="1"/>
+            <a:endParaRPr lang="en-US" sz="2500" dirty="0"/>
+          </a:p>
+          <a:p>
+            <a:pPr marL="1657350" lvl="2" indent="-742950">
+              <a:buFont typeface="Arial" panose="020B0604020202020204" pitchFamily="34" charset="0"/>
+              <a:buChar char="•"/>
+            </a:pPr>
+            <a:endParaRPr lang="en-US" sz="2500" dirty="0"/>
+          </a:p>
+        </p:txBody>
+      </p:sp>
+      <p:grpSp>
+        <p:nvGrpSpPr>
+          <p:cNvPr id="2" name="Group 1"/>
+          <p:cNvGrpSpPr/>
           <p:nvPr/>
-        </p:nvPicPr>
-        <p:blipFill>
-          <a:blip r:embed="rId3">
-            <a:extLst>
-              <a:ext uri="{28A0092B-C50C-407E-A947-70E740481C1C}">
-                <a14:useLocalDpi xmlns:a14="http://schemas.microsoft.com/office/drawing/2010/main" val="0"/>
-              </a:ext>
-            </a:extLst>
-          </a:blip>
-          <a:stretch>
-            <a:fillRect/>
-          </a:stretch>
-        </p:blipFill>
-        <p:spPr>
+        </p:nvGrpSpPr>
+        <p:grpSpPr>
           <a:xfrm>
-            <a:off x="1233152" y="1676400"/>
-            <a:ext cx="6677696" cy="4832991"/>
+            <a:off x="1005863" y="1600200"/>
+            <a:ext cx="7132273" cy="4752256"/>
+            <a:chOff x="625839" y="1564387"/>
+            <a:chExt cx="7132273" cy="4752256"/>
           </a:xfrm>
-          <a:prstGeom prst="rect">
-            <a:avLst/>
-          </a:prstGeom>
-        </p:spPr>
-      </p:pic>
+        </p:grpSpPr>
+        <p:pic>
+          <p:nvPicPr>
+            <p:cNvPr id="5" name="Picture 14" descr="SMBA4_4"/>
+            <p:cNvPicPr>
+              <a:picLocks noChangeAspect="1" noChangeArrowheads="1"/>
+            </p:cNvPicPr>
+            <p:nvPr/>
+          </p:nvPicPr>
+          <p:blipFill>
+            <a:blip r:embed="rId3" cstate="print"/>
+            <a:srcRect/>
+            <a:stretch>
+              <a:fillRect/>
+            </a:stretch>
+          </p:blipFill>
+          <p:spPr>
+            <a:xfrm>
+              <a:off x="625839" y="1564387"/>
+              <a:ext cx="3490912" cy="2327275"/>
+            </a:xfrm>
+            <a:prstGeom prst="rect">
+              <a:avLst/>
+            </a:prstGeom>
+            <a:ln>
+              <a:solidFill>
+                <a:schemeClr val="tx1"/>
+              </a:solidFill>
+            </a:ln>
+          </p:spPr>
+        </p:pic>
+        <p:pic>
+          <p:nvPicPr>
+            <p:cNvPr id="6" name="Picture 15" descr="SMBA4_1"/>
+            <p:cNvPicPr>
+              <a:picLocks noChangeAspect="1" noChangeArrowheads="1"/>
+            </p:cNvPicPr>
+            <p:nvPr/>
+          </p:nvPicPr>
+          <p:blipFill>
+            <a:blip r:embed="rId4" cstate="print"/>
+            <a:srcRect/>
+            <a:stretch>
+              <a:fillRect/>
+            </a:stretch>
+          </p:blipFill>
+          <p:spPr>
+            <a:xfrm>
+              <a:off x="4267200" y="1564387"/>
+              <a:ext cx="3490912" cy="2327275"/>
+            </a:xfrm>
+            <a:prstGeom prst="rect">
+              <a:avLst/>
+            </a:prstGeom>
+            <a:ln>
+              <a:solidFill>
+                <a:schemeClr val="tx1"/>
+              </a:solidFill>
+            </a:ln>
+          </p:spPr>
+        </p:pic>
+        <p:pic>
+          <p:nvPicPr>
+            <p:cNvPr id="7" name="Picture 16" descr="1"/>
+            <p:cNvPicPr>
+              <a:picLocks noChangeAspect="1" noChangeArrowheads="1"/>
+            </p:cNvPicPr>
+            <p:nvPr/>
+          </p:nvPicPr>
+          <p:blipFill>
+            <a:blip r:embed="rId5" cstate="print"/>
+            <a:srcRect/>
+            <a:stretch>
+              <a:fillRect/>
+            </a:stretch>
+          </p:blipFill>
+          <p:spPr>
+            <a:xfrm>
+              <a:off x="4267200" y="4003024"/>
+              <a:ext cx="3490912" cy="2313619"/>
+            </a:xfrm>
+            <a:prstGeom prst="rect">
+              <a:avLst/>
+            </a:prstGeom>
+            <a:ln>
+              <a:solidFill>
+                <a:schemeClr val="tx1"/>
+              </a:solidFill>
+            </a:ln>
+          </p:spPr>
+        </p:pic>
+        <p:pic>
+          <p:nvPicPr>
+            <p:cNvPr id="8" name="Picture 19" descr="smb4yoshihouse"/>
+            <p:cNvPicPr>
+              <a:picLocks noChangeAspect="1" noChangeArrowheads="1"/>
+            </p:cNvPicPr>
+            <p:nvPr/>
+          </p:nvPicPr>
+          <p:blipFill>
+            <a:blip r:embed="rId6" cstate="print"/>
+            <a:srcRect/>
+            <a:stretch>
+              <a:fillRect/>
+            </a:stretch>
+          </p:blipFill>
+          <p:spPr bwMode="auto">
+            <a:xfrm>
+              <a:off x="625839" y="4003024"/>
+              <a:ext cx="3490912" cy="2313619"/>
+            </a:xfrm>
+            <a:prstGeom prst="rect">
+              <a:avLst/>
+            </a:prstGeom>
+            <a:noFill/>
+            <a:ln w="9525">
+              <a:solidFill>
+                <a:schemeClr val="tx1"/>
+              </a:solidFill>
+              <a:miter lim="800000"/>
+              <a:headEnd/>
+              <a:tailEnd/>
+            </a:ln>
+          </p:spPr>
+        </p:pic>
+      </p:grpSp>
     </p:spTree>
     <p:extLst>
       <p:ext uri="{BB962C8B-B14F-4D97-AF65-F5344CB8AC3E}">
-        <p14:creationId xmlns:p14="http://schemas.microsoft.com/office/powerpoint/2010/main" val="2111499007"/>
+        <p14:creationId xmlns:p14="http://schemas.microsoft.com/office/powerpoint/2010/main" val="713594490"/>
       </p:ext>
     </p:extLst>
   </p:cSld>
